--- a/M2_CellRanger_Alignment/M2_CellRanger.pptx
+++ b/M2_CellRanger_Alignment/M2_CellRanger.pptx
@@ -5,7 +5,7 @@
     <p:sldMasterId id="2147483648" r:id="rId1"/>
   </p:sldMasterIdLst>
   <p:notesMasterIdLst>
-    <p:notesMasterId r:id="rId11"/>
+    <p:notesMasterId r:id="rId12"/>
   </p:notesMasterIdLst>
   <p:sldIdLst>
     <p:sldId id="256" r:id="rId2"/>
@@ -15,8 +15,9 @@
     <p:sldId id="261" r:id="rId6"/>
     <p:sldId id="262" r:id="rId7"/>
     <p:sldId id="263" r:id="rId8"/>
-    <p:sldId id="265" r:id="rId9"/>
-    <p:sldId id="266" r:id="rId10"/>
+    <p:sldId id="268" r:id="rId9"/>
+    <p:sldId id="265" r:id="rId10"/>
+    <p:sldId id="266" r:id="rId11"/>
   </p:sldIdLst>
   <p:sldSz cx="12192000" cy="6858000"/>
   <p:notesSz cx="6858000" cy="9144000"/>
@@ -205,7 +206,7 @@
           <a:p>
             <a:fld id="{FF40CFF0-3E11-4AF6-9747-7919C58FBC48}" type="datetimeFigureOut">
               <a:rPr lang="en-US" smtClean="0"/>
-              <a:t>1/3/24</a:t>
+              <a:t>1/4/24</a:t>
             </a:fld>
             <a:endParaRPr lang="en-US"/>
           </a:p>
@@ -627,7 +628,7 @@
           <a:p>
             <a:fld id="{9F69634C-F75C-45F7-A87A-C5E2AF3ECA41}" type="datetimeFigureOut">
               <a:rPr lang="en-US" smtClean="0"/>
-              <a:t>1/3/24</a:t>
+              <a:t>1/4/24</a:t>
             </a:fld>
             <a:endParaRPr lang="en-US"/>
           </a:p>
@@ -791,7 +792,7 @@
           <a:p>
             <a:fld id="{9F69634C-F75C-45F7-A87A-C5E2AF3ECA41}" type="datetimeFigureOut">
               <a:rPr lang="en-US" smtClean="0"/>
-              <a:t>1/3/24</a:t>
+              <a:t>1/4/24</a:t>
             </a:fld>
             <a:endParaRPr lang="en-US"/>
           </a:p>
@@ -994,7 +995,7 @@
           <a:p>
             <a:fld id="{9F69634C-F75C-45F7-A87A-C5E2AF3ECA41}" type="datetimeFigureOut">
               <a:rPr lang="en-US" smtClean="0"/>
-              <a:t>1/3/24</a:t>
+              <a:t>1/4/24</a:t>
             </a:fld>
             <a:endParaRPr lang="en-US"/>
           </a:p>
@@ -1259,7 +1260,7 @@
           <a:p>
             <a:fld id="{9F69634C-F75C-45F7-A87A-C5E2AF3ECA41}" type="datetimeFigureOut">
               <a:rPr lang="en-US" smtClean="0"/>
-              <a:t>1/3/24</a:t>
+              <a:t>1/4/24</a:t>
             </a:fld>
             <a:endParaRPr lang="en-US"/>
           </a:p>
@@ -1372,7 +1373,7 @@
           <a:p>
             <a:fld id="{9F69634C-F75C-45F7-A87A-C5E2AF3ECA41}" type="datetimeFigureOut">
               <a:rPr lang="en-US" smtClean="0"/>
-              <a:t>1/3/24</a:t>
+              <a:t>1/4/24</a:t>
             </a:fld>
             <a:endParaRPr lang="en-US"/>
           </a:p>
@@ -1613,7 +1614,7 @@
           <a:p>
             <a:fld id="{9F69634C-F75C-45F7-A87A-C5E2AF3ECA41}" type="datetimeFigureOut">
               <a:rPr lang="en-US" smtClean="0"/>
-              <a:t>1/3/24</a:t>
+              <a:t>1/4/24</a:t>
             </a:fld>
             <a:endParaRPr lang="en-US"/>
           </a:p>
@@ -2405,6 +2406,187 @@
     <p:extLst>
       <p:ext uri="{BB962C8B-B14F-4D97-AF65-F5344CB8AC3E}">
         <p14:creationId xmlns:p14="http://schemas.microsoft.com/office/powerpoint/2010/main" val="2380909950"/>
+      </p:ext>
+    </p:extLst>
+  </p:cSld>
+  <p:clrMapOvr>
+    <a:masterClrMapping/>
+  </p:clrMapOvr>
+</p:sld>
+</file>
+
+<file path=ppt/slides/slide10.xml><?xml version="1.0" encoding="utf-8"?>
+<p:sld xmlns:a="http://schemas.openxmlformats.org/drawingml/2006/main" xmlns:r="http://schemas.openxmlformats.org/officeDocument/2006/relationships" xmlns:p="http://schemas.openxmlformats.org/presentationml/2006/main">
+  <p:cSld>
+    <p:spTree>
+      <p:nvGrpSpPr>
+        <p:cNvPr id="1" name=""/>
+        <p:cNvGrpSpPr/>
+        <p:nvPr/>
+      </p:nvGrpSpPr>
+      <p:grpSpPr>
+        <a:xfrm>
+          <a:off x="0" y="0"/>
+          <a:ext cx="0" cy="0"/>
+          <a:chOff x="0" y="0"/>
+          <a:chExt cx="0" cy="0"/>
+        </a:xfrm>
+      </p:grpSpPr>
+      <p:sp>
+        <p:nvSpPr>
+          <p:cNvPr id="2" name="Title 1">
+            <a:extLst>
+              <a:ext uri="{FF2B5EF4-FFF2-40B4-BE49-F238E27FC236}">
+                <a16:creationId xmlns:a16="http://schemas.microsoft.com/office/drawing/2014/main" id="{15FF008D-6109-C04B-2DD5-F18725394719}"/>
+              </a:ext>
+            </a:extLst>
+          </p:cNvPr>
+          <p:cNvSpPr>
+            <a:spLocks noGrp="1"/>
+          </p:cNvSpPr>
+          <p:nvPr>
+            <p:ph type="title"/>
+          </p:nvPr>
+        </p:nvSpPr>
+        <p:spPr/>
+        <p:txBody>
+          <a:bodyPr/>
+          <a:lstStyle/>
+          <a:p>
+            <a:r>
+              <a:rPr lang="en-US" dirty="0"/>
+              <a:t>Key Cell Ranger Parameters for Alignment</a:t>
+            </a:r>
+          </a:p>
+        </p:txBody>
+      </p:sp>
+      <p:sp>
+        <p:nvSpPr>
+          <p:cNvPr id="4" name="TextBox 3">
+            <a:extLst>
+              <a:ext uri="{FF2B5EF4-FFF2-40B4-BE49-F238E27FC236}">
+                <a16:creationId xmlns:a16="http://schemas.microsoft.com/office/drawing/2014/main" id="{CC1F8028-DD48-21C8-784C-0351ADD5D02F}"/>
+              </a:ext>
+            </a:extLst>
+          </p:cNvPr>
+          <p:cNvSpPr txBox="1"/>
+          <p:nvPr/>
+        </p:nvSpPr>
+        <p:spPr>
+          <a:xfrm>
+            <a:off x="4729655" y="6627168"/>
+            <a:ext cx="5155323" cy="230832"/>
+          </a:xfrm>
+          <a:prstGeom prst="rect">
+            <a:avLst/>
+          </a:prstGeom>
+          <a:noFill/>
+        </p:spPr>
+        <p:txBody>
+          <a:bodyPr wrap="square">
+            <a:spAutoFit/>
+          </a:bodyPr>
+          <a:lstStyle/>
+          <a:p>
+            <a:pPr algn="r"/>
+            <a:r>
+              <a:rPr lang="en-US" sz="900" i="1" dirty="0">
+                <a:solidFill>
+                  <a:schemeClr val="bg1">
+                    <a:lumMod val="50000"/>
+                  </a:schemeClr>
+                </a:solidFill>
+              </a:rPr>
+              <a:t>https://www.10xgenomics.com/support/software/cell-ranger/algorithms-overview/</a:t>
+            </a:r>
+            <a:r>
+              <a:rPr lang="en-US" sz="900" i="1" dirty="0" err="1">
+                <a:solidFill>
+                  <a:schemeClr val="bg1">
+                    <a:lumMod val="50000"/>
+                  </a:schemeClr>
+                </a:solidFill>
+              </a:rPr>
+              <a:t>cr</a:t>
+            </a:r>
+            <a:r>
+              <a:rPr lang="en-US" sz="900" i="1" dirty="0">
+                <a:solidFill>
+                  <a:schemeClr val="bg1">
+                    <a:lumMod val="50000"/>
+                  </a:schemeClr>
+                </a:solidFill>
+              </a:rPr>
+              <a:t>-</a:t>
+            </a:r>
+            <a:r>
+              <a:rPr lang="en-US" sz="900" i="1" dirty="0" err="1">
+                <a:solidFill>
+                  <a:schemeClr val="bg1">
+                    <a:lumMod val="50000"/>
+                  </a:schemeClr>
+                </a:solidFill>
+              </a:rPr>
+              <a:t>gex</a:t>
+            </a:r>
+            <a:r>
+              <a:rPr lang="en-US" sz="900" i="1" dirty="0">
+                <a:solidFill>
+                  <a:schemeClr val="bg1">
+                    <a:lumMod val="50000"/>
+                  </a:schemeClr>
+                </a:solidFill>
+              </a:rPr>
+              <a:t>-algorithm</a:t>
+            </a:r>
+          </a:p>
+        </p:txBody>
+      </p:sp>
+      <p:sp>
+        <p:nvSpPr>
+          <p:cNvPr id="3" name="TextBox 2">
+            <a:extLst>
+              <a:ext uri="{FF2B5EF4-FFF2-40B4-BE49-F238E27FC236}">
+                <a16:creationId xmlns:a16="http://schemas.microsoft.com/office/drawing/2014/main" id="{7915BA8D-942C-CA8B-B7AA-AAEFCEABA0B7}"/>
+              </a:ext>
+            </a:extLst>
+          </p:cNvPr>
+          <p:cNvSpPr txBox="1"/>
+          <p:nvPr/>
+        </p:nvSpPr>
+        <p:spPr>
+          <a:xfrm>
+            <a:off x="508959" y="1630392"/>
+            <a:ext cx="4910511" cy="646331"/>
+          </a:xfrm>
+          <a:prstGeom prst="rect">
+            <a:avLst/>
+          </a:prstGeom>
+          <a:noFill/>
+        </p:spPr>
+        <p:txBody>
+          <a:bodyPr wrap="none" rtlCol="0">
+            <a:spAutoFit/>
+          </a:bodyPr>
+          <a:lstStyle/>
+          <a:p>
+            <a:r>
+              <a:rPr lang="en-US" dirty="0"/>
+              <a:t>Reference Genome</a:t>
+            </a:r>
+          </a:p>
+          <a:p>
+            <a:r>
+              <a:rPr lang="en-US" dirty="0"/>
+              <a:t>  Can significantly influence number of Reads/Cells</a:t>
+            </a:r>
+          </a:p>
+        </p:txBody>
+      </p:sp>
+    </p:spTree>
+    <p:extLst>
+      <p:ext uri="{BB962C8B-B14F-4D97-AF65-F5344CB8AC3E}">
+        <p14:creationId xmlns:p14="http://schemas.microsoft.com/office/powerpoint/2010/main" val="3966724803"/>
       </p:ext>
     </p:extLst>
   </p:cSld>
@@ -6111,6 +6293,1885 @@
           <p:cNvPr id="2" name="Title 1">
             <a:extLst>
               <a:ext uri="{FF2B5EF4-FFF2-40B4-BE49-F238E27FC236}">
+                <a16:creationId xmlns:a16="http://schemas.microsoft.com/office/drawing/2014/main" id="{1942DDF0-515E-238F-2A7E-655B0D47A6B7}"/>
+              </a:ext>
+            </a:extLst>
+          </p:cNvPr>
+          <p:cNvSpPr>
+            <a:spLocks noGrp="1"/>
+          </p:cNvSpPr>
+          <p:nvPr>
+            <p:ph type="title"/>
+          </p:nvPr>
+        </p:nvSpPr>
+        <p:spPr/>
+        <p:txBody>
+          <a:bodyPr/>
+          <a:lstStyle/>
+          <a:p>
+            <a:r>
+              <a:rPr lang="en-US" dirty="0"/>
+              <a:t>Cell Ranger Outputs</a:t>
+            </a:r>
+          </a:p>
+        </p:txBody>
+      </p:sp>
+      <p:graphicFrame>
+        <p:nvGraphicFramePr>
+          <p:cNvPr id="10" name="Table 9">
+            <a:extLst>
+              <a:ext uri="{FF2B5EF4-FFF2-40B4-BE49-F238E27FC236}">
+                <a16:creationId xmlns:a16="http://schemas.microsoft.com/office/drawing/2014/main" id="{CC2A18AE-B674-5AB4-2D8D-9ACA47E5ED64}"/>
+              </a:ext>
+            </a:extLst>
+          </p:cNvPr>
+          <p:cNvGraphicFramePr>
+            <a:graphicFrameLocks noGrp="1"/>
+          </p:cNvGraphicFramePr>
+          <p:nvPr>
+            <p:extLst>
+              <p:ext uri="{D42A27DB-BD31-4B8C-83A1-F6EECF244321}">
+                <p14:modId xmlns:p14="http://schemas.microsoft.com/office/powerpoint/2010/main" val="3674244215"/>
+              </p:ext>
+            </p:extLst>
+          </p:nvPr>
+        </p:nvGraphicFramePr>
+        <p:xfrm>
+          <a:off x="775779" y="1969994"/>
+          <a:ext cx="1841500" cy="1333500"/>
+        </p:xfrm>
+        <a:graphic>
+          <a:graphicData uri="http://schemas.openxmlformats.org/drawingml/2006/table">
+            <a:tbl>
+              <a:tblPr>
+                <a:tableStyleId>{5C22544A-7EE6-4342-B048-85BDC9FD1C3A}</a:tableStyleId>
+              </a:tblPr>
+              <a:tblGrid>
+                <a:gridCol w="368300">
+                  <a:extLst>
+                    <a:ext uri="{9D8B030D-6E8A-4147-A177-3AD203B41FA5}">
+                      <a16:colId xmlns:a16="http://schemas.microsoft.com/office/drawing/2014/main" val="842824199"/>
+                    </a:ext>
+                  </a:extLst>
+                </a:gridCol>
+                <a:gridCol w="368300">
+                  <a:extLst>
+                    <a:ext uri="{9D8B030D-6E8A-4147-A177-3AD203B41FA5}">
+                      <a16:colId xmlns:a16="http://schemas.microsoft.com/office/drawing/2014/main" val="37801176"/>
+                    </a:ext>
+                  </a:extLst>
+                </a:gridCol>
+                <a:gridCol w="368300">
+                  <a:extLst>
+                    <a:ext uri="{9D8B030D-6E8A-4147-A177-3AD203B41FA5}">
+                      <a16:colId xmlns:a16="http://schemas.microsoft.com/office/drawing/2014/main" val="2671862456"/>
+                    </a:ext>
+                  </a:extLst>
+                </a:gridCol>
+                <a:gridCol w="368300">
+                  <a:extLst>
+                    <a:ext uri="{9D8B030D-6E8A-4147-A177-3AD203B41FA5}">
+                      <a16:colId xmlns:a16="http://schemas.microsoft.com/office/drawing/2014/main" val="396799165"/>
+                    </a:ext>
+                  </a:extLst>
+                </a:gridCol>
+                <a:gridCol w="368300">
+                  <a:extLst>
+                    <a:ext uri="{9D8B030D-6E8A-4147-A177-3AD203B41FA5}">
+                      <a16:colId xmlns:a16="http://schemas.microsoft.com/office/drawing/2014/main" val="3596815352"/>
+                    </a:ext>
+                  </a:extLst>
+                </a:gridCol>
+              </a:tblGrid>
+              <a:tr h="190500">
+                <a:tc gridSpan="3">
+                  <a:txBody>
+                    <a:bodyPr/>
+                    <a:lstStyle/>
+                    <a:p>
+                      <a:pPr algn="l" fontAlgn="b"/>
+                      <a:r>
+                        <a:rPr lang="en-US" sz="1100" u="none" strike="noStrike">
+                          <a:effectLst/>
+                        </a:rPr>
+                        <a:t>Expression Matrix</a:t>
+                      </a:r>
+                      <a:endParaRPr lang="en-US" sz="1100" b="0" i="0" u="none" strike="noStrike">
+                        <a:solidFill>
+                          <a:srgbClr val="000000"/>
+                        </a:solidFill>
+                        <a:effectLst/>
+                        <a:latin typeface="Calibri" panose="020F0502020204030204" pitchFamily="34" charset="0"/>
+                      </a:endParaRPr>
+                    </a:p>
+                  </a:txBody>
+                  <a:tcPr marL="9525" marR="9525" marT="9525" marB="0" anchor="b"/>
+                </a:tc>
+                <a:tc hMerge="1">
+                  <a:txBody>
+                    <a:bodyPr/>
+                    <a:lstStyle/>
+                    <a:p>
+                      <a:endParaRPr lang="en-US"/>
+                    </a:p>
+                  </a:txBody>
+                  <a:tcPr/>
+                </a:tc>
+                <a:tc hMerge="1">
+                  <a:txBody>
+                    <a:bodyPr/>
+                    <a:lstStyle/>
+                    <a:p>
+                      <a:endParaRPr lang="en-US"/>
+                    </a:p>
+                  </a:txBody>
+                  <a:tcPr/>
+                </a:tc>
+                <a:tc>
+                  <a:txBody>
+                    <a:bodyPr/>
+                    <a:lstStyle/>
+                    <a:p>
+                      <a:pPr algn="l" fontAlgn="b"/>
+                      <a:endParaRPr lang="en-US" sz="1100" b="0" i="0" u="none" strike="noStrike">
+                        <a:solidFill>
+                          <a:srgbClr val="000000"/>
+                        </a:solidFill>
+                        <a:effectLst/>
+                        <a:latin typeface="Calibri" panose="020F0502020204030204" pitchFamily="34" charset="0"/>
+                      </a:endParaRPr>
+                    </a:p>
+                  </a:txBody>
+                  <a:tcPr marL="9525" marR="9525" marT="9525" marB="0" anchor="b"/>
+                </a:tc>
+                <a:tc>
+                  <a:txBody>
+                    <a:bodyPr/>
+                    <a:lstStyle/>
+                    <a:p>
+                      <a:pPr algn="l" fontAlgn="b"/>
+                      <a:endParaRPr lang="en-US" sz="1100" b="0" i="0" u="none" strike="noStrike">
+                        <a:solidFill>
+                          <a:srgbClr val="000000"/>
+                        </a:solidFill>
+                        <a:effectLst/>
+                        <a:latin typeface="Calibri" panose="020F0502020204030204" pitchFamily="34" charset="0"/>
+                      </a:endParaRPr>
+                    </a:p>
+                  </a:txBody>
+                  <a:tcPr marL="9525" marR="9525" marT="9525" marB="0" anchor="b"/>
+                </a:tc>
+                <a:extLst>
+                  <a:ext uri="{0D108BD9-81ED-4DB2-BD59-A6C34878D82A}">
+                    <a16:rowId xmlns:a16="http://schemas.microsoft.com/office/drawing/2014/main" val="1871951648"/>
+                  </a:ext>
+                </a:extLst>
+              </a:tr>
+              <a:tr h="190500">
+                <a:tc>
+                  <a:txBody>
+                    <a:bodyPr/>
+                    <a:lstStyle/>
+                    <a:p>
+                      <a:pPr algn="l" fontAlgn="b"/>
+                      <a:r>
+                        <a:rPr lang="en-US" sz="1100" u="none" strike="noStrike">
+                          <a:effectLst/>
+                        </a:rPr>
+                        <a:t> </a:t>
+                      </a:r>
+                      <a:endParaRPr lang="en-US" sz="1100" b="0" i="0" u="none" strike="noStrike">
+                        <a:solidFill>
+                          <a:srgbClr val="000000"/>
+                        </a:solidFill>
+                        <a:effectLst/>
+                        <a:latin typeface="Calibri" panose="020F0502020204030204" pitchFamily="34" charset="0"/>
+                      </a:endParaRPr>
+                    </a:p>
+                  </a:txBody>
+                  <a:tcPr marL="9525" marR="9525" marT="9525" marB="0" anchor="b"/>
+                </a:tc>
+                <a:tc>
+                  <a:txBody>
+                    <a:bodyPr/>
+                    <a:lstStyle/>
+                    <a:p>
+                      <a:pPr algn="l" fontAlgn="b"/>
+                      <a:r>
+                        <a:rPr lang="en-US" sz="1100" u="none" strike="noStrike">
+                          <a:effectLst/>
+                        </a:rPr>
+                        <a:t>c1</a:t>
+                      </a:r>
+                      <a:endParaRPr lang="en-US" sz="1100" b="0" i="0" u="none" strike="noStrike">
+                        <a:solidFill>
+                          <a:srgbClr val="000000"/>
+                        </a:solidFill>
+                        <a:effectLst/>
+                        <a:latin typeface="Calibri" panose="020F0502020204030204" pitchFamily="34" charset="0"/>
+                      </a:endParaRPr>
+                    </a:p>
+                  </a:txBody>
+                  <a:tcPr marL="9525" marR="9525" marT="9525" marB="0" anchor="b"/>
+                </a:tc>
+                <a:tc>
+                  <a:txBody>
+                    <a:bodyPr/>
+                    <a:lstStyle/>
+                    <a:p>
+                      <a:pPr algn="l" fontAlgn="b"/>
+                      <a:r>
+                        <a:rPr lang="en-US" sz="1100" u="none" strike="noStrike">
+                          <a:effectLst/>
+                        </a:rPr>
+                        <a:t>c2</a:t>
+                      </a:r>
+                      <a:endParaRPr lang="en-US" sz="1100" b="0" i="0" u="none" strike="noStrike">
+                        <a:solidFill>
+                          <a:srgbClr val="000000"/>
+                        </a:solidFill>
+                        <a:effectLst/>
+                        <a:latin typeface="Calibri" panose="020F0502020204030204" pitchFamily="34" charset="0"/>
+                      </a:endParaRPr>
+                    </a:p>
+                  </a:txBody>
+                  <a:tcPr marL="9525" marR="9525" marT="9525" marB="0" anchor="b"/>
+                </a:tc>
+                <a:tc>
+                  <a:txBody>
+                    <a:bodyPr/>
+                    <a:lstStyle/>
+                    <a:p>
+                      <a:pPr algn="l" fontAlgn="b"/>
+                      <a:r>
+                        <a:rPr lang="en-US" sz="1100" u="none" strike="noStrike">
+                          <a:effectLst/>
+                        </a:rPr>
+                        <a:t>c3</a:t>
+                      </a:r>
+                      <a:endParaRPr lang="en-US" sz="1100" b="0" i="0" u="none" strike="noStrike">
+                        <a:solidFill>
+                          <a:srgbClr val="000000"/>
+                        </a:solidFill>
+                        <a:effectLst/>
+                        <a:latin typeface="Calibri" panose="020F0502020204030204" pitchFamily="34" charset="0"/>
+                      </a:endParaRPr>
+                    </a:p>
+                  </a:txBody>
+                  <a:tcPr marL="9525" marR="9525" marT="9525" marB="0" anchor="b"/>
+                </a:tc>
+                <a:tc>
+                  <a:txBody>
+                    <a:bodyPr/>
+                    <a:lstStyle/>
+                    <a:p>
+                      <a:pPr algn="l" fontAlgn="b"/>
+                      <a:r>
+                        <a:rPr lang="en-US" sz="1100" u="none" strike="noStrike">
+                          <a:effectLst/>
+                        </a:rPr>
+                        <a:t>g4</a:t>
+                      </a:r>
+                      <a:endParaRPr lang="en-US" sz="1100" b="0" i="0" u="none" strike="noStrike">
+                        <a:solidFill>
+                          <a:srgbClr val="000000"/>
+                        </a:solidFill>
+                        <a:effectLst/>
+                        <a:latin typeface="Calibri" panose="020F0502020204030204" pitchFamily="34" charset="0"/>
+                      </a:endParaRPr>
+                    </a:p>
+                  </a:txBody>
+                  <a:tcPr marL="9525" marR="9525" marT="9525" marB="0" anchor="b"/>
+                </a:tc>
+                <a:extLst>
+                  <a:ext uri="{0D108BD9-81ED-4DB2-BD59-A6C34878D82A}">
+                    <a16:rowId xmlns:a16="http://schemas.microsoft.com/office/drawing/2014/main" val="1337582883"/>
+                  </a:ext>
+                </a:extLst>
+              </a:tr>
+              <a:tr h="190500">
+                <a:tc>
+                  <a:txBody>
+                    <a:bodyPr/>
+                    <a:lstStyle/>
+                    <a:p>
+                      <a:pPr algn="l" fontAlgn="b"/>
+                      <a:r>
+                        <a:rPr lang="en-US" sz="1100" u="none" strike="noStrike">
+                          <a:effectLst/>
+                        </a:rPr>
+                        <a:t>g1</a:t>
+                      </a:r>
+                      <a:endParaRPr lang="en-US" sz="1100" b="0" i="0" u="none" strike="noStrike">
+                        <a:solidFill>
+                          <a:srgbClr val="000000"/>
+                        </a:solidFill>
+                        <a:effectLst/>
+                        <a:latin typeface="Calibri" panose="020F0502020204030204" pitchFamily="34" charset="0"/>
+                      </a:endParaRPr>
+                    </a:p>
+                  </a:txBody>
+                  <a:tcPr marL="9525" marR="9525" marT="9525" marB="0" anchor="b"/>
+                </a:tc>
+                <a:tc>
+                  <a:txBody>
+                    <a:bodyPr/>
+                    <a:lstStyle/>
+                    <a:p>
+                      <a:pPr algn="l" fontAlgn="b"/>
+                      <a:endParaRPr lang="en-US" sz="1100" b="0" i="0" u="none" strike="noStrike">
+                        <a:solidFill>
+                          <a:srgbClr val="000000"/>
+                        </a:solidFill>
+                        <a:effectLst/>
+                        <a:latin typeface="Calibri" panose="020F0502020204030204" pitchFamily="34" charset="0"/>
+                      </a:endParaRPr>
+                    </a:p>
+                  </a:txBody>
+                  <a:tcPr marL="9525" marR="9525" marT="9525" marB="0" anchor="b"/>
+                </a:tc>
+                <a:tc>
+                  <a:txBody>
+                    <a:bodyPr/>
+                    <a:lstStyle/>
+                    <a:p>
+                      <a:pPr algn="l" fontAlgn="b"/>
+                      <a:endParaRPr lang="en-US" sz="1100" b="0" i="0" u="none" strike="noStrike">
+                        <a:solidFill>
+                          <a:srgbClr val="000000"/>
+                        </a:solidFill>
+                        <a:effectLst/>
+                        <a:latin typeface="Calibri" panose="020F0502020204030204" pitchFamily="34" charset="0"/>
+                      </a:endParaRPr>
+                    </a:p>
+                  </a:txBody>
+                  <a:tcPr marL="9525" marR="9525" marT="9525" marB="0" anchor="b"/>
+                </a:tc>
+                <a:tc>
+                  <a:txBody>
+                    <a:bodyPr/>
+                    <a:lstStyle/>
+                    <a:p>
+                      <a:pPr algn="l" fontAlgn="b"/>
+                      <a:endParaRPr lang="en-US" sz="1100" b="0" i="0" u="none" strike="noStrike">
+                        <a:solidFill>
+                          <a:srgbClr val="000000"/>
+                        </a:solidFill>
+                        <a:effectLst/>
+                        <a:latin typeface="Calibri" panose="020F0502020204030204" pitchFamily="34" charset="0"/>
+                      </a:endParaRPr>
+                    </a:p>
+                  </a:txBody>
+                  <a:tcPr marL="9525" marR="9525" marT="9525" marB="0" anchor="b"/>
+                </a:tc>
+                <a:tc>
+                  <a:txBody>
+                    <a:bodyPr/>
+                    <a:lstStyle/>
+                    <a:p>
+                      <a:pPr algn="l" fontAlgn="b"/>
+                      <a:endParaRPr lang="en-US" sz="1100" b="0" i="0" u="none" strike="noStrike">
+                        <a:solidFill>
+                          <a:srgbClr val="000000"/>
+                        </a:solidFill>
+                        <a:effectLst/>
+                        <a:latin typeface="Calibri" panose="020F0502020204030204" pitchFamily="34" charset="0"/>
+                      </a:endParaRPr>
+                    </a:p>
+                  </a:txBody>
+                  <a:tcPr marL="9525" marR="9525" marT="9525" marB="0" anchor="b"/>
+                </a:tc>
+                <a:extLst>
+                  <a:ext uri="{0D108BD9-81ED-4DB2-BD59-A6C34878D82A}">
+                    <a16:rowId xmlns:a16="http://schemas.microsoft.com/office/drawing/2014/main" val="1656866035"/>
+                  </a:ext>
+                </a:extLst>
+              </a:tr>
+              <a:tr h="190500">
+                <a:tc>
+                  <a:txBody>
+                    <a:bodyPr/>
+                    <a:lstStyle/>
+                    <a:p>
+                      <a:pPr algn="l" fontAlgn="b"/>
+                      <a:r>
+                        <a:rPr lang="en-US" sz="1100" u="none" strike="noStrike">
+                          <a:effectLst/>
+                        </a:rPr>
+                        <a:t>g2</a:t>
+                      </a:r>
+                      <a:endParaRPr lang="en-US" sz="1100" b="0" i="0" u="none" strike="noStrike">
+                        <a:solidFill>
+                          <a:srgbClr val="000000"/>
+                        </a:solidFill>
+                        <a:effectLst/>
+                        <a:latin typeface="Calibri" panose="020F0502020204030204" pitchFamily="34" charset="0"/>
+                      </a:endParaRPr>
+                    </a:p>
+                  </a:txBody>
+                  <a:tcPr marL="9525" marR="9525" marT="9525" marB="0" anchor="b"/>
+                </a:tc>
+                <a:tc>
+                  <a:txBody>
+                    <a:bodyPr/>
+                    <a:lstStyle/>
+                    <a:p>
+                      <a:pPr algn="l" fontAlgn="b"/>
+                      <a:endParaRPr lang="en-US" sz="1100" b="0" i="0" u="none" strike="noStrike">
+                        <a:solidFill>
+                          <a:srgbClr val="000000"/>
+                        </a:solidFill>
+                        <a:effectLst/>
+                        <a:latin typeface="Calibri" panose="020F0502020204030204" pitchFamily="34" charset="0"/>
+                      </a:endParaRPr>
+                    </a:p>
+                  </a:txBody>
+                  <a:tcPr marL="9525" marR="9525" marT="9525" marB="0" anchor="b"/>
+                </a:tc>
+                <a:tc>
+                  <a:txBody>
+                    <a:bodyPr/>
+                    <a:lstStyle/>
+                    <a:p>
+                      <a:pPr algn="l" fontAlgn="b"/>
+                      <a:endParaRPr lang="en-US" sz="1100" b="0" i="0" u="none" strike="noStrike">
+                        <a:solidFill>
+                          <a:srgbClr val="000000"/>
+                        </a:solidFill>
+                        <a:effectLst/>
+                        <a:latin typeface="Calibri" panose="020F0502020204030204" pitchFamily="34" charset="0"/>
+                      </a:endParaRPr>
+                    </a:p>
+                  </a:txBody>
+                  <a:tcPr marL="9525" marR="9525" marT="9525" marB="0" anchor="b"/>
+                </a:tc>
+                <a:tc>
+                  <a:txBody>
+                    <a:bodyPr/>
+                    <a:lstStyle/>
+                    <a:p>
+                      <a:pPr algn="l" fontAlgn="b"/>
+                      <a:endParaRPr lang="en-US" sz="1100" b="0" i="0" u="none" strike="noStrike">
+                        <a:solidFill>
+                          <a:srgbClr val="000000"/>
+                        </a:solidFill>
+                        <a:effectLst/>
+                        <a:latin typeface="Calibri" panose="020F0502020204030204" pitchFamily="34" charset="0"/>
+                      </a:endParaRPr>
+                    </a:p>
+                  </a:txBody>
+                  <a:tcPr marL="9525" marR="9525" marT="9525" marB="0" anchor="b"/>
+                </a:tc>
+                <a:tc>
+                  <a:txBody>
+                    <a:bodyPr/>
+                    <a:lstStyle/>
+                    <a:p>
+                      <a:pPr algn="l" fontAlgn="b"/>
+                      <a:endParaRPr lang="en-US" sz="1100" b="0" i="0" u="none" strike="noStrike">
+                        <a:solidFill>
+                          <a:srgbClr val="000000"/>
+                        </a:solidFill>
+                        <a:effectLst/>
+                        <a:latin typeface="Calibri" panose="020F0502020204030204" pitchFamily="34" charset="0"/>
+                      </a:endParaRPr>
+                    </a:p>
+                  </a:txBody>
+                  <a:tcPr marL="9525" marR="9525" marT="9525" marB="0" anchor="b"/>
+                </a:tc>
+                <a:extLst>
+                  <a:ext uri="{0D108BD9-81ED-4DB2-BD59-A6C34878D82A}">
+                    <a16:rowId xmlns:a16="http://schemas.microsoft.com/office/drawing/2014/main" val="2176949766"/>
+                  </a:ext>
+                </a:extLst>
+              </a:tr>
+              <a:tr h="190500">
+                <a:tc>
+                  <a:txBody>
+                    <a:bodyPr/>
+                    <a:lstStyle/>
+                    <a:p>
+                      <a:pPr algn="l" fontAlgn="b"/>
+                      <a:r>
+                        <a:rPr lang="en-US" sz="1100" u="none" strike="noStrike">
+                          <a:effectLst/>
+                        </a:rPr>
+                        <a:t>g3</a:t>
+                      </a:r>
+                      <a:endParaRPr lang="en-US" sz="1100" b="0" i="0" u="none" strike="noStrike">
+                        <a:solidFill>
+                          <a:srgbClr val="000000"/>
+                        </a:solidFill>
+                        <a:effectLst/>
+                        <a:latin typeface="Calibri" panose="020F0502020204030204" pitchFamily="34" charset="0"/>
+                      </a:endParaRPr>
+                    </a:p>
+                  </a:txBody>
+                  <a:tcPr marL="9525" marR="9525" marT="9525" marB="0" anchor="b"/>
+                </a:tc>
+                <a:tc>
+                  <a:txBody>
+                    <a:bodyPr/>
+                    <a:lstStyle/>
+                    <a:p>
+                      <a:pPr algn="l" fontAlgn="b"/>
+                      <a:endParaRPr lang="en-US" sz="1100" b="0" i="0" u="none" strike="noStrike">
+                        <a:solidFill>
+                          <a:srgbClr val="000000"/>
+                        </a:solidFill>
+                        <a:effectLst/>
+                        <a:latin typeface="Calibri" panose="020F0502020204030204" pitchFamily="34" charset="0"/>
+                      </a:endParaRPr>
+                    </a:p>
+                  </a:txBody>
+                  <a:tcPr marL="9525" marR="9525" marT="9525" marB="0" anchor="b"/>
+                </a:tc>
+                <a:tc>
+                  <a:txBody>
+                    <a:bodyPr/>
+                    <a:lstStyle/>
+                    <a:p>
+                      <a:pPr algn="l" fontAlgn="b"/>
+                      <a:endParaRPr lang="en-US" sz="1100" b="0" i="0" u="none" strike="noStrike">
+                        <a:solidFill>
+                          <a:srgbClr val="000000"/>
+                        </a:solidFill>
+                        <a:effectLst/>
+                        <a:latin typeface="Calibri" panose="020F0502020204030204" pitchFamily="34" charset="0"/>
+                      </a:endParaRPr>
+                    </a:p>
+                  </a:txBody>
+                  <a:tcPr marL="9525" marR="9525" marT="9525" marB="0" anchor="b"/>
+                </a:tc>
+                <a:tc>
+                  <a:txBody>
+                    <a:bodyPr/>
+                    <a:lstStyle/>
+                    <a:p>
+                      <a:pPr algn="l" fontAlgn="b"/>
+                      <a:endParaRPr lang="en-US" sz="1100" b="0" i="0" u="none" strike="noStrike">
+                        <a:solidFill>
+                          <a:srgbClr val="000000"/>
+                        </a:solidFill>
+                        <a:effectLst/>
+                        <a:latin typeface="Calibri" panose="020F0502020204030204" pitchFamily="34" charset="0"/>
+                      </a:endParaRPr>
+                    </a:p>
+                  </a:txBody>
+                  <a:tcPr marL="9525" marR="9525" marT="9525" marB="0" anchor="b"/>
+                </a:tc>
+                <a:tc>
+                  <a:txBody>
+                    <a:bodyPr/>
+                    <a:lstStyle/>
+                    <a:p>
+                      <a:pPr algn="l" fontAlgn="b"/>
+                      <a:endParaRPr lang="en-US" sz="1100" b="0" i="0" u="none" strike="noStrike">
+                        <a:solidFill>
+                          <a:srgbClr val="000000"/>
+                        </a:solidFill>
+                        <a:effectLst/>
+                        <a:latin typeface="Calibri" panose="020F0502020204030204" pitchFamily="34" charset="0"/>
+                      </a:endParaRPr>
+                    </a:p>
+                  </a:txBody>
+                  <a:tcPr marL="9525" marR="9525" marT="9525" marB="0" anchor="b"/>
+                </a:tc>
+                <a:extLst>
+                  <a:ext uri="{0D108BD9-81ED-4DB2-BD59-A6C34878D82A}">
+                    <a16:rowId xmlns:a16="http://schemas.microsoft.com/office/drawing/2014/main" val="3277820036"/>
+                  </a:ext>
+                </a:extLst>
+              </a:tr>
+              <a:tr h="190500">
+                <a:tc>
+                  <a:txBody>
+                    <a:bodyPr/>
+                    <a:lstStyle/>
+                    <a:p>
+                      <a:pPr algn="l" fontAlgn="b"/>
+                      <a:r>
+                        <a:rPr lang="en-US" sz="1100" u="none" strike="noStrike">
+                          <a:effectLst/>
+                        </a:rPr>
+                        <a:t>g4</a:t>
+                      </a:r>
+                      <a:endParaRPr lang="en-US" sz="1100" b="0" i="0" u="none" strike="noStrike">
+                        <a:solidFill>
+                          <a:srgbClr val="000000"/>
+                        </a:solidFill>
+                        <a:effectLst/>
+                        <a:latin typeface="Calibri" panose="020F0502020204030204" pitchFamily="34" charset="0"/>
+                      </a:endParaRPr>
+                    </a:p>
+                  </a:txBody>
+                  <a:tcPr marL="9525" marR="9525" marT="9525" marB="0" anchor="b"/>
+                </a:tc>
+                <a:tc>
+                  <a:txBody>
+                    <a:bodyPr/>
+                    <a:lstStyle/>
+                    <a:p>
+                      <a:pPr algn="l" fontAlgn="b"/>
+                      <a:endParaRPr lang="en-US" sz="1100" b="0" i="0" u="none" strike="noStrike">
+                        <a:solidFill>
+                          <a:srgbClr val="000000"/>
+                        </a:solidFill>
+                        <a:effectLst/>
+                        <a:latin typeface="Calibri" panose="020F0502020204030204" pitchFamily="34" charset="0"/>
+                      </a:endParaRPr>
+                    </a:p>
+                  </a:txBody>
+                  <a:tcPr marL="9525" marR="9525" marT="9525" marB="0" anchor="b"/>
+                </a:tc>
+                <a:tc>
+                  <a:txBody>
+                    <a:bodyPr/>
+                    <a:lstStyle/>
+                    <a:p>
+                      <a:pPr algn="l" fontAlgn="b"/>
+                      <a:endParaRPr lang="en-US" sz="1100" b="0" i="0" u="none" strike="noStrike">
+                        <a:solidFill>
+                          <a:srgbClr val="000000"/>
+                        </a:solidFill>
+                        <a:effectLst/>
+                        <a:latin typeface="Calibri" panose="020F0502020204030204" pitchFamily="34" charset="0"/>
+                      </a:endParaRPr>
+                    </a:p>
+                  </a:txBody>
+                  <a:tcPr marL="9525" marR="9525" marT="9525" marB="0" anchor="b"/>
+                </a:tc>
+                <a:tc>
+                  <a:txBody>
+                    <a:bodyPr/>
+                    <a:lstStyle/>
+                    <a:p>
+                      <a:pPr algn="l" fontAlgn="b"/>
+                      <a:endParaRPr lang="en-US" sz="1100" b="0" i="0" u="none" strike="noStrike">
+                        <a:solidFill>
+                          <a:srgbClr val="000000"/>
+                        </a:solidFill>
+                        <a:effectLst/>
+                        <a:latin typeface="Calibri" panose="020F0502020204030204" pitchFamily="34" charset="0"/>
+                      </a:endParaRPr>
+                    </a:p>
+                  </a:txBody>
+                  <a:tcPr marL="9525" marR="9525" marT="9525" marB="0" anchor="b"/>
+                </a:tc>
+                <a:tc>
+                  <a:txBody>
+                    <a:bodyPr/>
+                    <a:lstStyle/>
+                    <a:p>
+                      <a:pPr algn="l" fontAlgn="b"/>
+                      <a:endParaRPr lang="en-US" sz="1100" b="0" i="0" u="none" strike="noStrike">
+                        <a:solidFill>
+                          <a:srgbClr val="000000"/>
+                        </a:solidFill>
+                        <a:effectLst/>
+                        <a:latin typeface="Calibri" panose="020F0502020204030204" pitchFamily="34" charset="0"/>
+                      </a:endParaRPr>
+                    </a:p>
+                  </a:txBody>
+                  <a:tcPr marL="9525" marR="9525" marT="9525" marB="0" anchor="b"/>
+                </a:tc>
+                <a:extLst>
+                  <a:ext uri="{0D108BD9-81ED-4DB2-BD59-A6C34878D82A}">
+                    <a16:rowId xmlns:a16="http://schemas.microsoft.com/office/drawing/2014/main" val="2572918647"/>
+                  </a:ext>
+                </a:extLst>
+              </a:tr>
+              <a:tr h="190500">
+                <a:tc>
+                  <a:txBody>
+                    <a:bodyPr/>
+                    <a:lstStyle/>
+                    <a:p>
+                      <a:pPr algn="l" fontAlgn="b"/>
+                      <a:endParaRPr lang="en-US" sz="1100" b="0" i="0" u="none" strike="noStrike">
+                        <a:solidFill>
+                          <a:srgbClr val="000000"/>
+                        </a:solidFill>
+                        <a:effectLst/>
+                        <a:latin typeface="Calibri" panose="020F0502020204030204" pitchFamily="34" charset="0"/>
+                      </a:endParaRPr>
+                    </a:p>
+                  </a:txBody>
+                  <a:tcPr marL="9525" marR="9525" marT="9525" marB="0" anchor="b"/>
+                </a:tc>
+                <a:tc>
+                  <a:txBody>
+                    <a:bodyPr/>
+                    <a:lstStyle/>
+                    <a:p>
+                      <a:pPr algn="l" fontAlgn="b"/>
+                      <a:endParaRPr lang="en-US" sz="1100" b="0" i="0" u="none" strike="noStrike">
+                        <a:solidFill>
+                          <a:srgbClr val="000000"/>
+                        </a:solidFill>
+                        <a:effectLst/>
+                        <a:latin typeface="Calibri" panose="020F0502020204030204" pitchFamily="34" charset="0"/>
+                      </a:endParaRPr>
+                    </a:p>
+                  </a:txBody>
+                  <a:tcPr marL="9525" marR="9525" marT="9525" marB="0" anchor="b"/>
+                </a:tc>
+                <a:tc>
+                  <a:txBody>
+                    <a:bodyPr/>
+                    <a:lstStyle/>
+                    <a:p>
+                      <a:pPr algn="l" fontAlgn="b"/>
+                      <a:endParaRPr lang="en-US" sz="1100" b="0" i="0" u="none" strike="noStrike">
+                        <a:solidFill>
+                          <a:srgbClr val="000000"/>
+                        </a:solidFill>
+                        <a:effectLst/>
+                        <a:latin typeface="Calibri" panose="020F0502020204030204" pitchFamily="34" charset="0"/>
+                      </a:endParaRPr>
+                    </a:p>
+                  </a:txBody>
+                  <a:tcPr marL="9525" marR="9525" marT="9525" marB="0" anchor="b"/>
+                </a:tc>
+                <a:tc>
+                  <a:txBody>
+                    <a:bodyPr/>
+                    <a:lstStyle/>
+                    <a:p>
+                      <a:pPr algn="l" fontAlgn="b"/>
+                      <a:endParaRPr lang="en-US" sz="1100" b="0" i="0" u="none" strike="noStrike">
+                        <a:solidFill>
+                          <a:srgbClr val="000000"/>
+                        </a:solidFill>
+                        <a:effectLst/>
+                        <a:latin typeface="Calibri" panose="020F0502020204030204" pitchFamily="34" charset="0"/>
+                      </a:endParaRPr>
+                    </a:p>
+                  </a:txBody>
+                  <a:tcPr marL="9525" marR="9525" marT="9525" marB="0" anchor="b"/>
+                </a:tc>
+                <a:tc>
+                  <a:txBody>
+                    <a:bodyPr/>
+                    <a:lstStyle/>
+                    <a:p>
+                      <a:pPr algn="l" fontAlgn="b"/>
+                      <a:endParaRPr lang="en-US" sz="1100" b="0" i="0" u="none" strike="noStrike" dirty="0">
+                        <a:solidFill>
+                          <a:srgbClr val="000000"/>
+                        </a:solidFill>
+                        <a:effectLst/>
+                        <a:latin typeface="Calibri" panose="020F0502020204030204" pitchFamily="34" charset="0"/>
+                      </a:endParaRPr>
+                    </a:p>
+                  </a:txBody>
+                  <a:tcPr marL="9525" marR="9525" marT="9525" marB="0" anchor="b"/>
+                </a:tc>
+                <a:extLst>
+                  <a:ext uri="{0D108BD9-81ED-4DB2-BD59-A6C34878D82A}">
+                    <a16:rowId xmlns:a16="http://schemas.microsoft.com/office/drawing/2014/main" val="170061218"/>
+                  </a:ext>
+                </a:extLst>
+              </a:tr>
+            </a:tbl>
+          </a:graphicData>
+        </a:graphic>
+      </p:graphicFrame>
+      <p:graphicFrame>
+        <p:nvGraphicFramePr>
+          <p:cNvPr id="12" name="Table 11">
+            <a:extLst>
+              <a:ext uri="{FF2B5EF4-FFF2-40B4-BE49-F238E27FC236}">
+                <a16:creationId xmlns:a16="http://schemas.microsoft.com/office/drawing/2014/main" id="{F902CCBE-63DD-FE23-A0CE-123CD7E3F52E}"/>
+              </a:ext>
+            </a:extLst>
+          </p:cNvPr>
+          <p:cNvGraphicFramePr>
+            <a:graphicFrameLocks noGrp="1"/>
+          </p:cNvGraphicFramePr>
+          <p:nvPr>
+            <p:extLst>
+              <p:ext uri="{D42A27DB-BD31-4B8C-83A1-F6EECF244321}">
+                <p14:modId xmlns:p14="http://schemas.microsoft.com/office/powerpoint/2010/main" val="3016324866"/>
+              </p:ext>
+            </p:extLst>
+          </p:nvPr>
+        </p:nvGraphicFramePr>
+        <p:xfrm>
+          <a:off x="5359400" y="2857500"/>
+          <a:ext cx="1473200" cy="1143000"/>
+        </p:xfrm>
+        <a:graphic>
+          <a:graphicData uri="http://schemas.openxmlformats.org/drawingml/2006/table">
+            <a:tbl>
+              <a:tblPr>
+                <a:tableStyleId>{5C22544A-7EE6-4342-B048-85BDC9FD1C3A}</a:tableStyleId>
+              </a:tblPr>
+              <a:tblGrid>
+                <a:gridCol w="368300">
+                  <a:extLst>
+                    <a:ext uri="{9D8B030D-6E8A-4147-A177-3AD203B41FA5}">
+                      <a16:colId xmlns:a16="http://schemas.microsoft.com/office/drawing/2014/main" val="2675425752"/>
+                    </a:ext>
+                  </a:extLst>
+                </a:gridCol>
+                <a:gridCol w="368300">
+                  <a:extLst>
+                    <a:ext uri="{9D8B030D-6E8A-4147-A177-3AD203B41FA5}">
+                      <a16:colId xmlns:a16="http://schemas.microsoft.com/office/drawing/2014/main" val="2936025252"/>
+                    </a:ext>
+                  </a:extLst>
+                </a:gridCol>
+                <a:gridCol w="368300">
+                  <a:extLst>
+                    <a:ext uri="{9D8B030D-6E8A-4147-A177-3AD203B41FA5}">
+                      <a16:colId xmlns:a16="http://schemas.microsoft.com/office/drawing/2014/main" val="2978197455"/>
+                    </a:ext>
+                  </a:extLst>
+                </a:gridCol>
+                <a:gridCol w="368300">
+                  <a:extLst>
+                    <a:ext uri="{9D8B030D-6E8A-4147-A177-3AD203B41FA5}">
+                      <a16:colId xmlns:a16="http://schemas.microsoft.com/office/drawing/2014/main" val="3877651198"/>
+                    </a:ext>
+                  </a:extLst>
+                </a:gridCol>
+              </a:tblGrid>
+              <a:tr h="190500">
+                <a:tc gridSpan="3">
+                  <a:txBody>
+                    <a:bodyPr/>
+                    <a:lstStyle/>
+                    <a:p>
+                      <a:pPr algn="l" fontAlgn="b"/>
+                      <a:r>
+                        <a:rPr lang="en-US" sz="1100" u="none" strike="noStrike">
+                          <a:effectLst/>
+                        </a:rPr>
+                        <a:t>Gene Metadata</a:t>
+                      </a:r>
+                      <a:endParaRPr lang="en-US" sz="1100" b="0" i="0" u="none" strike="noStrike">
+                        <a:solidFill>
+                          <a:srgbClr val="000000"/>
+                        </a:solidFill>
+                        <a:effectLst/>
+                        <a:latin typeface="Calibri" panose="020F0502020204030204" pitchFamily="34" charset="0"/>
+                      </a:endParaRPr>
+                    </a:p>
+                  </a:txBody>
+                  <a:tcPr marL="9525" marR="9525" marT="9525" marB="0" anchor="b"/>
+                </a:tc>
+                <a:tc hMerge="1">
+                  <a:txBody>
+                    <a:bodyPr/>
+                    <a:lstStyle/>
+                    <a:p>
+                      <a:endParaRPr lang="en-US"/>
+                    </a:p>
+                  </a:txBody>
+                  <a:tcPr/>
+                </a:tc>
+                <a:tc hMerge="1">
+                  <a:txBody>
+                    <a:bodyPr/>
+                    <a:lstStyle/>
+                    <a:p>
+                      <a:endParaRPr lang="en-US"/>
+                    </a:p>
+                  </a:txBody>
+                  <a:tcPr/>
+                </a:tc>
+                <a:tc>
+                  <a:txBody>
+                    <a:bodyPr/>
+                    <a:lstStyle/>
+                    <a:p>
+                      <a:pPr algn="l" fontAlgn="b"/>
+                      <a:endParaRPr lang="en-US" sz="1100" b="0" i="0" u="none" strike="noStrike">
+                        <a:solidFill>
+                          <a:srgbClr val="000000"/>
+                        </a:solidFill>
+                        <a:effectLst/>
+                        <a:latin typeface="Calibri" panose="020F0502020204030204" pitchFamily="34" charset="0"/>
+                      </a:endParaRPr>
+                    </a:p>
+                  </a:txBody>
+                  <a:tcPr marL="9525" marR="9525" marT="9525" marB="0" anchor="b"/>
+                </a:tc>
+                <a:extLst>
+                  <a:ext uri="{0D108BD9-81ED-4DB2-BD59-A6C34878D82A}">
+                    <a16:rowId xmlns:a16="http://schemas.microsoft.com/office/drawing/2014/main" val="3364867343"/>
+                  </a:ext>
+                </a:extLst>
+              </a:tr>
+              <a:tr h="190500">
+                <a:tc>
+                  <a:txBody>
+                    <a:bodyPr/>
+                    <a:lstStyle/>
+                    <a:p>
+                      <a:pPr algn="l" fontAlgn="b"/>
+                      <a:endParaRPr lang="en-US" sz="1100" b="0" i="0" u="none" strike="noStrike">
+                        <a:solidFill>
+                          <a:srgbClr val="000000"/>
+                        </a:solidFill>
+                        <a:effectLst/>
+                        <a:latin typeface="Calibri" panose="020F0502020204030204" pitchFamily="34" charset="0"/>
+                      </a:endParaRPr>
+                    </a:p>
+                  </a:txBody>
+                  <a:tcPr marL="9525" marR="9525" marT="9525" marB="0" anchor="b"/>
+                </a:tc>
+                <a:tc>
+                  <a:txBody>
+                    <a:bodyPr/>
+                    <a:lstStyle/>
+                    <a:p>
+                      <a:pPr algn="l" fontAlgn="b"/>
+                      <a:endParaRPr lang="en-US" sz="1100" b="0" i="0" u="none" strike="noStrike">
+                        <a:solidFill>
+                          <a:srgbClr val="000000"/>
+                        </a:solidFill>
+                        <a:effectLst/>
+                        <a:latin typeface="Calibri" panose="020F0502020204030204" pitchFamily="34" charset="0"/>
+                      </a:endParaRPr>
+                    </a:p>
+                  </a:txBody>
+                  <a:tcPr marL="9525" marR="9525" marT="9525" marB="0" anchor="b"/>
+                </a:tc>
+                <a:tc>
+                  <a:txBody>
+                    <a:bodyPr/>
+                    <a:lstStyle/>
+                    <a:p>
+                      <a:pPr algn="l" fontAlgn="b"/>
+                      <a:endParaRPr lang="en-US" sz="1100" b="0" i="0" u="none" strike="noStrike">
+                        <a:solidFill>
+                          <a:srgbClr val="000000"/>
+                        </a:solidFill>
+                        <a:effectLst/>
+                        <a:latin typeface="Calibri" panose="020F0502020204030204" pitchFamily="34" charset="0"/>
+                      </a:endParaRPr>
+                    </a:p>
+                  </a:txBody>
+                  <a:tcPr marL="9525" marR="9525" marT="9525" marB="0" anchor="b"/>
+                </a:tc>
+                <a:tc>
+                  <a:txBody>
+                    <a:bodyPr/>
+                    <a:lstStyle/>
+                    <a:p>
+                      <a:pPr algn="l" fontAlgn="b"/>
+                      <a:endParaRPr lang="en-US" sz="1100" b="0" i="0" u="none" strike="noStrike">
+                        <a:solidFill>
+                          <a:srgbClr val="000000"/>
+                        </a:solidFill>
+                        <a:effectLst/>
+                        <a:latin typeface="Calibri" panose="020F0502020204030204" pitchFamily="34" charset="0"/>
+                      </a:endParaRPr>
+                    </a:p>
+                  </a:txBody>
+                  <a:tcPr marL="9525" marR="9525" marT="9525" marB="0" anchor="b"/>
+                </a:tc>
+                <a:extLst>
+                  <a:ext uri="{0D108BD9-81ED-4DB2-BD59-A6C34878D82A}">
+                    <a16:rowId xmlns:a16="http://schemas.microsoft.com/office/drawing/2014/main" val="3756974353"/>
+                  </a:ext>
+                </a:extLst>
+              </a:tr>
+              <a:tr h="190500">
+                <a:tc>
+                  <a:txBody>
+                    <a:bodyPr/>
+                    <a:lstStyle/>
+                    <a:p>
+                      <a:pPr algn="l" fontAlgn="b"/>
+                      <a:r>
+                        <a:rPr lang="en-US" sz="1100" u="none" strike="noStrike">
+                          <a:effectLst/>
+                        </a:rPr>
+                        <a:t>g1</a:t>
+                      </a:r>
+                      <a:endParaRPr lang="en-US" sz="1100" b="0" i="0" u="none" strike="noStrike">
+                        <a:solidFill>
+                          <a:srgbClr val="000000"/>
+                        </a:solidFill>
+                        <a:effectLst/>
+                        <a:latin typeface="Calibri" panose="020F0502020204030204" pitchFamily="34" charset="0"/>
+                      </a:endParaRPr>
+                    </a:p>
+                  </a:txBody>
+                  <a:tcPr marL="9525" marR="9525" marT="9525" marB="0" anchor="b"/>
+                </a:tc>
+                <a:tc>
+                  <a:txBody>
+                    <a:bodyPr/>
+                    <a:lstStyle/>
+                    <a:p>
+                      <a:pPr algn="l" fontAlgn="b"/>
+                      <a:endParaRPr lang="en-US" sz="1100" b="0" i="0" u="none" strike="noStrike">
+                        <a:solidFill>
+                          <a:srgbClr val="000000"/>
+                        </a:solidFill>
+                        <a:effectLst/>
+                        <a:latin typeface="Calibri" panose="020F0502020204030204" pitchFamily="34" charset="0"/>
+                      </a:endParaRPr>
+                    </a:p>
+                  </a:txBody>
+                  <a:tcPr marL="9525" marR="9525" marT="9525" marB="0" anchor="b"/>
+                </a:tc>
+                <a:tc>
+                  <a:txBody>
+                    <a:bodyPr/>
+                    <a:lstStyle/>
+                    <a:p>
+                      <a:pPr algn="l" fontAlgn="b"/>
+                      <a:endParaRPr lang="en-US" sz="1100" b="0" i="0" u="none" strike="noStrike">
+                        <a:solidFill>
+                          <a:srgbClr val="000000"/>
+                        </a:solidFill>
+                        <a:effectLst/>
+                        <a:latin typeface="Calibri" panose="020F0502020204030204" pitchFamily="34" charset="0"/>
+                      </a:endParaRPr>
+                    </a:p>
+                  </a:txBody>
+                  <a:tcPr marL="9525" marR="9525" marT="9525" marB="0" anchor="b"/>
+                </a:tc>
+                <a:tc>
+                  <a:txBody>
+                    <a:bodyPr/>
+                    <a:lstStyle/>
+                    <a:p>
+                      <a:pPr algn="l" fontAlgn="b"/>
+                      <a:endParaRPr lang="en-US" sz="1100" b="0" i="0" u="none" strike="noStrike">
+                        <a:solidFill>
+                          <a:srgbClr val="000000"/>
+                        </a:solidFill>
+                        <a:effectLst/>
+                        <a:latin typeface="Calibri" panose="020F0502020204030204" pitchFamily="34" charset="0"/>
+                      </a:endParaRPr>
+                    </a:p>
+                  </a:txBody>
+                  <a:tcPr marL="9525" marR="9525" marT="9525" marB="0" anchor="b"/>
+                </a:tc>
+                <a:extLst>
+                  <a:ext uri="{0D108BD9-81ED-4DB2-BD59-A6C34878D82A}">
+                    <a16:rowId xmlns:a16="http://schemas.microsoft.com/office/drawing/2014/main" val="2428342246"/>
+                  </a:ext>
+                </a:extLst>
+              </a:tr>
+              <a:tr h="190500">
+                <a:tc>
+                  <a:txBody>
+                    <a:bodyPr/>
+                    <a:lstStyle/>
+                    <a:p>
+                      <a:pPr algn="l" fontAlgn="b"/>
+                      <a:r>
+                        <a:rPr lang="en-US" sz="1100" u="none" strike="noStrike">
+                          <a:effectLst/>
+                        </a:rPr>
+                        <a:t>g2</a:t>
+                      </a:r>
+                      <a:endParaRPr lang="en-US" sz="1100" b="0" i="0" u="none" strike="noStrike">
+                        <a:solidFill>
+                          <a:srgbClr val="000000"/>
+                        </a:solidFill>
+                        <a:effectLst/>
+                        <a:latin typeface="Calibri" panose="020F0502020204030204" pitchFamily="34" charset="0"/>
+                      </a:endParaRPr>
+                    </a:p>
+                  </a:txBody>
+                  <a:tcPr marL="9525" marR="9525" marT="9525" marB="0" anchor="b"/>
+                </a:tc>
+                <a:tc>
+                  <a:txBody>
+                    <a:bodyPr/>
+                    <a:lstStyle/>
+                    <a:p>
+                      <a:pPr algn="l" fontAlgn="b"/>
+                      <a:endParaRPr lang="en-US" sz="1100" b="0" i="0" u="none" strike="noStrike">
+                        <a:solidFill>
+                          <a:srgbClr val="000000"/>
+                        </a:solidFill>
+                        <a:effectLst/>
+                        <a:latin typeface="Calibri" panose="020F0502020204030204" pitchFamily="34" charset="0"/>
+                      </a:endParaRPr>
+                    </a:p>
+                  </a:txBody>
+                  <a:tcPr marL="9525" marR="9525" marT="9525" marB="0" anchor="b"/>
+                </a:tc>
+                <a:tc>
+                  <a:txBody>
+                    <a:bodyPr/>
+                    <a:lstStyle/>
+                    <a:p>
+                      <a:pPr algn="l" fontAlgn="b"/>
+                      <a:endParaRPr lang="en-US" sz="1100" b="0" i="0" u="none" strike="noStrike">
+                        <a:solidFill>
+                          <a:srgbClr val="000000"/>
+                        </a:solidFill>
+                        <a:effectLst/>
+                        <a:latin typeface="Calibri" panose="020F0502020204030204" pitchFamily="34" charset="0"/>
+                      </a:endParaRPr>
+                    </a:p>
+                  </a:txBody>
+                  <a:tcPr marL="9525" marR="9525" marT="9525" marB="0" anchor="b"/>
+                </a:tc>
+                <a:tc>
+                  <a:txBody>
+                    <a:bodyPr/>
+                    <a:lstStyle/>
+                    <a:p>
+                      <a:pPr algn="l" fontAlgn="b"/>
+                      <a:endParaRPr lang="en-US" sz="1100" b="0" i="0" u="none" strike="noStrike">
+                        <a:solidFill>
+                          <a:srgbClr val="000000"/>
+                        </a:solidFill>
+                        <a:effectLst/>
+                        <a:latin typeface="Calibri" panose="020F0502020204030204" pitchFamily="34" charset="0"/>
+                      </a:endParaRPr>
+                    </a:p>
+                  </a:txBody>
+                  <a:tcPr marL="9525" marR="9525" marT="9525" marB="0" anchor="b"/>
+                </a:tc>
+                <a:extLst>
+                  <a:ext uri="{0D108BD9-81ED-4DB2-BD59-A6C34878D82A}">
+                    <a16:rowId xmlns:a16="http://schemas.microsoft.com/office/drawing/2014/main" val="2456285395"/>
+                  </a:ext>
+                </a:extLst>
+              </a:tr>
+              <a:tr h="190500">
+                <a:tc>
+                  <a:txBody>
+                    <a:bodyPr/>
+                    <a:lstStyle/>
+                    <a:p>
+                      <a:pPr algn="l" fontAlgn="b"/>
+                      <a:r>
+                        <a:rPr lang="en-US" sz="1100" u="none" strike="noStrike">
+                          <a:effectLst/>
+                        </a:rPr>
+                        <a:t>g3</a:t>
+                      </a:r>
+                      <a:endParaRPr lang="en-US" sz="1100" b="0" i="0" u="none" strike="noStrike">
+                        <a:solidFill>
+                          <a:srgbClr val="000000"/>
+                        </a:solidFill>
+                        <a:effectLst/>
+                        <a:latin typeface="Calibri" panose="020F0502020204030204" pitchFamily="34" charset="0"/>
+                      </a:endParaRPr>
+                    </a:p>
+                  </a:txBody>
+                  <a:tcPr marL="9525" marR="9525" marT="9525" marB="0" anchor="b"/>
+                </a:tc>
+                <a:tc>
+                  <a:txBody>
+                    <a:bodyPr/>
+                    <a:lstStyle/>
+                    <a:p>
+                      <a:pPr algn="l" fontAlgn="b"/>
+                      <a:endParaRPr lang="en-US" sz="1100" b="0" i="0" u="none" strike="noStrike">
+                        <a:solidFill>
+                          <a:srgbClr val="000000"/>
+                        </a:solidFill>
+                        <a:effectLst/>
+                        <a:latin typeface="Calibri" panose="020F0502020204030204" pitchFamily="34" charset="0"/>
+                      </a:endParaRPr>
+                    </a:p>
+                  </a:txBody>
+                  <a:tcPr marL="9525" marR="9525" marT="9525" marB="0" anchor="b"/>
+                </a:tc>
+                <a:tc>
+                  <a:txBody>
+                    <a:bodyPr/>
+                    <a:lstStyle/>
+                    <a:p>
+                      <a:pPr algn="l" fontAlgn="b"/>
+                      <a:endParaRPr lang="en-US" sz="1100" b="0" i="0" u="none" strike="noStrike">
+                        <a:solidFill>
+                          <a:srgbClr val="000000"/>
+                        </a:solidFill>
+                        <a:effectLst/>
+                        <a:latin typeface="Calibri" panose="020F0502020204030204" pitchFamily="34" charset="0"/>
+                      </a:endParaRPr>
+                    </a:p>
+                  </a:txBody>
+                  <a:tcPr marL="9525" marR="9525" marT="9525" marB="0" anchor="b"/>
+                </a:tc>
+                <a:tc>
+                  <a:txBody>
+                    <a:bodyPr/>
+                    <a:lstStyle/>
+                    <a:p>
+                      <a:pPr algn="l" fontAlgn="b"/>
+                      <a:endParaRPr lang="en-US" sz="1100" b="0" i="0" u="none" strike="noStrike">
+                        <a:solidFill>
+                          <a:srgbClr val="000000"/>
+                        </a:solidFill>
+                        <a:effectLst/>
+                        <a:latin typeface="Calibri" panose="020F0502020204030204" pitchFamily="34" charset="0"/>
+                      </a:endParaRPr>
+                    </a:p>
+                  </a:txBody>
+                  <a:tcPr marL="9525" marR="9525" marT="9525" marB="0" anchor="b"/>
+                </a:tc>
+                <a:extLst>
+                  <a:ext uri="{0D108BD9-81ED-4DB2-BD59-A6C34878D82A}">
+                    <a16:rowId xmlns:a16="http://schemas.microsoft.com/office/drawing/2014/main" val="594169500"/>
+                  </a:ext>
+                </a:extLst>
+              </a:tr>
+              <a:tr h="190500">
+                <a:tc>
+                  <a:txBody>
+                    <a:bodyPr/>
+                    <a:lstStyle/>
+                    <a:p>
+                      <a:pPr algn="l" fontAlgn="b"/>
+                      <a:r>
+                        <a:rPr lang="en-US" sz="1100" u="none" strike="noStrike">
+                          <a:effectLst/>
+                        </a:rPr>
+                        <a:t>g4</a:t>
+                      </a:r>
+                      <a:endParaRPr lang="en-US" sz="1100" b="0" i="0" u="none" strike="noStrike">
+                        <a:solidFill>
+                          <a:srgbClr val="000000"/>
+                        </a:solidFill>
+                        <a:effectLst/>
+                        <a:latin typeface="Calibri" panose="020F0502020204030204" pitchFamily="34" charset="0"/>
+                      </a:endParaRPr>
+                    </a:p>
+                  </a:txBody>
+                  <a:tcPr marL="9525" marR="9525" marT="9525" marB="0" anchor="b"/>
+                </a:tc>
+                <a:tc>
+                  <a:txBody>
+                    <a:bodyPr/>
+                    <a:lstStyle/>
+                    <a:p>
+                      <a:pPr algn="l" fontAlgn="b"/>
+                      <a:endParaRPr lang="en-US" sz="1100" b="0" i="0" u="none" strike="noStrike">
+                        <a:solidFill>
+                          <a:srgbClr val="000000"/>
+                        </a:solidFill>
+                        <a:effectLst/>
+                        <a:latin typeface="Calibri" panose="020F0502020204030204" pitchFamily="34" charset="0"/>
+                      </a:endParaRPr>
+                    </a:p>
+                  </a:txBody>
+                  <a:tcPr marL="9525" marR="9525" marT="9525" marB="0" anchor="b"/>
+                </a:tc>
+                <a:tc>
+                  <a:txBody>
+                    <a:bodyPr/>
+                    <a:lstStyle/>
+                    <a:p>
+                      <a:pPr algn="l" fontAlgn="b"/>
+                      <a:endParaRPr lang="en-US" sz="1100" b="0" i="0" u="none" strike="noStrike">
+                        <a:solidFill>
+                          <a:srgbClr val="000000"/>
+                        </a:solidFill>
+                        <a:effectLst/>
+                        <a:latin typeface="Calibri" panose="020F0502020204030204" pitchFamily="34" charset="0"/>
+                      </a:endParaRPr>
+                    </a:p>
+                  </a:txBody>
+                  <a:tcPr marL="9525" marR="9525" marT="9525" marB="0" anchor="b"/>
+                </a:tc>
+                <a:tc>
+                  <a:txBody>
+                    <a:bodyPr/>
+                    <a:lstStyle/>
+                    <a:p>
+                      <a:pPr algn="l" fontAlgn="b"/>
+                      <a:endParaRPr lang="en-US" sz="1100" b="0" i="0" u="none" strike="noStrike" dirty="0">
+                        <a:solidFill>
+                          <a:srgbClr val="000000"/>
+                        </a:solidFill>
+                        <a:effectLst/>
+                        <a:latin typeface="Calibri" panose="020F0502020204030204" pitchFamily="34" charset="0"/>
+                      </a:endParaRPr>
+                    </a:p>
+                  </a:txBody>
+                  <a:tcPr marL="9525" marR="9525" marT="9525" marB="0" anchor="b"/>
+                </a:tc>
+                <a:extLst>
+                  <a:ext uri="{0D108BD9-81ED-4DB2-BD59-A6C34878D82A}">
+                    <a16:rowId xmlns:a16="http://schemas.microsoft.com/office/drawing/2014/main" val="4120824309"/>
+                  </a:ext>
+                </a:extLst>
+              </a:tr>
+            </a:tbl>
+          </a:graphicData>
+        </a:graphic>
+      </p:graphicFrame>
+      <p:graphicFrame>
+        <p:nvGraphicFramePr>
+          <p:cNvPr id="13" name="Table 12">
+            <a:extLst>
+              <a:ext uri="{FF2B5EF4-FFF2-40B4-BE49-F238E27FC236}">
+                <a16:creationId xmlns:a16="http://schemas.microsoft.com/office/drawing/2014/main" id="{71A2AF3B-654E-C6CF-0C2B-9AECEEAFA107}"/>
+              </a:ext>
+            </a:extLst>
+          </p:cNvPr>
+          <p:cNvGraphicFramePr>
+            <a:graphicFrameLocks noGrp="1"/>
+          </p:cNvGraphicFramePr>
+          <p:nvPr>
+            <p:extLst>
+              <p:ext uri="{D42A27DB-BD31-4B8C-83A1-F6EECF244321}">
+                <p14:modId xmlns:p14="http://schemas.microsoft.com/office/powerpoint/2010/main" val="335239009"/>
+              </p:ext>
+            </p:extLst>
+          </p:nvPr>
+        </p:nvGraphicFramePr>
+        <p:xfrm>
+          <a:off x="1572404" y="4072815"/>
+          <a:ext cx="1473200" cy="1143000"/>
+        </p:xfrm>
+        <a:graphic>
+          <a:graphicData uri="http://schemas.openxmlformats.org/drawingml/2006/table">
+            <a:tbl>
+              <a:tblPr>
+                <a:tableStyleId>{5C22544A-7EE6-4342-B048-85BDC9FD1C3A}</a:tableStyleId>
+              </a:tblPr>
+              <a:tblGrid>
+                <a:gridCol w="368300">
+                  <a:extLst>
+                    <a:ext uri="{9D8B030D-6E8A-4147-A177-3AD203B41FA5}">
+                      <a16:colId xmlns:a16="http://schemas.microsoft.com/office/drawing/2014/main" val="3435864983"/>
+                    </a:ext>
+                  </a:extLst>
+                </a:gridCol>
+                <a:gridCol w="368300">
+                  <a:extLst>
+                    <a:ext uri="{9D8B030D-6E8A-4147-A177-3AD203B41FA5}">
+                      <a16:colId xmlns:a16="http://schemas.microsoft.com/office/drawing/2014/main" val="2005440267"/>
+                    </a:ext>
+                  </a:extLst>
+                </a:gridCol>
+                <a:gridCol w="368300">
+                  <a:extLst>
+                    <a:ext uri="{9D8B030D-6E8A-4147-A177-3AD203B41FA5}">
+                      <a16:colId xmlns:a16="http://schemas.microsoft.com/office/drawing/2014/main" val="4286969004"/>
+                    </a:ext>
+                  </a:extLst>
+                </a:gridCol>
+                <a:gridCol w="368300">
+                  <a:extLst>
+                    <a:ext uri="{9D8B030D-6E8A-4147-A177-3AD203B41FA5}">
+                      <a16:colId xmlns:a16="http://schemas.microsoft.com/office/drawing/2014/main" val="787679232"/>
+                    </a:ext>
+                  </a:extLst>
+                </a:gridCol>
+              </a:tblGrid>
+              <a:tr h="190500">
+                <a:tc gridSpan="3">
+                  <a:txBody>
+                    <a:bodyPr/>
+                    <a:lstStyle/>
+                    <a:p>
+                      <a:pPr algn="l" fontAlgn="b"/>
+                      <a:r>
+                        <a:rPr lang="en-US" sz="1100" u="none" strike="noStrike">
+                          <a:effectLst/>
+                        </a:rPr>
+                        <a:t>Cell Metadata</a:t>
+                      </a:r>
+                      <a:endParaRPr lang="en-US" sz="1100" b="0" i="0" u="none" strike="noStrike">
+                        <a:solidFill>
+                          <a:srgbClr val="000000"/>
+                        </a:solidFill>
+                        <a:effectLst/>
+                        <a:latin typeface="Calibri" panose="020F0502020204030204" pitchFamily="34" charset="0"/>
+                      </a:endParaRPr>
+                    </a:p>
+                  </a:txBody>
+                  <a:tcPr marL="9525" marR="9525" marT="9525" marB="0" anchor="b"/>
+                </a:tc>
+                <a:tc hMerge="1">
+                  <a:txBody>
+                    <a:bodyPr/>
+                    <a:lstStyle/>
+                    <a:p>
+                      <a:endParaRPr lang="en-US"/>
+                    </a:p>
+                  </a:txBody>
+                  <a:tcPr/>
+                </a:tc>
+                <a:tc hMerge="1">
+                  <a:txBody>
+                    <a:bodyPr/>
+                    <a:lstStyle/>
+                    <a:p>
+                      <a:endParaRPr lang="en-US"/>
+                    </a:p>
+                  </a:txBody>
+                  <a:tcPr/>
+                </a:tc>
+                <a:tc>
+                  <a:txBody>
+                    <a:bodyPr/>
+                    <a:lstStyle/>
+                    <a:p>
+                      <a:pPr algn="l" fontAlgn="b"/>
+                      <a:endParaRPr lang="en-US" sz="1100" b="0" i="0" u="none" strike="noStrike">
+                        <a:solidFill>
+                          <a:srgbClr val="000000"/>
+                        </a:solidFill>
+                        <a:effectLst/>
+                        <a:latin typeface="Calibri" panose="020F0502020204030204" pitchFamily="34" charset="0"/>
+                      </a:endParaRPr>
+                    </a:p>
+                  </a:txBody>
+                  <a:tcPr marL="9525" marR="9525" marT="9525" marB="0" anchor="b"/>
+                </a:tc>
+                <a:extLst>
+                  <a:ext uri="{0D108BD9-81ED-4DB2-BD59-A6C34878D82A}">
+                    <a16:rowId xmlns:a16="http://schemas.microsoft.com/office/drawing/2014/main" val="3936170686"/>
+                  </a:ext>
+                </a:extLst>
+              </a:tr>
+              <a:tr h="190500">
+                <a:tc>
+                  <a:txBody>
+                    <a:bodyPr/>
+                    <a:lstStyle/>
+                    <a:p>
+                      <a:pPr algn="l" fontAlgn="b"/>
+                      <a:endParaRPr lang="en-US" sz="1100" b="0" i="0" u="none" strike="noStrike">
+                        <a:solidFill>
+                          <a:srgbClr val="000000"/>
+                        </a:solidFill>
+                        <a:effectLst/>
+                        <a:latin typeface="Calibri" panose="020F0502020204030204" pitchFamily="34" charset="0"/>
+                      </a:endParaRPr>
+                    </a:p>
+                  </a:txBody>
+                  <a:tcPr marL="9525" marR="9525" marT="9525" marB="0" anchor="b"/>
+                </a:tc>
+                <a:tc>
+                  <a:txBody>
+                    <a:bodyPr/>
+                    <a:lstStyle/>
+                    <a:p>
+                      <a:pPr algn="l" fontAlgn="b"/>
+                      <a:endParaRPr lang="en-US" sz="1100" b="0" i="0" u="none" strike="noStrike">
+                        <a:solidFill>
+                          <a:srgbClr val="000000"/>
+                        </a:solidFill>
+                        <a:effectLst/>
+                        <a:latin typeface="Calibri" panose="020F0502020204030204" pitchFamily="34" charset="0"/>
+                      </a:endParaRPr>
+                    </a:p>
+                  </a:txBody>
+                  <a:tcPr marL="9525" marR="9525" marT="9525" marB="0" anchor="b"/>
+                </a:tc>
+                <a:tc>
+                  <a:txBody>
+                    <a:bodyPr/>
+                    <a:lstStyle/>
+                    <a:p>
+                      <a:pPr algn="l" fontAlgn="b"/>
+                      <a:endParaRPr lang="en-US" sz="1100" b="0" i="0" u="none" strike="noStrike">
+                        <a:solidFill>
+                          <a:srgbClr val="000000"/>
+                        </a:solidFill>
+                        <a:effectLst/>
+                        <a:latin typeface="Calibri" panose="020F0502020204030204" pitchFamily="34" charset="0"/>
+                      </a:endParaRPr>
+                    </a:p>
+                  </a:txBody>
+                  <a:tcPr marL="9525" marR="9525" marT="9525" marB="0" anchor="b"/>
+                </a:tc>
+                <a:tc>
+                  <a:txBody>
+                    <a:bodyPr/>
+                    <a:lstStyle/>
+                    <a:p>
+                      <a:pPr algn="l" fontAlgn="b"/>
+                      <a:endParaRPr lang="en-US" sz="1100" b="0" i="0" u="none" strike="noStrike">
+                        <a:solidFill>
+                          <a:srgbClr val="000000"/>
+                        </a:solidFill>
+                        <a:effectLst/>
+                        <a:latin typeface="Calibri" panose="020F0502020204030204" pitchFamily="34" charset="0"/>
+                      </a:endParaRPr>
+                    </a:p>
+                  </a:txBody>
+                  <a:tcPr marL="9525" marR="9525" marT="9525" marB="0" anchor="b"/>
+                </a:tc>
+                <a:extLst>
+                  <a:ext uri="{0D108BD9-81ED-4DB2-BD59-A6C34878D82A}">
+                    <a16:rowId xmlns:a16="http://schemas.microsoft.com/office/drawing/2014/main" val="1070732241"/>
+                  </a:ext>
+                </a:extLst>
+              </a:tr>
+              <a:tr h="190500">
+                <a:tc>
+                  <a:txBody>
+                    <a:bodyPr/>
+                    <a:lstStyle/>
+                    <a:p>
+                      <a:pPr algn="l" fontAlgn="b"/>
+                      <a:r>
+                        <a:rPr lang="en-US" sz="1100" u="none" strike="noStrike">
+                          <a:effectLst/>
+                        </a:rPr>
+                        <a:t>c1</a:t>
+                      </a:r>
+                      <a:endParaRPr lang="en-US" sz="1100" b="0" i="0" u="none" strike="noStrike">
+                        <a:solidFill>
+                          <a:srgbClr val="000000"/>
+                        </a:solidFill>
+                        <a:effectLst/>
+                        <a:latin typeface="Calibri" panose="020F0502020204030204" pitchFamily="34" charset="0"/>
+                      </a:endParaRPr>
+                    </a:p>
+                  </a:txBody>
+                  <a:tcPr marL="9525" marR="9525" marT="9525" marB="0" anchor="b"/>
+                </a:tc>
+                <a:tc>
+                  <a:txBody>
+                    <a:bodyPr/>
+                    <a:lstStyle/>
+                    <a:p>
+                      <a:pPr algn="l" fontAlgn="b"/>
+                      <a:endParaRPr lang="en-US" sz="1100" b="0" i="0" u="none" strike="noStrike">
+                        <a:solidFill>
+                          <a:srgbClr val="000000"/>
+                        </a:solidFill>
+                        <a:effectLst/>
+                        <a:latin typeface="Calibri" panose="020F0502020204030204" pitchFamily="34" charset="0"/>
+                      </a:endParaRPr>
+                    </a:p>
+                  </a:txBody>
+                  <a:tcPr marL="9525" marR="9525" marT="9525" marB="0" anchor="b"/>
+                </a:tc>
+                <a:tc>
+                  <a:txBody>
+                    <a:bodyPr/>
+                    <a:lstStyle/>
+                    <a:p>
+                      <a:pPr algn="l" fontAlgn="b"/>
+                      <a:endParaRPr lang="en-US" sz="1100" b="0" i="0" u="none" strike="noStrike">
+                        <a:solidFill>
+                          <a:srgbClr val="000000"/>
+                        </a:solidFill>
+                        <a:effectLst/>
+                        <a:latin typeface="Calibri" panose="020F0502020204030204" pitchFamily="34" charset="0"/>
+                      </a:endParaRPr>
+                    </a:p>
+                  </a:txBody>
+                  <a:tcPr marL="9525" marR="9525" marT="9525" marB="0" anchor="b"/>
+                </a:tc>
+                <a:tc>
+                  <a:txBody>
+                    <a:bodyPr/>
+                    <a:lstStyle/>
+                    <a:p>
+                      <a:pPr algn="l" fontAlgn="b"/>
+                      <a:endParaRPr lang="en-US" sz="1100" b="0" i="0" u="none" strike="noStrike">
+                        <a:solidFill>
+                          <a:srgbClr val="000000"/>
+                        </a:solidFill>
+                        <a:effectLst/>
+                        <a:latin typeface="Calibri" panose="020F0502020204030204" pitchFamily="34" charset="0"/>
+                      </a:endParaRPr>
+                    </a:p>
+                  </a:txBody>
+                  <a:tcPr marL="9525" marR="9525" marT="9525" marB="0" anchor="b"/>
+                </a:tc>
+                <a:extLst>
+                  <a:ext uri="{0D108BD9-81ED-4DB2-BD59-A6C34878D82A}">
+                    <a16:rowId xmlns:a16="http://schemas.microsoft.com/office/drawing/2014/main" val="2167498796"/>
+                  </a:ext>
+                </a:extLst>
+              </a:tr>
+              <a:tr h="190500">
+                <a:tc>
+                  <a:txBody>
+                    <a:bodyPr/>
+                    <a:lstStyle/>
+                    <a:p>
+                      <a:pPr algn="l" fontAlgn="b"/>
+                      <a:r>
+                        <a:rPr lang="en-US" sz="1100" u="none" strike="noStrike">
+                          <a:effectLst/>
+                        </a:rPr>
+                        <a:t>c2</a:t>
+                      </a:r>
+                      <a:endParaRPr lang="en-US" sz="1100" b="0" i="0" u="none" strike="noStrike">
+                        <a:solidFill>
+                          <a:srgbClr val="000000"/>
+                        </a:solidFill>
+                        <a:effectLst/>
+                        <a:latin typeface="Calibri" panose="020F0502020204030204" pitchFamily="34" charset="0"/>
+                      </a:endParaRPr>
+                    </a:p>
+                  </a:txBody>
+                  <a:tcPr marL="9525" marR="9525" marT="9525" marB="0" anchor="b"/>
+                </a:tc>
+                <a:tc>
+                  <a:txBody>
+                    <a:bodyPr/>
+                    <a:lstStyle/>
+                    <a:p>
+                      <a:pPr algn="l" fontAlgn="b"/>
+                      <a:endParaRPr lang="en-US" sz="1100" b="0" i="0" u="none" strike="noStrike">
+                        <a:solidFill>
+                          <a:srgbClr val="000000"/>
+                        </a:solidFill>
+                        <a:effectLst/>
+                        <a:latin typeface="Calibri" panose="020F0502020204030204" pitchFamily="34" charset="0"/>
+                      </a:endParaRPr>
+                    </a:p>
+                  </a:txBody>
+                  <a:tcPr marL="9525" marR="9525" marT="9525" marB="0" anchor="b"/>
+                </a:tc>
+                <a:tc>
+                  <a:txBody>
+                    <a:bodyPr/>
+                    <a:lstStyle/>
+                    <a:p>
+                      <a:pPr algn="l" fontAlgn="b"/>
+                      <a:endParaRPr lang="en-US" sz="1100" b="0" i="0" u="none" strike="noStrike">
+                        <a:solidFill>
+                          <a:srgbClr val="000000"/>
+                        </a:solidFill>
+                        <a:effectLst/>
+                        <a:latin typeface="Calibri" panose="020F0502020204030204" pitchFamily="34" charset="0"/>
+                      </a:endParaRPr>
+                    </a:p>
+                  </a:txBody>
+                  <a:tcPr marL="9525" marR="9525" marT="9525" marB="0" anchor="b"/>
+                </a:tc>
+                <a:tc>
+                  <a:txBody>
+                    <a:bodyPr/>
+                    <a:lstStyle/>
+                    <a:p>
+                      <a:pPr algn="l" fontAlgn="b"/>
+                      <a:endParaRPr lang="en-US" sz="1100" b="0" i="0" u="none" strike="noStrike">
+                        <a:solidFill>
+                          <a:srgbClr val="000000"/>
+                        </a:solidFill>
+                        <a:effectLst/>
+                        <a:latin typeface="Calibri" panose="020F0502020204030204" pitchFamily="34" charset="0"/>
+                      </a:endParaRPr>
+                    </a:p>
+                  </a:txBody>
+                  <a:tcPr marL="9525" marR="9525" marT="9525" marB="0" anchor="b"/>
+                </a:tc>
+                <a:extLst>
+                  <a:ext uri="{0D108BD9-81ED-4DB2-BD59-A6C34878D82A}">
+                    <a16:rowId xmlns:a16="http://schemas.microsoft.com/office/drawing/2014/main" val="3149518229"/>
+                  </a:ext>
+                </a:extLst>
+              </a:tr>
+              <a:tr h="190500">
+                <a:tc>
+                  <a:txBody>
+                    <a:bodyPr/>
+                    <a:lstStyle/>
+                    <a:p>
+                      <a:pPr algn="l" fontAlgn="b"/>
+                      <a:r>
+                        <a:rPr lang="en-US" sz="1100" u="none" strike="noStrike">
+                          <a:effectLst/>
+                        </a:rPr>
+                        <a:t>c3</a:t>
+                      </a:r>
+                      <a:endParaRPr lang="en-US" sz="1100" b="0" i="0" u="none" strike="noStrike">
+                        <a:solidFill>
+                          <a:srgbClr val="000000"/>
+                        </a:solidFill>
+                        <a:effectLst/>
+                        <a:latin typeface="Calibri" panose="020F0502020204030204" pitchFamily="34" charset="0"/>
+                      </a:endParaRPr>
+                    </a:p>
+                  </a:txBody>
+                  <a:tcPr marL="9525" marR="9525" marT="9525" marB="0" anchor="b"/>
+                </a:tc>
+                <a:tc>
+                  <a:txBody>
+                    <a:bodyPr/>
+                    <a:lstStyle/>
+                    <a:p>
+                      <a:pPr algn="l" fontAlgn="b"/>
+                      <a:endParaRPr lang="en-US" sz="1100" b="0" i="0" u="none" strike="noStrike">
+                        <a:solidFill>
+                          <a:srgbClr val="000000"/>
+                        </a:solidFill>
+                        <a:effectLst/>
+                        <a:latin typeface="Calibri" panose="020F0502020204030204" pitchFamily="34" charset="0"/>
+                      </a:endParaRPr>
+                    </a:p>
+                  </a:txBody>
+                  <a:tcPr marL="9525" marR="9525" marT="9525" marB="0" anchor="b"/>
+                </a:tc>
+                <a:tc>
+                  <a:txBody>
+                    <a:bodyPr/>
+                    <a:lstStyle/>
+                    <a:p>
+                      <a:pPr algn="l" fontAlgn="b"/>
+                      <a:endParaRPr lang="en-US" sz="1100" b="0" i="0" u="none" strike="noStrike">
+                        <a:solidFill>
+                          <a:srgbClr val="000000"/>
+                        </a:solidFill>
+                        <a:effectLst/>
+                        <a:latin typeface="Calibri" panose="020F0502020204030204" pitchFamily="34" charset="0"/>
+                      </a:endParaRPr>
+                    </a:p>
+                  </a:txBody>
+                  <a:tcPr marL="9525" marR="9525" marT="9525" marB="0" anchor="b"/>
+                </a:tc>
+                <a:tc>
+                  <a:txBody>
+                    <a:bodyPr/>
+                    <a:lstStyle/>
+                    <a:p>
+                      <a:pPr algn="l" fontAlgn="b"/>
+                      <a:endParaRPr lang="en-US" sz="1100" b="0" i="0" u="none" strike="noStrike">
+                        <a:solidFill>
+                          <a:srgbClr val="000000"/>
+                        </a:solidFill>
+                        <a:effectLst/>
+                        <a:latin typeface="Calibri" panose="020F0502020204030204" pitchFamily="34" charset="0"/>
+                      </a:endParaRPr>
+                    </a:p>
+                  </a:txBody>
+                  <a:tcPr marL="9525" marR="9525" marT="9525" marB="0" anchor="b"/>
+                </a:tc>
+                <a:extLst>
+                  <a:ext uri="{0D108BD9-81ED-4DB2-BD59-A6C34878D82A}">
+                    <a16:rowId xmlns:a16="http://schemas.microsoft.com/office/drawing/2014/main" val="1206598773"/>
+                  </a:ext>
+                </a:extLst>
+              </a:tr>
+              <a:tr h="190500">
+                <a:tc>
+                  <a:txBody>
+                    <a:bodyPr/>
+                    <a:lstStyle/>
+                    <a:p>
+                      <a:pPr algn="l" fontAlgn="b"/>
+                      <a:r>
+                        <a:rPr lang="en-US" sz="1100" u="none" strike="noStrike">
+                          <a:effectLst/>
+                        </a:rPr>
+                        <a:t>c4</a:t>
+                      </a:r>
+                      <a:endParaRPr lang="en-US" sz="1100" b="0" i="0" u="none" strike="noStrike">
+                        <a:solidFill>
+                          <a:srgbClr val="000000"/>
+                        </a:solidFill>
+                        <a:effectLst/>
+                        <a:latin typeface="Calibri" panose="020F0502020204030204" pitchFamily="34" charset="0"/>
+                      </a:endParaRPr>
+                    </a:p>
+                  </a:txBody>
+                  <a:tcPr marL="9525" marR="9525" marT="9525" marB="0" anchor="b"/>
+                </a:tc>
+                <a:tc>
+                  <a:txBody>
+                    <a:bodyPr/>
+                    <a:lstStyle/>
+                    <a:p>
+                      <a:pPr algn="l" fontAlgn="b"/>
+                      <a:endParaRPr lang="en-US" sz="1100" b="0" i="0" u="none" strike="noStrike">
+                        <a:solidFill>
+                          <a:srgbClr val="000000"/>
+                        </a:solidFill>
+                        <a:effectLst/>
+                        <a:latin typeface="Calibri" panose="020F0502020204030204" pitchFamily="34" charset="0"/>
+                      </a:endParaRPr>
+                    </a:p>
+                  </a:txBody>
+                  <a:tcPr marL="9525" marR="9525" marT="9525" marB="0" anchor="b"/>
+                </a:tc>
+                <a:tc>
+                  <a:txBody>
+                    <a:bodyPr/>
+                    <a:lstStyle/>
+                    <a:p>
+                      <a:pPr algn="l" fontAlgn="b"/>
+                      <a:endParaRPr lang="en-US" sz="1100" b="0" i="0" u="none" strike="noStrike">
+                        <a:solidFill>
+                          <a:srgbClr val="000000"/>
+                        </a:solidFill>
+                        <a:effectLst/>
+                        <a:latin typeface="Calibri" panose="020F0502020204030204" pitchFamily="34" charset="0"/>
+                      </a:endParaRPr>
+                    </a:p>
+                  </a:txBody>
+                  <a:tcPr marL="9525" marR="9525" marT="9525" marB="0" anchor="b"/>
+                </a:tc>
+                <a:tc>
+                  <a:txBody>
+                    <a:bodyPr/>
+                    <a:lstStyle/>
+                    <a:p>
+                      <a:pPr algn="l" fontAlgn="b"/>
+                      <a:endParaRPr lang="en-US" sz="1100" b="0" i="0" u="none" strike="noStrike" dirty="0">
+                        <a:solidFill>
+                          <a:srgbClr val="000000"/>
+                        </a:solidFill>
+                        <a:effectLst/>
+                        <a:latin typeface="Calibri" panose="020F0502020204030204" pitchFamily="34" charset="0"/>
+                      </a:endParaRPr>
+                    </a:p>
+                  </a:txBody>
+                  <a:tcPr marL="9525" marR="9525" marT="9525" marB="0" anchor="b"/>
+                </a:tc>
+                <a:extLst>
+                  <a:ext uri="{0D108BD9-81ED-4DB2-BD59-A6C34878D82A}">
+                    <a16:rowId xmlns:a16="http://schemas.microsoft.com/office/drawing/2014/main" val="243314162"/>
+                  </a:ext>
+                </a:extLst>
+              </a:tr>
+            </a:tbl>
+          </a:graphicData>
+        </a:graphic>
+      </p:graphicFrame>
+    </p:spTree>
+    <p:extLst>
+      <p:ext uri="{BB962C8B-B14F-4D97-AF65-F5344CB8AC3E}">
+        <p14:creationId xmlns:p14="http://schemas.microsoft.com/office/powerpoint/2010/main" val="4107902956"/>
+      </p:ext>
+    </p:extLst>
+  </p:cSld>
+  <p:clrMapOvr>
+    <a:masterClrMapping/>
+  </p:clrMapOvr>
+</p:sld>
+</file>
+
+<file path=ppt/slides/slide9.xml><?xml version="1.0" encoding="utf-8"?>
+<p:sld xmlns:a="http://schemas.openxmlformats.org/drawingml/2006/main" xmlns:r="http://schemas.openxmlformats.org/officeDocument/2006/relationships" xmlns:p="http://schemas.openxmlformats.org/presentationml/2006/main">
+  <p:cSld>
+    <p:spTree>
+      <p:nvGrpSpPr>
+        <p:cNvPr id="1" name=""/>
+        <p:cNvGrpSpPr/>
+        <p:nvPr/>
+      </p:nvGrpSpPr>
+      <p:grpSpPr>
+        <a:xfrm>
+          <a:off x="0" y="0"/>
+          <a:ext cx="0" cy="0"/>
+          <a:chOff x="0" y="0"/>
+          <a:chExt cx="0" cy="0"/>
+        </a:xfrm>
+      </p:grpSpPr>
+      <p:sp>
+        <p:nvSpPr>
+          <p:cNvPr id="2" name="Title 1">
+            <a:extLst>
+              <a:ext uri="{FF2B5EF4-FFF2-40B4-BE49-F238E27FC236}">
                 <a16:creationId xmlns:a16="http://schemas.microsoft.com/office/drawing/2014/main" id="{15FF008D-6109-C04B-2DD5-F18725394719}"/>
               </a:ext>
             </a:extLst>
@@ -6220,187 +8281,6 @@
     <p:extLst>
       <p:ext uri="{BB962C8B-B14F-4D97-AF65-F5344CB8AC3E}">
         <p14:creationId xmlns:p14="http://schemas.microsoft.com/office/powerpoint/2010/main" val="2103545050"/>
-      </p:ext>
-    </p:extLst>
-  </p:cSld>
-  <p:clrMapOvr>
-    <a:masterClrMapping/>
-  </p:clrMapOvr>
-</p:sld>
-</file>
-
-<file path=ppt/slides/slide9.xml><?xml version="1.0" encoding="utf-8"?>
-<p:sld xmlns:a="http://schemas.openxmlformats.org/drawingml/2006/main" xmlns:r="http://schemas.openxmlformats.org/officeDocument/2006/relationships" xmlns:p="http://schemas.openxmlformats.org/presentationml/2006/main">
-  <p:cSld>
-    <p:spTree>
-      <p:nvGrpSpPr>
-        <p:cNvPr id="1" name=""/>
-        <p:cNvGrpSpPr/>
-        <p:nvPr/>
-      </p:nvGrpSpPr>
-      <p:grpSpPr>
-        <a:xfrm>
-          <a:off x="0" y="0"/>
-          <a:ext cx="0" cy="0"/>
-          <a:chOff x="0" y="0"/>
-          <a:chExt cx="0" cy="0"/>
-        </a:xfrm>
-      </p:grpSpPr>
-      <p:sp>
-        <p:nvSpPr>
-          <p:cNvPr id="2" name="Title 1">
-            <a:extLst>
-              <a:ext uri="{FF2B5EF4-FFF2-40B4-BE49-F238E27FC236}">
-                <a16:creationId xmlns:a16="http://schemas.microsoft.com/office/drawing/2014/main" id="{15FF008D-6109-C04B-2DD5-F18725394719}"/>
-              </a:ext>
-            </a:extLst>
-          </p:cNvPr>
-          <p:cNvSpPr>
-            <a:spLocks noGrp="1"/>
-          </p:cNvSpPr>
-          <p:nvPr>
-            <p:ph type="title"/>
-          </p:nvPr>
-        </p:nvSpPr>
-        <p:spPr/>
-        <p:txBody>
-          <a:bodyPr/>
-          <a:lstStyle/>
-          <a:p>
-            <a:r>
-              <a:rPr lang="en-US" dirty="0"/>
-              <a:t>Key Cell Ranger Parameters for Alignment</a:t>
-            </a:r>
-          </a:p>
-        </p:txBody>
-      </p:sp>
-      <p:sp>
-        <p:nvSpPr>
-          <p:cNvPr id="4" name="TextBox 3">
-            <a:extLst>
-              <a:ext uri="{FF2B5EF4-FFF2-40B4-BE49-F238E27FC236}">
-                <a16:creationId xmlns:a16="http://schemas.microsoft.com/office/drawing/2014/main" id="{CC1F8028-DD48-21C8-784C-0351ADD5D02F}"/>
-              </a:ext>
-            </a:extLst>
-          </p:cNvPr>
-          <p:cNvSpPr txBox="1"/>
-          <p:nvPr/>
-        </p:nvSpPr>
-        <p:spPr>
-          <a:xfrm>
-            <a:off x="4729655" y="6627168"/>
-            <a:ext cx="5155323" cy="230832"/>
-          </a:xfrm>
-          <a:prstGeom prst="rect">
-            <a:avLst/>
-          </a:prstGeom>
-          <a:noFill/>
-        </p:spPr>
-        <p:txBody>
-          <a:bodyPr wrap="square">
-            <a:spAutoFit/>
-          </a:bodyPr>
-          <a:lstStyle/>
-          <a:p>
-            <a:pPr algn="r"/>
-            <a:r>
-              <a:rPr lang="en-US" sz="900" i="1" dirty="0">
-                <a:solidFill>
-                  <a:schemeClr val="bg1">
-                    <a:lumMod val="50000"/>
-                  </a:schemeClr>
-                </a:solidFill>
-              </a:rPr>
-              <a:t>https://www.10xgenomics.com/support/software/cell-ranger/algorithms-overview/</a:t>
-            </a:r>
-            <a:r>
-              <a:rPr lang="en-US" sz="900" i="1" dirty="0" err="1">
-                <a:solidFill>
-                  <a:schemeClr val="bg1">
-                    <a:lumMod val="50000"/>
-                  </a:schemeClr>
-                </a:solidFill>
-              </a:rPr>
-              <a:t>cr</a:t>
-            </a:r>
-            <a:r>
-              <a:rPr lang="en-US" sz="900" i="1" dirty="0">
-                <a:solidFill>
-                  <a:schemeClr val="bg1">
-                    <a:lumMod val="50000"/>
-                  </a:schemeClr>
-                </a:solidFill>
-              </a:rPr>
-              <a:t>-</a:t>
-            </a:r>
-            <a:r>
-              <a:rPr lang="en-US" sz="900" i="1" dirty="0" err="1">
-                <a:solidFill>
-                  <a:schemeClr val="bg1">
-                    <a:lumMod val="50000"/>
-                  </a:schemeClr>
-                </a:solidFill>
-              </a:rPr>
-              <a:t>gex</a:t>
-            </a:r>
-            <a:r>
-              <a:rPr lang="en-US" sz="900" i="1" dirty="0">
-                <a:solidFill>
-                  <a:schemeClr val="bg1">
-                    <a:lumMod val="50000"/>
-                  </a:schemeClr>
-                </a:solidFill>
-              </a:rPr>
-              <a:t>-algorithm</a:t>
-            </a:r>
-          </a:p>
-        </p:txBody>
-      </p:sp>
-      <p:sp>
-        <p:nvSpPr>
-          <p:cNvPr id="3" name="TextBox 2">
-            <a:extLst>
-              <a:ext uri="{FF2B5EF4-FFF2-40B4-BE49-F238E27FC236}">
-                <a16:creationId xmlns:a16="http://schemas.microsoft.com/office/drawing/2014/main" id="{7915BA8D-942C-CA8B-B7AA-AAEFCEABA0B7}"/>
-              </a:ext>
-            </a:extLst>
-          </p:cNvPr>
-          <p:cNvSpPr txBox="1"/>
-          <p:nvPr/>
-        </p:nvSpPr>
-        <p:spPr>
-          <a:xfrm>
-            <a:off x="508959" y="1630392"/>
-            <a:ext cx="4910511" cy="646331"/>
-          </a:xfrm>
-          <a:prstGeom prst="rect">
-            <a:avLst/>
-          </a:prstGeom>
-          <a:noFill/>
-        </p:spPr>
-        <p:txBody>
-          <a:bodyPr wrap="none" rtlCol="0">
-            <a:spAutoFit/>
-          </a:bodyPr>
-          <a:lstStyle/>
-          <a:p>
-            <a:r>
-              <a:rPr lang="en-US" dirty="0"/>
-              <a:t>Reference Genome</a:t>
-            </a:r>
-          </a:p>
-          <a:p>
-            <a:r>
-              <a:rPr lang="en-US" dirty="0"/>
-              <a:t>  Can significantly influence number of Reads/Cells</a:t>
-            </a:r>
-          </a:p>
-        </p:txBody>
-      </p:sp>
-    </p:spTree>
-    <p:extLst>
-      <p:ext uri="{BB962C8B-B14F-4D97-AF65-F5344CB8AC3E}">
-        <p14:creationId xmlns:p14="http://schemas.microsoft.com/office/powerpoint/2010/main" val="3966724803"/>
       </p:ext>
     </p:extLst>
   </p:cSld>

--- a/M2_CellRanger_Alignment/M2_CellRanger.pptx
+++ b/M2_CellRanger_Alignment/M2_CellRanger.pptx
@@ -15,8 +15,8 @@
     <p:sldId id="261" r:id="rId6"/>
     <p:sldId id="262" r:id="rId7"/>
     <p:sldId id="263" r:id="rId8"/>
-    <p:sldId id="268" r:id="rId9"/>
-    <p:sldId id="265" r:id="rId10"/>
+    <p:sldId id="265" r:id="rId9"/>
+    <p:sldId id="268" r:id="rId10"/>
     <p:sldId id="266" r:id="rId11"/>
   </p:sldIdLst>
   <p:sldSz cx="12192000" cy="6858000"/>
@@ -206,7 +206,7 @@
           <a:p>
             <a:fld id="{FF40CFF0-3E11-4AF6-9747-7919C58FBC48}" type="datetimeFigureOut">
               <a:rPr lang="en-US" smtClean="0"/>
-              <a:t>1/4/24</a:t>
+              <a:t>1/5/2024</a:t>
             </a:fld>
             <a:endParaRPr lang="en-US"/>
           </a:p>
@@ -628,7 +628,7 @@
           <a:p>
             <a:fld id="{9F69634C-F75C-45F7-A87A-C5E2AF3ECA41}" type="datetimeFigureOut">
               <a:rPr lang="en-US" smtClean="0"/>
-              <a:t>1/4/24</a:t>
+              <a:t>1/5/2024</a:t>
             </a:fld>
             <a:endParaRPr lang="en-US"/>
           </a:p>
@@ -792,7 +792,7 @@
           <a:p>
             <a:fld id="{9F69634C-F75C-45F7-A87A-C5E2AF3ECA41}" type="datetimeFigureOut">
               <a:rPr lang="en-US" smtClean="0"/>
-              <a:t>1/4/24</a:t>
+              <a:t>1/5/2024</a:t>
             </a:fld>
             <a:endParaRPr lang="en-US"/>
           </a:p>
@@ -995,7 +995,7 @@
           <a:p>
             <a:fld id="{9F69634C-F75C-45F7-A87A-C5E2AF3ECA41}" type="datetimeFigureOut">
               <a:rPr lang="en-US" smtClean="0"/>
-              <a:t>1/4/24</a:t>
+              <a:t>1/5/2024</a:t>
             </a:fld>
             <a:endParaRPr lang="en-US"/>
           </a:p>
@@ -1260,7 +1260,7 @@
           <a:p>
             <a:fld id="{9F69634C-F75C-45F7-A87A-C5E2AF3ECA41}" type="datetimeFigureOut">
               <a:rPr lang="en-US" smtClean="0"/>
-              <a:t>1/4/24</a:t>
+              <a:t>1/5/2024</a:t>
             </a:fld>
             <a:endParaRPr lang="en-US"/>
           </a:p>
@@ -1373,7 +1373,7 @@
           <a:p>
             <a:fld id="{9F69634C-F75C-45F7-A87A-C5E2AF3ECA41}" type="datetimeFigureOut">
               <a:rPr lang="en-US" smtClean="0"/>
-              <a:t>1/4/24</a:t>
+              <a:t>1/5/2024</a:t>
             </a:fld>
             <a:endParaRPr lang="en-US"/>
           </a:p>
@@ -1614,7 +1614,7 @@
           <a:p>
             <a:fld id="{9F69634C-F75C-45F7-A87A-C5E2AF3ECA41}" type="datetimeFigureOut">
               <a:rPr lang="en-US" smtClean="0"/>
-              <a:t>1/4/24</a:t>
+              <a:t>1/5/2024</a:t>
             </a:fld>
             <a:endParaRPr lang="en-US"/>
           </a:p>
@@ -2636,7 +2636,7 @@
           <a:p>
             <a:r>
               <a:rPr lang="en-US" dirty="0"/>
-              <a:t>Convert Raw Single Cell RNA-Seq to Gene Expression</a:t>
+              <a:t>10X Data</a:t>
             </a:r>
           </a:p>
         </p:txBody>
@@ -2725,10 +2725,10 @@
       </p:sp>
       <p:pic>
         <p:nvPicPr>
-          <p:cNvPr id="1026" name="Picture 2">
+          <p:cNvPr id="3" name="Picture 2">
             <a:extLst>
               <a:ext uri="{FF2B5EF4-FFF2-40B4-BE49-F238E27FC236}">
-                <a16:creationId xmlns:a16="http://schemas.microsoft.com/office/drawing/2014/main" id="{EC6EC454-380C-18B3-E0F7-F3935D694B66}"/>
+                <a16:creationId xmlns:a16="http://schemas.microsoft.com/office/drawing/2014/main" id="{810CCC57-8FAE-0379-10C9-FCAB10C4B262}"/>
               </a:ext>
             </a:extLst>
           </p:cNvPr>
@@ -2752,7 +2752,7 @@
         </p:blipFill>
         <p:spPr bwMode="auto">
           <a:xfrm>
-            <a:off x="2674931" y="2256158"/>
+            <a:off x="4827581" y="2331711"/>
             <a:ext cx="4632385" cy="738286"/>
           </a:xfrm>
           <a:prstGeom prst="rect">
@@ -3848,8 +3848,8 @@
         </p:nvSpPr>
         <p:spPr>
           <a:xfrm>
-            <a:off x="9325" y="2164128"/>
-            <a:ext cx="3310759" cy="4693872"/>
+            <a:off x="9325" y="2133600"/>
+            <a:ext cx="3310759" cy="4724400"/>
           </a:xfrm>
           <a:prstGeom prst="rect">
             <a:avLst/>
@@ -3885,6 +3885,53 @@
           <a:p>
             <a:pPr algn="ctr"/>
             <a:endParaRPr lang="en-US"/>
+          </a:p>
+        </p:txBody>
+      </p:sp>
+      <p:sp>
+        <p:nvSpPr>
+          <p:cNvPr id="3" name="TextBox 2">
+            <a:extLst>
+              <a:ext uri="{FF2B5EF4-FFF2-40B4-BE49-F238E27FC236}">
+                <a16:creationId xmlns:a16="http://schemas.microsoft.com/office/drawing/2014/main" id="{ADE7FAA6-4993-D22B-8A02-C13A1079747F}"/>
+              </a:ext>
+            </a:extLst>
+          </p:cNvPr>
+          <p:cNvSpPr txBox="1"/>
+          <p:nvPr/>
+        </p:nvSpPr>
+        <p:spPr>
+          <a:xfrm>
+            <a:off x="4281980" y="1351290"/>
+            <a:ext cx="7181850" cy="2031325"/>
+          </a:xfrm>
+          <a:prstGeom prst="rect">
+            <a:avLst/>
+          </a:prstGeom>
+          <a:noFill/>
+        </p:spPr>
+        <p:txBody>
+          <a:bodyPr wrap="square" rtlCol="0">
+            <a:spAutoFit/>
+          </a:bodyPr>
+          <a:lstStyle/>
+          <a:p>
+            <a:r>
+              <a:rPr lang="en-US" dirty="0"/>
+              <a:t>Cell Ranger compares 10x barcodes to the whitelist file of known barcodes for a given assay</a:t>
+            </a:r>
+          </a:p>
+          <a:p>
+            <a:r>
+              <a:rPr lang="en-US" dirty="0"/>
+              <a:t>Barcodes that do not exactly match any whitelist entries are statistically tested if there is sufficient evidence that they have a sequencing error and are a match.</a:t>
+            </a:r>
+          </a:p>
+          <a:p>
+            <a:r>
+              <a:rPr lang="en-US" dirty="0"/>
+              <a:t>If so, bar code is corrected to closest matching entry and included, nonmatching barcodes are discarded.</a:t>
+            </a:r>
           </a:p>
         </p:txBody>
       </p:sp>
@@ -4606,6 +4653,354 @@
           </a:p>
         </p:txBody>
       </p:sp>
+      <p:pic>
+        <p:nvPicPr>
+          <p:cNvPr id="16" name="Picture 2">
+            <a:extLst>
+              <a:ext uri="{FF2B5EF4-FFF2-40B4-BE49-F238E27FC236}">
+                <a16:creationId xmlns:a16="http://schemas.microsoft.com/office/drawing/2014/main" id="{193E1370-9B7C-0BCF-2DE3-C03969729F0E}"/>
+              </a:ext>
+            </a:extLst>
+          </p:cNvPr>
+          <p:cNvPicPr>
+            <a:picLocks noChangeAspect="1" noChangeArrowheads="1"/>
+          </p:cNvPicPr>
+          <p:nvPr/>
+        </p:nvPicPr>
+        <p:blipFill>
+          <a:blip r:embed="rId3">
+            <a:extLst>
+              <a:ext uri="{28A0092B-C50C-407E-A947-70E740481C1C}">
+                <a14:useLocalDpi xmlns:a14="http://schemas.microsoft.com/office/drawing/2010/main" val="0"/>
+              </a:ext>
+            </a:extLst>
+          </a:blip>
+          <a:srcRect/>
+          <a:stretch>
+            <a:fillRect/>
+          </a:stretch>
+        </p:blipFill>
+        <p:spPr bwMode="auto">
+          <a:xfrm>
+            <a:off x="5611115" y="1802834"/>
+            <a:ext cx="6211951" cy="3433712"/>
+          </a:xfrm>
+          <a:prstGeom prst="rect">
+            <a:avLst/>
+          </a:prstGeom>
+          <a:noFill/>
+          <a:extLst>
+            <a:ext uri="{909E8E84-426E-40DD-AFC4-6F175D3DCCD1}">
+              <a14:hiddenFill xmlns:a14="http://schemas.microsoft.com/office/drawing/2010/main">
+                <a:solidFill>
+                  <a:srgbClr val="FFFFFF"/>
+                </a:solidFill>
+              </a14:hiddenFill>
+            </a:ext>
+          </a:extLst>
+        </p:spPr>
+      </p:pic>
+      <p:sp>
+        <p:nvSpPr>
+          <p:cNvPr id="17" name="TextBox 16">
+            <a:extLst>
+              <a:ext uri="{FF2B5EF4-FFF2-40B4-BE49-F238E27FC236}">
+                <a16:creationId xmlns:a16="http://schemas.microsoft.com/office/drawing/2014/main" id="{76AE6B95-074D-2045-CB5C-574CDF38B60F}"/>
+              </a:ext>
+            </a:extLst>
+          </p:cNvPr>
+          <p:cNvSpPr txBox="1"/>
+          <p:nvPr/>
+        </p:nvSpPr>
+        <p:spPr>
+          <a:xfrm>
+            <a:off x="4257675" y="1003841"/>
+            <a:ext cx="7382577" cy="646331"/>
+          </a:xfrm>
+          <a:prstGeom prst="rect">
+            <a:avLst/>
+          </a:prstGeom>
+          <a:noFill/>
+        </p:spPr>
+        <p:txBody>
+          <a:bodyPr wrap="square" rtlCol="0">
+            <a:spAutoFit/>
+          </a:bodyPr>
+          <a:lstStyle/>
+          <a:p>
+            <a:r>
+              <a:rPr lang="en-US" dirty="0"/>
+              <a:t>Cell Ranger uses the STAR aligner, which perform splicing-aware alignment of reads to the genome.</a:t>
+            </a:r>
+          </a:p>
+        </p:txBody>
+      </p:sp>
+      <p:sp>
+        <p:nvSpPr>
+          <p:cNvPr id="18" name="TextBox 17">
+            <a:extLst>
+              <a:ext uri="{FF2B5EF4-FFF2-40B4-BE49-F238E27FC236}">
+                <a16:creationId xmlns:a16="http://schemas.microsoft.com/office/drawing/2014/main" id="{CC166B34-CD61-EFB0-EDA3-B357B8F8B082}"/>
+              </a:ext>
+            </a:extLst>
+          </p:cNvPr>
+          <p:cNvSpPr txBox="1"/>
+          <p:nvPr/>
+        </p:nvSpPr>
+        <p:spPr>
+          <a:xfrm>
+            <a:off x="4070309" y="2123018"/>
+            <a:ext cx="956929" cy="523220"/>
+          </a:xfrm>
+          <a:prstGeom prst="rect">
+            <a:avLst/>
+          </a:prstGeom>
+          <a:noFill/>
+        </p:spPr>
+        <p:txBody>
+          <a:bodyPr wrap="none" rtlCol="0">
+            <a:spAutoFit/>
+          </a:bodyPr>
+          <a:lstStyle/>
+          <a:p>
+            <a:r>
+              <a:rPr lang="en-US" sz="1400" dirty="0"/>
+              <a:t>Reference </a:t>
+            </a:r>
+          </a:p>
+          <a:p>
+            <a:r>
+              <a:rPr lang="en-US" sz="1400" dirty="0"/>
+              <a:t>Genome</a:t>
+            </a:r>
+          </a:p>
+        </p:txBody>
+      </p:sp>
+      <p:sp>
+        <p:nvSpPr>
+          <p:cNvPr id="19" name="TextBox 18">
+            <a:extLst>
+              <a:ext uri="{FF2B5EF4-FFF2-40B4-BE49-F238E27FC236}">
+                <a16:creationId xmlns:a16="http://schemas.microsoft.com/office/drawing/2014/main" id="{293F65D4-F7ED-4750-F775-987D03953C03}"/>
+              </a:ext>
+            </a:extLst>
+          </p:cNvPr>
+          <p:cNvSpPr txBox="1"/>
+          <p:nvPr/>
+        </p:nvSpPr>
+        <p:spPr>
+          <a:xfrm>
+            <a:off x="4070309" y="3695136"/>
+            <a:ext cx="1066254" cy="523220"/>
+          </a:xfrm>
+          <a:prstGeom prst="rect">
+            <a:avLst/>
+          </a:prstGeom>
+          <a:noFill/>
+        </p:spPr>
+        <p:txBody>
+          <a:bodyPr wrap="none" rtlCol="0">
+            <a:spAutoFit/>
+          </a:bodyPr>
+          <a:lstStyle/>
+          <a:p>
+            <a:r>
+              <a:rPr lang="en-US" sz="1400" dirty="0"/>
+              <a:t>Experiment </a:t>
+            </a:r>
+          </a:p>
+          <a:p>
+            <a:r>
+              <a:rPr lang="en-US" sz="1400" dirty="0"/>
+              <a:t>Reads</a:t>
+            </a:r>
+          </a:p>
+        </p:txBody>
+      </p:sp>
+      <p:sp>
+        <p:nvSpPr>
+          <p:cNvPr id="20" name="Left Brace 19">
+            <a:extLst>
+              <a:ext uri="{FF2B5EF4-FFF2-40B4-BE49-F238E27FC236}">
+                <a16:creationId xmlns:a16="http://schemas.microsoft.com/office/drawing/2014/main" id="{4BBF717F-9E79-0325-ECD3-2389F1C19F48}"/>
+              </a:ext>
+            </a:extLst>
+          </p:cNvPr>
+          <p:cNvSpPr/>
+          <p:nvPr/>
+        </p:nvSpPr>
+        <p:spPr>
+          <a:xfrm>
+            <a:off x="5175339" y="1996374"/>
+            <a:ext cx="253911" cy="779837"/>
+          </a:xfrm>
+          <a:prstGeom prst="leftBrace">
+            <a:avLst/>
+          </a:prstGeom>
+          <a:ln>
+            <a:solidFill>
+              <a:schemeClr val="tx1"/>
+            </a:solidFill>
+          </a:ln>
+        </p:spPr>
+        <p:style>
+          <a:lnRef idx="1">
+            <a:schemeClr val="accent1"/>
+          </a:lnRef>
+          <a:fillRef idx="0">
+            <a:schemeClr val="accent1"/>
+          </a:fillRef>
+          <a:effectRef idx="0">
+            <a:schemeClr val="accent1"/>
+          </a:effectRef>
+          <a:fontRef idx="minor">
+            <a:schemeClr val="tx1"/>
+          </a:fontRef>
+        </p:style>
+        <p:txBody>
+          <a:bodyPr rtlCol="0" anchor="ctr"/>
+          <a:lstStyle/>
+          <a:p>
+            <a:pPr algn="ctr"/>
+            <a:endParaRPr lang="en-US"/>
+          </a:p>
+        </p:txBody>
+      </p:sp>
+      <p:sp>
+        <p:nvSpPr>
+          <p:cNvPr id="21" name="Left Brace 20">
+            <a:extLst>
+              <a:ext uri="{FF2B5EF4-FFF2-40B4-BE49-F238E27FC236}">
+                <a16:creationId xmlns:a16="http://schemas.microsoft.com/office/drawing/2014/main" id="{4EB4A0E4-0BE7-9E88-3973-DE3DDEA920DA}"/>
+              </a:ext>
+            </a:extLst>
+          </p:cNvPr>
+          <p:cNvSpPr/>
+          <p:nvPr/>
+        </p:nvSpPr>
+        <p:spPr>
+          <a:xfrm>
+            <a:off x="5182067" y="2903982"/>
+            <a:ext cx="253911" cy="2172843"/>
+          </a:xfrm>
+          <a:prstGeom prst="leftBrace">
+            <a:avLst/>
+          </a:prstGeom>
+          <a:ln>
+            <a:solidFill>
+              <a:schemeClr val="tx1"/>
+            </a:solidFill>
+          </a:ln>
+        </p:spPr>
+        <p:style>
+          <a:lnRef idx="1">
+            <a:schemeClr val="accent1"/>
+          </a:lnRef>
+          <a:fillRef idx="0">
+            <a:schemeClr val="accent1"/>
+          </a:fillRef>
+          <a:effectRef idx="0">
+            <a:schemeClr val="accent1"/>
+          </a:effectRef>
+          <a:fontRef idx="minor">
+            <a:schemeClr val="tx1"/>
+          </a:fontRef>
+        </p:style>
+        <p:txBody>
+          <a:bodyPr rtlCol="0" anchor="ctr"/>
+          <a:lstStyle/>
+          <a:p>
+            <a:pPr algn="ctr"/>
+            <a:endParaRPr lang="en-US"/>
+          </a:p>
+        </p:txBody>
+      </p:sp>
+      <p:sp>
+        <p:nvSpPr>
+          <p:cNvPr id="22" name="TextBox 21">
+            <a:extLst>
+              <a:ext uri="{FF2B5EF4-FFF2-40B4-BE49-F238E27FC236}">
+                <a16:creationId xmlns:a16="http://schemas.microsoft.com/office/drawing/2014/main" id="{9FA9B2A2-D956-D993-145A-E3F886011E1C}"/>
+              </a:ext>
+            </a:extLst>
+          </p:cNvPr>
+          <p:cNvSpPr txBox="1"/>
+          <p:nvPr/>
+        </p:nvSpPr>
+        <p:spPr>
+          <a:xfrm>
+            <a:off x="4407093" y="5366331"/>
+            <a:ext cx="5911555" cy="307777"/>
+          </a:xfrm>
+          <a:prstGeom prst="rect">
+            <a:avLst/>
+          </a:prstGeom>
+          <a:noFill/>
+        </p:spPr>
+        <p:txBody>
+          <a:bodyPr wrap="none" rtlCol="0">
+            <a:spAutoFit/>
+          </a:bodyPr>
+          <a:lstStyle/>
+          <a:p>
+            <a:r>
+              <a:rPr lang="en-US" sz="1400" dirty="0">
+                <a:solidFill>
+                  <a:srgbClr val="6B4099"/>
+                </a:solidFill>
+              </a:rPr>
+              <a:t>Antisense reads </a:t>
+            </a:r>
+            <a:r>
+              <a:rPr lang="en-US" sz="1400" dirty="0"/>
+              <a:t>are discarded because they are not part of the transcriptome. </a:t>
+            </a:r>
+          </a:p>
+        </p:txBody>
+      </p:sp>
+      <p:sp>
+        <p:nvSpPr>
+          <p:cNvPr id="23" name="TextBox 22">
+            <a:extLst>
+              <a:ext uri="{FF2B5EF4-FFF2-40B4-BE49-F238E27FC236}">
+                <a16:creationId xmlns:a16="http://schemas.microsoft.com/office/drawing/2014/main" id="{0AFFC733-8DC7-77BD-45EE-625515DFB547}"/>
+              </a:ext>
+            </a:extLst>
+          </p:cNvPr>
+          <p:cNvSpPr txBox="1"/>
+          <p:nvPr/>
+        </p:nvSpPr>
+        <p:spPr>
+          <a:xfrm>
+            <a:off x="4407093" y="5729599"/>
+            <a:ext cx="5754460" cy="307777"/>
+          </a:xfrm>
+          <a:prstGeom prst="rect">
+            <a:avLst/>
+          </a:prstGeom>
+          <a:noFill/>
+        </p:spPr>
+        <p:txBody>
+          <a:bodyPr wrap="none" rtlCol="0">
+            <a:spAutoFit/>
+          </a:bodyPr>
+          <a:lstStyle/>
+          <a:p>
+            <a:r>
+              <a:rPr lang="en-US" sz="1400" dirty="0">
+                <a:solidFill>
+                  <a:srgbClr val="E84A50"/>
+                </a:solidFill>
+              </a:rPr>
+              <a:t>Intronic reads </a:t>
+            </a:r>
+            <a:r>
+              <a:rPr lang="en-US" sz="1400" dirty="0"/>
+              <a:t>can also be discarded for basic gene expression investigations.</a:t>
+            </a:r>
+          </a:p>
+        </p:txBody>
+      </p:sp>
     </p:spTree>
     <p:extLst>
       <p:ext uri="{BB962C8B-B14F-4D97-AF65-F5344CB8AC3E}">
@@ -4802,7 +5197,7 @@
         </p:nvSpPr>
         <p:spPr>
           <a:xfrm>
-            <a:off x="4729655" y="6627168"/>
+            <a:off x="4767755" y="6416940"/>
             <a:ext cx="5155323" cy="230832"/>
           </a:xfrm>
           <a:prstGeom prst="rect">
@@ -5370,6 +5765,305 @@
           </a:p>
         </p:txBody>
       </p:sp>
+      <p:sp>
+        <p:nvSpPr>
+          <p:cNvPr id="16" name="TextBox 15">
+            <a:extLst>
+              <a:ext uri="{FF2B5EF4-FFF2-40B4-BE49-F238E27FC236}">
+                <a16:creationId xmlns:a16="http://schemas.microsoft.com/office/drawing/2014/main" id="{B2658F92-AAF9-1B74-B0D5-E1983813DBA6}"/>
+              </a:ext>
+            </a:extLst>
+          </p:cNvPr>
+          <p:cNvSpPr txBox="1"/>
+          <p:nvPr/>
+        </p:nvSpPr>
+        <p:spPr>
+          <a:xfrm>
+            <a:off x="3862507" y="2559824"/>
+            <a:ext cx="5094516" cy="1754326"/>
+          </a:xfrm>
+          <a:prstGeom prst="rect">
+            <a:avLst/>
+          </a:prstGeom>
+          <a:noFill/>
+        </p:spPr>
+        <p:txBody>
+          <a:bodyPr wrap="square" rtlCol="0">
+            <a:spAutoFit/>
+          </a:bodyPr>
+          <a:lstStyle/>
+          <a:p>
+            <a:r>
+              <a:rPr lang="en-US" b="1" dirty="0"/>
+              <a:t>Homopolymer reads </a:t>
+            </a:r>
+            <a:r>
+              <a:rPr lang="en-US" dirty="0"/>
+              <a:t>(2+ repeat bases): known to be sources of error for DNA sequencing because it’s difficult to distinguish number of repeats beyond 2 (leads to alignment errors for the rest of reads.</a:t>
+            </a:r>
+          </a:p>
+          <a:p>
+            <a:r>
+              <a:rPr lang="en-US" dirty="0"/>
+              <a:t>     ~1.43 million homopolymer regions in human genome</a:t>
+            </a:r>
+          </a:p>
+        </p:txBody>
+      </p:sp>
+      <p:pic>
+        <p:nvPicPr>
+          <p:cNvPr id="3074" name="Picture 2">
+            <a:extLst>
+              <a:ext uri="{FF2B5EF4-FFF2-40B4-BE49-F238E27FC236}">
+                <a16:creationId xmlns:a16="http://schemas.microsoft.com/office/drawing/2014/main" id="{649ABEFF-EC2F-FEAE-55D7-98923A2E736F}"/>
+              </a:ext>
+            </a:extLst>
+          </p:cNvPr>
+          <p:cNvPicPr>
+            <a:picLocks noChangeAspect="1" noChangeArrowheads="1"/>
+          </p:cNvPicPr>
+          <p:nvPr/>
+        </p:nvPicPr>
+        <p:blipFill>
+          <a:blip r:embed="rId3">
+            <a:extLst>
+              <a:ext uri="{28A0092B-C50C-407E-A947-70E740481C1C}">
+                <a14:useLocalDpi xmlns:a14="http://schemas.microsoft.com/office/drawing/2010/main" val="0"/>
+              </a:ext>
+            </a:extLst>
+          </a:blip>
+          <a:srcRect/>
+          <a:stretch>
+            <a:fillRect/>
+          </a:stretch>
+        </p:blipFill>
+        <p:spPr bwMode="auto">
+          <a:xfrm>
+            <a:off x="9014173" y="2580609"/>
+            <a:ext cx="3070172" cy="1322920"/>
+          </a:xfrm>
+          <a:prstGeom prst="rect">
+            <a:avLst/>
+          </a:prstGeom>
+          <a:noFill/>
+          <a:extLst>
+            <a:ext uri="{909E8E84-426E-40DD-AFC4-6F175D3DCCD1}">
+              <a14:hiddenFill xmlns:a14="http://schemas.microsoft.com/office/drawing/2010/main">
+                <a:solidFill>
+                  <a:srgbClr val="FFFFFF"/>
+                </a:solidFill>
+              </a14:hiddenFill>
+            </a:ext>
+          </a:extLst>
+        </p:spPr>
+      </p:pic>
+      <p:sp>
+        <p:nvSpPr>
+          <p:cNvPr id="21" name="TextBox 20">
+            <a:extLst>
+              <a:ext uri="{FF2B5EF4-FFF2-40B4-BE49-F238E27FC236}">
+                <a16:creationId xmlns:a16="http://schemas.microsoft.com/office/drawing/2014/main" id="{FB5F0265-5EAA-B3D1-5F0B-1B1AC0458C2C}"/>
+              </a:ext>
+            </a:extLst>
+          </p:cNvPr>
+          <p:cNvSpPr txBox="1"/>
+          <p:nvPr/>
+        </p:nvSpPr>
+        <p:spPr>
+          <a:xfrm>
+            <a:off x="4486275" y="1023208"/>
+            <a:ext cx="6191250" cy="1200329"/>
+          </a:xfrm>
+          <a:prstGeom prst="rect">
+            <a:avLst/>
+          </a:prstGeom>
+          <a:noFill/>
+        </p:spPr>
+        <p:txBody>
+          <a:bodyPr wrap="square">
+            <a:spAutoFit/>
+          </a:bodyPr>
+          <a:lstStyle/>
+          <a:p>
+            <a:r>
+              <a:rPr lang="en-US" b="0" i="0" dirty="0">
+                <a:solidFill>
+                  <a:srgbClr val="333333"/>
+                </a:solidFill>
+                <a:effectLst/>
+                <a:latin typeface="Open Sans" panose="020B0606030504020204" pitchFamily="34" charset="0"/>
+              </a:rPr>
+              <a:t>Cell Ranger Criteria for Including Reads:</a:t>
+            </a:r>
+          </a:p>
+          <a:p>
+            <a:pPr>
+              <a:buFont typeface="Arial" panose="020B0604020202020204" pitchFamily="34" charset="0"/>
+              <a:buChar char="•"/>
+            </a:pPr>
+            <a:r>
+              <a:rPr lang="en-US" b="0" i="0" dirty="0">
+                <a:solidFill>
+                  <a:srgbClr val="333333"/>
+                </a:solidFill>
+                <a:effectLst/>
+                <a:latin typeface="Open Sans" panose="020B0606030504020204" pitchFamily="34" charset="0"/>
+              </a:rPr>
+              <a:t> Must not be a </a:t>
+            </a:r>
+            <a:r>
+              <a:rPr lang="en-US" b="1" i="0" dirty="0">
+                <a:solidFill>
+                  <a:srgbClr val="333333"/>
+                </a:solidFill>
+                <a:effectLst/>
+                <a:latin typeface="Open Sans" panose="020B0606030504020204" pitchFamily="34" charset="0"/>
+              </a:rPr>
+              <a:t>homopolymer</a:t>
+            </a:r>
+            <a:r>
+              <a:rPr lang="en-US" b="0" i="0" dirty="0">
+                <a:solidFill>
+                  <a:srgbClr val="333333"/>
+                </a:solidFill>
+                <a:effectLst/>
+                <a:latin typeface="Open Sans" panose="020B0606030504020204" pitchFamily="34" charset="0"/>
+              </a:rPr>
+              <a:t>, e.g. AAAAAAAAAA</a:t>
+            </a:r>
+          </a:p>
+          <a:p>
+            <a:pPr algn="l">
+              <a:buFont typeface="Arial" panose="020B0604020202020204" pitchFamily="34" charset="0"/>
+              <a:buChar char="•"/>
+            </a:pPr>
+            <a:r>
+              <a:rPr lang="en-US" b="0" i="0" dirty="0">
+                <a:solidFill>
+                  <a:srgbClr val="333333"/>
+                </a:solidFill>
+                <a:effectLst/>
+                <a:latin typeface="Open Sans" panose="020B0606030504020204" pitchFamily="34" charset="0"/>
+              </a:rPr>
+              <a:t> Must not contain </a:t>
+            </a:r>
+            <a:r>
+              <a:rPr lang="en-US" b="1" i="0" dirty="0">
+                <a:solidFill>
+                  <a:srgbClr val="333333"/>
+                </a:solidFill>
+                <a:effectLst/>
+                <a:latin typeface="Open Sans" panose="020B0606030504020204" pitchFamily="34" charset="0"/>
+              </a:rPr>
+              <a:t>N</a:t>
+            </a:r>
+          </a:p>
+          <a:p>
+            <a:pPr algn="l">
+              <a:buFont typeface="Arial" panose="020B0604020202020204" pitchFamily="34" charset="0"/>
+              <a:buChar char="•"/>
+            </a:pPr>
+            <a:r>
+              <a:rPr lang="en-US" b="0" i="0" dirty="0">
+                <a:solidFill>
+                  <a:srgbClr val="333333"/>
+                </a:solidFill>
+                <a:effectLst/>
+                <a:latin typeface="Open Sans" panose="020B0606030504020204" pitchFamily="34" charset="0"/>
+              </a:rPr>
+              <a:t> Must not contain bases with base </a:t>
+            </a:r>
+            <a:r>
+              <a:rPr lang="en-US" b="1" i="0" dirty="0">
+                <a:solidFill>
+                  <a:srgbClr val="333333"/>
+                </a:solidFill>
+                <a:effectLst/>
+                <a:latin typeface="Open Sans" panose="020B0606030504020204" pitchFamily="34" charset="0"/>
+              </a:rPr>
+              <a:t>quality &lt; 10</a:t>
+            </a:r>
+          </a:p>
+        </p:txBody>
+      </p:sp>
+      <p:sp>
+        <p:nvSpPr>
+          <p:cNvPr id="22" name="TextBox 21">
+            <a:extLst>
+              <a:ext uri="{FF2B5EF4-FFF2-40B4-BE49-F238E27FC236}">
+                <a16:creationId xmlns:a16="http://schemas.microsoft.com/office/drawing/2014/main" id="{D63B4C88-ECA9-290C-B7D3-7C46F1AE69F8}"/>
+              </a:ext>
+            </a:extLst>
+          </p:cNvPr>
+          <p:cNvSpPr txBox="1"/>
+          <p:nvPr/>
+        </p:nvSpPr>
+        <p:spPr>
+          <a:xfrm>
+            <a:off x="4391025" y="4729946"/>
+            <a:ext cx="6762750" cy="646331"/>
+          </a:xfrm>
+          <a:prstGeom prst="rect">
+            <a:avLst/>
+          </a:prstGeom>
+          <a:noFill/>
+        </p:spPr>
+        <p:txBody>
+          <a:bodyPr wrap="square" rtlCol="0">
+            <a:spAutoFit/>
+          </a:bodyPr>
+          <a:lstStyle/>
+          <a:p>
+            <a:r>
+              <a:rPr lang="en-US" dirty="0"/>
+              <a:t>Reads with N and base quality score &lt;10 are also discarded because of higher error rates. </a:t>
+            </a:r>
+          </a:p>
+        </p:txBody>
+      </p:sp>
+      <p:sp>
+        <p:nvSpPr>
+          <p:cNvPr id="24" name="TextBox 23">
+            <a:extLst>
+              <a:ext uri="{FF2B5EF4-FFF2-40B4-BE49-F238E27FC236}">
+                <a16:creationId xmlns:a16="http://schemas.microsoft.com/office/drawing/2014/main" id="{685B3D2D-3CA4-91D3-4496-28694B94D11A}"/>
+              </a:ext>
+            </a:extLst>
+          </p:cNvPr>
+          <p:cNvSpPr txBox="1"/>
+          <p:nvPr/>
+        </p:nvSpPr>
+        <p:spPr>
+          <a:xfrm>
+            <a:off x="4667250" y="6584468"/>
+            <a:ext cx="4922453" cy="230832"/>
+          </a:xfrm>
+          <a:prstGeom prst="rect">
+            <a:avLst/>
+          </a:prstGeom>
+          <a:noFill/>
+        </p:spPr>
+        <p:txBody>
+          <a:bodyPr wrap="square">
+            <a:spAutoFit/>
+          </a:bodyPr>
+          <a:lstStyle/>
+          <a:p>
+            <a:pPr algn="r"/>
+            <a:r>
+              <a:rPr lang="en-US" sz="900" i="1" dirty="0">
+                <a:solidFill>
+                  <a:schemeClr val="tx1">
+                    <a:lumMod val="50000"/>
+                    <a:lumOff val="50000"/>
+                  </a:schemeClr>
+                </a:solidFill>
+              </a:rPr>
+              <a:t>https://hackbrightacademy.com/blog/indel-finder-how-the-python-version-of-this-program-works/</a:t>
+            </a:r>
+          </a:p>
+        </p:txBody>
+      </p:sp>
     </p:spTree>
     <p:extLst>
       <p:ext uri="{BB962C8B-B14F-4D97-AF65-F5344CB8AC3E}">
@@ -6293,6 +6987,491 @@
           <p:cNvPr id="2" name="Title 1">
             <a:extLst>
               <a:ext uri="{FF2B5EF4-FFF2-40B4-BE49-F238E27FC236}">
+                <a16:creationId xmlns:a16="http://schemas.microsoft.com/office/drawing/2014/main" id="{15FF008D-6109-C04B-2DD5-F18725394719}"/>
+              </a:ext>
+            </a:extLst>
+          </p:cNvPr>
+          <p:cNvSpPr>
+            <a:spLocks noGrp="1"/>
+          </p:cNvSpPr>
+          <p:nvPr>
+            <p:ph type="title"/>
+          </p:nvPr>
+        </p:nvSpPr>
+        <p:spPr/>
+        <p:txBody>
+          <a:bodyPr/>
+          <a:lstStyle/>
+          <a:p>
+            <a:r>
+              <a:rPr lang="en-US" dirty="0"/>
+              <a:t>Cell Ranger Setup and Script</a:t>
+            </a:r>
+          </a:p>
+        </p:txBody>
+      </p:sp>
+      <p:sp>
+        <p:nvSpPr>
+          <p:cNvPr id="4" name="TextBox 3">
+            <a:extLst>
+              <a:ext uri="{FF2B5EF4-FFF2-40B4-BE49-F238E27FC236}">
+                <a16:creationId xmlns:a16="http://schemas.microsoft.com/office/drawing/2014/main" id="{CC1F8028-DD48-21C8-784C-0351ADD5D02F}"/>
+              </a:ext>
+            </a:extLst>
+          </p:cNvPr>
+          <p:cNvSpPr txBox="1"/>
+          <p:nvPr/>
+        </p:nvSpPr>
+        <p:spPr>
+          <a:xfrm>
+            <a:off x="4729655" y="6627168"/>
+            <a:ext cx="5155323" cy="230832"/>
+          </a:xfrm>
+          <a:prstGeom prst="rect">
+            <a:avLst/>
+          </a:prstGeom>
+          <a:noFill/>
+        </p:spPr>
+        <p:txBody>
+          <a:bodyPr wrap="square">
+            <a:spAutoFit/>
+          </a:bodyPr>
+          <a:lstStyle/>
+          <a:p>
+            <a:pPr algn="r"/>
+            <a:r>
+              <a:rPr lang="en-US" sz="900" i="1" dirty="0">
+                <a:solidFill>
+                  <a:schemeClr val="bg1">
+                    <a:lumMod val="50000"/>
+                  </a:schemeClr>
+                </a:solidFill>
+              </a:rPr>
+              <a:t>https://www.10xgenomics.com/support/software/cell-ranger/algorithms-overview/</a:t>
+            </a:r>
+            <a:r>
+              <a:rPr lang="en-US" sz="900" i="1" dirty="0" err="1">
+                <a:solidFill>
+                  <a:schemeClr val="bg1">
+                    <a:lumMod val="50000"/>
+                  </a:schemeClr>
+                </a:solidFill>
+              </a:rPr>
+              <a:t>cr</a:t>
+            </a:r>
+            <a:r>
+              <a:rPr lang="en-US" sz="900" i="1" dirty="0">
+                <a:solidFill>
+                  <a:schemeClr val="bg1">
+                    <a:lumMod val="50000"/>
+                  </a:schemeClr>
+                </a:solidFill>
+              </a:rPr>
+              <a:t>-</a:t>
+            </a:r>
+            <a:r>
+              <a:rPr lang="en-US" sz="900" i="1" dirty="0" err="1">
+                <a:solidFill>
+                  <a:schemeClr val="bg1">
+                    <a:lumMod val="50000"/>
+                  </a:schemeClr>
+                </a:solidFill>
+              </a:rPr>
+              <a:t>gex</a:t>
+            </a:r>
+            <a:r>
+              <a:rPr lang="en-US" sz="900" i="1" dirty="0">
+                <a:solidFill>
+                  <a:schemeClr val="bg1">
+                    <a:lumMod val="50000"/>
+                  </a:schemeClr>
+                </a:solidFill>
+              </a:rPr>
+              <a:t>-algorithm</a:t>
+            </a:r>
+          </a:p>
+        </p:txBody>
+      </p:sp>
+      <p:pic>
+        <p:nvPicPr>
+          <p:cNvPr id="9" name="Picture 8">
+            <a:extLst>
+              <a:ext uri="{FF2B5EF4-FFF2-40B4-BE49-F238E27FC236}">
+                <a16:creationId xmlns:a16="http://schemas.microsoft.com/office/drawing/2014/main" id="{AD1207BB-9632-1571-EEF5-3E724D672037}"/>
+              </a:ext>
+            </a:extLst>
+          </p:cNvPr>
+          <p:cNvPicPr>
+            <a:picLocks noChangeAspect="1"/>
+          </p:cNvPicPr>
+          <p:nvPr/>
+        </p:nvPicPr>
+        <p:blipFill>
+          <a:blip r:embed="rId2"/>
+          <a:stretch>
+            <a:fillRect/>
+          </a:stretch>
+        </p:blipFill>
+        <p:spPr>
+          <a:xfrm>
+            <a:off x="223236" y="3155486"/>
+            <a:ext cx="5382376" cy="466790"/>
+          </a:xfrm>
+          <a:prstGeom prst="rect">
+            <a:avLst/>
+          </a:prstGeom>
+        </p:spPr>
+      </p:pic>
+      <p:pic>
+        <p:nvPicPr>
+          <p:cNvPr id="11" name="Picture 10">
+            <a:extLst>
+              <a:ext uri="{FF2B5EF4-FFF2-40B4-BE49-F238E27FC236}">
+                <a16:creationId xmlns:a16="http://schemas.microsoft.com/office/drawing/2014/main" id="{7BAF6576-6704-37D3-63D6-CA58A5534A18}"/>
+              </a:ext>
+            </a:extLst>
+          </p:cNvPr>
+          <p:cNvPicPr>
+            <a:picLocks noChangeAspect="1"/>
+          </p:cNvPicPr>
+          <p:nvPr/>
+        </p:nvPicPr>
+        <p:blipFill>
+          <a:blip r:embed="rId3"/>
+          <a:stretch>
+            <a:fillRect/>
+          </a:stretch>
+        </p:blipFill>
+        <p:spPr>
+          <a:xfrm>
+            <a:off x="223236" y="2072615"/>
+            <a:ext cx="4001058" cy="438211"/>
+          </a:xfrm>
+          <a:prstGeom prst="rect">
+            <a:avLst/>
+          </a:prstGeom>
+        </p:spPr>
+      </p:pic>
+      <p:pic>
+        <p:nvPicPr>
+          <p:cNvPr id="13" name="Picture 12">
+            <a:extLst>
+              <a:ext uri="{FF2B5EF4-FFF2-40B4-BE49-F238E27FC236}">
+                <a16:creationId xmlns:a16="http://schemas.microsoft.com/office/drawing/2014/main" id="{8E7AE1C7-515B-E59C-E200-48350423EB9E}"/>
+              </a:ext>
+            </a:extLst>
+          </p:cNvPr>
+          <p:cNvPicPr>
+            <a:picLocks noChangeAspect="1"/>
+          </p:cNvPicPr>
+          <p:nvPr/>
+        </p:nvPicPr>
+        <p:blipFill rotWithShape="1">
+          <a:blip r:embed="rId4"/>
+          <a:srcRect t="5206"/>
+          <a:stretch/>
+        </p:blipFill>
+        <p:spPr>
+          <a:xfrm>
+            <a:off x="223236" y="4953649"/>
+            <a:ext cx="5268060" cy="1101702"/>
+          </a:xfrm>
+          <a:prstGeom prst="rect">
+            <a:avLst/>
+          </a:prstGeom>
+        </p:spPr>
+      </p:pic>
+      <p:pic>
+        <p:nvPicPr>
+          <p:cNvPr id="15" name="Picture 14">
+            <a:extLst>
+              <a:ext uri="{FF2B5EF4-FFF2-40B4-BE49-F238E27FC236}">
+                <a16:creationId xmlns:a16="http://schemas.microsoft.com/office/drawing/2014/main" id="{3C1DDB22-DB48-35E2-AA11-229F55E038D8}"/>
+              </a:ext>
+            </a:extLst>
+          </p:cNvPr>
+          <p:cNvPicPr>
+            <a:picLocks noChangeAspect="1"/>
+          </p:cNvPicPr>
+          <p:nvPr/>
+        </p:nvPicPr>
+        <p:blipFill rotWithShape="1">
+          <a:blip r:embed="rId5"/>
+          <a:srcRect t="3559"/>
+          <a:stretch/>
+        </p:blipFill>
+        <p:spPr>
+          <a:xfrm>
+            <a:off x="6328829" y="1741438"/>
+            <a:ext cx="5525271" cy="1304590"/>
+          </a:xfrm>
+          <a:prstGeom prst="rect">
+            <a:avLst/>
+          </a:prstGeom>
+        </p:spPr>
+      </p:pic>
+      <p:sp>
+        <p:nvSpPr>
+          <p:cNvPr id="16" name="TextBox 15">
+            <a:extLst>
+              <a:ext uri="{FF2B5EF4-FFF2-40B4-BE49-F238E27FC236}">
+                <a16:creationId xmlns:a16="http://schemas.microsoft.com/office/drawing/2014/main" id="{2C963E76-F61C-A1ED-E201-5541B2D5A580}"/>
+              </a:ext>
+            </a:extLst>
+          </p:cNvPr>
+          <p:cNvSpPr txBox="1"/>
+          <p:nvPr/>
+        </p:nvSpPr>
+        <p:spPr>
+          <a:xfrm>
+            <a:off x="76211" y="674439"/>
+            <a:ext cx="5676426" cy="307777"/>
+          </a:xfrm>
+          <a:prstGeom prst="rect">
+            <a:avLst/>
+          </a:prstGeom>
+          <a:noFill/>
+        </p:spPr>
+        <p:txBody>
+          <a:bodyPr wrap="none" rtlCol="0">
+            <a:spAutoFit/>
+          </a:bodyPr>
+          <a:lstStyle/>
+          <a:p>
+            <a:r>
+              <a:rPr lang="en-US" sz="1400" i="1" dirty="0"/>
+              <a:t>Example script found in /M2_CellRanger_Alignment/align_zebrahub_sra.sh</a:t>
+            </a:r>
+          </a:p>
+        </p:txBody>
+      </p:sp>
+      <p:sp>
+        <p:nvSpPr>
+          <p:cNvPr id="19" name="TextBox 18">
+            <a:extLst>
+              <a:ext uri="{FF2B5EF4-FFF2-40B4-BE49-F238E27FC236}">
+                <a16:creationId xmlns:a16="http://schemas.microsoft.com/office/drawing/2014/main" id="{D8FAAAD8-7F7F-8E25-083F-297BD2D283AD}"/>
+              </a:ext>
+            </a:extLst>
+          </p:cNvPr>
+          <p:cNvSpPr txBox="1"/>
+          <p:nvPr/>
+        </p:nvSpPr>
+        <p:spPr>
+          <a:xfrm>
+            <a:off x="889269" y="2544946"/>
+            <a:ext cx="1866138" cy="276999"/>
+          </a:xfrm>
+          <a:prstGeom prst="rect">
+            <a:avLst/>
+          </a:prstGeom>
+          <a:noFill/>
+        </p:spPr>
+        <p:txBody>
+          <a:bodyPr wrap="square">
+            <a:spAutoFit/>
+          </a:bodyPr>
+          <a:lstStyle/>
+          <a:p>
+            <a:r>
+              <a:rPr lang="en-US" sz="1200" dirty="0"/>
+              <a:t>./SRR23691690</a:t>
+            </a:r>
+          </a:p>
+        </p:txBody>
+      </p:sp>
+      <p:sp>
+        <p:nvSpPr>
+          <p:cNvPr id="20" name="TextBox 19">
+            <a:extLst>
+              <a:ext uri="{FF2B5EF4-FFF2-40B4-BE49-F238E27FC236}">
+                <a16:creationId xmlns:a16="http://schemas.microsoft.com/office/drawing/2014/main" id="{34607C47-BAA5-8263-1797-C0FA213D1D12}"/>
+              </a:ext>
+            </a:extLst>
+          </p:cNvPr>
+          <p:cNvSpPr txBox="1"/>
+          <p:nvPr/>
+        </p:nvSpPr>
+        <p:spPr>
+          <a:xfrm>
+            <a:off x="851169" y="3630507"/>
+            <a:ext cx="2454402" cy="1015663"/>
+          </a:xfrm>
+          <a:prstGeom prst="rect">
+            <a:avLst/>
+          </a:prstGeom>
+          <a:noFill/>
+        </p:spPr>
+        <p:txBody>
+          <a:bodyPr wrap="square">
+            <a:spAutoFit/>
+          </a:bodyPr>
+          <a:lstStyle/>
+          <a:p>
+            <a:r>
+              <a:rPr lang="en-US" sz="1200" dirty="0"/>
+              <a:t>./SRR23691690_1.fastq</a:t>
+            </a:r>
+          </a:p>
+          <a:p>
+            <a:r>
+              <a:rPr lang="en-US" sz="1200" dirty="0"/>
+              <a:t>./SRR23691690_2.fastq</a:t>
+            </a:r>
+          </a:p>
+          <a:p>
+            <a:r>
+              <a:rPr lang="en-US" sz="1200" dirty="0"/>
+              <a:t>./SRR23691690_3.fastq</a:t>
+            </a:r>
+          </a:p>
+          <a:p>
+            <a:r>
+              <a:rPr lang="en-US" sz="1200" dirty="0"/>
+              <a:t>./SRR23691690_4.fastq</a:t>
+            </a:r>
+          </a:p>
+          <a:p>
+            <a:endParaRPr lang="en-US" sz="1200" dirty="0"/>
+          </a:p>
+        </p:txBody>
+      </p:sp>
+      <p:sp>
+        <p:nvSpPr>
+          <p:cNvPr id="21" name="TextBox 20">
+            <a:extLst>
+              <a:ext uri="{FF2B5EF4-FFF2-40B4-BE49-F238E27FC236}">
+                <a16:creationId xmlns:a16="http://schemas.microsoft.com/office/drawing/2014/main" id="{DA2B85D9-30B5-A401-DA0E-5B677392C5E6}"/>
+              </a:ext>
+            </a:extLst>
+          </p:cNvPr>
+          <p:cNvSpPr txBox="1"/>
+          <p:nvPr/>
+        </p:nvSpPr>
+        <p:spPr>
+          <a:xfrm>
+            <a:off x="837204" y="6110427"/>
+            <a:ext cx="3186156" cy="461665"/>
+          </a:xfrm>
+          <a:prstGeom prst="rect">
+            <a:avLst/>
+          </a:prstGeom>
+          <a:noFill/>
+        </p:spPr>
+        <p:txBody>
+          <a:bodyPr wrap="square">
+            <a:spAutoFit/>
+          </a:bodyPr>
+          <a:lstStyle/>
+          <a:p>
+            <a:r>
+              <a:rPr lang="en-US" sz="1200" dirty="0"/>
+              <a:t>./SRR23691690_S1_L001_R1_001.fastq</a:t>
+            </a:r>
+          </a:p>
+          <a:p>
+            <a:r>
+              <a:rPr lang="en-US" sz="1200" dirty="0"/>
+              <a:t>./SRR23691690_S1_L001_R2_001.fastq</a:t>
+            </a:r>
+          </a:p>
+        </p:txBody>
+      </p:sp>
+      <p:pic>
+        <p:nvPicPr>
+          <p:cNvPr id="29" name="Picture 28">
+            <a:extLst>
+              <a:ext uri="{FF2B5EF4-FFF2-40B4-BE49-F238E27FC236}">
+                <a16:creationId xmlns:a16="http://schemas.microsoft.com/office/drawing/2014/main" id="{3267EBE4-412E-86F4-42E3-11F69D156DDB}"/>
+              </a:ext>
+            </a:extLst>
+          </p:cNvPr>
+          <p:cNvPicPr>
+            <a:picLocks noChangeAspect="1"/>
+          </p:cNvPicPr>
+          <p:nvPr/>
+        </p:nvPicPr>
+        <p:blipFill>
+          <a:blip r:embed="rId6"/>
+          <a:stretch>
+            <a:fillRect/>
+          </a:stretch>
+        </p:blipFill>
+        <p:spPr>
+          <a:xfrm>
+            <a:off x="6453455" y="3520470"/>
+            <a:ext cx="5010150" cy="2400300"/>
+          </a:xfrm>
+          <a:prstGeom prst="rect">
+            <a:avLst/>
+          </a:prstGeom>
+        </p:spPr>
+      </p:pic>
+      <p:pic>
+        <p:nvPicPr>
+          <p:cNvPr id="33" name="Picture 32">
+            <a:extLst>
+              <a:ext uri="{FF2B5EF4-FFF2-40B4-BE49-F238E27FC236}">
+                <a16:creationId xmlns:a16="http://schemas.microsoft.com/office/drawing/2014/main" id="{A410977A-F843-6C63-32C6-E4A330FA7A0F}"/>
+              </a:ext>
+            </a:extLst>
+          </p:cNvPr>
+          <p:cNvPicPr>
+            <a:picLocks noChangeAspect="1"/>
+          </p:cNvPicPr>
+          <p:nvPr/>
+        </p:nvPicPr>
+        <p:blipFill>
+          <a:blip r:embed="rId7"/>
+          <a:stretch>
+            <a:fillRect/>
+          </a:stretch>
+        </p:blipFill>
+        <p:spPr>
+          <a:xfrm>
+            <a:off x="223236" y="1144148"/>
+            <a:ext cx="6230219" cy="571580"/>
+          </a:xfrm>
+          <a:prstGeom prst="rect">
+            <a:avLst/>
+          </a:prstGeom>
+        </p:spPr>
+      </p:pic>
+    </p:spTree>
+    <p:extLst>
+      <p:ext uri="{BB962C8B-B14F-4D97-AF65-F5344CB8AC3E}">
+        <p14:creationId xmlns:p14="http://schemas.microsoft.com/office/powerpoint/2010/main" val="2103545050"/>
+      </p:ext>
+    </p:extLst>
+  </p:cSld>
+  <p:clrMapOvr>
+    <a:masterClrMapping/>
+  </p:clrMapOvr>
+</p:sld>
+</file>
+
+<file path=ppt/slides/slide9.xml><?xml version="1.0" encoding="utf-8"?>
+<p:sld xmlns:a="http://schemas.openxmlformats.org/drawingml/2006/main" xmlns:r="http://schemas.openxmlformats.org/officeDocument/2006/relationships" xmlns:p="http://schemas.openxmlformats.org/presentationml/2006/main">
+  <p:cSld>
+    <p:spTree>
+      <p:nvGrpSpPr>
+        <p:cNvPr id="1" name=""/>
+        <p:cNvGrpSpPr/>
+        <p:nvPr/>
+      </p:nvGrpSpPr>
+      <p:grpSpPr>
+        <a:xfrm>
+          <a:off x="0" y="0"/>
+          <a:ext cx="0" cy="0"/>
+          <a:chOff x="0" y="0"/>
+          <a:chExt cx="0" cy="0"/>
+        </a:xfrm>
+      </p:grpSpPr>
+      <p:sp>
+        <p:nvSpPr>
+          <p:cNvPr id="2" name="Title 1">
+            <a:extLst>
+              <a:ext uri="{FF2B5EF4-FFF2-40B4-BE49-F238E27FC236}">
                 <a16:creationId xmlns:a16="http://schemas.microsoft.com/office/drawing/2014/main" id="{1942DDF0-515E-238F-2A7E-655B0D47A6B7}"/>
               </a:ext>
             </a:extLst>
@@ -6331,13 +7510,13 @@
           <p:nvPr>
             <p:extLst>
               <p:ext uri="{D42A27DB-BD31-4B8C-83A1-F6EECF244321}">
-                <p14:modId xmlns:p14="http://schemas.microsoft.com/office/powerpoint/2010/main" val="3674244215"/>
+                <p14:modId xmlns:p14="http://schemas.microsoft.com/office/powerpoint/2010/main" val="2747797499"/>
               </p:ext>
             </p:extLst>
           </p:nvPr>
         </p:nvGraphicFramePr>
         <p:xfrm>
-          <a:off x="775779" y="1969994"/>
+          <a:off x="1144079" y="1695674"/>
           <a:ext cx="1841500" cy="1333500"/>
         </p:xfrm>
         <a:graphic>
@@ -7092,13 +8271,13 @@
           <p:nvPr>
             <p:extLst>
               <p:ext uri="{D42A27DB-BD31-4B8C-83A1-F6EECF244321}">
-                <p14:modId xmlns:p14="http://schemas.microsoft.com/office/powerpoint/2010/main" val="3016324866"/>
+                <p14:modId xmlns:p14="http://schemas.microsoft.com/office/powerpoint/2010/main" val="536689620"/>
               </p:ext>
             </p:extLst>
           </p:nvPr>
         </p:nvGraphicFramePr>
         <p:xfrm>
-          <a:off x="5359400" y="2857500"/>
+          <a:off x="4298696" y="2323562"/>
           <a:ext cx="1473200" cy="1143000"/>
         </p:xfrm>
         <a:graphic>
@@ -7622,13 +8801,13 @@
           <p:nvPr>
             <p:extLst>
               <p:ext uri="{D42A27DB-BD31-4B8C-83A1-F6EECF244321}">
-                <p14:modId xmlns:p14="http://schemas.microsoft.com/office/powerpoint/2010/main" val="335239009"/>
+                <p14:modId xmlns:p14="http://schemas.microsoft.com/office/powerpoint/2010/main" val="2612099784"/>
               </p:ext>
             </p:extLst>
           </p:nvPr>
         </p:nvGraphicFramePr>
         <p:xfrm>
-          <a:off x="1572404" y="4072815"/>
+          <a:off x="1144079" y="5160951"/>
           <a:ext cx="1473200" cy="1143000"/>
         </p:xfrm>
         <a:graphic>
@@ -8141,146 +9320,6 @@
     <p:extLst>
       <p:ext uri="{BB962C8B-B14F-4D97-AF65-F5344CB8AC3E}">
         <p14:creationId xmlns:p14="http://schemas.microsoft.com/office/powerpoint/2010/main" val="4107902956"/>
-      </p:ext>
-    </p:extLst>
-  </p:cSld>
-  <p:clrMapOvr>
-    <a:masterClrMapping/>
-  </p:clrMapOvr>
-</p:sld>
-</file>
-
-<file path=ppt/slides/slide9.xml><?xml version="1.0" encoding="utf-8"?>
-<p:sld xmlns:a="http://schemas.openxmlformats.org/drawingml/2006/main" xmlns:r="http://schemas.openxmlformats.org/officeDocument/2006/relationships" xmlns:p="http://schemas.openxmlformats.org/presentationml/2006/main">
-  <p:cSld>
-    <p:spTree>
-      <p:nvGrpSpPr>
-        <p:cNvPr id="1" name=""/>
-        <p:cNvGrpSpPr/>
-        <p:nvPr/>
-      </p:nvGrpSpPr>
-      <p:grpSpPr>
-        <a:xfrm>
-          <a:off x="0" y="0"/>
-          <a:ext cx="0" cy="0"/>
-          <a:chOff x="0" y="0"/>
-          <a:chExt cx="0" cy="0"/>
-        </a:xfrm>
-      </p:grpSpPr>
-      <p:sp>
-        <p:nvSpPr>
-          <p:cNvPr id="2" name="Title 1">
-            <a:extLst>
-              <a:ext uri="{FF2B5EF4-FFF2-40B4-BE49-F238E27FC236}">
-                <a16:creationId xmlns:a16="http://schemas.microsoft.com/office/drawing/2014/main" id="{15FF008D-6109-C04B-2DD5-F18725394719}"/>
-              </a:ext>
-            </a:extLst>
-          </p:cNvPr>
-          <p:cNvSpPr>
-            <a:spLocks noGrp="1"/>
-          </p:cNvSpPr>
-          <p:nvPr>
-            <p:ph type="title"/>
-          </p:nvPr>
-        </p:nvSpPr>
-        <p:spPr/>
-        <p:txBody>
-          <a:bodyPr/>
-          <a:lstStyle/>
-          <a:p>
-            <a:r>
-              <a:rPr lang="en-US" dirty="0"/>
-              <a:t>Cell Ranger Setup and Script</a:t>
-            </a:r>
-          </a:p>
-        </p:txBody>
-      </p:sp>
-      <p:sp>
-        <p:nvSpPr>
-          <p:cNvPr id="4" name="TextBox 3">
-            <a:extLst>
-              <a:ext uri="{FF2B5EF4-FFF2-40B4-BE49-F238E27FC236}">
-                <a16:creationId xmlns:a16="http://schemas.microsoft.com/office/drawing/2014/main" id="{CC1F8028-DD48-21C8-784C-0351ADD5D02F}"/>
-              </a:ext>
-            </a:extLst>
-          </p:cNvPr>
-          <p:cNvSpPr txBox="1"/>
-          <p:nvPr/>
-        </p:nvSpPr>
-        <p:spPr>
-          <a:xfrm>
-            <a:off x="4729655" y="6627168"/>
-            <a:ext cx="5155323" cy="230832"/>
-          </a:xfrm>
-          <a:prstGeom prst="rect">
-            <a:avLst/>
-          </a:prstGeom>
-          <a:noFill/>
-        </p:spPr>
-        <p:txBody>
-          <a:bodyPr wrap="square">
-            <a:spAutoFit/>
-          </a:bodyPr>
-          <a:lstStyle/>
-          <a:p>
-            <a:pPr algn="r"/>
-            <a:r>
-              <a:rPr lang="en-US" sz="900" i="1" dirty="0">
-                <a:solidFill>
-                  <a:schemeClr val="bg1">
-                    <a:lumMod val="50000"/>
-                  </a:schemeClr>
-                </a:solidFill>
-              </a:rPr>
-              <a:t>https://www.10xgenomics.com/support/software/cell-ranger/algorithms-overview/</a:t>
-            </a:r>
-            <a:r>
-              <a:rPr lang="en-US" sz="900" i="1" dirty="0" err="1">
-                <a:solidFill>
-                  <a:schemeClr val="bg1">
-                    <a:lumMod val="50000"/>
-                  </a:schemeClr>
-                </a:solidFill>
-              </a:rPr>
-              <a:t>cr</a:t>
-            </a:r>
-            <a:r>
-              <a:rPr lang="en-US" sz="900" i="1" dirty="0">
-                <a:solidFill>
-                  <a:schemeClr val="bg1">
-                    <a:lumMod val="50000"/>
-                  </a:schemeClr>
-                </a:solidFill>
-              </a:rPr>
-              <a:t>-</a:t>
-            </a:r>
-            <a:r>
-              <a:rPr lang="en-US" sz="900" i="1" dirty="0" err="1">
-                <a:solidFill>
-                  <a:schemeClr val="bg1">
-                    <a:lumMod val="50000"/>
-                  </a:schemeClr>
-                </a:solidFill>
-              </a:rPr>
-              <a:t>gex</a:t>
-            </a:r>
-            <a:r>
-              <a:rPr lang="en-US" sz="900" i="1" dirty="0">
-                <a:solidFill>
-                  <a:schemeClr val="bg1">
-                    <a:lumMod val="50000"/>
-                  </a:schemeClr>
-                </a:solidFill>
-              </a:rPr>
-              <a:t>-algorithm</a:t>
-            </a:r>
-          </a:p>
-        </p:txBody>
-      </p:sp>
-    </p:spTree>
-    <p:extLst>
-      <p:ext uri="{BB962C8B-B14F-4D97-AF65-F5344CB8AC3E}">
-        <p14:creationId xmlns:p14="http://schemas.microsoft.com/office/powerpoint/2010/main" val="2103545050"/>
       </p:ext>
     </p:extLst>
   </p:cSld>

--- a/M2_CellRanger_Alignment/M2_CellRanger.pptx
+++ b/M2_CellRanger_Alignment/M2_CellRanger.pptx
@@ -2,7 +2,7 @@
 <file path=ppt/presentation.xml><?xml version="1.0" encoding="utf-8"?>
 <p:presentation xmlns:a="http://schemas.openxmlformats.org/drawingml/2006/main" xmlns:r="http://schemas.openxmlformats.org/officeDocument/2006/relationships" xmlns:p="http://schemas.openxmlformats.org/presentationml/2006/main" saveSubsetFonts="1">
   <p:sldMasterIdLst>
-    <p:sldMasterId id="2147483648" r:id="rId1"/>
+    <p:sldMasterId id="2147483656" r:id="rId1"/>
   </p:sldMasterIdLst>
   <p:notesMasterIdLst>
     <p:notesMasterId r:id="rId12"/>
@@ -206,7 +206,7 @@
           <a:p>
             <a:fld id="{FF40CFF0-3E11-4AF6-9747-7919C58FBC48}" type="datetimeFigureOut">
               <a:rPr lang="en-US" smtClean="0"/>
-              <a:t>1/5/2024</a:t>
+              <a:t>1/9/24</a:t>
             </a:fld>
             <a:endParaRPr lang="en-US"/>
           </a:p>
@@ -525,9 +525,10 @@
           </a:lstStyle>
           <a:p>
             <a:r>
-              <a:rPr lang="en-US" dirty="0"/>
+              <a:rPr lang="en-US"/>
               <a:t>Click to edit Master title style</a:t>
             </a:r>
+            <a:endParaRPr lang="en-US" dirty="0"/>
           </a:p>
         </p:txBody>
       </p:sp>
@@ -599,9 +600,10 @@
           </a:lstStyle>
           <a:p>
             <a:r>
-              <a:rPr lang="en-US" dirty="0"/>
+              <a:rPr lang="en-US"/>
               <a:t>Click to edit Master subtitle style</a:t>
             </a:r>
+            <a:endParaRPr lang="en-US" dirty="0"/>
           </a:p>
         </p:txBody>
       </p:sp>
@@ -628,7 +630,7 @@
           <a:p>
             <a:fld id="{9F69634C-F75C-45F7-A87A-C5E2AF3ECA41}" type="datetimeFigureOut">
               <a:rPr lang="en-US" smtClean="0"/>
-              <a:t>1/5/2024</a:t>
+              <a:t>1/9/24</a:t>
             </a:fld>
             <a:endParaRPr lang="en-US"/>
           </a:p>
@@ -696,7 +698,7 @@
     </p:spTree>
     <p:extLst>
       <p:ext uri="{BB962C8B-B14F-4D97-AF65-F5344CB8AC3E}">
-        <p14:creationId xmlns:p14="http://schemas.microsoft.com/office/powerpoint/2010/main" val="3854820101"/>
+        <p14:creationId xmlns:p14="http://schemas.microsoft.com/office/powerpoint/2010/main" val="4085583236"/>
       </p:ext>
     </p:extLst>
   </p:cSld>
@@ -763,9 +765,10 @@
           </a:lstStyle>
           <a:p>
             <a:r>
-              <a:rPr lang="en-US" dirty="0"/>
+              <a:rPr lang="en-US"/>
               <a:t>Click to edit Master title style</a:t>
             </a:r>
+            <a:endParaRPr lang="en-US" dirty="0"/>
           </a:p>
         </p:txBody>
       </p:sp>
@@ -792,7 +795,7 @@
           <a:p>
             <a:fld id="{9F69634C-F75C-45F7-A87A-C5E2AF3ECA41}" type="datetimeFigureOut">
               <a:rPr lang="en-US" smtClean="0"/>
-              <a:t>1/5/2024</a:t>
+              <a:t>1/9/24</a:t>
             </a:fld>
             <a:endParaRPr lang="en-US"/>
           </a:p>
@@ -860,7 +863,7 @@
     </p:spTree>
     <p:extLst>
       <p:ext uri="{BB962C8B-B14F-4D97-AF65-F5344CB8AC3E}">
-        <p14:creationId xmlns:p14="http://schemas.microsoft.com/office/powerpoint/2010/main" val="951555058"/>
+        <p14:creationId xmlns:p14="http://schemas.microsoft.com/office/powerpoint/2010/main" val="669665490"/>
       </p:ext>
     </p:extLst>
   </p:cSld>
@@ -995,7 +998,7 @@
           <a:p>
             <a:fld id="{9F69634C-F75C-45F7-A87A-C5E2AF3ECA41}" type="datetimeFigureOut">
               <a:rPr lang="en-US" smtClean="0"/>
-              <a:t>1/5/2024</a:t>
+              <a:t>1/9/24</a:t>
             </a:fld>
             <a:endParaRPr lang="en-US"/>
           </a:p>
@@ -1058,7 +1061,7 @@
     </p:spTree>
     <p:extLst>
       <p:ext uri="{BB962C8B-B14F-4D97-AF65-F5344CB8AC3E}">
-        <p14:creationId xmlns:p14="http://schemas.microsoft.com/office/powerpoint/2010/main" val="4144178324"/>
+        <p14:creationId xmlns:p14="http://schemas.microsoft.com/office/powerpoint/2010/main" val="2321260074"/>
       </p:ext>
     </p:extLst>
   </p:cSld>
@@ -1260,7 +1263,7 @@
           <a:p>
             <a:fld id="{9F69634C-F75C-45F7-A87A-C5E2AF3ECA41}" type="datetimeFigureOut">
               <a:rPr lang="en-US" smtClean="0"/>
-              <a:t>1/5/2024</a:t>
+              <a:t>1/9/24</a:t>
             </a:fld>
             <a:endParaRPr lang="en-US"/>
           </a:p>
@@ -1323,7 +1326,7 @@
     </p:spTree>
     <p:extLst>
       <p:ext uri="{BB962C8B-B14F-4D97-AF65-F5344CB8AC3E}">
-        <p14:creationId xmlns:p14="http://schemas.microsoft.com/office/powerpoint/2010/main" val="1901060785"/>
+        <p14:creationId xmlns:p14="http://schemas.microsoft.com/office/powerpoint/2010/main" val="1849681410"/>
       </p:ext>
     </p:extLst>
   </p:cSld>
@@ -1373,7 +1376,7 @@
           <a:p>
             <a:fld id="{9F69634C-F75C-45F7-A87A-C5E2AF3ECA41}" type="datetimeFigureOut">
               <a:rPr lang="en-US" smtClean="0"/>
-              <a:t>1/5/2024</a:t>
+              <a:t>1/9/24</a:t>
             </a:fld>
             <a:endParaRPr lang="en-US"/>
           </a:p>
@@ -1436,7 +1439,7 @@
     </p:spTree>
     <p:extLst>
       <p:ext uri="{BB962C8B-B14F-4D97-AF65-F5344CB8AC3E}">
-        <p14:creationId xmlns:p14="http://schemas.microsoft.com/office/powerpoint/2010/main" val="1272395690"/>
+        <p14:creationId xmlns:p14="http://schemas.microsoft.com/office/powerpoint/2010/main" val="1021674971"/>
       </p:ext>
     </p:extLst>
   </p:cSld>
@@ -1570,6 +1573,7 @@
               <a:rPr lang="en-US"/>
               <a:t>Fifth level</a:t>
             </a:r>
+            <a:endParaRPr lang="en-US" dirty="0"/>
           </a:p>
         </p:txBody>
       </p:sp>
@@ -1614,7 +1618,7 @@
           <a:p>
             <a:fld id="{9F69634C-F75C-45F7-A87A-C5E2AF3ECA41}" type="datetimeFigureOut">
               <a:rPr lang="en-US" smtClean="0"/>
-              <a:t>1/5/2024</a:t>
+              <a:t>1/9/24</a:t>
             </a:fld>
             <a:endParaRPr lang="en-US"/>
           </a:p>
@@ -1710,327 +1714,405 @@
           </a:p>
         </p:txBody>
       </p:sp>
+      <p:pic>
+        <p:nvPicPr>
+          <p:cNvPr id="12" name="Picture 4">
+            <a:extLst>
+              <a:ext uri="{FF2B5EF4-FFF2-40B4-BE49-F238E27FC236}">
+                <a16:creationId xmlns:a16="http://schemas.microsoft.com/office/drawing/2014/main" id="{D057B878-12E1-E213-DD5D-E8C3B95DEE30}"/>
+              </a:ext>
+            </a:extLst>
+          </p:cNvPr>
+          <p:cNvPicPr>
+            <a:picLocks noChangeAspect="1" noChangeArrowheads="1"/>
+          </p:cNvPicPr>
+          <p:nvPr/>
+        </p:nvPicPr>
+        <p:blipFill rotWithShape="1">
+          <a:blip r:embed="rId7">
+            <a:extLst>
+              <a:ext uri="{28A0092B-C50C-407E-A947-70E740481C1C}">
+                <a14:useLocalDpi xmlns:a14="http://schemas.microsoft.com/office/drawing/2010/main" val="0"/>
+              </a:ext>
+            </a:extLst>
+          </a:blip>
+          <a:srcRect r="92190"/>
+          <a:stretch/>
+        </p:blipFill>
+        <p:spPr bwMode="auto">
+          <a:xfrm>
+            <a:off x="11657405" y="6405597"/>
+            <a:ext cx="440780" cy="369373"/>
+          </a:xfrm>
+          <a:prstGeom prst="rect">
+            <a:avLst/>
+          </a:prstGeom>
+          <a:solidFill>
+            <a:schemeClr val="bg1"/>
+          </a:solidFill>
+        </p:spPr>
+      </p:pic>
+      <p:sp>
+        <p:nvSpPr>
+          <p:cNvPr id="10" name="Rectangle 9">
+            <a:extLst>
+              <a:ext uri="{FF2B5EF4-FFF2-40B4-BE49-F238E27FC236}">
+                <a16:creationId xmlns:a16="http://schemas.microsoft.com/office/drawing/2014/main" id="{96165629-9282-59A2-3252-22C976A32FCB}"/>
+              </a:ext>
+            </a:extLst>
+          </p:cNvPr>
+          <p:cNvSpPr/>
+          <p:nvPr/>
+        </p:nvSpPr>
+        <p:spPr>
+          <a:xfrm>
+            <a:off x="10327568" y="6413419"/>
+            <a:ext cx="162346" cy="369035"/>
+          </a:xfrm>
+          <a:prstGeom prst="rect">
+            <a:avLst/>
+          </a:prstGeom>
+          <a:solidFill>
+            <a:schemeClr val="bg1"/>
+          </a:solidFill>
+          <a:ln>
+            <a:noFill/>
+          </a:ln>
+        </p:spPr>
+        <p:style>
+          <a:lnRef idx="2">
+            <a:schemeClr val="accent1">
+              <a:shade val="15000"/>
+            </a:schemeClr>
+          </a:lnRef>
+          <a:fillRef idx="1">
+            <a:schemeClr val="accent1"/>
+          </a:fillRef>
+          <a:effectRef idx="0">
+            <a:schemeClr val="accent1"/>
+          </a:effectRef>
+          <a:fontRef idx="minor">
+            <a:schemeClr val="lt1"/>
+          </a:fontRef>
+        </p:style>
+        <p:txBody>
+          <a:bodyPr rtlCol="0" anchor="ctr"/>
+          <a:lstStyle/>
+          <a:p>
+            <a:pPr algn="ctr"/>
+            <a:endParaRPr lang="en-US" dirty="0"/>
+          </a:p>
+        </p:txBody>
+      </p:sp>
+      <p:pic>
+        <p:nvPicPr>
+          <p:cNvPr id="11" name="Picture 6">
+            <a:extLst>
+              <a:ext uri="{FF2B5EF4-FFF2-40B4-BE49-F238E27FC236}">
+                <a16:creationId xmlns:a16="http://schemas.microsoft.com/office/drawing/2014/main" id="{BDB1A56D-B0BB-83FA-A9E4-F4640EAC0465}"/>
+              </a:ext>
+            </a:extLst>
+          </p:cNvPr>
+          <p:cNvPicPr>
+            <a:picLocks noChangeAspect="1" noChangeArrowheads="1"/>
+          </p:cNvPicPr>
+          <p:nvPr/>
+        </p:nvPicPr>
+        <p:blipFill>
+          <a:blip r:embed="rId8">
+            <a:extLst>
+              <a:ext uri="{28A0092B-C50C-407E-A947-70E740481C1C}">
+                <a14:useLocalDpi xmlns:a14="http://schemas.microsoft.com/office/drawing/2010/main" val="0"/>
+              </a:ext>
+            </a:extLst>
+          </a:blip>
+          <a:srcRect/>
+          <a:stretch>
+            <a:fillRect/>
+          </a:stretch>
+        </p:blipFill>
+        <p:spPr bwMode="auto">
+          <a:xfrm>
+            <a:off x="10095781" y="6356350"/>
+            <a:ext cx="398897" cy="474984"/>
+          </a:xfrm>
+          <a:prstGeom prst="rect">
+            <a:avLst/>
+          </a:prstGeom>
+          <a:noFill/>
+          <a:extLst>
+            <a:ext uri="{909E8E84-426E-40DD-AFC4-6F175D3DCCD1}">
+              <a14:hiddenFill xmlns:a14="http://schemas.microsoft.com/office/drawing/2010/main">
+                <a:solidFill>
+                  <a:srgbClr val="FFFFFF"/>
+                </a:solidFill>
+              </a14:hiddenFill>
+            </a:ext>
+          </a:extLst>
+        </p:spPr>
+      </p:pic>
       <p:grpSp>
         <p:nvGrpSpPr>
-          <p:cNvPr id="7" name="Group 6">
+          <p:cNvPr id="21" name="Group 20">
             <a:extLst>
               <a:ext uri="{FF2B5EF4-FFF2-40B4-BE49-F238E27FC236}">
-                <a16:creationId xmlns:a16="http://schemas.microsoft.com/office/drawing/2014/main" id="{3880AF11-16A2-55D9-35F9-3011E625EF70}"/>
+                <a16:creationId xmlns:a16="http://schemas.microsoft.com/office/drawing/2014/main" id="{AE6847B1-0652-4F82-C0D7-6BB9058EF211}"/>
               </a:ext>
             </a:extLst>
           </p:cNvPr>
           <p:cNvGrpSpPr/>
-          <p:nvPr userDrawn="1"/>
+          <p:nvPr/>
         </p:nvGrpSpPr>
         <p:grpSpPr>
           <a:xfrm>
-            <a:off x="9894613" y="6356350"/>
-            <a:ext cx="2184040" cy="474984"/>
-            <a:chOff x="6968939" y="4628992"/>
-            <a:chExt cx="2184040" cy="474984"/>
+            <a:off x="10421120" y="6361244"/>
+            <a:ext cx="1358031" cy="470621"/>
+            <a:chOff x="10250948" y="6361244"/>
+            <a:chExt cx="1358031" cy="470621"/>
           </a:xfrm>
         </p:grpSpPr>
-        <p:grpSp>
-          <p:nvGrpSpPr>
-            <p:cNvPr id="8" name="Group 7">
+        <p:sp>
+          <p:nvSpPr>
+            <p:cNvPr id="15" name="TextBox 14">
               <a:extLst>
                 <a:ext uri="{FF2B5EF4-FFF2-40B4-BE49-F238E27FC236}">
-                  <a16:creationId xmlns:a16="http://schemas.microsoft.com/office/drawing/2014/main" id="{84C8740E-3DF3-283B-1B9D-2CB3D9C4471B}"/>
+                  <a16:creationId xmlns:a16="http://schemas.microsoft.com/office/drawing/2014/main" id="{8E43C571-9C77-A5A7-27CB-DF2E8AB20A94}"/>
                 </a:ext>
               </a:extLst>
             </p:cNvPr>
-            <p:cNvGrpSpPr/>
-            <p:nvPr/>
-          </p:nvGrpSpPr>
-          <p:grpSpPr>
-            <a:xfrm>
-              <a:off x="7355930" y="4685723"/>
-              <a:ext cx="1797049" cy="369373"/>
-              <a:chOff x="7200939" y="4475698"/>
-              <a:chExt cx="2356037" cy="553721"/>
-            </a:xfrm>
-          </p:grpSpPr>
-          <p:pic>
-            <p:nvPicPr>
-              <p:cNvPr id="12" name="Picture 4">
-                <a:extLst>
-                  <a:ext uri="{FF2B5EF4-FFF2-40B4-BE49-F238E27FC236}">
-                    <a16:creationId xmlns:a16="http://schemas.microsoft.com/office/drawing/2014/main" id="{D057B878-12E1-E213-DD5D-E8C3B95DEE30}"/>
-                  </a:ext>
-                </a:extLst>
-              </p:cNvPr>
-              <p:cNvPicPr>
-                <a:picLocks noChangeAspect="1" noChangeArrowheads="1"/>
-              </p:cNvPicPr>
-              <p:nvPr/>
-            </p:nvPicPr>
-            <p:blipFill rotWithShape="1">
-              <a:blip r:embed="rId7">
-                <a:extLst>
-                  <a:ext uri="{28A0092B-C50C-407E-A947-70E740481C1C}">
-                    <a14:useLocalDpi xmlns:a14="http://schemas.microsoft.com/office/drawing/2010/main" val="0"/>
-                  </a:ext>
-                </a:extLst>
-              </a:blip>
-              <a:srcRect r="92190"/>
-              <a:stretch/>
-            </p:blipFill>
-            <p:spPr bwMode="auto">
-              <a:xfrm>
-                <a:off x="8979087" y="4475698"/>
-                <a:ext cx="577889" cy="553721"/>
-              </a:xfrm>
-              <a:prstGeom prst="rect">
-                <a:avLst/>
-              </a:prstGeom>
-              <a:solidFill>
-                <a:schemeClr val="bg1"/>
-              </a:solidFill>
-            </p:spPr>
-          </p:pic>
-          <p:pic>
-            <p:nvPicPr>
-              <p:cNvPr id="13" name="Picture 4">
-                <a:extLst>
-                  <a:ext uri="{FF2B5EF4-FFF2-40B4-BE49-F238E27FC236}">
-                    <a16:creationId xmlns:a16="http://schemas.microsoft.com/office/drawing/2014/main" id="{2B54BAA7-B091-625A-15EF-81A9D3492307}"/>
-                  </a:ext>
-                </a:extLst>
-              </p:cNvPr>
-              <p:cNvPicPr>
-                <a:picLocks noChangeAspect="1" noChangeArrowheads="1"/>
-              </p:cNvPicPr>
-              <p:nvPr/>
-            </p:nvPicPr>
-            <p:blipFill rotWithShape="1">
-              <a:blip r:embed="rId7">
-                <a:extLst>
-                  <a:ext uri="{28A0092B-C50C-407E-A947-70E740481C1C}">
-                    <a14:useLocalDpi xmlns:a14="http://schemas.microsoft.com/office/drawing/2010/main" val="0"/>
-                  </a:ext>
-                </a:extLst>
-              </a:blip>
-              <a:srcRect l="8050" r="48505"/>
-              <a:stretch/>
-            </p:blipFill>
-            <p:spPr bwMode="auto">
-              <a:xfrm>
-                <a:off x="7200940" y="4477604"/>
-                <a:ext cx="1592647" cy="274320"/>
-              </a:xfrm>
-              <a:prstGeom prst="rect">
-                <a:avLst/>
-              </a:prstGeom>
-              <a:solidFill>
-                <a:schemeClr val="bg1"/>
-              </a:solidFill>
-            </p:spPr>
-          </p:pic>
-          <p:pic>
-            <p:nvPicPr>
-              <p:cNvPr id="14" name="Picture 4">
-                <a:extLst>
-                  <a:ext uri="{FF2B5EF4-FFF2-40B4-BE49-F238E27FC236}">
-                    <a16:creationId xmlns:a16="http://schemas.microsoft.com/office/drawing/2014/main" id="{87022AEC-3D98-9BE2-CB82-643603D2DD9B}"/>
-                  </a:ext>
-                </a:extLst>
-              </p:cNvPr>
-              <p:cNvPicPr>
-                <a:picLocks noChangeAspect="1" noChangeArrowheads="1"/>
-              </p:cNvPicPr>
-              <p:nvPr/>
-            </p:nvPicPr>
-            <p:blipFill rotWithShape="1">
-              <a:blip r:embed="rId7">
-                <a:extLst>
-                  <a:ext uri="{28A0092B-C50C-407E-A947-70E740481C1C}">
-                    <a14:useLocalDpi xmlns:a14="http://schemas.microsoft.com/office/drawing/2010/main" val="0"/>
-                  </a:ext>
-                </a:extLst>
-              </a:blip>
-              <a:srcRect l="51495"/>
-              <a:stretch/>
-            </p:blipFill>
-            <p:spPr bwMode="auto">
-              <a:xfrm>
-                <a:off x="7200939" y="4755099"/>
-                <a:ext cx="1778149" cy="274320"/>
-              </a:xfrm>
-              <a:prstGeom prst="rect">
-                <a:avLst/>
-              </a:prstGeom>
-              <a:solidFill>
-                <a:schemeClr val="bg1"/>
-              </a:solidFill>
-            </p:spPr>
-          </p:pic>
-        </p:grpSp>
-        <p:sp>
-          <p:nvSpPr>
-            <p:cNvPr id="9" name="Rectangle 8">
-              <a:extLst>
-                <a:ext uri="{FF2B5EF4-FFF2-40B4-BE49-F238E27FC236}">
-                  <a16:creationId xmlns:a16="http://schemas.microsoft.com/office/drawing/2014/main" id="{71DD8890-BC8E-533E-DA38-99A724B6EC7B}"/>
-                </a:ext>
-              </a:extLst>
-            </p:cNvPr>
-            <p:cNvSpPr/>
-            <p:nvPr/>
+            <p:cNvSpPr txBox="1"/>
+            <p:nvPr userDrawn="1"/>
           </p:nvSpPr>
           <p:spPr>
             <a:xfrm>
-              <a:off x="8562554" y="4686061"/>
-              <a:ext cx="162346" cy="209789"/>
+              <a:off x="10288746" y="6401527"/>
+              <a:ext cx="1320233" cy="427618"/>
             </a:xfrm>
             <a:prstGeom prst="rect">
               <a:avLst/>
             </a:prstGeom>
-            <a:solidFill>
-              <a:schemeClr val="bg1"/>
-            </a:solidFill>
-            <a:ln>
-              <a:noFill/>
-            </a:ln>
+            <a:noFill/>
           </p:spPr>
-          <p:style>
-            <a:lnRef idx="2">
-              <a:schemeClr val="accent1">
-                <a:shade val="15000"/>
-              </a:schemeClr>
-            </a:lnRef>
-            <a:fillRef idx="1">
-              <a:schemeClr val="accent1"/>
-            </a:fillRef>
-            <a:effectRef idx="0">
-              <a:schemeClr val="accent1"/>
-            </a:effectRef>
-            <a:fontRef idx="minor">
-              <a:schemeClr val="lt1"/>
-            </a:fontRef>
-          </p:style>
           <p:txBody>
-            <a:bodyPr rtlCol="0" anchor="ctr"/>
+            <a:bodyPr wrap="none" rtlCol="0">
+              <a:spAutoFit/>
+            </a:bodyPr>
             <a:lstStyle/>
             <a:p>
-              <a:pPr algn="ctr"/>
-              <a:endParaRPr lang="en-US" dirty="0"/>
+              <a:pPr>
+                <a:lnSpc>
+                  <a:spcPts val="1280"/>
+                </a:lnSpc>
+              </a:pPr>
+              <a:r>
+                <a:rPr lang="en-US" sz="1400" spc="-50" baseline="0" dirty="0">
+                  <a:latin typeface="Arial Unicode MS" panose="020B0604020202020204" pitchFamily="34" charset="-128"/>
+                  <a:ea typeface="Arial Unicode MS" panose="020B0604020202020204" pitchFamily="34" charset="-128"/>
+                  <a:cs typeface="Arial Unicode MS" panose="020B0604020202020204" pitchFamily="34" charset="-128"/>
+                </a:rPr>
+                <a:t>  </a:t>
+              </a:r>
+              <a:r>
+                <a:rPr lang="en-US" sz="1200" spc="-100" baseline="0" dirty="0">
+                  <a:latin typeface="Arial Unicode MS" panose="020B0604020202020204" pitchFamily="34" charset="-128"/>
+                  <a:ea typeface="Arial Unicode MS" panose="020B0604020202020204" pitchFamily="34" charset="-128"/>
+                  <a:cs typeface="Arial Unicode MS" panose="020B0604020202020204" pitchFamily="34" charset="-128"/>
+                </a:rPr>
+                <a:t>ATA</a:t>
+              </a:r>
+              <a:r>
+                <a:rPr lang="en-US" sz="1200" spc="-50" baseline="0" dirty="0">
+                  <a:latin typeface="Arial Unicode MS" panose="020B0604020202020204" pitchFamily="34" charset="-128"/>
+                  <a:ea typeface="Arial Unicode MS" panose="020B0604020202020204" pitchFamily="34" charset="-128"/>
+                  <a:cs typeface="Arial Unicode MS" panose="020B0604020202020204" pitchFamily="34" charset="-128"/>
+                </a:rPr>
+                <a:t> </a:t>
+              </a:r>
+              <a:r>
+                <a:rPr lang="en-US" sz="1400" spc="-50" baseline="0" dirty="0">
+                  <a:latin typeface="Arial Unicode MS" panose="020B0604020202020204" pitchFamily="34" charset="-128"/>
+                  <a:ea typeface="Arial Unicode MS" panose="020B0604020202020204" pitchFamily="34" charset="-128"/>
+                  <a:cs typeface="Arial Unicode MS" panose="020B0604020202020204" pitchFamily="34" charset="-128"/>
+                </a:rPr>
+                <a:t>   </a:t>
+              </a:r>
+              <a:r>
+                <a:rPr lang="en-US" sz="1200" spc="-20" baseline="0" dirty="0">
+                  <a:latin typeface="Arial Unicode MS" panose="020B0604020202020204" pitchFamily="34" charset="-128"/>
+                  <a:ea typeface="Arial Unicode MS" panose="020B0604020202020204" pitchFamily="34" charset="-128"/>
+                  <a:cs typeface="Arial Unicode MS" panose="020B0604020202020204" pitchFamily="34" charset="-128"/>
+                </a:rPr>
+                <a:t>CIENCE</a:t>
+              </a:r>
+              <a:r>
+                <a:rPr lang="en-US" sz="1200" spc="-50" baseline="0" dirty="0">
+                  <a:latin typeface="Arial Unicode MS" panose="020B0604020202020204" pitchFamily="34" charset="-128"/>
+                  <a:ea typeface="Arial Unicode MS" panose="020B0604020202020204" pitchFamily="34" charset="-128"/>
+                  <a:cs typeface="Arial Unicode MS" panose="020B0604020202020204" pitchFamily="34" charset="-128"/>
+                </a:rPr>
+                <a:t> </a:t>
+              </a:r>
+            </a:p>
+            <a:p>
+              <a:pPr>
+                <a:lnSpc>
+                  <a:spcPts val="1280"/>
+                </a:lnSpc>
+              </a:pPr>
+              <a:r>
+                <a:rPr lang="en-US" sz="1400" spc="-50" baseline="0" dirty="0">
+                  <a:latin typeface="Arial Unicode MS" panose="020B0604020202020204" pitchFamily="34" charset="-128"/>
+                  <a:ea typeface="Arial Unicode MS" panose="020B0604020202020204" pitchFamily="34" charset="-128"/>
+                  <a:cs typeface="Arial Unicode MS" panose="020B0604020202020204" pitchFamily="34" charset="-128"/>
+                </a:rPr>
+                <a:t>  </a:t>
+              </a:r>
+              <a:r>
+                <a:rPr lang="en-US" sz="1200" spc="-10" baseline="0" dirty="0">
+                  <a:latin typeface="Arial Unicode MS" panose="020B0604020202020204" pitchFamily="34" charset="-128"/>
+                  <a:ea typeface="Arial Unicode MS" panose="020B0604020202020204" pitchFamily="34" charset="-128"/>
+                  <a:cs typeface="Arial Unicode MS" panose="020B0604020202020204" pitchFamily="34" charset="-128"/>
+                </a:rPr>
+                <a:t>CADEMY</a:t>
+              </a:r>
             </a:p>
           </p:txBody>
         </p:sp>
         <p:sp>
           <p:nvSpPr>
-            <p:cNvPr id="10" name="Rectangle 9">
+            <p:cNvPr id="18" name="TextBox 17">
               <a:extLst>
                 <a:ext uri="{FF2B5EF4-FFF2-40B4-BE49-F238E27FC236}">
-                  <a16:creationId xmlns:a16="http://schemas.microsoft.com/office/drawing/2014/main" id="{96165629-9282-59A2-3252-22C976A32FCB}"/>
+                  <a16:creationId xmlns:a16="http://schemas.microsoft.com/office/drawing/2014/main" id="{0A9B7E82-3AE1-1ED0-9C75-D904117A350C}"/>
                 </a:ext>
               </a:extLst>
             </p:cNvPr>
-            <p:cNvSpPr/>
-            <p:nvPr/>
+            <p:cNvSpPr txBox="1"/>
+            <p:nvPr userDrawn="1"/>
           </p:nvSpPr>
           <p:spPr>
             <a:xfrm>
-              <a:off x="7200726" y="4686061"/>
-              <a:ext cx="162346" cy="369035"/>
-            </a:xfrm>
-            <a:prstGeom prst="rect">
-              <a:avLst/>
-            </a:prstGeom>
-            <a:solidFill>
-              <a:schemeClr val="bg1"/>
-            </a:solidFill>
-            <a:ln>
-              <a:noFill/>
-            </a:ln>
-          </p:spPr>
-          <p:style>
-            <a:lnRef idx="2">
-              <a:schemeClr val="accent1">
-                <a:shade val="15000"/>
-              </a:schemeClr>
-            </a:lnRef>
-            <a:fillRef idx="1">
-              <a:schemeClr val="accent1"/>
-            </a:fillRef>
-            <a:effectRef idx="0">
-              <a:schemeClr val="accent1"/>
-            </a:effectRef>
-            <a:fontRef idx="minor">
-              <a:schemeClr val="lt1"/>
-            </a:fontRef>
-          </p:style>
-          <p:txBody>
-            <a:bodyPr rtlCol="0" anchor="ctr"/>
-            <a:lstStyle/>
-            <a:p>
-              <a:pPr algn="ctr"/>
-              <a:endParaRPr lang="en-US" dirty="0"/>
-            </a:p>
-          </p:txBody>
-        </p:sp>
-        <p:pic>
-          <p:nvPicPr>
-            <p:cNvPr id="11" name="Picture 6">
-              <a:extLst>
-                <a:ext uri="{FF2B5EF4-FFF2-40B4-BE49-F238E27FC236}">
-                  <a16:creationId xmlns:a16="http://schemas.microsoft.com/office/drawing/2014/main" id="{BDB1A56D-B0BB-83FA-A9E4-F4640EAC0465}"/>
-                </a:ext>
-              </a:extLst>
-            </p:cNvPr>
-            <p:cNvPicPr>
-              <a:picLocks noChangeAspect="1" noChangeArrowheads="1"/>
-            </p:cNvPicPr>
-            <p:nvPr/>
-          </p:nvPicPr>
-          <p:blipFill>
-            <a:blip r:embed="rId8">
-              <a:extLst>
-                <a:ext uri="{28A0092B-C50C-407E-A947-70E740481C1C}">
-                  <a14:useLocalDpi xmlns:a14="http://schemas.microsoft.com/office/drawing/2010/main" val="0"/>
-                </a:ext>
-              </a:extLst>
-            </a:blip>
-            <a:srcRect/>
-            <a:stretch>
-              <a:fillRect/>
-            </a:stretch>
-          </p:blipFill>
-          <p:spPr bwMode="auto">
-            <a:xfrm>
-              <a:off x="6968939" y="4628992"/>
-              <a:ext cx="398897" cy="474984"/>
+              <a:off x="10250948" y="6365476"/>
+              <a:ext cx="247116" cy="307777"/>
             </a:xfrm>
             <a:prstGeom prst="rect">
               <a:avLst/>
             </a:prstGeom>
             <a:noFill/>
-            <a:extLst>
-              <a:ext uri="{909E8E84-426E-40DD-AFC4-6F175D3DCCD1}">
-                <a14:hiddenFill xmlns:a14="http://schemas.microsoft.com/office/drawing/2010/main">
-                  <a:solidFill>
-                    <a:srgbClr val="FFFFFF"/>
-                  </a:solidFill>
-                </a14:hiddenFill>
-              </a:ext>
-            </a:extLst>
           </p:spPr>
-        </p:pic>
+          <p:txBody>
+            <a:bodyPr wrap="square">
+              <a:spAutoFit/>
+            </a:bodyPr>
+            <a:lstStyle/>
+            <a:p>
+              <a:r>
+                <a:rPr lang="en-US" sz="1400" spc="-50" baseline="0" dirty="0">
+                  <a:latin typeface="Arial Unicode MS" panose="020B0604020202020204" pitchFamily="34" charset="-128"/>
+                  <a:ea typeface="Arial Unicode MS" panose="020B0604020202020204" pitchFamily="34" charset="-128"/>
+                  <a:cs typeface="Arial Unicode MS" panose="020B0604020202020204" pitchFamily="34" charset="-128"/>
+                </a:rPr>
+                <a:t>D</a:t>
+              </a:r>
+              <a:endParaRPr lang="en-US" sz="1400" dirty="0"/>
+            </a:p>
+          </p:txBody>
+        </p:sp>
+        <p:sp>
+          <p:nvSpPr>
+            <p:cNvPr id="19" name="TextBox 18">
+              <a:extLst>
+                <a:ext uri="{FF2B5EF4-FFF2-40B4-BE49-F238E27FC236}">
+                  <a16:creationId xmlns:a16="http://schemas.microsoft.com/office/drawing/2014/main" id="{166948DE-BE55-32BF-3755-41B53C339311}"/>
+                </a:ext>
+              </a:extLst>
+            </p:cNvPr>
+            <p:cNvSpPr txBox="1"/>
+            <p:nvPr userDrawn="1"/>
+          </p:nvSpPr>
+          <p:spPr>
+            <a:xfrm>
+              <a:off x="10686216" y="6361244"/>
+              <a:ext cx="247116" cy="307777"/>
+            </a:xfrm>
+            <a:prstGeom prst="rect">
+              <a:avLst/>
+            </a:prstGeom>
+            <a:noFill/>
+          </p:spPr>
+          <p:txBody>
+            <a:bodyPr wrap="square">
+              <a:spAutoFit/>
+            </a:bodyPr>
+            <a:lstStyle/>
+            <a:p>
+              <a:r>
+                <a:rPr lang="en-US" sz="1400" spc="-50" baseline="0" dirty="0">
+                  <a:latin typeface="Arial Unicode MS" panose="020B0604020202020204" pitchFamily="34" charset="-128"/>
+                  <a:ea typeface="Arial Unicode MS" panose="020B0604020202020204" pitchFamily="34" charset="-128"/>
+                  <a:cs typeface="Arial Unicode MS" panose="020B0604020202020204" pitchFamily="34" charset="-128"/>
+                </a:rPr>
+                <a:t>S</a:t>
+              </a:r>
+              <a:endParaRPr lang="en-US" sz="1400" dirty="0"/>
+            </a:p>
+          </p:txBody>
+        </p:sp>
+        <p:sp>
+          <p:nvSpPr>
+            <p:cNvPr id="20" name="TextBox 19">
+              <a:extLst>
+                <a:ext uri="{FF2B5EF4-FFF2-40B4-BE49-F238E27FC236}">
+                  <a16:creationId xmlns:a16="http://schemas.microsoft.com/office/drawing/2014/main" id="{220460B7-E159-6953-8B40-5396511A4476}"/>
+                </a:ext>
+              </a:extLst>
+            </p:cNvPr>
+            <p:cNvSpPr txBox="1"/>
+            <p:nvPr userDrawn="1"/>
+          </p:nvSpPr>
+          <p:spPr>
+            <a:xfrm>
+              <a:off x="10260092" y="6524088"/>
+              <a:ext cx="247116" cy="307777"/>
+            </a:xfrm>
+            <a:prstGeom prst="rect">
+              <a:avLst/>
+            </a:prstGeom>
+            <a:noFill/>
+          </p:spPr>
+          <p:txBody>
+            <a:bodyPr wrap="square">
+              <a:spAutoFit/>
+            </a:bodyPr>
+            <a:lstStyle/>
+            <a:p>
+              <a:r>
+                <a:rPr lang="en-US" sz="1400" spc="-50" baseline="0" dirty="0">
+                  <a:latin typeface="Arial Unicode MS" panose="020B0604020202020204" pitchFamily="34" charset="-128"/>
+                  <a:ea typeface="Arial Unicode MS" panose="020B0604020202020204" pitchFamily="34" charset="-128"/>
+                  <a:cs typeface="Arial Unicode MS" panose="020B0604020202020204" pitchFamily="34" charset="-128"/>
+                </a:rPr>
+                <a:t>A</a:t>
+              </a:r>
+              <a:endParaRPr lang="en-US" sz="1400" dirty="0"/>
+            </a:p>
+          </p:txBody>
+        </p:sp>
       </p:grpSp>
     </p:spTree>
     <p:extLst>
       <p:ext uri="{BB962C8B-B14F-4D97-AF65-F5344CB8AC3E}">
-        <p14:creationId xmlns:p14="http://schemas.microsoft.com/office/powerpoint/2010/main" val="2029020425"/>
+        <p14:creationId xmlns:p14="http://schemas.microsoft.com/office/powerpoint/2010/main" val="714650634"/>
       </p:ext>
     </p:extLst>
   </p:cSld>
   <p:clrMap bg1="lt1" tx1="dk1" bg2="lt2" tx2="dk2" accent1="accent1" accent2="accent2" accent3="accent3" accent4="accent4" accent5="accent5" accent6="accent6" hlink="hlink" folHlink="folHlink"/>
   <p:sldLayoutIdLst>
-    <p:sldLayoutId id="2147483649" r:id="rId1"/>
-    <p:sldLayoutId id="2147483654" r:id="rId2"/>
-    <p:sldLayoutId id="2147483650" r:id="rId3"/>
-    <p:sldLayoutId id="2147483652" r:id="rId4"/>
-    <p:sldLayoutId id="2147483655" r:id="rId5"/>
+    <p:sldLayoutId id="2147483657" r:id="rId1"/>
+    <p:sldLayoutId id="2147483658" r:id="rId2"/>
+    <p:sldLayoutId id="2147483659" r:id="rId3"/>
+    <p:sldLayoutId id="2147483660" r:id="rId4"/>
+    <p:sldLayoutId id="2147483661" r:id="rId5"/>
   </p:sldLayoutIdLst>
   <p:txStyles>
     <p:titleStyle>
@@ -9618,7 +9700,7 @@
   <a:extraClrSchemeLst/>
   <a:extLst>
     <a:ext uri="{05A4C25C-085E-4340-85A3-A5531E510DB2}">
-      <thm15:themeFamily xmlns:thm15="http://schemas.microsoft.com/office/thememl/2012/main" name="Office Theme" id="{62F939B6-93AF-4DB8-9C6B-D6C7DFDC589F}" vid="{4A3C46E8-61CC-4603-A589-7422A47A8E4A}"/>
+      <thm15:themeFamily xmlns:thm15="http://schemas.microsoft.com/office/thememl/2012/main" name="M0_Introdution_Course" id="{64F76E85-CA42-0A46-B891-13D1F0CD406A}" vid="{6FF7656D-6217-624F-962B-BDC121BB58C5}"/>
     </a:ext>
   </a:extLst>
 </a:theme>

--- a/M2_CellRanger_Alignment/M2_CellRanger.pptx
+++ b/M2_CellRanger_Alignment/M2_CellRanger.pptx
@@ -2834,7 +2834,7 @@
         </p:blipFill>
         <p:spPr bwMode="auto">
           <a:xfrm>
-            <a:off x="4827581" y="2331711"/>
+            <a:off x="2929770" y="2392096"/>
             <a:ext cx="4632385" cy="738286"/>
           </a:xfrm>
           <a:prstGeom prst="rect">
@@ -2905,7 +2905,7 @@
           <a:p>
             <a:r>
               <a:rPr lang="en-US" dirty="0"/>
-              <a:t>Cell Ranger STAR Alignment</a:t>
+              <a:t>Cell Ranger Alignment</a:t>
             </a:r>
           </a:p>
         </p:txBody>
@@ -5861,8 +5861,8 @@
         </p:nvSpPr>
         <p:spPr>
           <a:xfrm>
-            <a:off x="3862507" y="2559824"/>
-            <a:ext cx="5094516" cy="1754326"/>
+            <a:off x="3614468" y="2682444"/>
+            <a:ext cx="5232271" cy="1477328"/>
           </a:xfrm>
           <a:prstGeom prst="rect">
             <a:avLst/>
@@ -5886,8 +5886,8 @@
           </a:p>
           <a:p>
             <a:r>
-              <a:rPr lang="en-US" dirty="0"/>
-              <a:t>     ~1.43 million homopolymer regions in human genome</a:t>
+              <a:rPr lang="en-US" i="1" dirty="0"/>
+              <a:t>1.43 million homopolymer regions in human genome.</a:t>
             </a:r>
           </a:p>
         </p:txBody>
@@ -5921,7 +5921,7 @@
         </p:blipFill>
         <p:spPr bwMode="auto">
           <a:xfrm>
-            <a:off x="9014173" y="2580609"/>
+            <a:off x="8800377" y="2703229"/>
             <a:ext cx="3070172" cy="1322920"/>
           </a:xfrm>
           <a:prstGeom prst="rect">
@@ -5953,8 +5953,8 @@
         </p:nvSpPr>
         <p:spPr>
           <a:xfrm>
-            <a:off x="4486275" y="1023208"/>
-            <a:ext cx="6191250" cy="1200329"/>
+            <a:off x="4032851" y="917881"/>
+            <a:ext cx="6191250" cy="1723549"/>
           </a:xfrm>
           <a:prstGeom prst="rect">
             <a:avLst/>
@@ -5975,7 +5975,104 @@
                 <a:effectLst/>
                 <a:latin typeface="Open Sans" panose="020B0606030504020204" pitchFamily="34" charset="0"/>
               </a:rPr>
-              <a:t>Cell Ranger Criteria for Including Reads:</a:t>
+              <a:t>Cell Ranger Discards Low Quality Reads</a:t>
+            </a:r>
+          </a:p>
+          <a:p>
+            <a:r>
+              <a:rPr lang="en-US" i="1" dirty="0">
+                <a:solidFill>
+                  <a:srgbClr val="333333"/>
+                </a:solidFill>
+                <a:latin typeface="Open Sans" panose="020B0606030504020204" pitchFamily="34" charset="0"/>
+              </a:rPr>
+              <a:t>  </a:t>
+            </a:r>
+            <a:r>
+              <a:rPr lang="en-US" sz="1600" i="1" dirty="0">
+                <a:solidFill>
+                  <a:srgbClr val="333333"/>
+                </a:solidFill>
+                <a:latin typeface="Open Sans" panose="020B0606030504020204" pitchFamily="34" charset="0"/>
+              </a:rPr>
+              <a:t>Quality = mapping to </a:t>
+            </a:r>
+            <a:r>
+              <a:rPr lang="en-US" sz="1600" i="1">
+                <a:solidFill>
+                  <a:srgbClr val="333333"/>
+                </a:solidFill>
+                <a:latin typeface="Open Sans" panose="020B0606030504020204" pitchFamily="34" charset="0"/>
+              </a:rPr>
+              <a:t>a specific genome </a:t>
+            </a:r>
+            <a:r>
+              <a:rPr lang="en-US" sz="1600" i="1" dirty="0">
+                <a:solidFill>
+                  <a:srgbClr val="333333"/>
+                </a:solidFill>
+                <a:latin typeface="Open Sans" panose="020B0606030504020204" pitchFamily="34" charset="0"/>
+              </a:rPr>
+              <a:t>location with high confidence</a:t>
+            </a:r>
+            <a:endParaRPr lang="en-US" sz="1600" b="0" i="1" dirty="0">
+              <a:solidFill>
+                <a:srgbClr val="333333"/>
+              </a:solidFill>
+              <a:effectLst/>
+              <a:latin typeface="Open Sans" panose="020B0606030504020204" pitchFamily="34" charset="0"/>
+            </a:endParaRPr>
+          </a:p>
+          <a:p>
+            <a:pPr>
+              <a:buFont typeface="Arial" panose="020B0604020202020204" pitchFamily="34" charset="0"/>
+              <a:buChar char="•"/>
+            </a:pPr>
+            <a:r>
+              <a:rPr lang="en-US" b="0" i="0" dirty="0">
+                <a:solidFill>
+                  <a:srgbClr val="333333"/>
+                </a:solidFill>
+                <a:effectLst/>
+                <a:latin typeface="Open Sans" panose="020B0606030504020204" pitchFamily="34" charset="0"/>
+              </a:rPr>
+              <a:t> Must not contain bases with base </a:t>
+            </a:r>
+            <a:r>
+              <a:rPr lang="en-US" b="1" i="0" dirty="0">
+                <a:solidFill>
+                  <a:srgbClr val="333333"/>
+                </a:solidFill>
+                <a:effectLst/>
+                <a:latin typeface="Open Sans" panose="020B0606030504020204" pitchFamily="34" charset="0"/>
+              </a:rPr>
+              <a:t>quality &lt; 10</a:t>
+            </a:r>
+          </a:p>
+          <a:p>
+            <a:pPr>
+              <a:buFont typeface="Arial" panose="020B0604020202020204" pitchFamily="34" charset="0"/>
+              <a:buChar char="•"/>
+            </a:pPr>
+            <a:r>
+              <a:rPr lang="en-US" b="0" i="0" dirty="0">
+                <a:solidFill>
+                  <a:srgbClr val="333333"/>
+                </a:solidFill>
+                <a:effectLst/>
+                <a:latin typeface="Open Sans" panose="020B0606030504020204" pitchFamily="34" charset="0"/>
+              </a:rPr>
+              <a:t> Must not contain </a:t>
+            </a:r>
+            <a:r>
+              <a:rPr lang="en-US" b="1" i="0" dirty="0">
+                <a:solidFill>
+                  <a:srgbClr val="333333"/>
+                </a:solidFill>
+                <a:effectLst/>
+                <a:latin typeface="Open Sans" panose="020B0606030504020204" pitchFamily="34" charset="0"/>
+              </a:rPr>
+              <a:t>N</a:t>
             </a:r>
           </a:p>
           <a:p>
@@ -6012,93 +6109,6 @@
                 <a:latin typeface="Open Sans" panose="020B0606030504020204" pitchFamily="34" charset="0"/>
               </a:rPr>
               <a:t>, e.g. AAAAAAAAAA</a:t>
-            </a:r>
-          </a:p>
-          <a:p>
-            <a:pPr algn="l">
-              <a:buFont typeface="Arial" panose="020B0604020202020204" pitchFamily="34" charset="0"/>
-              <a:buChar char="•"/>
-            </a:pPr>
-            <a:r>
-              <a:rPr lang="en-US" b="0" i="0" dirty="0">
-                <a:solidFill>
-                  <a:srgbClr val="333333"/>
-                </a:solidFill>
-                <a:effectLst/>
-                <a:latin typeface="Open Sans" panose="020B0606030504020204" pitchFamily="34" charset="0"/>
-              </a:rPr>
-              <a:t> Must not contain </a:t>
-            </a:r>
-            <a:r>
-              <a:rPr lang="en-US" b="1" i="0" dirty="0">
-                <a:solidFill>
-                  <a:srgbClr val="333333"/>
-                </a:solidFill>
-                <a:effectLst/>
-                <a:latin typeface="Open Sans" panose="020B0606030504020204" pitchFamily="34" charset="0"/>
-              </a:rPr>
-              <a:t>N</a:t>
-            </a:r>
-          </a:p>
-          <a:p>
-            <a:pPr algn="l">
-              <a:buFont typeface="Arial" panose="020B0604020202020204" pitchFamily="34" charset="0"/>
-              <a:buChar char="•"/>
-            </a:pPr>
-            <a:r>
-              <a:rPr lang="en-US" b="0" i="0" dirty="0">
-                <a:solidFill>
-                  <a:srgbClr val="333333"/>
-                </a:solidFill>
-                <a:effectLst/>
-                <a:latin typeface="Open Sans" panose="020B0606030504020204" pitchFamily="34" charset="0"/>
-              </a:rPr>
-              <a:t> Must not contain bases with base </a:t>
-            </a:r>
-            <a:r>
-              <a:rPr lang="en-US" b="1" i="0" dirty="0">
-                <a:solidFill>
-                  <a:srgbClr val="333333"/>
-                </a:solidFill>
-                <a:effectLst/>
-                <a:latin typeface="Open Sans" panose="020B0606030504020204" pitchFamily="34" charset="0"/>
-              </a:rPr>
-              <a:t>quality &lt; 10</a:t>
-            </a:r>
-          </a:p>
-        </p:txBody>
-      </p:sp>
-      <p:sp>
-        <p:nvSpPr>
-          <p:cNvPr id="22" name="TextBox 21">
-            <a:extLst>
-              <a:ext uri="{FF2B5EF4-FFF2-40B4-BE49-F238E27FC236}">
-                <a16:creationId xmlns:a16="http://schemas.microsoft.com/office/drawing/2014/main" id="{D63B4C88-ECA9-290C-B7D3-7C46F1AE69F8}"/>
-              </a:ext>
-            </a:extLst>
-          </p:cNvPr>
-          <p:cNvSpPr txBox="1"/>
-          <p:nvPr/>
-        </p:nvSpPr>
-        <p:spPr>
-          <a:xfrm>
-            <a:off x="4391025" y="4729946"/>
-            <a:ext cx="6762750" cy="646331"/>
-          </a:xfrm>
-          <a:prstGeom prst="rect">
-            <a:avLst/>
-          </a:prstGeom>
-          <a:noFill/>
-        </p:spPr>
-        <p:txBody>
-          <a:bodyPr wrap="square" rtlCol="0">
-            <a:spAutoFit/>
-          </a:bodyPr>
-          <a:lstStyle/>
-          <a:p>
-            <a:r>
-              <a:rPr lang="en-US" dirty="0"/>
-              <a:t>Reads with N and base quality score &lt;10 are also discarded because of higher error rates. </a:t>
             </a:r>
           </a:p>
         </p:txBody>

--- a/M2_CellRanger_Alignment/M2_CellRanger.pptx
+++ b/M2_CellRanger_Alignment/M2_CellRanger.pptx
@@ -5995,25 +5995,7 @@
                 </a:solidFill>
                 <a:latin typeface="Open Sans" panose="020B0606030504020204" pitchFamily="34" charset="0"/>
               </a:rPr>
-              <a:t>Quality = mapping to </a:t>
-            </a:r>
-            <a:r>
-              <a:rPr lang="en-US" sz="1600" i="1">
-                <a:solidFill>
-                  <a:srgbClr val="333333"/>
-                </a:solidFill>
-                <a:latin typeface="Open Sans" panose="020B0606030504020204" pitchFamily="34" charset="0"/>
-              </a:rPr>
-              <a:t>a specific genome </a:t>
-            </a:r>
-            <a:r>
-              <a:rPr lang="en-US" sz="1600" i="1" dirty="0">
-                <a:solidFill>
-                  <a:srgbClr val="333333"/>
-                </a:solidFill>
-                <a:latin typeface="Open Sans" panose="020B0606030504020204" pitchFamily="34" charset="0"/>
-              </a:rPr>
-              <a:t>location with high confidence</a:t>
+              <a:t>Quality = mapping to a specific genome location with high confidence.</a:t>
             </a:r>
             <a:endParaRPr lang="en-US" sz="1600" b="0" i="1" dirty="0">
               <a:solidFill>

--- a/M2_CellRanger_Alignment/M2_CellRanger.pptx
+++ b/M2_CellRanger_Alignment/M2_CellRanger.pptx
@@ -5,7 +5,7 @@
     <p:sldMasterId id="2147483656" r:id="rId1"/>
   </p:sldMasterIdLst>
   <p:notesMasterIdLst>
-    <p:notesMasterId r:id="rId12"/>
+    <p:notesMasterId r:id="rId14"/>
   </p:notesMasterIdLst>
   <p:sldIdLst>
     <p:sldId id="256" r:id="rId2"/>
@@ -15,9 +15,11 @@
     <p:sldId id="261" r:id="rId6"/>
     <p:sldId id="262" r:id="rId7"/>
     <p:sldId id="263" r:id="rId8"/>
-    <p:sldId id="265" r:id="rId9"/>
-    <p:sldId id="268" r:id="rId10"/>
-    <p:sldId id="266" r:id="rId11"/>
+    <p:sldId id="270" r:id="rId9"/>
+    <p:sldId id="265" r:id="rId10"/>
+    <p:sldId id="268" r:id="rId11"/>
+    <p:sldId id="266" r:id="rId12"/>
+    <p:sldId id="269" r:id="rId13"/>
   </p:sldIdLst>
   <p:sldSz cx="12192000" cy="6858000"/>
   <p:notesSz cx="6858000" cy="9144000"/>
@@ -206,7 +208,7 @@
           <a:p>
             <a:fld id="{FF40CFF0-3E11-4AF6-9747-7919C58FBC48}" type="datetimeFigureOut">
               <a:rPr lang="en-US" smtClean="0"/>
-              <a:t>1/9/24</a:t>
+              <a:t>1/9/2024</a:t>
             </a:fld>
             <a:endParaRPr lang="en-US"/>
           </a:p>
@@ -630,7 +632,7 @@
           <a:p>
             <a:fld id="{9F69634C-F75C-45F7-A87A-C5E2AF3ECA41}" type="datetimeFigureOut">
               <a:rPr lang="en-US" smtClean="0"/>
-              <a:t>1/9/24</a:t>
+              <a:t>1/9/2024</a:t>
             </a:fld>
             <a:endParaRPr lang="en-US"/>
           </a:p>
@@ -795,7 +797,7 @@
           <a:p>
             <a:fld id="{9F69634C-F75C-45F7-A87A-C5E2AF3ECA41}" type="datetimeFigureOut">
               <a:rPr lang="en-US" smtClean="0"/>
-              <a:t>1/9/24</a:t>
+              <a:t>1/9/2024</a:t>
             </a:fld>
             <a:endParaRPr lang="en-US"/>
           </a:p>
@@ -998,7 +1000,7 @@
           <a:p>
             <a:fld id="{9F69634C-F75C-45F7-A87A-C5E2AF3ECA41}" type="datetimeFigureOut">
               <a:rPr lang="en-US" smtClean="0"/>
-              <a:t>1/9/24</a:t>
+              <a:t>1/9/2024</a:t>
             </a:fld>
             <a:endParaRPr lang="en-US"/>
           </a:p>
@@ -1263,7 +1265,7 @@
           <a:p>
             <a:fld id="{9F69634C-F75C-45F7-A87A-C5E2AF3ECA41}" type="datetimeFigureOut">
               <a:rPr lang="en-US" smtClean="0"/>
-              <a:t>1/9/24</a:t>
+              <a:t>1/9/2024</a:t>
             </a:fld>
             <a:endParaRPr lang="en-US"/>
           </a:p>
@@ -1376,7 +1378,7 @@
           <a:p>
             <a:fld id="{9F69634C-F75C-45F7-A87A-C5E2AF3ECA41}" type="datetimeFigureOut">
               <a:rPr lang="en-US" smtClean="0"/>
-              <a:t>1/9/24</a:t>
+              <a:t>1/9/2024</a:t>
             </a:fld>
             <a:endParaRPr lang="en-US"/>
           </a:p>
@@ -1618,7 +1620,7 @@
           <a:p>
             <a:fld id="{9F69634C-F75C-45F7-A87A-C5E2AF3ECA41}" type="datetimeFigureOut">
               <a:rPr lang="en-US" smtClean="0"/>
-              <a:t>1/9/24</a:t>
+              <a:t>1/9/2024</a:t>
             </a:fld>
             <a:endParaRPr lang="en-US"/>
           </a:p>
@@ -2519,6 +2521,534 @@
           <p:cNvPr id="2" name="Title 1">
             <a:extLst>
               <a:ext uri="{FF2B5EF4-FFF2-40B4-BE49-F238E27FC236}">
+                <a16:creationId xmlns:a16="http://schemas.microsoft.com/office/drawing/2014/main" id="{1942DDF0-515E-238F-2A7E-655B0D47A6B7}"/>
+              </a:ext>
+            </a:extLst>
+          </p:cNvPr>
+          <p:cNvSpPr>
+            <a:spLocks noGrp="1"/>
+          </p:cNvSpPr>
+          <p:nvPr>
+            <p:ph type="title"/>
+          </p:nvPr>
+        </p:nvSpPr>
+        <p:spPr/>
+        <p:txBody>
+          <a:bodyPr/>
+          <a:lstStyle/>
+          <a:p>
+            <a:r>
+              <a:rPr lang="en-US" dirty="0"/>
+              <a:t>Cell Ranger Outputs</a:t>
+            </a:r>
+          </a:p>
+        </p:txBody>
+      </p:sp>
+      <p:sp>
+        <p:nvSpPr>
+          <p:cNvPr id="4" name="TextBox 3">
+            <a:extLst>
+              <a:ext uri="{FF2B5EF4-FFF2-40B4-BE49-F238E27FC236}">
+                <a16:creationId xmlns:a16="http://schemas.microsoft.com/office/drawing/2014/main" id="{8A944DA1-6D08-3FF6-C5AB-0FB6468FE05C}"/>
+              </a:ext>
+            </a:extLst>
+          </p:cNvPr>
+          <p:cNvSpPr txBox="1"/>
+          <p:nvPr/>
+        </p:nvSpPr>
+        <p:spPr>
+          <a:xfrm>
+            <a:off x="313113" y="3951772"/>
+            <a:ext cx="7569015" cy="2585323"/>
+          </a:xfrm>
+          <a:prstGeom prst="rect">
+            <a:avLst/>
+          </a:prstGeom>
+          <a:noFill/>
+        </p:spPr>
+        <p:txBody>
+          <a:bodyPr wrap="square">
+            <a:spAutoFit/>
+          </a:bodyPr>
+          <a:lstStyle/>
+          <a:p>
+            <a:r>
+              <a:rPr lang="en-US" b="1" dirty="0">
+                <a:solidFill>
+                  <a:srgbClr val="333333"/>
+                </a:solidFill>
+                <a:latin typeface="Open Sans" panose="020B0606030504020204" pitchFamily="34" charset="0"/>
+              </a:rPr>
+              <a:t>Filtered featured-barcode matrix (raw counts): </a:t>
+            </a:r>
+            <a:r>
+              <a:rPr lang="en-US" b="0" i="0" dirty="0">
+                <a:solidFill>
+                  <a:srgbClr val="333333"/>
+                </a:solidFill>
+                <a:effectLst/>
+                <a:latin typeface="Open Sans" panose="020B0606030504020204" pitchFamily="34" charset="0"/>
+              </a:rPr>
+              <a:t>The filtered gene-barcode matrix excludes barcodes that correspond to this background noise.  This can be visualized in the barcode vs UMI count rank plot in the web summary file. In the example plot below, UMI counts are on the y-axis ranging from 0 to 10,000 in log scale. Barcodes are on the x-axis, ranked from 0 to 1,000,000 also in log scale. Cell-associated barcodes as determined by the cell-calling heuristic are in blue while background barcodes are in gray.</a:t>
+            </a:r>
+          </a:p>
+          <a:p>
+            <a:endParaRPr lang="en-US" b="0" i="0" dirty="0">
+              <a:solidFill>
+                <a:srgbClr val="333333"/>
+              </a:solidFill>
+              <a:effectLst/>
+              <a:latin typeface="Open Sans" panose="020B0606030504020204" pitchFamily="34" charset="0"/>
+            </a:endParaRPr>
+          </a:p>
+        </p:txBody>
+      </p:sp>
+      <p:sp>
+        <p:nvSpPr>
+          <p:cNvPr id="5" name="TextBox 4">
+            <a:extLst>
+              <a:ext uri="{FF2B5EF4-FFF2-40B4-BE49-F238E27FC236}">
+                <a16:creationId xmlns:a16="http://schemas.microsoft.com/office/drawing/2014/main" id="{F3FE42F2-61AC-9A02-9515-73C164484964}"/>
+              </a:ext>
+            </a:extLst>
+          </p:cNvPr>
+          <p:cNvSpPr txBox="1"/>
+          <p:nvPr/>
+        </p:nvSpPr>
+        <p:spPr>
+          <a:xfrm>
+            <a:off x="313112" y="2472938"/>
+            <a:ext cx="11702103" cy="1200329"/>
+          </a:xfrm>
+          <a:prstGeom prst="rect">
+            <a:avLst/>
+          </a:prstGeom>
+          <a:noFill/>
+        </p:spPr>
+        <p:txBody>
+          <a:bodyPr wrap="square">
+            <a:spAutoFit/>
+          </a:bodyPr>
+          <a:lstStyle/>
+          <a:p>
+            <a:r>
+              <a:rPr lang="en-US" b="1" dirty="0">
+                <a:solidFill>
+                  <a:srgbClr val="333333"/>
+                </a:solidFill>
+                <a:latin typeface="Open Sans" panose="020B0606030504020204" pitchFamily="34" charset="0"/>
+              </a:rPr>
+              <a:t>Filtered featured-barcode matrix (raw counts): </a:t>
+            </a:r>
+            <a:r>
+              <a:rPr lang="en-US" dirty="0">
+                <a:solidFill>
+                  <a:srgbClr val="333333"/>
+                </a:solidFill>
+                <a:latin typeface="Open Sans" panose="020B0606030504020204" pitchFamily="34" charset="0"/>
+              </a:rPr>
+              <a:t> raw gene-barcode matrix includes all valid barcodes from GEMs (Gel Bead-In </a:t>
+            </a:r>
+            <a:r>
+              <a:rPr lang="en-US" dirty="0" err="1">
+                <a:solidFill>
+                  <a:srgbClr val="333333"/>
+                </a:solidFill>
+                <a:latin typeface="Open Sans" panose="020B0606030504020204" pitchFamily="34" charset="0"/>
+              </a:rPr>
+              <a:t>EMulsions</a:t>
+            </a:r>
+            <a:r>
+              <a:rPr lang="en-US" dirty="0">
+                <a:solidFill>
+                  <a:srgbClr val="333333"/>
+                </a:solidFill>
+                <a:latin typeface="Open Sans" panose="020B0606030504020204" pitchFamily="34" charset="0"/>
+              </a:rPr>
+              <a:t>) captured in the data. However, because most GEMs do not actually contain cells, it follows that most barcodes in the data do not correspond to cells, but rather background noise (e.g. GEMs with free-floating mRNA from lysed or dead cells).</a:t>
+            </a:r>
+          </a:p>
+        </p:txBody>
+      </p:sp>
+      <p:graphicFrame>
+        <p:nvGraphicFramePr>
+          <p:cNvPr id="17" name="Object 16">
+            <a:extLst>
+              <a:ext uri="{FF2B5EF4-FFF2-40B4-BE49-F238E27FC236}">
+                <a16:creationId xmlns:a16="http://schemas.microsoft.com/office/drawing/2014/main" id="{D29FF9F2-614C-6047-F4C6-675E955AE997}"/>
+              </a:ext>
+            </a:extLst>
+          </p:cNvPr>
+          <p:cNvGraphicFramePr>
+            <a:graphicFrameLocks noChangeAspect="1"/>
+          </p:cNvGraphicFramePr>
+          <p:nvPr>
+            <p:extLst>
+              <p:ext uri="{D42A27DB-BD31-4B8C-83A1-F6EECF244321}">
+                <p14:modId xmlns:p14="http://schemas.microsoft.com/office/powerpoint/2010/main" val="1060248165"/>
+              </p:ext>
+            </p:extLst>
+          </p:nvPr>
+        </p:nvGraphicFramePr>
+        <p:xfrm>
+          <a:off x="2163508" y="815126"/>
+          <a:ext cx="1628775" cy="1152525"/>
+        </p:xfrm>
+        <a:graphic>
+          <a:graphicData uri="http://schemas.openxmlformats.org/presentationml/2006/ole">
+            <mc:AlternateContent xmlns:mc="http://schemas.openxmlformats.org/markup-compatibility/2006">
+              <mc:Choice xmlns:v="urn:schemas-microsoft-com:vml" Requires="v">
+                <p:oleObj name="Worksheet" r:id="rId2" imgW="1628916" imgH="1152422" progId="Excel.Sheet.12">
+                  <p:embed/>
+                </p:oleObj>
+              </mc:Choice>
+              <mc:Fallback>
+                <p:oleObj name="Worksheet" r:id="rId2" imgW="1628916" imgH="1152422" progId="Excel.Sheet.12">
+                  <p:embed/>
+                  <p:pic>
+                    <p:nvPicPr>
+                      <p:cNvPr id="0" name=""/>
+                      <p:cNvPicPr/>
+                      <p:nvPr/>
+                    </p:nvPicPr>
+                    <p:blipFill>
+                      <a:blip r:embed="rId3"/>
+                      <a:stretch>
+                        <a:fillRect/>
+                      </a:stretch>
+                    </p:blipFill>
+                    <p:spPr>
+                      <a:xfrm>
+                        <a:off x="2163508" y="815126"/>
+                        <a:ext cx="1628775" cy="1152525"/>
+                      </a:xfrm>
+                      <a:prstGeom prst="rect">
+                        <a:avLst/>
+                      </a:prstGeom>
+                    </p:spPr>
+                  </p:pic>
+                </p:oleObj>
+              </mc:Fallback>
+            </mc:AlternateContent>
+          </a:graphicData>
+        </a:graphic>
+      </p:graphicFrame>
+      <p:graphicFrame>
+        <p:nvGraphicFramePr>
+          <p:cNvPr id="18" name="Object 17">
+            <a:extLst>
+              <a:ext uri="{FF2B5EF4-FFF2-40B4-BE49-F238E27FC236}">
+                <a16:creationId xmlns:a16="http://schemas.microsoft.com/office/drawing/2014/main" id="{DDF21040-03C8-1C19-FA17-ACADAE1DBDF9}"/>
+              </a:ext>
+            </a:extLst>
+          </p:cNvPr>
+          <p:cNvGraphicFramePr>
+            <a:graphicFrameLocks noChangeAspect="1"/>
+          </p:cNvGraphicFramePr>
+          <p:nvPr>
+            <p:extLst>
+              <p:ext uri="{D42A27DB-BD31-4B8C-83A1-F6EECF244321}">
+                <p14:modId xmlns:p14="http://schemas.microsoft.com/office/powerpoint/2010/main" val="4156918528"/>
+              </p:ext>
+            </p:extLst>
+          </p:nvPr>
+        </p:nvGraphicFramePr>
+        <p:xfrm>
+          <a:off x="5511700" y="815126"/>
+          <a:ext cx="1304925" cy="1152525"/>
+        </p:xfrm>
+        <a:graphic>
+          <a:graphicData uri="http://schemas.openxmlformats.org/presentationml/2006/ole">
+            <mc:AlternateContent xmlns:mc="http://schemas.openxmlformats.org/markup-compatibility/2006">
+              <mc:Choice xmlns:v="urn:schemas-microsoft-com:vml" Requires="v">
+                <p:oleObj name="Worksheet" r:id="rId4" imgW="1304798" imgH="1152422" progId="Excel.Sheet.12">
+                  <p:embed/>
+                </p:oleObj>
+              </mc:Choice>
+              <mc:Fallback>
+                <p:oleObj name="Worksheet" r:id="rId4" imgW="1304798" imgH="1152422" progId="Excel.Sheet.12">
+                  <p:embed/>
+                  <p:pic>
+                    <p:nvPicPr>
+                      <p:cNvPr id="0" name=""/>
+                      <p:cNvPicPr/>
+                      <p:nvPr/>
+                    </p:nvPicPr>
+                    <p:blipFill>
+                      <a:blip r:embed="rId5"/>
+                      <a:stretch>
+                        <a:fillRect/>
+                      </a:stretch>
+                    </p:blipFill>
+                    <p:spPr>
+                      <a:xfrm>
+                        <a:off x="5511700" y="815126"/>
+                        <a:ext cx="1304925" cy="1152525"/>
+                      </a:xfrm>
+                      <a:prstGeom prst="rect">
+                        <a:avLst/>
+                      </a:prstGeom>
+                    </p:spPr>
+                  </p:pic>
+                </p:oleObj>
+              </mc:Fallback>
+            </mc:AlternateContent>
+          </a:graphicData>
+        </a:graphic>
+      </p:graphicFrame>
+      <p:graphicFrame>
+        <p:nvGraphicFramePr>
+          <p:cNvPr id="19" name="Object 18">
+            <a:extLst>
+              <a:ext uri="{FF2B5EF4-FFF2-40B4-BE49-F238E27FC236}">
+                <a16:creationId xmlns:a16="http://schemas.microsoft.com/office/drawing/2014/main" id="{15D0CC02-A8AB-73AC-DFC7-B60199F9E40E}"/>
+              </a:ext>
+            </a:extLst>
+          </p:cNvPr>
+          <p:cNvGraphicFramePr>
+            <a:graphicFrameLocks noChangeAspect="1"/>
+          </p:cNvGraphicFramePr>
+          <p:nvPr>
+            <p:extLst>
+              <p:ext uri="{D42A27DB-BD31-4B8C-83A1-F6EECF244321}">
+                <p14:modId xmlns:p14="http://schemas.microsoft.com/office/powerpoint/2010/main" val="45542800"/>
+              </p:ext>
+            </p:extLst>
+          </p:nvPr>
+        </p:nvGraphicFramePr>
+        <p:xfrm>
+          <a:off x="8536042" y="815126"/>
+          <a:ext cx="1304925" cy="1152525"/>
+        </p:xfrm>
+        <a:graphic>
+          <a:graphicData uri="http://schemas.openxmlformats.org/presentationml/2006/ole">
+            <mc:AlternateContent xmlns:mc="http://schemas.openxmlformats.org/markup-compatibility/2006">
+              <mc:Choice xmlns:v="urn:schemas-microsoft-com:vml" Requires="v">
+                <p:oleObj name="Worksheet" r:id="rId6" imgW="1304798" imgH="1152422" progId="Excel.Sheet.12">
+                  <p:embed/>
+                </p:oleObj>
+              </mc:Choice>
+              <mc:Fallback>
+                <p:oleObj name="Worksheet" r:id="rId6" imgW="1304798" imgH="1152422" progId="Excel.Sheet.12">
+                  <p:embed/>
+                  <p:pic>
+                    <p:nvPicPr>
+                      <p:cNvPr id="0" name=""/>
+                      <p:cNvPicPr/>
+                      <p:nvPr/>
+                    </p:nvPicPr>
+                    <p:blipFill>
+                      <a:blip r:embed="rId7"/>
+                      <a:stretch>
+                        <a:fillRect/>
+                      </a:stretch>
+                    </p:blipFill>
+                    <p:spPr>
+                      <a:xfrm>
+                        <a:off x="8536042" y="815126"/>
+                        <a:ext cx="1304925" cy="1152525"/>
+                      </a:xfrm>
+                      <a:prstGeom prst="rect">
+                        <a:avLst/>
+                      </a:prstGeom>
+                    </p:spPr>
+                  </p:pic>
+                </p:oleObj>
+              </mc:Fallback>
+            </mc:AlternateContent>
+          </a:graphicData>
+        </a:graphic>
+      </p:graphicFrame>
+      <p:pic>
+        <p:nvPicPr>
+          <p:cNvPr id="1026" name="Picture 2">
+            <a:extLst>
+              <a:ext uri="{FF2B5EF4-FFF2-40B4-BE49-F238E27FC236}">
+                <a16:creationId xmlns:a16="http://schemas.microsoft.com/office/drawing/2014/main" id="{68D88CA2-919B-71FD-2CFF-783064A2D02B}"/>
+              </a:ext>
+            </a:extLst>
+          </p:cNvPr>
+          <p:cNvPicPr>
+            <a:picLocks noChangeAspect="1" noChangeArrowheads="1"/>
+          </p:cNvPicPr>
+          <p:nvPr/>
+        </p:nvPicPr>
+        <p:blipFill>
+          <a:blip r:embed="rId8">
+            <a:extLst>
+              <a:ext uri="{28A0092B-C50C-407E-A947-70E740481C1C}">
+                <a14:useLocalDpi xmlns:a14="http://schemas.microsoft.com/office/drawing/2010/main" val="0"/>
+              </a:ext>
+            </a:extLst>
+          </a:blip>
+          <a:srcRect/>
+          <a:stretch>
+            <a:fillRect/>
+          </a:stretch>
+        </p:blipFill>
+        <p:spPr bwMode="auto">
+          <a:xfrm>
+            <a:off x="8387906" y="3673267"/>
+            <a:ext cx="3212973" cy="2394574"/>
+          </a:xfrm>
+          <a:prstGeom prst="rect">
+            <a:avLst/>
+          </a:prstGeom>
+          <a:noFill/>
+          <a:extLst>
+            <a:ext uri="{909E8E84-426E-40DD-AFC4-6F175D3DCCD1}">
+              <a14:hiddenFill xmlns:a14="http://schemas.microsoft.com/office/drawing/2010/main">
+                <a:solidFill>
+                  <a:srgbClr val="FFFFFF"/>
+                </a:solidFill>
+              </a14:hiddenFill>
+            </a:ext>
+          </a:extLst>
+        </p:spPr>
+      </p:pic>
+      <p:sp>
+        <p:nvSpPr>
+          <p:cNvPr id="20" name="TextBox 19">
+            <a:extLst>
+              <a:ext uri="{FF2B5EF4-FFF2-40B4-BE49-F238E27FC236}">
+                <a16:creationId xmlns:a16="http://schemas.microsoft.com/office/drawing/2014/main" id="{92AC6D1C-A5A1-B04E-9C3E-6E0471AD9ECF}"/>
+              </a:ext>
+            </a:extLst>
+          </p:cNvPr>
+          <p:cNvSpPr txBox="1"/>
+          <p:nvPr/>
+        </p:nvSpPr>
+        <p:spPr>
+          <a:xfrm>
+            <a:off x="2369909" y="1975203"/>
+            <a:ext cx="1215974" cy="369332"/>
+          </a:xfrm>
+          <a:prstGeom prst="rect">
+            <a:avLst/>
+          </a:prstGeom>
+          <a:noFill/>
+        </p:spPr>
+        <p:txBody>
+          <a:bodyPr wrap="none" rtlCol="0">
+            <a:spAutoFit/>
+          </a:bodyPr>
+          <a:lstStyle/>
+          <a:p>
+            <a:r>
+              <a:rPr lang="en-US" dirty="0" err="1"/>
+              <a:t>matrix.mtx</a:t>
+            </a:r>
+            <a:endParaRPr lang="en-US" dirty="0"/>
+          </a:p>
+        </p:txBody>
+      </p:sp>
+      <p:sp>
+        <p:nvSpPr>
+          <p:cNvPr id="21" name="TextBox 20">
+            <a:extLst>
+              <a:ext uri="{FF2B5EF4-FFF2-40B4-BE49-F238E27FC236}">
+                <a16:creationId xmlns:a16="http://schemas.microsoft.com/office/drawing/2014/main" id="{585094A4-A547-0160-2570-5846117EA3B9}"/>
+              </a:ext>
+            </a:extLst>
+          </p:cNvPr>
+          <p:cNvSpPr txBox="1"/>
+          <p:nvPr/>
+        </p:nvSpPr>
+        <p:spPr>
+          <a:xfrm>
+            <a:off x="8635622" y="1975203"/>
+            <a:ext cx="1358770" cy="369332"/>
+          </a:xfrm>
+          <a:prstGeom prst="rect">
+            <a:avLst/>
+          </a:prstGeom>
+          <a:noFill/>
+        </p:spPr>
+        <p:txBody>
+          <a:bodyPr wrap="none" rtlCol="0">
+            <a:spAutoFit/>
+          </a:bodyPr>
+          <a:lstStyle/>
+          <a:p>
+            <a:r>
+              <a:rPr lang="en-US" dirty="0" err="1"/>
+              <a:t>barcodes.tsv</a:t>
+            </a:r>
+            <a:endParaRPr lang="en-US" dirty="0"/>
+          </a:p>
+        </p:txBody>
+      </p:sp>
+      <p:sp>
+        <p:nvSpPr>
+          <p:cNvPr id="22" name="TextBox 21">
+            <a:extLst>
+              <a:ext uri="{FF2B5EF4-FFF2-40B4-BE49-F238E27FC236}">
+                <a16:creationId xmlns:a16="http://schemas.microsoft.com/office/drawing/2014/main" id="{F2A1BB9A-514E-41D2-6E35-44836821B5A0}"/>
+              </a:ext>
+            </a:extLst>
+          </p:cNvPr>
+          <p:cNvSpPr txBox="1"/>
+          <p:nvPr/>
+        </p:nvSpPr>
+        <p:spPr>
+          <a:xfrm>
+            <a:off x="5628554" y="1975203"/>
+            <a:ext cx="1312282" cy="369332"/>
+          </a:xfrm>
+          <a:prstGeom prst="rect">
+            <a:avLst/>
+          </a:prstGeom>
+          <a:noFill/>
+        </p:spPr>
+        <p:txBody>
+          <a:bodyPr wrap="none" rtlCol="0">
+            <a:spAutoFit/>
+          </a:bodyPr>
+          <a:lstStyle/>
+          <a:p>
+            <a:r>
+              <a:rPr lang="en-US" dirty="0" err="1"/>
+              <a:t>features.tsv</a:t>
+            </a:r>
+            <a:endParaRPr lang="en-US" dirty="0"/>
+          </a:p>
+        </p:txBody>
+      </p:sp>
+    </p:spTree>
+    <p:extLst>
+      <p:ext uri="{BB962C8B-B14F-4D97-AF65-F5344CB8AC3E}">
+        <p14:creationId xmlns:p14="http://schemas.microsoft.com/office/powerpoint/2010/main" val="4107902956"/>
+      </p:ext>
+    </p:extLst>
+  </p:cSld>
+  <p:clrMapOvr>
+    <a:masterClrMapping/>
+  </p:clrMapOvr>
+</p:sld>
+</file>
+
+<file path=ppt/slides/slide11.xml><?xml version="1.0" encoding="utf-8"?>
+<p:sld xmlns:a="http://schemas.openxmlformats.org/drawingml/2006/main" xmlns:r="http://schemas.openxmlformats.org/officeDocument/2006/relationships" xmlns:p="http://schemas.openxmlformats.org/presentationml/2006/main">
+  <p:cSld>
+    <p:spTree>
+      <p:nvGrpSpPr>
+        <p:cNvPr id="1" name=""/>
+        <p:cNvGrpSpPr/>
+        <p:nvPr/>
+      </p:nvGrpSpPr>
+      <p:grpSpPr>
+        <a:xfrm>
+          <a:off x="0" y="0"/>
+          <a:ext cx="0" cy="0"/>
+          <a:chOff x="0" y="0"/>
+          <a:chExt cx="0" cy="0"/>
+        </a:xfrm>
+      </p:grpSpPr>
+      <p:sp>
+        <p:nvSpPr>
+          <p:cNvPr id="2" name="Title 1">
+            <a:extLst>
+              <a:ext uri="{FF2B5EF4-FFF2-40B4-BE49-F238E27FC236}">
                 <a16:creationId xmlns:a16="http://schemas.microsoft.com/office/drawing/2014/main" id="{15FF008D-6109-C04B-2DD5-F18725394719}"/>
               </a:ext>
             </a:extLst>
@@ -2638,7 +3168,7 @@
         </p:nvSpPr>
         <p:spPr>
           <a:xfrm>
-            <a:off x="508959" y="1630392"/>
+            <a:off x="582111" y="1584672"/>
             <a:ext cx="4910511" cy="646331"/>
           </a:xfrm>
           <a:prstGeom prst="rect">
@@ -2669,6 +3199,545 @@
     <p:extLst>
       <p:ext uri="{BB962C8B-B14F-4D97-AF65-F5344CB8AC3E}">
         <p14:creationId xmlns:p14="http://schemas.microsoft.com/office/powerpoint/2010/main" val="3966724803"/>
+      </p:ext>
+    </p:extLst>
+  </p:cSld>
+  <p:clrMapOvr>
+    <a:masterClrMapping/>
+  </p:clrMapOvr>
+</p:sld>
+</file>
+
+<file path=ppt/slides/slide12.xml><?xml version="1.0" encoding="utf-8"?>
+<p:sld xmlns:a="http://schemas.openxmlformats.org/drawingml/2006/main" xmlns:r="http://schemas.openxmlformats.org/officeDocument/2006/relationships" xmlns:p="http://schemas.openxmlformats.org/presentationml/2006/main">
+  <p:cSld>
+    <p:spTree>
+      <p:nvGrpSpPr>
+        <p:cNvPr id="1" name=""/>
+        <p:cNvGrpSpPr/>
+        <p:nvPr/>
+      </p:nvGrpSpPr>
+      <p:grpSpPr>
+        <a:xfrm>
+          <a:off x="0" y="0"/>
+          <a:ext cx="0" cy="0"/>
+          <a:chOff x="0" y="0"/>
+          <a:chExt cx="0" cy="0"/>
+        </a:xfrm>
+      </p:grpSpPr>
+      <p:sp>
+        <p:nvSpPr>
+          <p:cNvPr id="2" name="Title 1">
+            <a:extLst>
+              <a:ext uri="{FF2B5EF4-FFF2-40B4-BE49-F238E27FC236}">
+                <a16:creationId xmlns:a16="http://schemas.microsoft.com/office/drawing/2014/main" id="{CEA20D29-3C38-470F-62C7-3AA0AE013071}"/>
+              </a:ext>
+            </a:extLst>
+          </p:cNvPr>
+          <p:cNvSpPr>
+            <a:spLocks noGrp="1"/>
+          </p:cNvSpPr>
+          <p:nvPr>
+            <p:ph type="title"/>
+          </p:nvPr>
+        </p:nvSpPr>
+        <p:spPr/>
+        <p:txBody>
+          <a:bodyPr/>
+          <a:lstStyle/>
+          <a:p>
+            <a:r>
+              <a:rPr lang="en-US" dirty="0"/>
+              <a:t>Questions?</a:t>
+            </a:r>
+          </a:p>
+        </p:txBody>
+      </p:sp>
+      <p:pic>
+        <p:nvPicPr>
+          <p:cNvPr id="2050" name="Picture 2" descr="alignment">
+            <a:extLst>
+              <a:ext uri="{FF2B5EF4-FFF2-40B4-BE49-F238E27FC236}">
+                <a16:creationId xmlns:a16="http://schemas.microsoft.com/office/drawing/2014/main" id="{6AF197FA-E6F4-CF2B-A5F0-D8816EAA7B0F}"/>
+              </a:ext>
+            </a:extLst>
+          </p:cNvPr>
+          <p:cNvPicPr>
+            <a:picLocks noChangeAspect="1" noChangeArrowheads="1"/>
+          </p:cNvPicPr>
+          <p:nvPr/>
+        </p:nvPicPr>
+        <p:blipFill>
+          <a:blip r:embed="rId2">
+            <a:extLst>
+              <a:ext uri="{28A0092B-C50C-407E-A947-70E740481C1C}">
+                <a14:useLocalDpi xmlns:a14="http://schemas.microsoft.com/office/drawing/2010/main" val="0"/>
+              </a:ext>
+            </a:extLst>
+          </a:blip>
+          <a:srcRect/>
+          <a:stretch>
+            <a:fillRect/>
+          </a:stretch>
+        </p:blipFill>
+        <p:spPr bwMode="auto">
+          <a:xfrm>
+            <a:off x="5657861" y="1239472"/>
+            <a:ext cx="4576127" cy="4777397"/>
+          </a:xfrm>
+          <a:prstGeom prst="rect">
+            <a:avLst/>
+          </a:prstGeom>
+          <a:noFill/>
+          <a:extLst>
+            <a:ext uri="{909E8E84-426E-40DD-AFC4-6F175D3DCCD1}">
+              <a14:hiddenFill xmlns:a14="http://schemas.microsoft.com/office/drawing/2010/main">
+                <a:solidFill>
+                  <a:srgbClr val="FFFFFF"/>
+                </a:solidFill>
+              </a14:hiddenFill>
+            </a:ext>
+          </a:extLst>
+        </p:spPr>
+      </p:pic>
+      <p:sp>
+        <p:nvSpPr>
+          <p:cNvPr id="16" name="TextBox 15">
+            <a:extLst>
+              <a:ext uri="{FF2B5EF4-FFF2-40B4-BE49-F238E27FC236}">
+                <a16:creationId xmlns:a16="http://schemas.microsoft.com/office/drawing/2014/main" id="{AD134E92-C1A8-93E2-13AF-B572ECA26923}"/>
+              </a:ext>
+            </a:extLst>
+          </p:cNvPr>
+          <p:cNvSpPr txBox="1"/>
+          <p:nvPr/>
+        </p:nvSpPr>
+        <p:spPr>
+          <a:xfrm>
+            <a:off x="5054600" y="6627168"/>
+            <a:ext cx="4931230" cy="230832"/>
+          </a:xfrm>
+          <a:prstGeom prst="rect">
+            <a:avLst/>
+          </a:prstGeom>
+          <a:noFill/>
+        </p:spPr>
+        <p:txBody>
+          <a:bodyPr wrap="square">
+            <a:spAutoFit/>
+          </a:bodyPr>
+          <a:lstStyle/>
+          <a:p>
+            <a:pPr algn="r"/>
+            <a:r>
+              <a:rPr lang="en-US" sz="900" i="1" dirty="0">
+                <a:solidFill>
+                  <a:schemeClr val="bg1">
+                    <a:lumMod val="50000"/>
+                  </a:schemeClr>
+                </a:solidFill>
+              </a:rPr>
+              <a:t>https://bioinformatics.ccr.cancer.gov/docs/b4b/RNASeq_Overview/05.Alignment/</a:t>
+            </a:r>
+          </a:p>
+        </p:txBody>
+      </p:sp>
+      <p:grpSp>
+        <p:nvGrpSpPr>
+          <p:cNvPr id="3" name="Group 2">
+            <a:extLst>
+              <a:ext uri="{FF2B5EF4-FFF2-40B4-BE49-F238E27FC236}">
+                <a16:creationId xmlns:a16="http://schemas.microsoft.com/office/drawing/2014/main" id="{F2E1EB2F-5A45-AB2A-7C40-AAB0D6D1E73A}"/>
+              </a:ext>
+            </a:extLst>
+          </p:cNvPr>
+          <p:cNvGrpSpPr/>
+          <p:nvPr/>
+        </p:nvGrpSpPr>
+        <p:grpSpPr>
+          <a:xfrm>
+            <a:off x="0" y="751457"/>
+            <a:ext cx="3310759" cy="6004152"/>
+            <a:chOff x="0" y="751457"/>
+            <a:chExt cx="3310759" cy="6004152"/>
+          </a:xfrm>
+        </p:grpSpPr>
+        <p:pic>
+          <p:nvPicPr>
+            <p:cNvPr id="4" name="Picture 2">
+              <a:extLst>
+                <a:ext uri="{FF2B5EF4-FFF2-40B4-BE49-F238E27FC236}">
+                  <a16:creationId xmlns:a16="http://schemas.microsoft.com/office/drawing/2014/main" id="{686383F5-86D5-FDD8-E5E6-EA49CA275EA0}"/>
+                </a:ext>
+              </a:extLst>
+            </p:cNvPr>
+            <p:cNvPicPr>
+              <a:picLocks noChangeAspect="1" noChangeArrowheads="1"/>
+            </p:cNvPicPr>
+            <p:nvPr/>
+          </p:nvPicPr>
+          <p:blipFill>
+            <a:blip r:embed="rId3">
+              <a:extLst>
+                <a:ext uri="{28A0092B-C50C-407E-A947-70E740481C1C}">
+                  <a14:useLocalDpi xmlns:a14="http://schemas.microsoft.com/office/drawing/2010/main" val="0"/>
+                </a:ext>
+              </a:extLst>
+            </a:blip>
+            <a:srcRect/>
+            <a:stretch>
+              <a:fillRect/>
+            </a:stretch>
+          </p:blipFill>
+          <p:spPr bwMode="auto">
+            <a:xfrm>
+              <a:off x="0" y="753732"/>
+              <a:ext cx="3310759" cy="5986807"/>
+            </a:xfrm>
+            <a:prstGeom prst="rect">
+              <a:avLst/>
+            </a:prstGeom>
+            <a:noFill/>
+            <a:extLst>
+              <a:ext uri="{909E8E84-426E-40DD-AFC4-6F175D3DCCD1}">
+                <a14:hiddenFill xmlns:a14="http://schemas.microsoft.com/office/drawing/2010/main">
+                  <a:solidFill>
+                    <a:srgbClr val="FFFFFF"/>
+                  </a:solidFill>
+                </a14:hiddenFill>
+              </a:ext>
+            </a:extLst>
+          </p:spPr>
+        </p:pic>
+        <p:sp>
+          <p:nvSpPr>
+            <p:cNvPr id="5" name="TextBox 4">
+              <a:extLst>
+                <a:ext uri="{FF2B5EF4-FFF2-40B4-BE49-F238E27FC236}">
+                  <a16:creationId xmlns:a16="http://schemas.microsoft.com/office/drawing/2014/main" id="{AA6D4DE0-BC9D-B966-DAC3-EB1BF62F86B3}"/>
+                </a:ext>
+              </a:extLst>
+            </p:cNvPr>
+            <p:cNvSpPr txBox="1"/>
+            <p:nvPr/>
+          </p:nvSpPr>
+          <p:spPr>
+            <a:xfrm>
+              <a:off x="551748" y="751457"/>
+              <a:ext cx="276038" cy="307777"/>
+            </a:xfrm>
+            <a:prstGeom prst="rect">
+              <a:avLst/>
+            </a:prstGeom>
+            <a:noFill/>
+          </p:spPr>
+          <p:txBody>
+            <a:bodyPr wrap="none" rtlCol="0">
+              <a:spAutoFit/>
+            </a:bodyPr>
+            <a:lstStyle/>
+            <a:p>
+              <a:pPr algn="ctr"/>
+              <a:r>
+                <a:rPr lang="en-US" sz="1400" b="1" dirty="0"/>
+                <a:t>1</a:t>
+              </a:r>
+            </a:p>
+          </p:txBody>
+        </p:sp>
+        <p:sp>
+          <p:nvSpPr>
+            <p:cNvPr id="6" name="TextBox 5">
+              <a:extLst>
+                <a:ext uri="{FF2B5EF4-FFF2-40B4-BE49-F238E27FC236}">
+                  <a16:creationId xmlns:a16="http://schemas.microsoft.com/office/drawing/2014/main" id="{E09A182C-B150-92EC-0A46-95D27CC9105D}"/>
+                </a:ext>
+              </a:extLst>
+            </p:cNvPr>
+            <p:cNvSpPr txBox="1"/>
+            <p:nvPr/>
+          </p:nvSpPr>
+          <p:spPr>
+            <a:xfrm>
+              <a:off x="551748" y="1368273"/>
+              <a:ext cx="276038" cy="307777"/>
+            </a:xfrm>
+            <a:prstGeom prst="rect">
+              <a:avLst/>
+            </a:prstGeom>
+            <a:noFill/>
+          </p:spPr>
+          <p:txBody>
+            <a:bodyPr wrap="none" rtlCol="0">
+              <a:spAutoFit/>
+            </a:bodyPr>
+            <a:lstStyle/>
+            <a:p>
+              <a:pPr algn="ctr"/>
+              <a:r>
+                <a:rPr lang="en-US" sz="1400" b="1" dirty="0"/>
+                <a:t>2</a:t>
+              </a:r>
+            </a:p>
+          </p:txBody>
+        </p:sp>
+        <p:sp>
+          <p:nvSpPr>
+            <p:cNvPr id="7" name="TextBox 6">
+              <a:extLst>
+                <a:ext uri="{FF2B5EF4-FFF2-40B4-BE49-F238E27FC236}">
+                  <a16:creationId xmlns:a16="http://schemas.microsoft.com/office/drawing/2014/main" id="{79B1BB0A-4F66-DEC4-F2AE-ABD79FFA0294}"/>
+                </a:ext>
+              </a:extLst>
+            </p:cNvPr>
+            <p:cNvSpPr txBox="1"/>
+            <p:nvPr/>
+          </p:nvSpPr>
+          <p:spPr>
+            <a:xfrm>
+              <a:off x="551748" y="2147938"/>
+              <a:ext cx="276038" cy="307777"/>
+            </a:xfrm>
+            <a:prstGeom prst="rect">
+              <a:avLst/>
+            </a:prstGeom>
+            <a:noFill/>
+          </p:spPr>
+          <p:txBody>
+            <a:bodyPr wrap="none" rtlCol="0">
+              <a:spAutoFit/>
+            </a:bodyPr>
+            <a:lstStyle/>
+            <a:p>
+              <a:pPr algn="ctr"/>
+              <a:r>
+                <a:rPr lang="en-US" sz="1400" b="1" dirty="0"/>
+                <a:t>3</a:t>
+              </a:r>
+            </a:p>
+          </p:txBody>
+        </p:sp>
+        <p:sp>
+          <p:nvSpPr>
+            <p:cNvPr id="8" name="TextBox 7">
+              <a:extLst>
+                <a:ext uri="{FF2B5EF4-FFF2-40B4-BE49-F238E27FC236}">
+                  <a16:creationId xmlns:a16="http://schemas.microsoft.com/office/drawing/2014/main" id="{5D1D0023-7BEE-57CE-B742-4B58D21E8DF8}"/>
+                </a:ext>
+              </a:extLst>
+            </p:cNvPr>
+            <p:cNvSpPr txBox="1"/>
+            <p:nvPr/>
+          </p:nvSpPr>
+          <p:spPr>
+            <a:xfrm>
+              <a:off x="551748" y="2916109"/>
+              <a:ext cx="276038" cy="307777"/>
+            </a:xfrm>
+            <a:prstGeom prst="rect">
+              <a:avLst/>
+            </a:prstGeom>
+            <a:noFill/>
+          </p:spPr>
+          <p:txBody>
+            <a:bodyPr wrap="none" rtlCol="0">
+              <a:spAutoFit/>
+            </a:bodyPr>
+            <a:lstStyle/>
+            <a:p>
+              <a:pPr algn="ctr"/>
+              <a:r>
+                <a:rPr lang="en-US" sz="1400" b="1" dirty="0"/>
+                <a:t>4</a:t>
+              </a:r>
+            </a:p>
+          </p:txBody>
+        </p:sp>
+        <p:sp>
+          <p:nvSpPr>
+            <p:cNvPr id="9" name="TextBox 8">
+              <a:extLst>
+                <a:ext uri="{FF2B5EF4-FFF2-40B4-BE49-F238E27FC236}">
+                  <a16:creationId xmlns:a16="http://schemas.microsoft.com/office/drawing/2014/main" id="{EC36A76C-889F-81F9-ACE4-A38783805639}"/>
+                </a:ext>
+              </a:extLst>
+            </p:cNvPr>
+            <p:cNvSpPr txBox="1"/>
+            <p:nvPr/>
+          </p:nvSpPr>
+          <p:spPr>
+            <a:xfrm>
+              <a:off x="551748" y="3694162"/>
+              <a:ext cx="276038" cy="307777"/>
+            </a:xfrm>
+            <a:prstGeom prst="rect">
+              <a:avLst/>
+            </a:prstGeom>
+            <a:noFill/>
+          </p:spPr>
+          <p:txBody>
+            <a:bodyPr wrap="none" rtlCol="0">
+              <a:spAutoFit/>
+            </a:bodyPr>
+            <a:lstStyle/>
+            <a:p>
+              <a:pPr algn="ctr"/>
+              <a:r>
+                <a:rPr lang="en-US" sz="1400" b="1" dirty="0"/>
+                <a:t>5</a:t>
+              </a:r>
+            </a:p>
+          </p:txBody>
+        </p:sp>
+        <p:sp>
+          <p:nvSpPr>
+            <p:cNvPr id="10" name="TextBox 9">
+              <a:extLst>
+                <a:ext uri="{FF2B5EF4-FFF2-40B4-BE49-F238E27FC236}">
+                  <a16:creationId xmlns:a16="http://schemas.microsoft.com/office/drawing/2014/main" id="{2C5571DD-9A3C-7A9E-4B8A-7CDAD13DE580}"/>
+                </a:ext>
+              </a:extLst>
+            </p:cNvPr>
+            <p:cNvSpPr txBox="1"/>
+            <p:nvPr/>
+          </p:nvSpPr>
+          <p:spPr>
+            <a:xfrm>
+              <a:off x="551748" y="4472215"/>
+              <a:ext cx="276038" cy="307777"/>
+            </a:xfrm>
+            <a:prstGeom prst="rect">
+              <a:avLst/>
+            </a:prstGeom>
+            <a:noFill/>
+          </p:spPr>
+          <p:txBody>
+            <a:bodyPr wrap="none" rtlCol="0">
+              <a:spAutoFit/>
+            </a:bodyPr>
+            <a:lstStyle/>
+            <a:p>
+              <a:pPr algn="ctr"/>
+              <a:r>
+                <a:rPr lang="en-US" sz="1400" b="1" dirty="0"/>
+                <a:t>6</a:t>
+              </a:r>
+            </a:p>
+          </p:txBody>
+        </p:sp>
+        <p:sp>
+          <p:nvSpPr>
+            <p:cNvPr id="11" name="TextBox 10">
+              <a:extLst>
+                <a:ext uri="{FF2B5EF4-FFF2-40B4-BE49-F238E27FC236}">
+                  <a16:creationId xmlns:a16="http://schemas.microsoft.com/office/drawing/2014/main" id="{CB2676FD-BB95-4AF5-8833-AF3391C93AF6}"/>
+                </a:ext>
+              </a:extLst>
+            </p:cNvPr>
+            <p:cNvSpPr txBox="1"/>
+            <p:nvPr/>
+          </p:nvSpPr>
+          <p:spPr>
+            <a:xfrm>
+              <a:off x="551748" y="5109858"/>
+              <a:ext cx="276038" cy="307777"/>
+            </a:xfrm>
+            <a:prstGeom prst="rect">
+              <a:avLst/>
+            </a:prstGeom>
+            <a:noFill/>
+          </p:spPr>
+          <p:txBody>
+            <a:bodyPr wrap="none" rtlCol="0">
+              <a:spAutoFit/>
+            </a:bodyPr>
+            <a:lstStyle/>
+            <a:p>
+              <a:pPr algn="ctr"/>
+              <a:r>
+                <a:rPr lang="en-US" sz="1400" b="1" dirty="0"/>
+                <a:t>7</a:t>
+              </a:r>
+            </a:p>
+          </p:txBody>
+        </p:sp>
+        <p:sp>
+          <p:nvSpPr>
+            <p:cNvPr id="12" name="TextBox 11">
+              <a:extLst>
+                <a:ext uri="{FF2B5EF4-FFF2-40B4-BE49-F238E27FC236}">
+                  <a16:creationId xmlns:a16="http://schemas.microsoft.com/office/drawing/2014/main" id="{0A51E784-44A0-F462-2212-9DB63CB116F9}"/>
+                </a:ext>
+              </a:extLst>
+            </p:cNvPr>
+            <p:cNvSpPr txBox="1"/>
+            <p:nvPr/>
+          </p:nvSpPr>
+          <p:spPr>
+            <a:xfrm>
+              <a:off x="551748" y="5747501"/>
+              <a:ext cx="276038" cy="307777"/>
+            </a:xfrm>
+            <a:prstGeom prst="rect">
+              <a:avLst/>
+            </a:prstGeom>
+            <a:noFill/>
+          </p:spPr>
+          <p:txBody>
+            <a:bodyPr wrap="none" rtlCol="0">
+              <a:spAutoFit/>
+            </a:bodyPr>
+            <a:lstStyle/>
+            <a:p>
+              <a:pPr algn="ctr"/>
+              <a:r>
+                <a:rPr lang="en-US" sz="1400" b="1" dirty="0"/>
+                <a:t>8</a:t>
+              </a:r>
+            </a:p>
+          </p:txBody>
+        </p:sp>
+        <p:sp>
+          <p:nvSpPr>
+            <p:cNvPr id="13" name="TextBox 12">
+              <a:extLst>
+                <a:ext uri="{FF2B5EF4-FFF2-40B4-BE49-F238E27FC236}">
+                  <a16:creationId xmlns:a16="http://schemas.microsoft.com/office/drawing/2014/main" id="{1077E1AB-0A72-C4CB-C13D-02C2907DEC57}"/>
+                </a:ext>
+              </a:extLst>
+            </p:cNvPr>
+            <p:cNvSpPr txBox="1"/>
+            <p:nvPr/>
+          </p:nvSpPr>
+          <p:spPr>
+            <a:xfrm>
+              <a:off x="551748" y="6447832"/>
+              <a:ext cx="276038" cy="307777"/>
+            </a:xfrm>
+            <a:prstGeom prst="rect">
+              <a:avLst/>
+            </a:prstGeom>
+            <a:noFill/>
+          </p:spPr>
+          <p:txBody>
+            <a:bodyPr wrap="none" rtlCol="0">
+              <a:spAutoFit/>
+            </a:bodyPr>
+            <a:lstStyle/>
+            <a:p>
+              <a:pPr algn="ctr"/>
+              <a:r>
+                <a:rPr lang="en-US" sz="1400" b="1" dirty="0"/>
+                <a:t>9</a:t>
+              </a:r>
+            </a:p>
+          </p:txBody>
+        </p:sp>
+      </p:grpSp>
+    </p:spTree>
+    <p:extLst>
+      <p:ext uri="{BB962C8B-B14F-4D97-AF65-F5344CB8AC3E}">
+        <p14:creationId xmlns:p14="http://schemas.microsoft.com/office/powerpoint/2010/main" val="1249809936"/>
       </p:ext>
     </p:extLst>
   </p:cSld>
@@ -2718,7 +3787,7 @@
           <a:p>
             <a:r>
               <a:rPr lang="en-US" dirty="0"/>
-              <a:t>10X Data</a:t>
+              <a:t>Single Cell Alignment with Cell Ranger</a:t>
             </a:r>
           </a:p>
         </p:txBody>
@@ -2834,7 +3903,7 @@
         </p:blipFill>
         <p:spPr bwMode="auto">
           <a:xfrm>
-            <a:off x="2929770" y="2392096"/>
+            <a:off x="3032113" y="850960"/>
             <a:ext cx="4632385" cy="738286"/>
           </a:xfrm>
           <a:prstGeom prst="rect">
@@ -2852,6 +3921,469 @@
           </a:extLst>
         </p:spPr>
       </p:pic>
+      <p:pic>
+        <p:nvPicPr>
+          <p:cNvPr id="1026" name="Picture 2">
+            <a:extLst>
+              <a:ext uri="{FF2B5EF4-FFF2-40B4-BE49-F238E27FC236}">
+                <a16:creationId xmlns:a16="http://schemas.microsoft.com/office/drawing/2014/main" id="{54818B6E-4784-2976-DDBF-7B9810F2B0EB}"/>
+              </a:ext>
+            </a:extLst>
+          </p:cNvPr>
+          <p:cNvPicPr>
+            <a:picLocks noChangeAspect="1" noChangeArrowheads="1"/>
+          </p:cNvPicPr>
+          <p:nvPr/>
+        </p:nvPicPr>
+        <p:blipFill>
+          <a:blip r:embed="rId3">
+            <a:extLst>
+              <a:ext uri="{28A0092B-C50C-407E-A947-70E740481C1C}">
+                <a14:useLocalDpi xmlns:a14="http://schemas.microsoft.com/office/drawing/2010/main" val="0"/>
+              </a:ext>
+            </a:extLst>
+          </a:blip>
+          <a:srcRect/>
+          <a:stretch>
+            <a:fillRect/>
+          </a:stretch>
+        </p:blipFill>
+        <p:spPr bwMode="auto">
+          <a:xfrm>
+            <a:off x="1681633" y="2453309"/>
+            <a:ext cx="4088032" cy="2291533"/>
+          </a:xfrm>
+          <a:prstGeom prst="rect">
+            <a:avLst/>
+          </a:prstGeom>
+          <a:noFill/>
+          <a:extLst>
+            <a:ext uri="{909E8E84-426E-40DD-AFC4-6F175D3DCCD1}">
+              <a14:hiddenFill xmlns:a14="http://schemas.microsoft.com/office/drawing/2010/main">
+                <a:solidFill>
+                  <a:srgbClr val="FFFFFF"/>
+                </a:solidFill>
+              </a14:hiddenFill>
+            </a:ext>
+          </a:extLst>
+        </p:spPr>
+      </p:pic>
+      <p:sp>
+        <p:nvSpPr>
+          <p:cNvPr id="5" name="TextBox 4">
+            <a:extLst>
+              <a:ext uri="{FF2B5EF4-FFF2-40B4-BE49-F238E27FC236}">
+                <a16:creationId xmlns:a16="http://schemas.microsoft.com/office/drawing/2014/main" id="{2FAADA15-80B5-5D10-336F-19BB6F2B0691}"/>
+              </a:ext>
+            </a:extLst>
+          </p:cNvPr>
+          <p:cNvSpPr txBox="1"/>
+          <p:nvPr/>
+        </p:nvSpPr>
+        <p:spPr>
+          <a:xfrm>
+            <a:off x="1151112" y="1961270"/>
+            <a:ext cx="8733866" cy="369332"/>
+          </a:xfrm>
+          <a:prstGeom prst="rect">
+            <a:avLst/>
+          </a:prstGeom>
+          <a:noFill/>
+        </p:spPr>
+        <p:txBody>
+          <a:bodyPr wrap="none" rtlCol="0">
+            <a:spAutoFit/>
+          </a:bodyPr>
+          <a:lstStyle/>
+          <a:p>
+            <a:r>
+              <a:rPr lang="en-US" dirty="0"/>
+              <a:t>Many sequencing platforms use SMART technology, which uses a TS Oligo tag on the 5’ end.</a:t>
+            </a:r>
+          </a:p>
+        </p:txBody>
+      </p:sp>
+      <p:sp>
+        <p:nvSpPr>
+          <p:cNvPr id="7" name="TextBox 6">
+            <a:extLst>
+              <a:ext uri="{FF2B5EF4-FFF2-40B4-BE49-F238E27FC236}">
+                <a16:creationId xmlns:a16="http://schemas.microsoft.com/office/drawing/2014/main" id="{FCAFCFEC-26C2-12B8-17AB-4627094A9C34}"/>
+              </a:ext>
+            </a:extLst>
+          </p:cNvPr>
+          <p:cNvSpPr txBox="1"/>
+          <p:nvPr/>
+        </p:nvSpPr>
+        <p:spPr>
+          <a:xfrm>
+            <a:off x="6842561" y="2578696"/>
+            <a:ext cx="4100873" cy="461665"/>
+          </a:xfrm>
+          <a:prstGeom prst="rect">
+            <a:avLst/>
+          </a:prstGeom>
+          <a:noFill/>
+        </p:spPr>
+        <p:txBody>
+          <a:bodyPr wrap="square" rtlCol="0">
+            <a:spAutoFit/>
+          </a:bodyPr>
+          <a:lstStyle/>
+          <a:p>
+            <a:r>
+              <a:rPr lang="en-US" sz="1200" dirty="0"/>
+              <a:t>Reads are a mixture of mRNA templates with some combination of tags on either end.</a:t>
+            </a:r>
+          </a:p>
+        </p:txBody>
+      </p:sp>
+      <p:pic>
+        <p:nvPicPr>
+          <p:cNvPr id="8" name="Picture 2">
+            <a:extLst>
+              <a:ext uri="{FF2B5EF4-FFF2-40B4-BE49-F238E27FC236}">
+                <a16:creationId xmlns:a16="http://schemas.microsoft.com/office/drawing/2014/main" id="{C0AFA214-F3F6-717C-5D8F-8815C91E9E51}"/>
+              </a:ext>
+            </a:extLst>
+          </p:cNvPr>
+          <p:cNvPicPr>
+            <a:picLocks noChangeAspect="1" noChangeArrowheads="1"/>
+          </p:cNvPicPr>
+          <p:nvPr/>
+        </p:nvPicPr>
+        <p:blipFill rotWithShape="1">
+          <a:blip r:embed="rId3">
+            <a:extLst>
+              <a:ext uri="{28A0092B-C50C-407E-A947-70E740481C1C}">
+                <a14:useLocalDpi xmlns:a14="http://schemas.microsoft.com/office/drawing/2010/main" val="0"/>
+              </a:ext>
+            </a:extLst>
+          </a:blip>
+          <a:srcRect l="12830" t="87200" r="1039" b="7455"/>
+          <a:stretch/>
+        </p:blipFill>
+        <p:spPr bwMode="auto">
+          <a:xfrm>
+            <a:off x="6842561" y="3204927"/>
+            <a:ext cx="3521076" cy="122475"/>
+          </a:xfrm>
+          <a:prstGeom prst="rect">
+            <a:avLst/>
+          </a:prstGeom>
+          <a:noFill/>
+          <a:extLst>
+            <a:ext uri="{909E8E84-426E-40DD-AFC4-6F175D3DCCD1}">
+              <a14:hiddenFill xmlns:a14="http://schemas.microsoft.com/office/drawing/2010/main">
+                <a:solidFill>
+                  <a:srgbClr val="FFFFFF"/>
+                </a:solidFill>
+              </a14:hiddenFill>
+            </a:ext>
+          </a:extLst>
+        </p:spPr>
+      </p:pic>
+      <p:pic>
+        <p:nvPicPr>
+          <p:cNvPr id="9" name="Picture 2">
+            <a:extLst>
+              <a:ext uri="{FF2B5EF4-FFF2-40B4-BE49-F238E27FC236}">
+                <a16:creationId xmlns:a16="http://schemas.microsoft.com/office/drawing/2014/main" id="{85875D41-B11D-0543-9C53-C7549397EEE6}"/>
+              </a:ext>
+            </a:extLst>
+          </p:cNvPr>
+          <p:cNvPicPr>
+            <a:picLocks noChangeAspect="1" noChangeArrowheads="1"/>
+          </p:cNvPicPr>
+          <p:nvPr/>
+        </p:nvPicPr>
+        <p:blipFill rotWithShape="1">
+          <a:blip r:embed="rId3">
+            <a:extLst>
+              <a:ext uri="{28A0092B-C50C-407E-A947-70E740481C1C}">
+                <a14:useLocalDpi xmlns:a14="http://schemas.microsoft.com/office/drawing/2010/main" val="0"/>
+              </a:ext>
+            </a:extLst>
+          </a:blip>
+          <a:srcRect l="12830" t="87200" r="12747" b="7455"/>
+          <a:stretch/>
+        </p:blipFill>
+        <p:spPr bwMode="auto">
+          <a:xfrm>
+            <a:off x="6842561" y="3616273"/>
+            <a:ext cx="3042417" cy="122474"/>
+          </a:xfrm>
+          <a:prstGeom prst="rect">
+            <a:avLst/>
+          </a:prstGeom>
+          <a:noFill/>
+          <a:extLst>
+            <a:ext uri="{909E8E84-426E-40DD-AFC4-6F175D3DCCD1}">
+              <a14:hiddenFill xmlns:a14="http://schemas.microsoft.com/office/drawing/2010/main">
+                <a:solidFill>
+                  <a:srgbClr val="FFFFFF"/>
+                </a:solidFill>
+              </a14:hiddenFill>
+            </a:ext>
+          </a:extLst>
+        </p:spPr>
+      </p:pic>
+      <p:pic>
+        <p:nvPicPr>
+          <p:cNvPr id="10" name="Picture 2">
+            <a:extLst>
+              <a:ext uri="{FF2B5EF4-FFF2-40B4-BE49-F238E27FC236}">
+                <a16:creationId xmlns:a16="http://schemas.microsoft.com/office/drawing/2014/main" id="{5B9D157D-26C4-C2C4-2836-61115C7A6384}"/>
+              </a:ext>
+            </a:extLst>
+          </p:cNvPr>
+          <p:cNvPicPr>
+            <a:picLocks noChangeAspect="1" noChangeArrowheads="1"/>
+          </p:cNvPicPr>
+          <p:nvPr/>
+        </p:nvPicPr>
+        <p:blipFill rotWithShape="1">
+          <a:blip r:embed="rId3">
+            <a:extLst>
+              <a:ext uri="{28A0092B-C50C-407E-A947-70E740481C1C}">
+                <a14:useLocalDpi xmlns:a14="http://schemas.microsoft.com/office/drawing/2010/main" val="0"/>
+              </a:ext>
+            </a:extLst>
+          </a:blip>
+          <a:srcRect l="31878" t="87200" r="12746"/>
+          <a:stretch/>
+        </p:blipFill>
+        <p:spPr bwMode="auto">
+          <a:xfrm>
+            <a:off x="6972709" y="3984162"/>
+            <a:ext cx="2263775" cy="293305"/>
+          </a:xfrm>
+          <a:prstGeom prst="rect">
+            <a:avLst/>
+          </a:prstGeom>
+          <a:noFill/>
+          <a:extLst>
+            <a:ext uri="{909E8E84-426E-40DD-AFC4-6F175D3DCCD1}">
+              <a14:hiddenFill xmlns:a14="http://schemas.microsoft.com/office/drawing/2010/main">
+                <a:solidFill>
+                  <a:srgbClr val="FFFFFF"/>
+                </a:solidFill>
+              </a14:hiddenFill>
+            </a:ext>
+          </a:extLst>
+        </p:spPr>
+      </p:pic>
+      <p:pic>
+        <p:nvPicPr>
+          <p:cNvPr id="11" name="Picture 2">
+            <a:extLst>
+              <a:ext uri="{FF2B5EF4-FFF2-40B4-BE49-F238E27FC236}">
+                <a16:creationId xmlns:a16="http://schemas.microsoft.com/office/drawing/2014/main" id="{250A2F3B-015D-CF36-E720-115309B19831}"/>
+              </a:ext>
+            </a:extLst>
+          </p:cNvPr>
+          <p:cNvPicPr>
+            <a:picLocks noChangeAspect="1" noChangeArrowheads="1"/>
+          </p:cNvPicPr>
+          <p:nvPr/>
+        </p:nvPicPr>
+        <p:blipFill rotWithShape="1">
+          <a:blip r:embed="rId3">
+            <a:extLst>
+              <a:ext uri="{28A0092B-C50C-407E-A947-70E740481C1C}">
+                <a14:useLocalDpi xmlns:a14="http://schemas.microsoft.com/office/drawing/2010/main" val="0"/>
+              </a:ext>
+            </a:extLst>
+          </a:blip>
+          <a:srcRect l="96048" t="87200" r="1039" b="7455"/>
+          <a:stretch/>
+        </p:blipFill>
+        <p:spPr bwMode="auto">
+          <a:xfrm>
+            <a:off x="9903317" y="3616272"/>
+            <a:ext cx="119090" cy="122475"/>
+          </a:xfrm>
+          <a:prstGeom prst="rect">
+            <a:avLst/>
+          </a:prstGeom>
+          <a:noFill/>
+          <a:extLst>
+            <a:ext uri="{909E8E84-426E-40DD-AFC4-6F175D3DCCD1}">
+              <a14:hiddenFill xmlns:a14="http://schemas.microsoft.com/office/drawing/2010/main">
+                <a:solidFill>
+                  <a:srgbClr val="FFFFFF"/>
+                </a:solidFill>
+              </a14:hiddenFill>
+            </a:ext>
+          </a:extLst>
+        </p:spPr>
+      </p:pic>
+      <p:pic>
+        <p:nvPicPr>
+          <p:cNvPr id="12" name="Picture 2">
+            <a:extLst>
+              <a:ext uri="{FF2B5EF4-FFF2-40B4-BE49-F238E27FC236}">
+                <a16:creationId xmlns:a16="http://schemas.microsoft.com/office/drawing/2014/main" id="{611E9B7C-448C-BEDC-481D-D04AD72E7FEE}"/>
+              </a:ext>
+            </a:extLst>
+          </p:cNvPr>
+          <p:cNvPicPr>
+            <a:picLocks noChangeAspect="1" noChangeArrowheads="1"/>
+          </p:cNvPicPr>
+          <p:nvPr/>
+        </p:nvPicPr>
+        <p:blipFill rotWithShape="1">
+          <a:blip r:embed="rId3">
+            <a:extLst>
+              <a:ext uri="{28A0092B-C50C-407E-A947-70E740481C1C}">
+                <a14:useLocalDpi xmlns:a14="http://schemas.microsoft.com/office/drawing/2010/main" val="0"/>
+              </a:ext>
+            </a:extLst>
+          </a:blip>
+          <a:srcRect l="96048" t="87200" r="1039" b="7455"/>
+          <a:stretch/>
+        </p:blipFill>
+        <p:spPr bwMode="auto">
+          <a:xfrm>
+            <a:off x="9236484" y="3974371"/>
+            <a:ext cx="119090" cy="122475"/>
+          </a:xfrm>
+          <a:prstGeom prst="rect">
+            <a:avLst/>
+          </a:prstGeom>
+          <a:noFill/>
+          <a:extLst>
+            <a:ext uri="{909E8E84-426E-40DD-AFC4-6F175D3DCCD1}">
+              <a14:hiddenFill xmlns:a14="http://schemas.microsoft.com/office/drawing/2010/main">
+                <a:solidFill>
+                  <a:srgbClr val="FFFFFF"/>
+                </a:solidFill>
+              </a14:hiddenFill>
+            </a:ext>
+          </a:extLst>
+        </p:spPr>
+      </p:pic>
+      <p:pic>
+        <p:nvPicPr>
+          <p:cNvPr id="13" name="Picture 2">
+            <a:extLst>
+              <a:ext uri="{FF2B5EF4-FFF2-40B4-BE49-F238E27FC236}">
+                <a16:creationId xmlns:a16="http://schemas.microsoft.com/office/drawing/2014/main" id="{47454586-1FC4-2E14-5F2F-425355750DFC}"/>
+              </a:ext>
+            </a:extLst>
+          </p:cNvPr>
+          <p:cNvPicPr>
+            <a:picLocks noChangeAspect="1" noChangeArrowheads="1"/>
+          </p:cNvPicPr>
+          <p:nvPr/>
+        </p:nvPicPr>
+        <p:blipFill rotWithShape="1">
+          <a:blip r:embed="rId3">
+            <a:extLst>
+              <a:ext uri="{28A0092B-C50C-407E-A947-70E740481C1C}">
+                <a14:useLocalDpi xmlns:a14="http://schemas.microsoft.com/office/drawing/2010/main" val="0"/>
+              </a:ext>
+            </a:extLst>
+          </a:blip>
+          <a:srcRect l="12830" t="87200" r="84257" b="7455"/>
+          <a:stretch/>
+        </p:blipFill>
+        <p:spPr bwMode="auto">
+          <a:xfrm>
+            <a:off x="6853619" y="3984162"/>
+            <a:ext cx="119090" cy="122474"/>
+          </a:xfrm>
+          <a:prstGeom prst="rect">
+            <a:avLst/>
+          </a:prstGeom>
+          <a:noFill/>
+          <a:extLst>
+            <a:ext uri="{909E8E84-426E-40DD-AFC4-6F175D3DCCD1}">
+              <a14:hiddenFill xmlns:a14="http://schemas.microsoft.com/office/drawing/2010/main">
+                <a:solidFill>
+                  <a:srgbClr val="FFFFFF"/>
+                </a:solidFill>
+              </a14:hiddenFill>
+            </a:ext>
+          </a:extLst>
+        </p:spPr>
+      </p:pic>
+      <p:sp>
+        <p:nvSpPr>
+          <p:cNvPr id="15" name="TextBox 14">
+            <a:extLst>
+              <a:ext uri="{FF2B5EF4-FFF2-40B4-BE49-F238E27FC236}">
+                <a16:creationId xmlns:a16="http://schemas.microsoft.com/office/drawing/2014/main" id="{E380FCC7-B8BA-8349-138C-E1E1772D884A}"/>
+              </a:ext>
+            </a:extLst>
+          </p:cNvPr>
+          <p:cNvSpPr txBox="1"/>
+          <p:nvPr/>
+        </p:nvSpPr>
+        <p:spPr>
+          <a:xfrm>
+            <a:off x="5054724" y="6405381"/>
+            <a:ext cx="6190342" cy="230832"/>
+          </a:xfrm>
+          <a:prstGeom prst="rect">
+            <a:avLst/>
+          </a:prstGeom>
+          <a:noFill/>
+        </p:spPr>
+        <p:txBody>
+          <a:bodyPr wrap="square">
+            <a:spAutoFit/>
+          </a:bodyPr>
+          <a:lstStyle/>
+          <a:p>
+            <a:r>
+              <a:rPr lang="en-US" sz="900" i="1" dirty="0">
+                <a:solidFill>
+                  <a:schemeClr val="bg1">
+                    <a:lumMod val="50000"/>
+                  </a:schemeClr>
+                </a:solidFill>
+              </a:rPr>
+              <a:t>https://www.biosyn.com/faq/What-Is-A-Template-Switching-Oligonucleotide.aspx</a:t>
+            </a:r>
+          </a:p>
+        </p:txBody>
+      </p:sp>
+      <p:sp>
+        <p:nvSpPr>
+          <p:cNvPr id="6" name="TextBox 5">
+            <a:extLst>
+              <a:ext uri="{FF2B5EF4-FFF2-40B4-BE49-F238E27FC236}">
+                <a16:creationId xmlns:a16="http://schemas.microsoft.com/office/drawing/2014/main" id="{BAF24B4D-98D8-90F8-282B-A1D377F59861}"/>
+              </a:ext>
+            </a:extLst>
+          </p:cNvPr>
+          <p:cNvSpPr txBox="1"/>
+          <p:nvPr/>
+        </p:nvSpPr>
+        <p:spPr>
+          <a:xfrm>
+            <a:off x="1681633" y="5294693"/>
+            <a:ext cx="8042394" cy="369332"/>
+          </a:xfrm>
+          <a:prstGeom prst="rect">
+            <a:avLst/>
+          </a:prstGeom>
+          <a:noFill/>
+        </p:spPr>
+        <p:txBody>
+          <a:bodyPr wrap="none" rtlCol="0">
+            <a:spAutoFit/>
+          </a:bodyPr>
+          <a:lstStyle/>
+          <a:p>
+            <a:r>
+              <a:rPr lang="en-US" dirty="0"/>
+              <a:t>Cell Ranger takes these input reads and produces counts for gene expression counts.</a:t>
+            </a:r>
+          </a:p>
+        </p:txBody>
+      </p:sp>
     </p:spTree>
     <p:extLst>
       <p:ext uri="{BB962C8B-B14F-4D97-AF65-F5344CB8AC3E}">
@@ -3089,7 +4621,7 @@
             <a:p>
               <a:pPr algn="ctr"/>
               <a:r>
-                <a:rPr lang="en-US" sz="1400" dirty="0"/>
+                <a:rPr lang="en-US" sz="1400" b="1" dirty="0"/>
                 <a:t>1</a:t>
               </a:r>
             </a:p>
@@ -3125,7 +4657,7 @@
             <a:p>
               <a:pPr algn="ctr"/>
               <a:r>
-                <a:rPr lang="en-US" sz="1400" dirty="0"/>
+                <a:rPr lang="en-US" sz="1400" b="1" dirty="0"/>
                 <a:t>2</a:t>
               </a:r>
             </a:p>
@@ -3161,7 +4693,7 @@
             <a:p>
               <a:pPr algn="ctr"/>
               <a:r>
-                <a:rPr lang="en-US" sz="1400" dirty="0"/>
+                <a:rPr lang="en-US" sz="1400" b="1" dirty="0"/>
                 <a:t>3</a:t>
               </a:r>
             </a:p>
@@ -3197,7 +4729,7 @@
             <a:p>
               <a:pPr algn="ctr"/>
               <a:r>
-                <a:rPr lang="en-US" sz="1400" dirty="0"/>
+                <a:rPr lang="en-US" sz="1400" b="1" dirty="0"/>
                 <a:t>4</a:t>
               </a:r>
             </a:p>
@@ -3233,7 +4765,7 @@
             <a:p>
               <a:pPr algn="ctr"/>
               <a:r>
-                <a:rPr lang="en-US" sz="1400" dirty="0"/>
+                <a:rPr lang="en-US" sz="1400" b="1" dirty="0"/>
                 <a:t>5</a:t>
               </a:r>
             </a:p>
@@ -3269,7 +4801,7 @@
             <a:p>
               <a:pPr algn="ctr"/>
               <a:r>
-                <a:rPr lang="en-US" sz="1400" dirty="0"/>
+                <a:rPr lang="en-US" sz="1400" b="1" dirty="0"/>
                 <a:t>6</a:t>
               </a:r>
             </a:p>
@@ -3305,7 +4837,7 @@
             <a:p>
               <a:pPr algn="ctr"/>
               <a:r>
-                <a:rPr lang="en-US" sz="1400" dirty="0"/>
+                <a:rPr lang="en-US" sz="1400" b="1" dirty="0"/>
                 <a:t>7</a:t>
               </a:r>
             </a:p>
@@ -3341,7 +4873,7 @@
             <a:p>
               <a:pPr algn="ctr"/>
               <a:r>
-                <a:rPr lang="en-US" sz="1400" dirty="0"/>
+                <a:rPr lang="en-US" sz="1400" b="1" dirty="0"/>
                 <a:t>8</a:t>
               </a:r>
             </a:p>
@@ -3377,8 +4909,1262 @@
             <a:p>
               <a:pPr algn="ctr"/>
               <a:r>
-                <a:rPr lang="en-US" sz="1400" dirty="0"/>
+                <a:rPr lang="en-US" sz="1400" b="1" dirty="0"/>
                 <a:t>9</a:t>
+              </a:r>
+            </a:p>
+          </p:txBody>
+        </p:sp>
+      </p:grpSp>
+      <p:sp>
+        <p:nvSpPr>
+          <p:cNvPr id="5" name="TextBox 4">
+            <a:extLst>
+              <a:ext uri="{FF2B5EF4-FFF2-40B4-BE49-F238E27FC236}">
+                <a16:creationId xmlns:a16="http://schemas.microsoft.com/office/drawing/2014/main" id="{E5B1E6D7-B186-A54E-0607-5D1C6562BBCA}"/>
+              </a:ext>
+            </a:extLst>
+          </p:cNvPr>
+          <p:cNvSpPr txBox="1"/>
+          <p:nvPr/>
+        </p:nvSpPr>
+        <p:spPr>
+          <a:xfrm>
+            <a:off x="4268552" y="2506991"/>
+            <a:ext cx="7469099" cy="646331"/>
+          </a:xfrm>
+          <a:prstGeom prst="rect">
+            <a:avLst/>
+          </a:prstGeom>
+          <a:noFill/>
+        </p:spPr>
+        <p:txBody>
+          <a:bodyPr wrap="square" rtlCol="0">
+            <a:spAutoFit/>
+          </a:bodyPr>
+          <a:lstStyle/>
+          <a:p>
+            <a:r>
+              <a:rPr lang="en-US" dirty="0"/>
+              <a:t>0. </a:t>
+            </a:r>
+            <a:r>
+              <a:rPr lang="en-US" b="1" dirty="0"/>
+              <a:t>Read trimming</a:t>
+            </a:r>
+            <a:r>
+              <a:rPr lang="en-US" dirty="0"/>
+              <a:t>: the 3’ switch oligo sequence and 5’ poly-A tail are trimmed from reads in cDNA library prior to alignment.</a:t>
+            </a:r>
+          </a:p>
+        </p:txBody>
+      </p:sp>
+      <p:pic>
+        <p:nvPicPr>
+          <p:cNvPr id="16" name="Picture 2">
+            <a:extLst>
+              <a:ext uri="{FF2B5EF4-FFF2-40B4-BE49-F238E27FC236}">
+                <a16:creationId xmlns:a16="http://schemas.microsoft.com/office/drawing/2014/main" id="{4990A6DA-4F9C-CAF1-5A82-B09F4F0FC567}"/>
+              </a:ext>
+            </a:extLst>
+          </p:cNvPr>
+          <p:cNvPicPr>
+            <a:picLocks noChangeAspect="1" noChangeArrowheads="1"/>
+          </p:cNvPicPr>
+          <p:nvPr/>
+        </p:nvPicPr>
+        <p:blipFill rotWithShape="1">
+          <a:blip r:embed="rId3">
+            <a:extLst>
+              <a:ext uri="{28A0092B-C50C-407E-A947-70E740481C1C}">
+                <a14:useLocalDpi xmlns:a14="http://schemas.microsoft.com/office/drawing/2010/main" val="0"/>
+              </a:ext>
+            </a:extLst>
+          </a:blip>
+          <a:srcRect l="12830" t="87200" r="1039" b="7455"/>
+          <a:stretch/>
+        </p:blipFill>
+        <p:spPr bwMode="auto">
+          <a:xfrm>
+            <a:off x="4197949" y="4014117"/>
+            <a:ext cx="3521076" cy="122475"/>
+          </a:xfrm>
+          <a:prstGeom prst="rect">
+            <a:avLst/>
+          </a:prstGeom>
+          <a:noFill/>
+          <a:extLst>
+            <a:ext uri="{909E8E84-426E-40DD-AFC4-6F175D3DCCD1}">
+              <a14:hiddenFill xmlns:a14="http://schemas.microsoft.com/office/drawing/2010/main">
+                <a:solidFill>
+                  <a:srgbClr val="FFFFFF"/>
+                </a:solidFill>
+              </a14:hiddenFill>
+            </a:ext>
+          </a:extLst>
+        </p:spPr>
+      </p:pic>
+      <p:pic>
+        <p:nvPicPr>
+          <p:cNvPr id="17" name="Picture 2">
+            <a:extLst>
+              <a:ext uri="{FF2B5EF4-FFF2-40B4-BE49-F238E27FC236}">
+                <a16:creationId xmlns:a16="http://schemas.microsoft.com/office/drawing/2014/main" id="{90049BBD-556C-D0F6-6B17-85612286F7CC}"/>
+              </a:ext>
+            </a:extLst>
+          </p:cNvPr>
+          <p:cNvPicPr>
+            <a:picLocks noChangeAspect="1" noChangeArrowheads="1"/>
+          </p:cNvPicPr>
+          <p:nvPr/>
+        </p:nvPicPr>
+        <p:blipFill rotWithShape="1">
+          <a:blip r:embed="rId3">
+            <a:extLst>
+              <a:ext uri="{28A0092B-C50C-407E-A947-70E740481C1C}">
+                <a14:useLocalDpi xmlns:a14="http://schemas.microsoft.com/office/drawing/2010/main" val="0"/>
+              </a:ext>
+            </a:extLst>
+          </a:blip>
+          <a:srcRect l="12830" t="87200" r="12747" b="7455"/>
+          <a:stretch/>
+        </p:blipFill>
+        <p:spPr bwMode="auto">
+          <a:xfrm>
+            <a:off x="4197949" y="4380504"/>
+            <a:ext cx="3042417" cy="122474"/>
+          </a:xfrm>
+          <a:prstGeom prst="rect">
+            <a:avLst/>
+          </a:prstGeom>
+          <a:noFill/>
+          <a:extLst>
+            <a:ext uri="{909E8E84-426E-40DD-AFC4-6F175D3DCCD1}">
+              <a14:hiddenFill xmlns:a14="http://schemas.microsoft.com/office/drawing/2010/main">
+                <a:solidFill>
+                  <a:srgbClr val="FFFFFF"/>
+                </a:solidFill>
+              </a14:hiddenFill>
+            </a:ext>
+          </a:extLst>
+        </p:spPr>
+      </p:pic>
+      <p:pic>
+        <p:nvPicPr>
+          <p:cNvPr id="18" name="Picture 2">
+            <a:extLst>
+              <a:ext uri="{FF2B5EF4-FFF2-40B4-BE49-F238E27FC236}">
+                <a16:creationId xmlns:a16="http://schemas.microsoft.com/office/drawing/2014/main" id="{842F1D85-73C2-8B5A-1200-E69D32AB5353}"/>
+              </a:ext>
+            </a:extLst>
+          </p:cNvPr>
+          <p:cNvPicPr>
+            <a:picLocks noChangeAspect="1" noChangeArrowheads="1"/>
+          </p:cNvPicPr>
+          <p:nvPr/>
+        </p:nvPicPr>
+        <p:blipFill rotWithShape="1">
+          <a:blip r:embed="rId3">
+            <a:extLst>
+              <a:ext uri="{28A0092B-C50C-407E-A947-70E740481C1C}">
+                <a14:useLocalDpi xmlns:a14="http://schemas.microsoft.com/office/drawing/2010/main" val="0"/>
+              </a:ext>
+            </a:extLst>
+          </a:blip>
+          <a:srcRect l="31878" t="87200" r="12746" b="7874"/>
+          <a:stretch/>
+        </p:blipFill>
+        <p:spPr bwMode="auto">
+          <a:xfrm>
+            <a:off x="4328097" y="4765483"/>
+            <a:ext cx="2263775" cy="112879"/>
+          </a:xfrm>
+          <a:prstGeom prst="rect">
+            <a:avLst/>
+          </a:prstGeom>
+          <a:noFill/>
+          <a:extLst>
+            <a:ext uri="{909E8E84-426E-40DD-AFC4-6F175D3DCCD1}">
+              <a14:hiddenFill xmlns:a14="http://schemas.microsoft.com/office/drawing/2010/main">
+                <a:solidFill>
+                  <a:srgbClr val="FFFFFF"/>
+                </a:solidFill>
+              </a14:hiddenFill>
+            </a:ext>
+          </a:extLst>
+        </p:spPr>
+      </p:pic>
+      <p:pic>
+        <p:nvPicPr>
+          <p:cNvPr id="19" name="Picture 2">
+            <a:extLst>
+              <a:ext uri="{FF2B5EF4-FFF2-40B4-BE49-F238E27FC236}">
+                <a16:creationId xmlns:a16="http://schemas.microsoft.com/office/drawing/2014/main" id="{04F3B5A3-F2A9-0373-8C0D-84700B1A06CC}"/>
+              </a:ext>
+            </a:extLst>
+          </p:cNvPr>
+          <p:cNvPicPr>
+            <a:picLocks noChangeAspect="1" noChangeArrowheads="1"/>
+          </p:cNvPicPr>
+          <p:nvPr/>
+        </p:nvPicPr>
+        <p:blipFill rotWithShape="1">
+          <a:blip r:embed="rId3">
+            <a:extLst>
+              <a:ext uri="{28A0092B-C50C-407E-A947-70E740481C1C}">
+                <a14:useLocalDpi xmlns:a14="http://schemas.microsoft.com/office/drawing/2010/main" val="0"/>
+              </a:ext>
+            </a:extLst>
+          </a:blip>
+          <a:srcRect l="96048" t="87200" r="1039" b="7455"/>
+          <a:stretch/>
+        </p:blipFill>
+        <p:spPr bwMode="auto">
+          <a:xfrm>
+            <a:off x="7258705" y="4380504"/>
+            <a:ext cx="119090" cy="122475"/>
+          </a:xfrm>
+          <a:prstGeom prst="rect">
+            <a:avLst/>
+          </a:prstGeom>
+          <a:noFill/>
+          <a:extLst>
+            <a:ext uri="{909E8E84-426E-40DD-AFC4-6F175D3DCCD1}">
+              <a14:hiddenFill xmlns:a14="http://schemas.microsoft.com/office/drawing/2010/main">
+                <a:solidFill>
+                  <a:srgbClr val="FFFFFF"/>
+                </a:solidFill>
+              </a14:hiddenFill>
+            </a:ext>
+          </a:extLst>
+        </p:spPr>
+      </p:pic>
+      <p:pic>
+        <p:nvPicPr>
+          <p:cNvPr id="20" name="Picture 2">
+            <a:extLst>
+              <a:ext uri="{FF2B5EF4-FFF2-40B4-BE49-F238E27FC236}">
+                <a16:creationId xmlns:a16="http://schemas.microsoft.com/office/drawing/2014/main" id="{16017415-DDFA-8EE8-BE00-482F83850D05}"/>
+              </a:ext>
+            </a:extLst>
+          </p:cNvPr>
+          <p:cNvPicPr>
+            <a:picLocks noChangeAspect="1" noChangeArrowheads="1"/>
+          </p:cNvPicPr>
+          <p:nvPr/>
+        </p:nvPicPr>
+        <p:blipFill rotWithShape="1">
+          <a:blip r:embed="rId3">
+            <a:extLst>
+              <a:ext uri="{28A0092B-C50C-407E-A947-70E740481C1C}">
+                <a14:useLocalDpi xmlns:a14="http://schemas.microsoft.com/office/drawing/2010/main" val="0"/>
+              </a:ext>
+            </a:extLst>
+          </a:blip>
+          <a:srcRect l="96048" t="87200" r="1039" b="7455"/>
+          <a:stretch/>
+        </p:blipFill>
+        <p:spPr bwMode="auto">
+          <a:xfrm>
+            <a:off x="6591872" y="4760685"/>
+            <a:ext cx="119090" cy="122475"/>
+          </a:xfrm>
+          <a:prstGeom prst="rect">
+            <a:avLst/>
+          </a:prstGeom>
+          <a:noFill/>
+          <a:extLst>
+            <a:ext uri="{909E8E84-426E-40DD-AFC4-6F175D3DCCD1}">
+              <a14:hiddenFill xmlns:a14="http://schemas.microsoft.com/office/drawing/2010/main">
+                <a:solidFill>
+                  <a:srgbClr val="FFFFFF"/>
+                </a:solidFill>
+              </a14:hiddenFill>
+            </a:ext>
+          </a:extLst>
+        </p:spPr>
+      </p:pic>
+      <p:pic>
+        <p:nvPicPr>
+          <p:cNvPr id="21" name="Picture 2">
+            <a:extLst>
+              <a:ext uri="{FF2B5EF4-FFF2-40B4-BE49-F238E27FC236}">
+                <a16:creationId xmlns:a16="http://schemas.microsoft.com/office/drawing/2014/main" id="{CAC448C0-F939-071F-1CEB-D994EB1C41DD}"/>
+              </a:ext>
+            </a:extLst>
+          </p:cNvPr>
+          <p:cNvPicPr>
+            <a:picLocks noChangeAspect="1" noChangeArrowheads="1"/>
+          </p:cNvPicPr>
+          <p:nvPr/>
+        </p:nvPicPr>
+        <p:blipFill rotWithShape="1">
+          <a:blip r:embed="rId3">
+            <a:extLst>
+              <a:ext uri="{28A0092B-C50C-407E-A947-70E740481C1C}">
+                <a14:useLocalDpi xmlns:a14="http://schemas.microsoft.com/office/drawing/2010/main" val="0"/>
+              </a:ext>
+            </a:extLst>
+          </a:blip>
+          <a:srcRect l="12830" t="87200" r="84257" b="7455"/>
+          <a:stretch/>
+        </p:blipFill>
+        <p:spPr bwMode="auto">
+          <a:xfrm>
+            <a:off x="4209007" y="4760685"/>
+            <a:ext cx="119090" cy="122474"/>
+          </a:xfrm>
+          <a:prstGeom prst="rect">
+            <a:avLst/>
+          </a:prstGeom>
+          <a:noFill/>
+          <a:extLst>
+            <a:ext uri="{909E8E84-426E-40DD-AFC4-6F175D3DCCD1}">
+              <a14:hiddenFill xmlns:a14="http://schemas.microsoft.com/office/drawing/2010/main">
+                <a:solidFill>
+                  <a:srgbClr val="FFFFFF"/>
+                </a:solidFill>
+              </a14:hiddenFill>
+            </a:ext>
+          </a:extLst>
+        </p:spPr>
+      </p:pic>
+      <p:sp>
+        <p:nvSpPr>
+          <p:cNvPr id="22" name="TextBox 21">
+            <a:extLst>
+              <a:ext uri="{FF2B5EF4-FFF2-40B4-BE49-F238E27FC236}">
+                <a16:creationId xmlns:a16="http://schemas.microsoft.com/office/drawing/2014/main" id="{07475FBA-3456-9555-4FBD-0B17CA85867F}"/>
+              </a:ext>
+            </a:extLst>
+          </p:cNvPr>
+          <p:cNvSpPr txBox="1"/>
+          <p:nvPr/>
+        </p:nvSpPr>
+        <p:spPr>
+          <a:xfrm>
+            <a:off x="4506421" y="3550053"/>
+            <a:ext cx="1907125" cy="307777"/>
+          </a:xfrm>
+          <a:prstGeom prst="rect">
+            <a:avLst/>
+          </a:prstGeom>
+          <a:noFill/>
+        </p:spPr>
+        <p:txBody>
+          <a:bodyPr wrap="none" rtlCol="0">
+            <a:spAutoFit/>
+          </a:bodyPr>
+          <a:lstStyle/>
+          <a:p>
+            <a:r>
+              <a:rPr lang="en-US" sz="1400" b="1" u="sng" dirty="0"/>
+              <a:t>Full length cDNA Reads</a:t>
+            </a:r>
+          </a:p>
+        </p:txBody>
+      </p:sp>
+      <p:sp>
+        <p:nvSpPr>
+          <p:cNvPr id="23" name="TextBox 22">
+            <a:extLst>
+              <a:ext uri="{FF2B5EF4-FFF2-40B4-BE49-F238E27FC236}">
+                <a16:creationId xmlns:a16="http://schemas.microsoft.com/office/drawing/2014/main" id="{715F85B8-74FF-B5E3-5D91-6FE52223716C}"/>
+              </a:ext>
+            </a:extLst>
+          </p:cNvPr>
+          <p:cNvSpPr txBox="1"/>
+          <p:nvPr/>
+        </p:nvSpPr>
+        <p:spPr>
+          <a:xfrm>
+            <a:off x="9442792" y="3599198"/>
+            <a:ext cx="1791837" cy="307777"/>
+          </a:xfrm>
+          <a:prstGeom prst="rect">
+            <a:avLst/>
+          </a:prstGeom>
+          <a:noFill/>
+        </p:spPr>
+        <p:txBody>
+          <a:bodyPr wrap="none" rtlCol="0">
+            <a:spAutoFit/>
+          </a:bodyPr>
+          <a:lstStyle/>
+          <a:p>
+            <a:r>
+              <a:rPr lang="en-US" sz="1400" b="1" u="sng" dirty="0"/>
+              <a:t>Trimmed cDNA Reads</a:t>
+            </a:r>
+          </a:p>
+        </p:txBody>
+      </p:sp>
+      <p:sp>
+        <p:nvSpPr>
+          <p:cNvPr id="24" name="Arrow: Right 23">
+            <a:extLst>
+              <a:ext uri="{FF2B5EF4-FFF2-40B4-BE49-F238E27FC236}">
+                <a16:creationId xmlns:a16="http://schemas.microsoft.com/office/drawing/2014/main" id="{20FF551A-323B-F2D2-8578-DD2E17866C9F}"/>
+              </a:ext>
+            </a:extLst>
+          </p:cNvPr>
+          <p:cNvSpPr/>
+          <p:nvPr/>
+        </p:nvSpPr>
+        <p:spPr>
+          <a:xfrm>
+            <a:off x="8186366" y="4002491"/>
+            <a:ext cx="395926" cy="145727"/>
+          </a:xfrm>
+          <a:prstGeom prst="rightArrow">
+            <a:avLst/>
+          </a:prstGeom>
+          <a:solidFill>
+            <a:schemeClr val="bg1"/>
+          </a:solidFill>
+          <a:ln>
+            <a:solidFill>
+              <a:schemeClr val="tx1"/>
+            </a:solidFill>
+          </a:ln>
+        </p:spPr>
+        <p:style>
+          <a:lnRef idx="2">
+            <a:schemeClr val="accent1">
+              <a:shade val="15000"/>
+            </a:schemeClr>
+          </a:lnRef>
+          <a:fillRef idx="1">
+            <a:schemeClr val="accent1"/>
+          </a:fillRef>
+          <a:effectRef idx="0">
+            <a:schemeClr val="accent1"/>
+          </a:effectRef>
+          <a:fontRef idx="minor">
+            <a:schemeClr val="lt1"/>
+          </a:fontRef>
+        </p:style>
+        <p:txBody>
+          <a:bodyPr rtlCol="0" anchor="ctr"/>
+          <a:lstStyle/>
+          <a:p>
+            <a:pPr algn="ctr"/>
+            <a:endParaRPr lang="en-US"/>
+          </a:p>
+        </p:txBody>
+      </p:sp>
+      <p:grpSp>
+        <p:nvGrpSpPr>
+          <p:cNvPr id="38" name="Group 37">
+            <a:extLst>
+              <a:ext uri="{FF2B5EF4-FFF2-40B4-BE49-F238E27FC236}">
+                <a16:creationId xmlns:a16="http://schemas.microsoft.com/office/drawing/2014/main" id="{87FB41D6-261F-4CA8-4B69-929DC38CF135}"/>
+              </a:ext>
+            </a:extLst>
+          </p:cNvPr>
+          <p:cNvGrpSpPr/>
+          <p:nvPr/>
+        </p:nvGrpSpPr>
+        <p:grpSpPr>
+          <a:xfrm>
+            <a:off x="9087734" y="4760685"/>
+            <a:ext cx="2501955" cy="122475"/>
+            <a:chOff x="9168723" y="3190194"/>
+            <a:chExt cx="2501955" cy="122475"/>
+          </a:xfrm>
+        </p:grpSpPr>
+        <p:pic>
+          <p:nvPicPr>
+            <p:cNvPr id="25" name="Picture 2">
+              <a:extLst>
+                <a:ext uri="{FF2B5EF4-FFF2-40B4-BE49-F238E27FC236}">
+                  <a16:creationId xmlns:a16="http://schemas.microsoft.com/office/drawing/2014/main" id="{A99DFD1E-9DD2-47F4-C37D-9DBD9A52800E}"/>
+                </a:ext>
+              </a:extLst>
+            </p:cNvPr>
+            <p:cNvPicPr>
+              <a:picLocks noChangeAspect="1" noChangeArrowheads="1"/>
+            </p:cNvPicPr>
+            <p:nvPr/>
+          </p:nvPicPr>
+          <p:blipFill rotWithShape="1">
+            <a:blip r:embed="rId3">
+              <a:extLst>
+                <a:ext uri="{28A0092B-C50C-407E-A947-70E740481C1C}">
+                  <a14:useLocalDpi xmlns:a14="http://schemas.microsoft.com/office/drawing/2010/main" val="0"/>
+                </a:ext>
+              </a:extLst>
+            </a:blip>
+            <a:srcRect l="31878" t="87200" r="12746" b="7874"/>
+            <a:stretch/>
+          </p:blipFill>
+          <p:spPr bwMode="auto">
+            <a:xfrm>
+              <a:off x="9287813" y="3194992"/>
+              <a:ext cx="2263775" cy="112879"/>
+            </a:xfrm>
+            <a:prstGeom prst="rect">
+              <a:avLst/>
+            </a:prstGeom>
+            <a:noFill/>
+            <a:extLst>
+              <a:ext uri="{909E8E84-426E-40DD-AFC4-6F175D3DCCD1}">
+                <a14:hiddenFill xmlns:a14="http://schemas.microsoft.com/office/drawing/2010/main">
+                  <a:solidFill>
+                    <a:srgbClr val="FFFFFF"/>
+                  </a:solidFill>
+                </a14:hiddenFill>
+              </a:ext>
+            </a:extLst>
+          </p:spPr>
+        </p:pic>
+        <p:pic>
+          <p:nvPicPr>
+            <p:cNvPr id="26" name="Picture 2">
+              <a:extLst>
+                <a:ext uri="{FF2B5EF4-FFF2-40B4-BE49-F238E27FC236}">
+                  <a16:creationId xmlns:a16="http://schemas.microsoft.com/office/drawing/2014/main" id="{90389F57-DA54-6E01-CF73-F75B421647E9}"/>
+                </a:ext>
+              </a:extLst>
+            </p:cNvPr>
+            <p:cNvPicPr>
+              <a:picLocks noChangeAspect="1" noChangeArrowheads="1"/>
+            </p:cNvPicPr>
+            <p:nvPr/>
+          </p:nvPicPr>
+          <p:blipFill rotWithShape="1">
+            <a:blip r:embed="rId3">
+              <a:extLst>
+                <a:ext uri="{28A0092B-C50C-407E-A947-70E740481C1C}">
+                  <a14:useLocalDpi xmlns:a14="http://schemas.microsoft.com/office/drawing/2010/main" val="0"/>
+                </a:ext>
+              </a:extLst>
+            </a:blip>
+            <a:srcRect l="96048" t="87200" r="1039" b="7455"/>
+            <a:stretch/>
+          </p:blipFill>
+          <p:spPr bwMode="auto">
+            <a:xfrm>
+              <a:off x="11551588" y="3190194"/>
+              <a:ext cx="119090" cy="122475"/>
+            </a:xfrm>
+            <a:prstGeom prst="rect">
+              <a:avLst/>
+            </a:prstGeom>
+            <a:noFill/>
+            <a:extLst>
+              <a:ext uri="{909E8E84-426E-40DD-AFC4-6F175D3DCCD1}">
+                <a14:hiddenFill xmlns:a14="http://schemas.microsoft.com/office/drawing/2010/main">
+                  <a:solidFill>
+                    <a:srgbClr val="FFFFFF"/>
+                  </a:solidFill>
+                </a14:hiddenFill>
+              </a:ext>
+            </a:extLst>
+          </p:spPr>
+        </p:pic>
+        <p:pic>
+          <p:nvPicPr>
+            <p:cNvPr id="27" name="Picture 2">
+              <a:extLst>
+                <a:ext uri="{FF2B5EF4-FFF2-40B4-BE49-F238E27FC236}">
+                  <a16:creationId xmlns:a16="http://schemas.microsoft.com/office/drawing/2014/main" id="{47401469-FA5C-78D1-E7C7-0FA0C29FA412}"/>
+                </a:ext>
+              </a:extLst>
+            </p:cNvPr>
+            <p:cNvPicPr>
+              <a:picLocks noChangeAspect="1" noChangeArrowheads="1"/>
+            </p:cNvPicPr>
+            <p:nvPr/>
+          </p:nvPicPr>
+          <p:blipFill rotWithShape="1">
+            <a:blip r:embed="rId3">
+              <a:extLst>
+                <a:ext uri="{28A0092B-C50C-407E-A947-70E740481C1C}">
+                  <a14:useLocalDpi xmlns:a14="http://schemas.microsoft.com/office/drawing/2010/main" val="0"/>
+                </a:ext>
+              </a:extLst>
+            </a:blip>
+            <a:srcRect l="12830" t="87200" r="84257" b="7455"/>
+            <a:stretch/>
+          </p:blipFill>
+          <p:spPr bwMode="auto">
+            <a:xfrm>
+              <a:off x="9168723" y="3190194"/>
+              <a:ext cx="119090" cy="122474"/>
+            </a:xfrm>
+            <a:prstGeom prst="rect">
+              <a:avLst/>
+            </a:prstGeom>
+            <a:noFill/>
+            <a:extLst>
+              <a:ext uri="{909E8E84-426E-40DD-AFC4-6F175D3DCCD1}">
+                <a14:hiddenFill xmlns:a14="http://schemas.microsoft.com/office/drawing/2010/main">
+                  <a:solidFill>
+                    <a:srgbClr val="FFFFFF"/>
+                  </a:solidFill>
+                </a14:hiddenFill>
+              </a:ext>
+            </a:extLst>
+          </p:spPr>
+        </p:pic>
+      </p:grpSp>
+      <p:grpSp>
+        <p:nvGrpSpPr>
+          <p:cNvPr id="37" name="Group 36">
+            <a:extLst>
+              <a:ext uri="{FF2B5EF4-FFF2-40B4-BE49-F238E27FC236}">
+                <a16:creationId xmlns:a16="http://schemas.microsoft.com/office/drawing/2014/main" id="{4AD1DEDE-7001-DF5C-3858-382EBB8AD748}"/>
+              </a:ext>
+            </a:extLst>
+          </p:cNvPr>
+          <p:cNvGrpSpPr/>
+          <p:nvPr/>
+        </p:nvGrpSpPr>
+        <p:grpSpPr>
+          <a:xfrm>
+            <a:off x="9087734" y="4380504"/>
+            <a:ext cx="2501955" cy="122475"/>
+            <a:chOff x="9168723" y="2810013"/>
+            <a:chExt cx="2501955" cy="122475"/>
+          </a:xfrm>
+        </p:grpSpPr>
+        <p:pic>
+          <p:nvPicPr>
+            <p:cNvPr id="28" name="Picture 2">
+              <a:extLst>
+                <a:ext uri="{FF2B5EF4-FFF2-40B4-BE49-F238E27FC236}">
+                  <a16:creationId xmlns:a16="http://schemas.microsoft.com/office/drawing/2014/main" id="{7FEA44DD-2C43-5BF5-EA7C-D95C324615BC}"/>
+                </a:ext>
+              </a:extLst>
+            </p:cNvPr>
+            <p:cNvPicPr>
+              <a:picLocks noChangeAspect="1" noChangeArrowheads="1"/>
+            </p:cNvPicPr>
+            <p:nvPr/>
+          </p:nvPicPr>
+          <p:blipFill rotWithShape="1">
+            <a:blip r:embed="rId3">
+              <a:extLst>
+                <a:ext uri="{28A0092B-C50C-407E-A947-70E740481C1C}">
+                  <a14:useLocalDpi xmlns:a14="http://schemas.microsoft.com/office/drawing/2010/main" val="0"/>
+                </a:ext>
+              </a:extLst>
+            </a:blip>
+            <a:srcRect l="31878" t="87200" r="12746" b="7521"/>
+            <a:stretch/>
+          </p:blipFill>
+          <p:spPr bwMode="auto">
+            <a:xfrm>
+              <a:off x="9287813" y="2810768"/>
+              <a:ext cx="2263775" cy="120965"/>
+            </a:xfrm>
+            <a:prstGeom prst="rect">
+              <a:avLst/>
+            </a:prstGeom>
+            <a:noFill/>
+            <a:extLst>
+              <a:ext uri="{909E8E84-426E-40DD-AFC4-6F175D3DCCD1}">
+                <a14:hiddenFill xmlns:a14="http://schemas.microsoft.com/office/drawing/2010/main">
+                  <a:solidFill>
+                    <a:srgbClr val="FFFFFF"/>
+                  </a:solidFill>
+                </a14:hiddenFill>
+              </a:ext>
+            </a:extLst>
+          </p:spPr>
+        </p:pic>
+        <p:pic>
+          <p:nvPicPr>
+            <p:cNvPr id="29" name="Picture 2">
+              <a:extLst>
+                <a:ext uri="{FF2B5EF4-FFF2-40B4-BE49-F238E27FC236}">
+                  <a16:creationId xmlns:a16="http://schemas.microsoft.com/office/drawing/2014/main" id="{ED6B637B-AE04-D28C-47AB-E9C8D7987397}"/>
+                </a:ext>
+              </a:extLst>
+            </p:cNvPr>
+            <p:cNvPicPr>
+              <a:picLocks noChangeAspect="1" noChangeArrowheads="1"/>
+            </p:cNvPicPr>
+            <p:nvPr/>
+          </p:nvPicPr>
+          <p:blipFill rotWithShape="1">
+            <a:blip r:embed="rId3">
+              <a:extLst>
+                <a:ext uri="{28A0092B-C50C-407E-A947-70E740481C1C}">
+                  <a14:useLocalDpi xmlns:a14="http://schemas.microsoft.com/office/drawing/2010/main" val="0"/>
+                </a:ext>
+              </a:extLst>
+            </a:blip>
+            <a:srcRect l="96048" t="87200" r="1039" b="7455"/>
+            <a:stretch/>
+          </p:blipFill>
+          <p:spPr bwMode="auto">
+            <a:xfrm>
+              <a:off x="11551588" y="2810013"/>
+              <a:ext cx="119090" cy="122475"/>
+            </a:xfrm>
+            <a:prstGeom prst="rect">
+              <a:avLst/>
+            </a:prstGeom>
+            <a:noFill/>
+            <a:extLst>
+              <a:ext uri="{909E8E84-426E-40DD-AFC4-6F175D3DCCD1}">
+                <a14:hiddenFill xmlns:a14="http://schemas.microsoft.com/office/drawing/2010/main">
+                  <a:solidFill>
+                    <a:srgbClr val="FFFFFF"/>
+                  </a:solidFill>
+                </a14:hiddenFill>
+              </a:ext>
+            </a:extLst>
+          </p:spPr>
+        </p:pic>
+        <p:pic>
+          <p:nvPicPr>
+            <p:cNvPr id="30" name="Picture 2">
+              <a:extLst>
+                <a:ext uri="{FF2B5EF4-FFF2-40B4-BE49-F238E27FC236}">
+                  <a16:creationId xmlns:a16="http://schemas.microsoft.com/office/drawing/2014/main" id="{4074BFB5-E933-AFB4-DBFE-9FD356DFE1AB}"/>
+                </a:ext>
+              </a:extLst>
+            </p:cNvPr>
+            <p:cNvPicPr>
+              <a:picLocks noChangeAspect="1" noChangeArrowheads="1"/>
+            </p:cNvPicPr>
+            <p:nvPr/>
+          </p:nvPicPr>
+          <p:blipFill rotWithShape="1">
+            <a:blip r:embed="rId3">
+              <a:extLst>
+                <a:ext uri="{28A0092B-C50C-407E-A947-70E740481C1C}">
+                  <a14:useLocalDpi xmlns:a14="http://schemas.microsoft.com/office/drawing/2010/main" val="0"/>
+                </a:ext>
+              </a:extLst>
+            </a:blip>
+            <a:srcRect l="12830" t="87200" r="84257" b="7455"/>
+            <a:stretch/>
+          </p:blipFill>
+          <p:spPr bwMode="auto">
+            <a:xfrm>
+              <a:off x="9168723" y="2810013"/>
+              <a:ext cx="119090" cy="122474"/>
+            </a:xfrm>
+            <a:prstGeom prst="rect">
+              <a:avLst/>
+            </a:prstGeom>
+            <a:noFill/>
+            <a:extLst>
+              <a:ext uri="{909E8E84-426E-40DD-AFC4-6F175D3DCCD1}">
+                <a14:hiddenFill xmlns:a14="http://schemas.microsoft.com/office/drawing/2010/main">
+                  <a:solidFill>
+                    <a:srgbClr val="FFFFFF"/>
+                  </a:solidFill>
+                </a14:hiddenFill>
+              </a:ext>
+            </a:extLst>
+          </p:spPr>
+        </p:pic>
+      </p:grpSp>
+      <p:grpSp>
+        <p:nvGrpSpPr>
+          <p:cNvPr id="36" name="Group 35">
+            <a:extLst>
+              <a:ext uri="{FF2B5EF4-FFF2-40B4-BE49-F238E27FC236}">
+                <a16:creationId xmlns:a16="http://schemas.microsoft.com/office/drawing/2014/main" id="{D195B400-DCA7-23A3-540B-3CBB9D5E58A2}"/>
+              </a:ext>
+            </a:extLst>
+          </p:cNvPr>
+          <p:cNvGrpSpPr/>
+          <p:nvPr/>
+        </p:nvGrpSpPr>
+        <p:grpSpPr>
+          <a:xfrm>
+            <a:off x="9087734" y="4014117"/>
+            <a:ext cx="2501955" cy="122475"/>
+            <a:chOff x="9049633" y="2443626"/>
+            <a:chExt cx="2501955" cy="122475"/>
+          </a:xfrm>
+        </p:grpSpPr>
+        <p:pic>
+          <p:nvPicPr>
+            <p:cNvPr id="31" name="Picture 2">
+              <a:extLst>
+                <a:ext uri="{FF2B5EF4-FFF2-40B4-BE49-F238E27FC236}">
+                  <a16:creationId xmlns:a16="http://schemas.microsoft.com/office/drawing/2014/main" id="{81D7D6E5-1AF0-DDC0-F65C-06E1EB0CEC03}"/>
+                </a:ext>
+              </a:extLst>
+            </p:cNvPr>
+            <p:cNvPicPr>
+              <a:picLocks noChangeAspect="1" noChangeArrowheads="1"/>
+            </p:cNvPicPr>
+            <p:nvPr/>
+          </p:nvPicPr>
+          <p:blipFill rotWithShape="1">
+            <a:blip r:embed="rId3">
+              <a:extLst>
+                <a:ext uri="{28A0092B-C50C-407E-A947-70E740481C1C}">
+                  <a14:useLocalDpi xmlns:a14="http://schemas.microsoft.com/office/drawing/2010/main" val="0"/>
+                </a:ext>
+              </a:extLst>
+            </a:blip>
+            <a:srcRect l="31878" t="87200" r="12746" b="7521"/>
+            <a:stretch/>
+          </p:blipFill>
+          <p:spPr bwMode="auto">
+            <a:xfrm>
+              <a:off x="9168723" y="2444381"/>
+              <a:ext cx="2263775" cy="120965"/>
+            </a:xfrm>
+            <a:prstGeom prst="rect">
+              <a:avLst/>
+            </a:prstGeom>
+            <a:noFill/>
+            <a:extLst>
+              <a:ext uri="{909E8E84-426E-40DD-AFC4-6F175D3DCCD1}">
+                <a14:hiddenFill xmlns:a14="http://schemas.microsoft.com/office/drawing/2010/main">
+                  <a:solidFill>
+                    <a:srgbClr val="FFFFFF"/>
+                  </a:solidFill>
+                </a14:hiddenFill>
+              </a:ext>
+            </a:extLst>
+          </p:spPr>
+        </p:pic>
+        <p:pic>
+          <p:nvPicPr>
+            <p:cNvPr id="32" name="Picture 2">
+              <a:extLst>
+                <a:ext uri="{FF2B5EF4-FFF2-40B4-BE49-F238E27FC236}">
+                  <a16:creationId xmlns:a16="http://schemas.microsoft.com/office/drawing/2014/main" id="{987BD70E-C26C-B72A-3795-F94EC51CDBB3}"/>
+                </a:ext>
+              </a:extLst>
+            </p:cNvPr>
+            <p:cNvPicPr>
+              <a:picLocks noChangeAspect="1" noChangeArrowheads="1"/>
+            </p:cNvPicPr>
+            <p:nvPr/>
+          </p:nvPicPr>
+          <p:blipFill rotWithShape="1">
+            <a:blip r:embed="rId3">
+              <a:extLst>
+                <a:ext uri="{28A0092B-C50C-407E-A947-70E740481C1C}">
+                  <a14:useLocalDpi xmlns:a14="http://schemas.microsoft.com/office/drawing/2010/main" val="0"/>
+                </a:ext>
+              </a:extLst>
+            </a:blip>
+            <a:srcRect l="96048" t="87200" r="1039" b="7455"/>
+            <a:stretch/>
+          </p:blipFill>
+          <p:spPr bwMode="auto">
+            <a:xfrm>
+              <a:off x="11432498" y="2443626"/>
+              <a:ext cx="119090" cy="122475"/>
+            </a:xfrm>
+            <a:prstGeom prst="rect">
+              <a:avLst/>
+            </a:prstGeom>
+            <a:noFill/>
+            <a:extLst>
+              <a:ext uri="{909E8E84-426E-40DD-AFC4-6F175D3DCCD1}">
+                <a14:hiddenFill xmlns:a14="http://schemas.microsoft.com/office/drawing/2010/main">
+                  <a:solidFill>
+                    <a:srgbClr val="FFFFFF"/>
+                  </a:solidFill>
+                </a14:hiddenFill>
+              </a:ext>
+            </a:extLst>
+          </p:spPr>
+        </p:pic>
+        <p:pic>
+          <p:nvPicPr>
+            <p:cNvPr id="33" name="Picture 2">
+              <a:extLst>
+                <a:ext uri="{FF2B5EF4-FFF2-40B4-BE49-F238E27FC236}">
+                  <a16:creationId xmlns:a16="http://schemas.microsoft.com/office/drawing/2014/main" id="{74A1A9E0-EA14-DFEA-29C1-3BD59CB658A4}"/>
+                </a:ext>
+              </a:extLst>
+            </p:cNvPr>
+            <p:cNvPicPr>
+              <a:picLocks noChangeAspect="1" noChangeArrowheads="1"/>
+            </p:cNvPicPr>
+            <p:nvPr/>
+          </p:nvPicPr>
+          <p:blipFill rotWithShape="1">
+            <a:blip r:embed="rId3">
+              <a:extLst>
+                <a:ext uri="{28A0092B-C50C-407E-A947-70E740481C1C}">
+                  <a14:useLocalDpi xmlns:a14="http://schemas.microsoft.com/office/drawing/2010/main" val="0"/>
+                </a:ext>
+              </a:extLst>
+            </a:blip>
+            <a:srcRect l="12830" t="87200" r="84257" b="7455"/>
+            <a:stretch/>
+          </p:blipFill>
+          <p:spPr bwMode="auto">
+            <a:xfrm>
+              <a:off x="9049633" y="2443626"/>
+              <a:ext cx="119090" cy="122474"/>
+            </a:xfrm>
+            <a:prstGeom prst="rect">
+              <a:avLst/>
+            </a:prstGeom>
+            <a:noFill/>
+            <a:extLst>
+              <a:ext uri="{909E8E84-426E-40DD-AFC4-6F175D3DCCD1}">
+                <a14:hiddenFill xmlns:a14="http://schemas.microsoft.com/office/drawing/2010/main">
+                  <a:solidFill>
+                    <a:srgbClr val="FFFFFF"/>
+                  </a:solidFill>
+                </a14:hiddenFill>
+              </a:ext>
+            </a:extLst>
+          </p:spPr>
+        </p:pic>
+      </p:grpSp>
+      <p:sp>
+        <p:nvSpPr>
+          <p:cNvPr id="34" name="Arrow: Right 33">
+            <a:extLst>
+              <a:ext uri="{FF2B5EF4-FFF2-40B4-BE49-F238E27FC236}">
+                <a16:creationId xmlns:a16="http://schemas.microsoft.com/office/drawing/2014/main" id="{1B6F6D61-7911-AE32-7ED2-9869420F4512}"/>
+              </a:ext>
+            </a:extLst>
+          </p:cNvPr>
+          <p:cNvSpPr/>
+          <p:nvPr/>
+        </p:nvSpPr>
+        <p:spPr>
+          <a:xfrm>
+            <a:off x="8174290" y="4368878"/>
+            <a:ext cx="395926" cy="145727"/>
+          </a:xfrm>
+          <a:prstGeom prst="rightArrow">
+            <a:avLst/>
+          </a:prstGeom>
+          <a:solidFill>
+            <a:schemeClr val="bg1"/>
+          </a:solidFill>
+          <a:ln>
+            <a:solidFill>
+              <a:schemeClr val="tx1"/>
+            </a:solidFill>
+          </a:ln>
+        </p:spPr>
+        <p:style>
+          <a:lnRef idx="2">
+            <a:schemeClr val="accent1">
+              <a:shade val="15000"/>
+            </a:schemeClr>
+          </a:lnRef>
+          <a:fillRef idx="1">
+            <a:schemeClr val="accent1"/>
+          </a:fillRef>
+          <a:effectRef idx="0">
+            <a:schemeClr val="accent1"/>
+          </a:effectRef>
+          <a:fontRef idx="minor">
+            <a:schemeClr val="lt1"/>
+          </a:fontRef>
+        </p:style>
+        <p:txBody>
+          <a:bodyPr rtlCol="0" anchor="ctr"/>
+          <a:lstStyle/>
+          <a:p>
+            <a:pPr algn="ctr"/>
+            <a:endParaRPr lang="en-US"/>
+          </a:p>
+        </p:txBody>
+      </p:sp>
+      <p:sp>
+        <p:nvSpPr>
+          <p:cNvPr id="35" name="Arrow: Right 34">
+            <a:extLst>
+              <a:ext uri="{FF2B5EF4-FFF2-40B4-BE49-F238E27FC236}">
+                <a16:creationId xmlns:a16="http://schemas.microsoft.com/office/drawing/2014/main" id="{259CE374-633A-1307-79EC-BAED7CE4A1BC}"/>
+              </a:ext>
+            </a:extLst>
+          </p:cNvPr>
+          <p:cNvSpPr/>
+          <p:nvPr/>
+        </p:nvSpPr>
+        <p:spPr>
+          <a:xfrm>
+            <a:off x="8186366" y="4749059"/>
+            <a:ext cx="395926" cy="145727"/>
+          </a:xfrm>
+          <a:prstGeom prst="rightArrow">
+            <a:avLst/>
+          </a:prstGeom>
+          <a:solidFill>
+            <a:schemeClr val="bg1"/>
+          </a:solidFill>
+          <a:ln>
+            <a:solidFill>
+              <a:schemeClr val="tx1"/>
+            </a:solidFill>
+          </a:ln>
+        </p:spPr>
+        <p:style>
+          <a:lnRef idx="2">
+            <a:schemeClr val="accent1">
+              <a:shade val="15000"/>
+            </a:schemeClr>
+          </a:lnRef>
+          <a:fillRef idx="1">
+            <a:schemeClr val="accent1"/>
+          </a:fillRef>
+          <a:effectRef idx="0">
+            <a:schemeClr val="accent1"/>
+          </a:effectRef>
+          <a:fontRef idx="minor">
+            <a:schemeClr val="lt1"/>
+          </a:fontRef>
+        </p:style>
+        <p:txBody>
+          <a:bodyPr rtlCol="0" anchor="ctr"/>
+          <a:lstStyle/>
+          <a:p>
+            <a:pPr algn="ctr"/>
+            <a:endParaRPr lang="en-US"/>
+          </a:p>
+        </p:txBody>
+      </p:sp>
+      <p:sp>
+        <p:nvSpPr>
+          <p:cNvPr id="40" name="Rectangle 39">
+            <a:extLst>
+              <a:ext uri="{FF2B5EF4-FFF2-40B4-BE49-F238E27FC236}">
+                <a16:creationId xmlns:a16="http://schemas.microsoft.com/office/drawing/2014/main" id="{AF4D6558-1021-5180-EF98-87B6D99E01C2}"/>
+              </a:ext>
+            </a:extLst>
+          </p:cNvPr>
+          <p:cNvSpPr/>
+          <p:nvPr/>
+        </p:nvSpPr>
+        <p:spPr>
+          <a:xfrm>
+            <a:off x="4819663" y="804863"/>
+            <a:ext cx="676275" cy="161925"/>
+          </a:xfrm>
+          <a:prstGeom prst="rect">
+            <a:avLst/>
+          </a:prstGeom>
+          <a:solidFill>
+            <a:srgbClr val="BFE7F7"/>
+          </a:solidFill>
+          <a:ln>
+            <a:noFill/>
+          </a:ln>
+        </p:spPr>
+        <p:style>
+          <a:lnRef idx="2">
+            <a:schemeClr val="accent1">
+              <a:shade val="15000"/>
+            </a:schemeClr>
+          </a:lnRef>
+          <a:fillRef idx="1">
+            <a:schemeClr val="accent1"/>
+          </a:fillRef>
+          <a:effectRef idx="0">
+            <a:schemeClr val="accent1"/>
+          </a:effectRef>
+          <a:fontRef idx="minor">
+            <a:schemeClr val="lt1"/>
+          </a:fontRef>
+        </p:style>
+        <p:txBody>
+          <a:bodyPr rtlCol="0" anchor="ctr"/>
+          <a:lstStyle/>
+          <a:p>
+            <a:pPr algn="ctr"/>
+            <a:endParaRPr lang="en-US"/>
+          </a:p>
+        </p:txBody>
+      </p:sp>
+      <p:grpSp>
+        <p:nvGrpSpPr>
+          <p:cNvPr id="3" name="Group 2">
+            <a:extLst>
+              <a:ext uri="{FF2B5EF4-FFF2-40B4-BE49-F238E27FC236}">
+                <a16:creationId xmlns:a16="http://schemas.microsoft.com/office/drawing/2014/main" id="{89BB43ED-5FDC-6803-8ACF-2B9A8BDF66CB}"/>
+              </a:ext>
+            </a:extLst>
+          </p:cNvPr>
+          <p:cNvGrpSpPr/>
+          <p:nvPr/>
+        </p:nvGrpSpPr>
+        <p:grpSpPr>
+          <a:xfrm>
+            <a:off x="3306253" y="739315"/>
+            <a:ext cx="3083758" cy="307777"/>
+            <a:chOff x="3306253" y="739315"/>
+            <a:chExt cx="3083758" cy="307777"/>
+          </a:xfrm>
+        </p:grpSpPr>
+        <p:pic>
+          <p:nvPicPr>
+            <p:cNvPr id="39" name="Picture 2">
+              <a:extLst>
+                <a:ext uri="{FF2B5EF4-FFF2-40B4-BE49-F238E27FC236}">
+                  <a16:creationId xmlns:a16="http://schemas.microsoft.com/office/drawing/2014/main" id="{73ADA503-E179-501F-B71C-40C0DBF7C4A1}"/>
+                </a:ext>
+              </a:extLst>
+            </p:cNvPr>
+            <p:cNvPicPr>
+              <a:picLocks noChangeAspect="1" noChangeArrowheads="1"/>
+            </p:cNvPicPr>
+            <p:nvPr/>
+          </p:nvPicPr>
+          <p:blipFill rotWithShape="1">
+            <a:blip r:embed="rId2">
+              <a:extLst>
+                <a:ext uri="{28A0092B-C50C-407E-A947-70E740481C1C}">
+                  <a14:useLocalDpi xmlns:a14="http://schemas.microsoft.com/office/drawing/2010/main" val="0"/>
+                </a:ext>
+              </a:extLst>
+            </a:blip>
+            <a:srcRect l="26037" b="95388"/>
+            <a:stretch/>
+          </p:blipFill>
+          <p:spPr bwMode="auto">
+            <a:xfrm>
+              <a:off x="3941270" y="755157"/>
+              <a:ext cx="2448741" cy="276094"/>
+            </a:xfrm>
+            <a:prstGeom prst="rect">
+              <a:avLst/>
+            </a:prstGeom>
+            <a:noFill/>
+            <a:extLst>
+              <a:ext uri="{909E8E84-426E-40DD-AFC4-6F175D3DCCD1}">
+                <a14:hiddenFill xmlns:a14="http://schemas.microsoft.com/office/drawing/2010/main">
+                  <a:solidFill>
+                    <a:srgbClr val="FFFFFF"/>
+                  </a:solidFill>
+                </a14:hiddenFill>
+              </a:ext>
+            </a:extLst>
+          </p:spPr>
+        </p:pic>
+        <p:sp>
+          <p:nvSpPr>
+            <p:cNvPr id="41" name="TextBox 40">
+              <a:extLst>
+                <a:ext uri="{FF2B5EF4-FFF2-40B4-BE49-F238E27FC236}">
+                  <a16:creationId xmlns:a16="http://schemas.microsoft.com/office/drawing/2014/main" id="{03EFC97A-5BEE-62A8-9A95-A09C23CF355D}"/>
+                </a:ext>
+              </a:extLst>
+            </p:cNvPr>
+            <p:cNvSpPr txBox="1"/>
+            <p:nvPr/>
+          </p:nvSpPr>
+          <p:spPr>
+            <a:xfrm>
+              <a:off x="4619832" y="757966"/>
+              <a:ext cx="1075936" cy="261610"/>
+            </a:xfrm>
+            <a:prstGeom prst="rect">
+              <a:avLst/>
+            </a:prstGeom>
+            <a:noFill/>
+          </p:spPr>
+          <p:txBody>
+            <a:bodyPr wrap="none" rtlCol="0">
+              <a:spAutoFit/>
+            </a:bodyPr>
+            <a:lstStyle/>
+            <a:p>
+              <a:r>
+                <a:rPr lang="en-US" sz="1100" b="1" dirty="0"/>
+                <a:t>Read Trimming</a:t>
+              </a:r>
+            </a:p>
+          </p:txBody>
+        </p:sp>
+        <p:sp>
+          <p:nvSpPr>
+            <p:cNvPr id="43" name="Arrow: Right 42">
+              <a:extLst>
+                <a:ext uri="{FF2B5EF4-FFF2-40B4-BE49-F238E27FC236}">
+                  <a16:creationId xmlns:a16="http://schemas.microsoft.com/office/drawing/2014/main" id="{829C77D6-465E-9D3E-3D0D-16D6418A281A}"/>
+                </a:ext>
+              </a:extLst>
+            </p:cNvPr>
+            <p:cNvSpPr/>
+            <p:nvPr/>
+          </p:nvSpPr>
+          <p:spPr>
+            <a:xfrm flipH="1">
+              <a:off x="3306253" y="751457"/>
+              <a:ext cx="401558" cy="276094"/>
+            </a:xfrm>
+            <a:prstGeom prst="rightArrow">
+              <a:avLst/>
+            </a:prstGeom>
+            <a:solidFill>
+              <a:srgbClr val="BFE7F7"/>
+            </a:solidFill>
+            <a:ln>
+              <a:noFill/>
+            </a:ln>
+          </p:spPr>
+          <p:style>
+            <a:lnRef idx="2">
+              <a:schemeClr val="accent1">
+                <a:shade val="15000"/>
+              </a:schemeClr>
+            </a:lnRef>
+            <a:fillRef idx="1">
+              <a:schemeClr val="accent1"/>
+            </a:fillRef>
+            <a:effectRef idx="0">
+              <a:schemeClr val="accent1"/>
+            </a:effectRef>
+            <a:fontRef idx="minor">
+              <a:schemeClr val="lt1"/>
+            </a:fontRef>
+          </p:style>
+          <p:txBody>
+            <a:bodyPr rtlCol="0" anchor="ctr"/>
+            <a:lstStyle/>
+            <a:p>
+              <a:pPr algn="ctr"/>
+              <a:endParaRPr lang="en-US"/>
+            </a:p>
+          </p:txBody>
+        </p:sp>
+        <p:sp>
+          <p:nvSpPr>
+            <p:cNvPr id="44" name="TextBox 43">
+              <a:extLst>
+                <a:ext uri="{FF2B5EF4-FFF2-40B4-BE49-F238E27FC236}">
+                  <a16:creationId xmlns:a16="http://schemas.microsoft.com/office/drawing/2014/main" id="{5A25B5F5-EC9E-5AB0-3F44-5FFC32931AF8}"/>
+                </a:ext>
+              </a:extLst>
+            </p:cNvPr>
+            <p:cNvSpPr txBox="1"/>
+            <p:nvPr/>
+          </p:nvSpPr>
+          <p:spPr>
+            <a:xfrm>
+              <a:off x="3681409" y="739315"/>
+              <a:ext cx="276038" cy="307777"/>
+            </a:xfrm>
+            <a:prstGeom prst="rect">
+              <a:avLst/>
+            </a:prstGeom>
+            <a:noFill/>
+          </p:spPr>
+          <p:txBody>
+            <a:bodyPr wrap="none" rtlCol="0">
+              <a:spAutoFit/>
+            </a:bodyPr>
+            <a:lstStyle/>
+            <a:p>
+              <a:pPr algn="ctr"/>
+              <a:r>
+                <a:rPr lang="en-US" sz="1400" b="1" dirty="0"/>
+                <a:t>0</a:t>
               </a:r>
             </a:p>
           </p:txBody>
@@ -3437,7 +6223,7 @@
           <a:p>
             <a:r>
               <a:rPr lang="en-US" dirty="0"/>
-              <a:t>Cell Ranger STAR Alignment: 1 - 2</a:t>
+              <a:t>Cell Ranger Alignment: 1 - 2</a:t>
             </a:r>
           </a:p>
         </p:txBody>
@@ -3621,7 +6407,7 @@
             <a:p>
               <a:pPr algn="ctr"/>
               <a:r>
-                <a:rPr lang="en-US" sz="1400" dirty="0"/>
+                <a:rPr lang="en-US" sz="1400" b="1" dirty="0"/>
                 <a:t>1</a:t>
               </a:r>
             </a:p>
@@ -3657,7 +6443,7 @@
             <a:p>
               <a:pPr algn="ctr"/>
               <a:r>
-                <a:rPr lang="en-US" sz="1400" dirty="0"/>
+                <a:rPr lang="en-US" sz="1400" b="1" dirty="0"/>
                 <a:t>2</a:t>
               </a:r>
             </a:p>
@@ -3693,7 +6479,7 @@
             <a:p>
               <a:pPr algn="ctr"/>
               <a:r>
-                <a:rPr lang="en-US" sz="1400" dirty="0"/>
+                <a:rPr lang="en-US" sz="1400" b="1" dirty="0"/>
                 <a:t>3</a:t>
               </a:r>
             </a:p>
@@ -3729,7 +6515,7 @@
             <a:p>
               <a:pPr algn="ctr"/>
               <a:r>
-                <a:rPr lang="en-US" sz="1400" dirty="0"/>
+                <a:rPr lang="en-US" sz="1400" b="1" dirty="0"/>
                 <a:t>4</a:t>
               </a:r>
             </a:p>
@@ -3765,7 +6551,7 @@
             <a:p>
               <a:pPr algn="ctr"/>
               <a:r>
-                <a:rPr lang="en-US" sz="1400" dirty="0"/>
+                <a:rPr lang="en-US" sz="1400" b="1" dirty="0"/>
                 <a:t>5</a:t>
               </a:r>
             </a:p>
@@ -3801,7 +6587,7 @@
             <a:p>
               <a:pPr algn="ctr"/>
               <a:r>
-                <a:rPr lang="en-US" sz="1400" dirty="0"/>
+                <a:rPr lang="en-US" sz="1400" b="1" dirty="0"/>
                 <a:t>6</a:t>
               </a:r>
             </a:p>
@@ -3837,7 +6623,7 @@
             <a:p>
               <a:pPr algn="ctr"/>
               <a:r>
-                <a:rPr lang="en-US" sz="1400" dirty="0"/>
+                <a:rPr lang="en-US" sz="1400" b="1" dirty="0"/>
                 <a:t>7</a:t>
               </a:r>
             </a:p>
@@ -3873,7 +6659,7 @@
             <a:p>
               <a:pPr algn="ctr"/>
               <a:r>
-                <a:rPr lang="en-US" sz="1400" dirty="0"/>
+                <a:rPr lang="en-US" sz="1400" b="1" dirty="0"/>
                 <a:t>8</a:t>
               </a:r>
             </a:p>
@@ -3909,7 +6695,7 @@
             <a:p>
               <a:pPr algn="ctr"/>
               <a:r>
-                <a:rPr lang="en-US" sz="1400" dirty="0"/>
+                <a:rPr lang="en-US" sz="1400" b="1" dirty="0"/>
                 <a:t>9</a:t>
               </a:r>
             </a:p>
@@ -4148,7 +6934,7 @@
           <a:p>
             <a:r>
               <a:rPr lang="en-US" dirty="0"/>
-              <a:t>Cell Ranger STAR Alignment: 3 - 4</a:t>
+              <a:t>Cell Ranger Alignment: 3 - 4</a:t>
             </a:r>
           </a:p>
         </p:txBody>
@@ -4332,7 +7118,7 @@
             <a:p>
               <a:pPr algn="ctr"/>
               <a:r>
-                <a:rPr lang="en-US" sz="1400" dirty="0"/>
+                <a:rPr lang="en-US" sz="1400" b="1" dirty="0"/>
                 <a:t>1</a:t>
               </a:r>
             </a:p>
@@ -4368,7 +7154,7 @@
             <a:p>
               <a:pPr algn="ctr"/>
               <a:r>
-                <a:rPr lang="en-US" sz="1400" dirty="0"/>
+                <a:rPr lang="en-US" sz="1400" b="1" dirty="0"/>
                 <a:t>2</a:t>
               </a:r>
             </a:p>
@@ -4404,7 +7190,7 @@
             <a:p>
               <a:pPr algn="ctr"/>
               <a:r>
-                <a:rPr lang="en-US" sz="1400" dirty="0"/>
+                <a:rPr lang="en-US" sz="1400" b="1" dirty="0"/>
                 <a:t>3</a:t>
               </a:r>
             </a:p>
@@ -4440,7 +7226,7 @@
             <a:p>
               <a:pPr algn="ctr"/>
               <a:r>
-                <a:rPr lang="en-US" sz="1400" dirty="0"/>
+                <a:rPr lang="en-US" sz="1400" b="1" dirty="0"/>
                 <a:t>4</a:t>
               </a:r>
             </a:p>
@@ -4476,7 +7262,7 @@
             <a:p>
               <a:pPr algn="ctr"/>
               <a:r>
-                <a:rPr lang="en-US" sz="1400" dirty="0"/>
+                <a:rPr lang="en-US" sz="1400" b="1" dirty="0"/>
                 <a:t>5</a:t>
               </a:r>
             </a:p>
@@ -4512,7 +7298,7 @@
             <a:p>
               <a:pPr algn="ctr"/>
               <a:r>
-                <a:rPr lang="en-US" sz="1400" dirty="0"/>
+                <a:rPr lang="en-US" sz="1400" b="1" dirty="0"/>
                 <a:t>6</a:t>
               </a:r>
             </a:p>
@@ -4548,7 +7334,7 @@
             <a:p>
               <a:pPr algn="ctr"/>
               <a:r>
-                <a:rPr lang="en-US" sz="1400" dirty="0"/>
+                <a:rPr lang="en-US" sz="1400" b="1" dirty="0"/>
                 <a:t>7</a:t>
               </a:r>
             </a:p>
@@ -4584,7 +7370,7 @@
             <a:p>
               <a:pPr algn="ctr"/>
               <a:r>
-                <a:rPr lang="en-US" sz="1400" dirty="0"/>
+                <a:rPr lang="en-US" sz="1400" b="1" dirty="0"/>
                 <a:t>8</a:t>
               </a:r>
             </a:p>
@@ -4620,7 +7406,7 @@
             <a:p>
               <a:pPr algn="ctr"/>
               <a:r>
-                <a:rPr lang="en-US" sz="1400" dirty="0"/>
+                <a:rPr lang="en-US" sz="1400" b="1" dirty="0"/>
                 <a:t>9</a:t>
               </a:r>
             </a:p>
@@ -5260,7 +8046,7 @@
           <a:p>
             <a:r>
               <a:rPr lang="en-US" dirty="0"/>
-              <a:t>Cell Ranger STAR Alignment: 5 - 6</a:t>
+              <a:t>Cell Ranger Alignment: 5 - 6</a:t>
             </a:r>
           </a:p>
         </p:txBody>
@@ -5444,7 +8230,7 @@
             <a:p>
               <a:pPr algn="ctr"/>
               <a:r>
-                <a:rPr lang="en-US" sz="1400" dirty="0"/>
+                <a:rPr lang="en-US" sz="1400" b="1" dirty="0"/>
                 <a:t>1</a:t>
               </a:r>
             </a:p>
@@ -5480,7 +8266,7 @@
             <a:p>
               <a:pPr algn="ctr"/>
               <a:r>
-                <a:rPr lang="en-US" sz="1400" dirty="0"/>
+                <a:rPr lang="en-US" sz="1400" b="1" dirty="0"/>
                 <a:t>2</a:t>
               </a:r>
             </a:p>
@@ -5516,7 +8302,7 @@
             <a:p>
               <a:pPr algn="ctr"/>
               <a:r>
-                <a:rPr lang="en-US" sz="1400" dirty="0"/>
+                <a:rPr lang="en-US" sz="1400" b="1" dirty="0"/>
                 <a:t>3</a:t>
               </a:r>
             </a:p>
@@ -5552,7 +8338,7 @@
             <a:p>
               <a:pPr algn="ctr"/>
               <a:r>
-                <a:rPr lang="en-US" sz="1400" dirty="0"/>
+                <a:rPr lang="en-US" sz="1400" b="1" dirty="0"/>
                 <a:t>4</a:t>
               </a:r>
             </a:p>
@@ -5588,7 +8374,7 @@
             <a:p>
               <a:pPr algn="ctr"/>
               <a:r>
-                <a:rPr lang="en-US" sz="1400" dirty="0"/>
+                <a:rPr lang="en-US" sz="1400" b="1" dirty="0"/>
                 <a:t>5</a:t>
               </a:r>
             </a:p>
@@ -5624,7 +8410,7 @@
             <a:p>
               <a:pPr algn="ctr"/>
               <a:r>
-                <a:rPr lang="en-US" sz="1400" dirty="0"/>
+                <a:rPr lang="en-US" sz="1400" b="1" dirty="0"/>
                 <a:t>6</a:t>
               </a:r>
             </a:p>
@@ -5660,7 +8446,7 @@
             <a:p>
               <a:pPr algn="ctr"/>
               <a:r>
-                <a:rPr lang="en-US" sz="1400" dirty="0"/>
+                <a:rPr lang="en-US" sz="1400" b="1" dirty="0"/>
                 <a:t>7</a:t>
               </a:r>
             </a:p>
@@ -5696,7 +8482,7 @@
             <a:p>
               <a:pPr algn="ctr"/>
               <a:r>
-                <a:rPr lang="en-US" sz="1400" dirty="0"/>
+                <a:rPr lang="en-US" sz="1400" b="1" dirty="0"/>
                 <a:t>8</a:t>
               </a:r>
             </a:p>
@@ -5732,7 +8518,7 @@
             <a:p>
               <a:pPr algn="ctr"/>
               <a:r>
-                <a:rPr lang="en-US" sz="1400" dirty="0"/>
+                <a:rPr lang="en-US" sz="1400" b="1" dirty="0"/>
                 <a:t>9</a:t>
               </a:r>
             </a:p>
@@ -5861,7 +8647,7 @@
         </p:nvSpPr>
         <p:spPr>
           <a:xfrm>
-            <a:off x="3614468" y="2682444"/>
+            <a:off x="3648972" y="2750222"/>
             <a:ext cx="5232271" cy="1477328"/>
           </a:xfrm>
           <a:prstGeom prst="rect">
@@ -5921,7 +8707,7 @@
         </p:blipFill>
         <p:spPr bwMode="auto">
           <a:xfrm>
-            <a:off x="8800377" y="2703229"/>
+            <a:off x="8834881" y="2771007"/>
             <a:ext cx="3070172" cy="1322920"/>
           </a:xfrm>
           <a:prstGeom prst="rect">
@@ -5953,8 +8739,8 @@
         </p:nvSpPr>
         <p:spPr>
           <a:xfrm>
-            <a:off x="4032851" y="917881"/>
-            <a:ext cx="6191250" cy="1723549"/>
+            <a:off x="3623339" y="1200097"/>
+            <a:ext cx="7580193" cy="1477328"/>
           </a:xfrm>
           <a:prstGeom prst="rect">
             <a:avLst/>
@@ -5968,14 +8754,14 @@
           <a:lstStyle/>
           <a:p>
             <a:r>
-              <a:rPr lang="en-US" b="0" i="0" dirty="0">
+              <a:rPr lang="en-US" b="1" i="0" dirty="0">
                 <a:solidFill>
                   <a:srgbClr val="333333"/>
                 </a:solidFill>
                 <a:effectLst/>
                 <a:latin typeface="Open Sans" panose="020B0606030504020204" pitchFamily="34" charset="0"/>
               </a:rPr>
-              <a:t>Cell Ranger Discards Low Quality Reads</a:t>
+              <a:t>5. Cell Ranger Discards Low Quality Reads</a:t>
             </a:r>
           </a:p>
           <a:p>
@@ -6135,6 +8921,151 @@
               </a:rPr>
               <a:t>https://hackbrightacademy.com/blog/indel-finder-how-the-python-version-of-this-program-works/</a:t>
             </a:r>
+          </a:p>
+        </p:txBody>
+      </p:sp>
+      <p:sp>
+        <p:nvSpPr>
+          <p:cNvPr id="17" name="TextBox 16">
+            <a:extLst>
+              <a:ext uri="{FF2B5EF4-FFF2-40B4-BE49-F238E27FC236}">
+                <a16:creationId xmlns:a16="http://schemas.microsoft.com/office/drawing/2014/main" id="{0B304355-2E07-DC26-36F1-CCADB0A0BAE9}"/>
+              </a:ext>
+            </a:extLst>
+          </p:cNvPr>
+          <p:cNvSpPr txBox="1"/>
+          <p:nvPr/>
+        </p:nvSpPr>
+        <p:spPr>
+          <a:xfrm>
+            <a:off x="3623339" y="4371194"/>
+            <a:ext cx="7580193" cy="1477328"/>
+          </a:xfrm>
+          <a:prstGeom prst="rect">
+            <a:avLst/>
+          </a:prstGeom>
+          <a:noFill/>
+        </p:spPr>
+        <p:txBody>
+          <a:bodyPr wrap="square">
+            <a:spAutoFit/>
+          </a:bodyPr>
+          <a:lstStyle/>
+          <a:p>
+            <a:r>
+              <a:rPr lang="en-US" b="1" dirty="0">
+                <a:solidFill>
+                  <a:srgbClr val="333333"/>
+                </a:solidFill>
+                <a:latin typeface="Open Sans" panose="020B0606030504020204" pitchFamily="34" charset="0"/>
+              </a:rPr>
+              <a:t>6</a:t>
+            </a:r>
+            <a:r>
+              <a:rPr lang="en-US" b="1" i="0" dirty="0">
+                <a:solidFill>
+                  <a:srgbClr val="333333"/>
+                </a:solidFill>
+                <a:effectLst/>
+                <a:latin typeface="Open Sans" panose="020B0606030504020204" pitchFamily="34" charset="0"/>
+              </a:rPr>
+              <a:t>. Cell Ranger performs Umi counting</a:t>
+            </a:r>
+          </a:p>
+          <a:p>
+            <a:r>
+              <a:rPr lang="en-US" dirty="0">
+                <a:solidFill>
+                  <a:srgbClr val="333333"/>
+                </a:solidFill>
+                <a:latin typeface="Open Sans" panose="020B0606030504020204" pitchFamily="34" charset="0"/>
+              </a:rPr>
+              <a:t>Reads are grouped by barcode, UMI, and gene annotation</a:t>
+            </a:r>
+          </a:p>
+          <a:p>
+            <a:r>
+              <a:rPr lang="en-US" b="0" i="0" dirty="0">
+                <a:solidFill>
+                  <a:srgbClr val="333333"/>
+                </a:solidFill>
+                <a:effectLst/>
+                <a:latin typeface="Open Sans" panose="020B0606030504020204" pitchFamily="34" charset="0"/>
+              </a:rPr>
+              <a:t>If there are reads with same barcode and UMI but different gene annotations, </a:t>
+            </a:r>
+            <a:r>
+              <a:rPr lang="en-US" dirty="0">
+                <a:solidFill>
+                  <a:srgbClr val="333333"/>
+                </a:solidFill>
+                <a:latin typeface="Open Sans" panose="020B0606030504020204" pitchFamily="34" charset="0"/>
+              </a:rPr>
+              <a:t>discards the annotation with lease supported reads (low support molecules).</a:t>
+            </a:r>
+            <a:endParaRPr lang="en-US" b="0" i="0" dirty="0">
+              <a:solidFill>
+                <a:srgbClr val="333333"/>
+              </a:solidFill>
+              <a:effectLst/>
+              <a:latin typeface="Open Sans" panose="020B0606030504020204" pitchFamily="34" charset="0"/>
+            </a:endParaRPr>
+          </a:p>
+        </p:txBody>
+      </p:sp>
+      <p:sp>
+        <p:nvSpPr>
+          <p:cNvPr id="18" name="TextBox 17">
+            <a:extLst>
+              <a:ext uri="{FF2B5EF4-FFF2-40B4-BE49-F238E27FC236}">
+                <a16:creationId xmlns:a16="http://schemas.microsoft.com/office/drawing/2014/main" id="{2F77025A-3124-8F53-703F-206081FF5B9A}"/>
+              </a:ext>
+            </a:extLst>
+          </p:cNvPr>
+          <p:cNvSpPr txBox="1"/>
+          <p:nvPr/>
+        </p:nvSpPr>
+        <p:spPr>
+          <a:xfrm>
+            <a:off x="4219226" y="5901389"/>
+            <a:ext cx="7580193" cy="369332"/>
+          </a:xfrm>
+          <a:prstGeom prst="rect">
+            <a:avLst/>
+          </a:prstGeom>
+          <a:noFill/>
+        </p:spPr>
+        <p:txBody>
+          <a:bodyPr wrap="square">
+            <a:spAutoFit/>
+          </a:bodyPr>
+          <a:lstStyle/>
+          <a:p>
+            <a:r>
+              <a:rPr lang="en-US" b="1" dirty="0">
+                <a:solidFill>
+                  <a:srgbClr val="333333"/>
+                </a:solidFill>
+                <a:latin typeface="Open Sans" panose="020B0606030504020204" pitchFamily="34" charset="0"/>
+              </a:rPr>
+              <a:t>Output counts</a:t>
+            </a:r>
+            <a:r>
+              <a:rPr lang="en-US" dirty="0">
+                <a:solidFill>
+                  <a:srgbClr val="333333"/>
+                </a:solidFill>
+                <a:latin typeface="Open Sans" panose="020B0606030504020204" pitchFamily="34" charset="0"/>
+              </a:rPr>
+              <a:t>: unfiltered featured-barcode matrix</a:t>
+            </a:r>
+            <a:endParaRPr lang="en-US" i="0" dirty="0">
+              <a:solidFill>
+                <a:srgbClr val="333333"/>
+              </a:solidFill>
+              <a:effectLst/>
+              <a:latin typeface="Open Sans" panose="020B0606030504020204" pitchFamily="34" charset="0"/>
+            </a:endParaRPr>
           </a:p>
         </p:txBody>
       </p:sp>
@@ -6315,7 +9246,7 @@
           <a:p>
             <a:r>
               <a:rPr lang="en-US" dirty="0"/>
-              <a:t>Cell Ranger STAR Alignment: 7 - 9</a:t>
+              <a:t>Cell Ranger Alignment: 7 - 9</a:t>
             </a:r>
           </a:p>
         </p:txBody>
@@ -6499,7 +9430,7 @@
             <a:p>
               <a:pPr algn="ctr"/>
               <a:r>
-                <a:rPr lang="en-US" sz="1400" dirty="0"/>
+                <a:rPr lang="en-US" sz="1400" b="1" dirty="0"/>
                 <a:t>1</a:t>
               </a:r>
             </a:p>
@@ -6535,7 +9466,7 @@
             <a:p>
               <a:pPr algn="ctr"/>
               <a:r>
-                <a:rPr lang="en-US" sz="1400" dirty="0"/>
+                <a:rPr lang="en-US" sz="1400" b="1" dirty="0"/>
                 <a:t>2</a:t>
               </a:r>
             </a:p>
@@ -6571,7 +9502,7 @@
             <a:p>
               <a:pPr algn="ctr"/>
               <a:r>
-                <a:rPr lang="en-US" sz="1400" dirty="0"/>
+                <a:rPr lang="en-US" sz="1400" b="1" dirty="0"/>
                 <a:t>3</a:t>
               </a:r>
             </a:p>
@@ -6607,7 +9538,7 @@
             <a:p>
               <a:pPr algn="ctr"/>
               <a:r>
-                <a:rPr lang="en-US" sz="1400" dirty="0"/>
+                <a:rPr lang="en-US" sz="1400" b="1" dirty="0"/>
                 <a:t>4</a:t>
               </a:r>
             </a:p>
@@ -6643,7 +9574,7 @@
             <a:p>
               <a:pPr algn="ctr"/>
               <a:r>
-                <a:rPr lang="en-US" sz="1400" dirty="0"/>
+                <a:rPr lang="en-US" sz="1400" b="1" dirty="0"/>
                 <a:t>5</a:t>
               </a:r>
             </a:p>
@@ -6679,7 +9610,7 @@
             <a:p>
               <a:pPr algn="ctr"/>
               <a:r>
-                <a:rPr lang="en-US" sz="1400" dirty="0"/>
+                <a:rPr lang="en-US" sz="1400" b="1" dirty="0"/>
                 <a:t>6</a:t>
               </a:r>
             </a:p>
@@ -6715,7 +9646,7 @@
             <a:p>
               <a:pPr algn="ctr"/>
               <a:r>
-                <a:rPr lang="en-US" sz="1400" dirty="0"/>
+                <a:rPr lang="en-US" sz="1400" b="1" dirty="0"/>
                 <a:t>7</a:t>
               </a:r>
             </a:p>
@@ -6751,7 +9682,7 @@
             <a:p>
               <a:pPr algn="ctr"/>
               <a:r>
-                <a:rPr lang="en-US" sz="1400" dirty="0"/>
+                <a:rPr lang="en-US" sz="1400" b="1" dirty="0"/>
                 <a:t>8</a:t>
               </a:r>
             </a:p>
@@ -6787,7 +9718,7 @@
             <a:p>
               <a:pPr algn="ctr"/>
               <a:r>
-                <a:rPr lang="en-US" sz="1400" dirty="0"/>
+                <a:rPr lang="en-US" sz="1400" b="1" dirty="0"/>
                 <a:t>9</a:t>
               </a:r>
             </a:p>
@@ -6899,6 +9830,253 @@
           <a:p>
             <a:pPr algn="ctr"/>
             <a:endParaRPr lang="en-US"/>
+          </a:p>
+        </p:txBody>
+      </p:sp>
+      <p:sp>
+        <p:nvSpPr>
+          <p:cNvPr id="18" name="TextBox 17">
+            <a:extLst>
+              <a:ext uri="{FF2B5EF4-FFF2-40B4-BE49-F238E27FC236}">
+                <a16:creationId xmlns:a16="http://schemas.microsoft.com/office/drawing/2014/main" id="{E05EFB96-ED84-C25D-8AAB-689AB802411A}"/>
+              </a:ext>
+            </a:extLst>
+          </p:cNvPr>
+          <p:cNvSpPr txBox="1"/>
+          <p:nvPr/>
+        </p:nvSpPr>
+        <p:spPr>
+          <a:xfrm>
+            <a:off x="4423427" y="4102883"/>
+            <a:ext cx="6190342" cy="369332"/>
+          </a:xfrm>
+          <a:prstGeom prst="rect">
+            <a:avLst/>
+          </a:prstGeom>
+          <a:noFill/>
+        </p:spPr>
+        <p:txBody>
+          <a:bodyPr wrap="square">
+            <a:spAutoFit/>
+          </a:bodyPr>
+          <a:lstStyle/>
+          <a:p>
+            <a:r>
+              <a:rPr lang="en-US" dirty="0"/>
+              <a:t>8. Discard Empty GEMs (gel bead in emulsion droplets).</a:t>
+            </a:r>
+          </a:p>
+        </p:txBody>
+      </p:sp>
+      <p:pic>
+        <p:nvPicPr>
+          <p:cNvPr id="4098" name="Picture 2" descr="Ambient RNA Overview">
+            <a:extLst>
+              <a:ext uri="{FF2B5EF4-FFF2-40B4-BE49-F238E27FC236}">
+                <a16:creationId xmlns:a16="http://schemas.microsoft.com/office/drawing/2014/main" id="{06770701-85D9-E17F-DD1C-249F360760D2}"/>
+              </a:ext>
+            </a:extLst>
+          </p:cNvPr>
+          <p:cNvPicPr>
+            <a:picLocks noChangeAspect="1" noChangeArrowheads="1"/>
+          </p:cNvPicPr>
+          <p:nvPr/>
+        </p:nvPicPr>
+        <p:blipFill rotWithShape="1">
+          <a:blip r:embed="rId3">
+            <a:extLst>
+              <a:ext uri="{28A0092B-C50C-407E-A947-70E740481C1C}">
+                <a14:useLocalDpi xmlns:a14="http://schemas.microsoft.com/office/drawing/2010/main" val="0"/>
+              </a:ext>
+            </a:extLst>
+          </a:blip>
+          <a:srcRect t="2427" r="77043" b="70187"/>
+          <a:stretch/>
+        </p:blipFill>
+        <p:spPr bwMode="auto">
+          <a:xfrm>
+            <a:off x="5143641" y="4502150"/>
+            <a:ext cx="1960023" cy="1139540"/>
+          </a:xfrm>
+          <a:prstGeom prst="rect">
+            <a:avLst/>
+          </a:prstGeom>
+          <a:noFill/>
+          <a:extLst>
+            <a:ext uri="{909E8E84-426E-40DD-AFC4-6F175D3DCCD1}">
+              <a14:hiddenFill xmlns:a14="http://schemas.microsoft.com/office/drawing/2010/main">
+                <a:solidFill>
+                  <a:srgbClr val="FFFFFF"/>
+                </a:solidFill>
+              </a14:hiddenFill>
+            </a:ext>
+          </a:extLst>
+        </p:spPr>
+      </p:pic>
+      <p:grpSp>
+        <p:nvGrpSpPr>
+          <p:cNvPr id="21" name="Group 20">
+            <a:extLst>
+              <a:ext uri="{FF2B5EF4-FFF2-40B4-BE49-F238E27FC236}">
+                <a16:creationId xmlns:a16="http://schemas.microsoft.com/office/drawing/2014/main" id="{0939DCFA-2F03-9242-DF2C-171FE8E1A1D1}"/>
+              </a:ext>
+            </a:extLst>
+          </p:cNvPr>
+          <p:cNvGrpSpPr>
+            <a:grpSpLocks noChangeAspect="1"/>
+          </p:cNvGrpSpPr>
+          <p:nvPr/>
+        </p:nvGrpSpPr>
+        <p:grpSpPr>
+          <a:xfrm>
+            <a:off x="7432039" y="4502150"/>
+            <a:ext cx="1726682" cy="1053269"/>
+            <a:chOff x="7505700" y="4313662"/>
+            <a:chExt cx="1031438" cy="629173"/>
+          </a:xfrm>
+        </p:grpSpPr>
+        <p:pic>
+          <p:nvPicPr>
+            <p:cNvPr id="19" name="Picture 2" descr="Ambient RNA Overview">
+              <a:extLst>
+                <a:ext uri="{FF2B5EF4-FFF2-40B4-BE49-F238E27FC236}">
+                  <a16:creationId xmlns:a16="http://schemas.microsoft.com/office/drawing/2014/main" id="{E9087419-48A8-5AEA-9CEA-D568196669AC}"/>
+                </a:ext>
+              </a:extLst>
+            </p:cNvPr>
+            <p:cNvPicPr>
+              <a:picLocks noChangeAspect="1" noChangeArrowheads="1"/>
+            </p:cNvPicPr>
+            <p:nvPr/>
+          </p:nvPicPr>
+          <p:blipFill rotWithShape="1">
+            <a:blip r:embed="rId3">
+              <a:extLst>
+                <a:ext uri="{28A0092B-C50C-407E-A947-70E740481C1C}">
+                  <a14:useLocalDpi xmlns:a14="http://schemas.microsoft.com/office/drawing/2010/main" val="0"/>
+                </a:ext>
+              </a:extLst>
+            </a:blip>
+            <a:srcRect l="31382" t="28113" r="52064" b="46845"/>
+            <a:stretch/>
+          </p:blipFill>
+          <p:spPr bwMode="auto">
+            <a:xfrm>
+              <a:off x="7683698" y="4313662"/>
+              <a:ext cx="853440" cy="629173"/>
+            </a:xfrm>
+            <a:prstGeom prst="rect">
+              <a:avLst/>
+            </a:prstGeom>
+            <a:noFill/>
+            <a:extLst>
+              <a:ext uri="{909E8E84-426E-40DD-AFC4-6F175D3DCCD1}">
+                <a14:hiddenFill xmlns:a14="http://schemas.microsoft.com/office/drawing/2010/main">
+                  <a:solidFill>
+                    <a:srgbClr val="FFFFFF"/>
+                  </a:solidFill>
+                </a14:hiddenFill>
+              </a:ext>
+            </a:extLst>
+          </p:spPr>
+        </p:pic>
+        <p:sp>
+          <p:nvSpPr>
+            <p:cNvPr id="20" name="Rectangle 19">
+              <a:extLst>
+                <a:ext uri="{FF2B5EF4-FFF2-40B4-BE49-F238E27FC236}">
+                  <a16:creationId xmlns:a16="http://schemas.microsoft.com/office/drawing/2014/main" id="{8C806F45-DADE-44B0-6FC5-E8D62415E87B}"/>
+                </a:ext>
+              </a:extLst>
+            </p:cNvPr>
+            <p:cNvSpPr/>
+            <p:nvPr/>
+          </p:nvSpPr>
+          <p:spPr>
+            <a:xfrm>
+              <a:off x="7505700" y="4313662"/>
+              <a:ext cx="396240" cy="369332"/>
+            </a:xfrm>
+            <a:prstGeom prst="rect">
+              <a:avLst/>
+            </a:prstGeom>
+            <a:solidFill>
+              <a:schemeClr val="bg1"/>
+            </a:solidFill>
+            <a:ln>
+              <a:noFill/>
+            </a:ln>
+          </p:spPr>
+          <p:style>
+            <a:lnRef idx="2">
+              <a:schemeClr val="accent1">
+                <a:shade val="15000"/>
+              </a:schemeClr>
+            </a:lnRef>
+            <a:fillRef idx="1">
+              <a:schemeClr val="accent1"/>
+            </a:fillRef>
+            <a:effectRef idx="0">
+              <a:schemeClr val="accent1"/>
+            </a:effectRef>
+            <a:fontRef idx="minor">
+              <a:schemeClr val="lt1"/>
+            </a:fontRef>
+          </p:style>
+          <p:txBody>
+            <a:bodyPr rtlCol="0" anchor="ctr"/>
+            <a:lstStyle/>
+            <a:p>
+              <a:pPr algn="ctr"/>
+              <a:endParaRPr lang="en-US"/>
+            </a:p>
+          </p:txBody>
+        </p:sp>
+      </p:grpSp>
+      <p:sp>
+        <p:nvSpPr>
+          <p:cNvPr id="22" name="TextBox 21">
+            <a:extLst>
+              <a:ext uri="{FF2B5EF4-FFF2-40B4-BE49-F238E27FC236}">
+                <a16:creationId xmlns:a16="http://schemas.microsoft.com/office/drawing/2014/main" id="{399A81A7-E9F1-4DA5-7377-D89909D7D43A}"/>
+              </a:ext>
+            </a:extLst>
+          </p:cNvPr>
+          <p:cNvSpPr txBox="1"/>
+          <p:nvPr/>
+        </p:nvSpPr>
+        <p:spPr>
+          <a:xfrm>
+            <a:off x="4423427" y="5949763"/>
+            <a:ext cx="7580193" cy="369332"/>
+          </a:xfrm>
+          <a:prstGeom prst="rect">
+            <a:avLst/>
+          </a:prstGeom>
+          <a:noFill/>
+        </p:spPr>
+        <p:txBody>
+          <a:bodyPr wrap="square">
+            <a:spAutoFit/>
+          </a:bodyPr>
+          <a:lstStyle/>
+          <a:p>
+            <a:r>
+              <a:rPr lang="en-US" b="1" dirty="0">
+                <a:solidFill>
+                  <a:srgbClr val="333333"/>
+                </a:solidFill>
+                <a:latin typeface="Open Sans" panose="020B0606030504020204" pitchFamily="34" charset="0"/>
+              </a:rPr>
+              <a:t>Output results: filtered featured-barcode matrix</a:t>
+            </a:r>
+            <a:endParaRPr lang="en-US" b="0" i="0" dirty="0">
+              <a:solidFill>
+                <a:srgbClr val="333333"/>
+              </a:solidFill>
+              <a:effectLst/>
+              <a:latin typeface="Open Sans" panose="020B0606030504020204" pitchFamily="34" charset="0"/>
+            </a:endParaRPr>
           </a:p>
         </p:txBody>
       </p:sp>
@@ -7061,7 +10239,7 @@
           <p:cNvPr id="2" name="Title 1">
             <a:extLst>
               <a:ext uri="{FF2B5EF4-FFF2-40B4-BE49-F238E27FC236}">
-                <a16:creationId xmlns:a16="http://schemas.microsoft.com/office/drawing/2014/main" id="{15FF008D-6109-C04B-2DD5-F18725394719}"/>
+                <a16:creationId xmlns:a16="http://schemas.microsoft.com/office/drawing/2014/main" id="{8819AF7C-BFFF-0B52-1AF5-DE7E365892D4}"/>
               </a:ext>
             </a:extLst>
           </p:cNvPr>
@@ -7079,99 +10257,17 @@
           <a:p>
             <a:r>
               <a:rPr lang="en-US" dirty="0"/>
-              <a:t>Cell Ranger Setup and Script</a:t>
-            </a:r>
-          </a:p>
-        </p:txBody>
-      </p:sp>
-      <p:sp>
-        <p:nvSpPr>
-          <p:cNvPr id="4" name="TextBox 3">
-            <a:extLst>
-              <a:ext uri="{FF2B5EF4-FFF2-40B4-BE49-F238E27FC236}">
-                <a16:creationId xmlns:a16="http://schemas.microsoft.com/office/drawing/2014/main" id="{CC1F8028-DD48-21C8-784C-0351ADD5D02F}"/>
-              </a:ext>
-            </a:extLst>
-          </p:cNvPr>
-          <p:cNvSpPr txBox="1"/>
-          <p:nvPr/>
-        </p:nvSpPr>
-        <p:spPr>
-          <a:xfrm>
-            <a:off x="4729655" y="6627168"/>
-            <a:ext cx="5155323" cy="230832"/>
-          </a:xfrm>
-          <a:prstGeom prst="rect">
-            <a:avLst/>
-          </a:prstGeom>
-          <a:noFill/>
-        </p:spPr>
-        <p:txBody>
-          <a:bodyPr wrap="square">
-            <a:spAutoFit/>
-          </a:bodyPr>
-          <a:lstStyle/>
-          <a:p>
-            <a:pPr algn="r"/>
-            <a:r>
-              <a:rPr lang="en-US" sz="900" i="1" dirty="0">
-                <a:solidFill>
-                  <a:schemeClr val="bg1">
-                    <a:lumMod val="50000"/>
-                  </a:schemeClr>
-                </a:solidFill>
-              </a:rPr>
-              <a:t>https://www.10xgenomics.com/support/software/cell-ranger/algorithms-overview/</a:t>
-            </a:r>
-            <a:r>
-              <a:rPr lang="en-US" sz="900" i="1" dirty="0" err="1">
-                <a:solidFill>
-                  <a:schemeClr val="bg1">
-                    <a:lumMod val="50000"/>
-                  </a:schemeClr>
-                </a:solidFill>
-              </a:rPr>
-              <a:t>cr</a:t>
-            </a:r>
-            <a:r>
-              <a:rPr lang="en-US" sz="900" i="1" dirty="0">
-                <a:solidFill>
-                  <a:schemeClr val="bg1">
-                    <a:lumMod val="50000"/>
-                  </a:schemeClr>
-                </a:solidFill>
-              </a:rPr>
-              <a:t>-</a:t>
-            </a:r>
-            <a:r>
-              <a:rPr lang="en-US" sz="900" i="1" dirty="0" err="1">
-                <a:solidFill>
-                  <a:schemeClr val="bg1">
-                    <a:lumMod val="50000"/>
-                  </a:schemeClr>
-                </a:solidFill>
-              </a:rPr>
-              <a:t>gex</a:t>
-            </a:r>
-            <a:r>
-              <a:rPr lang="en-US" sz="900" i="1" dirty="0">
-                <a:solidFill>
-                  <a:schemeClr val="bg1">
-                    <a:lumMod val="50000"/>
-                  </a:schemeClr>
-                </a:solidFill>
-              </a:rPr>
-              <a:t>-algorithm</a:t>
+              <a:t>Cell Ranger Indexed Reference Genome Script</a:t>
             </a:r>
           </a:p>
         </p:txBody>
       </p:sp>
       <p:pic>
         <p:nvPicPr>
-          <p:cNvPr id="9" name="Picture 8">
-            <a:extLst>
-              <a:ext uri="{FF2B5EF4-FFF2-40B4-BE49-F238E27FC236}">
-                <a16:creationId xmlns:a16="http://schemas.microsoft.com/office/drawing/2014/main" id="{AD1207BB-9632-1571-EEF5-3E724D672037}"/>
+          <p:cNvPr id="4" name="Picture 3">
+            <a:extLst>
+              <a:ext uri="{FF2B5EF4-FFF2-40B4-BE49-F238E27FC236}">
+                <a16:creationId xmlns:a16="http://schemas.microsoft.com/office/drawing/2014/main" id="{E607CC2A-F866-6BC0-33A8-43389214A377}"/>
               </a:ext>
             </a:extLst>
           </p:cNvPr>
@@ -7188,323 +10284,8 @@
         </p:blipFill>
         <p:spPr>
           <a:xfrm>
-            <a:off x="223236" y="3155486"/>
-            <a:ext cx="5382376" cy="466790"/>
-          </a:xfrm>
-          <a:prstGeom prst="rect">
-            <a:avLst/>
-          </a:prstGeom>
-        </p:spPr>
-      </p:pic>
-      <p:pic>
-        <p:nvPicPr>
-          <p:cNvPr id="11" name="Picture 10">
-            <a:extLst>
-              <a:ext uri="{FF2B5EF4-FFF2-40B4-BE49-F238E27FC236}">
-                <a16:creationId xmlns:a16="http://schemas.microsoft.com/office/drawing/2014/main" id="{7BAF6576-6704-37D3-63D6-CA58A5534A18}"/>
-              </a:ext>
-            </a:extLst>
-          </p:cNvPr>
-          <p:cNvPicPr>
-            <a:picLocks noChangeAspect="1"/>
-          </p:cNvPicPr>
-          <p:nvPr/>
-        </p:nvPicPr>
-        <p:blipFill>
-          <a:blip r:embed="rId3"/>
-          <a:stretch>
-            <a:fillRect/>
-          </a:stretch>
-        </p:blipFill>
-        <p:spPr>
-          <a:xfrm>
-            <a:off x="223236" y="2072615"/>
-            <a:ext cx="4001058" cy="438211"/>
-          </a:xfrm>
-          <a:prstGeom prst="rect">
-            <a:avLst/>
-          </a:prstGeom>
-        </p:spPr>
-      </p:pic>
-      <p:pic>
-        <p:nvPicPr>
-          <p:cNvPr id="13" name="Picture 12">
-            <a:extLst>
-              <a:ext uri="{FF2B5EF4-FFF2-40B4-BE49-F238E27FC236}">
-                <a16:creationId xmlns:a16="http://schemas.microsoft.com/office/drawing/2014/main" id="{8E7AE1C7-515B-E59C-E200-48350423EB9E}"/>
-              </a:ext>
-            </a:extLst>
-          </p:cNvPr>
-          <p:cNvPicPr>
-            <a:picLocks noChangeAspect="1"/>
-          </p:cNvPicPr>
-          <p:nvPr/>
-        </p:nvPicPr>
-        <p:blipFill rotWithShape="1">
-          <a:blip r:embed="rId4"/>
-          <a:srcRect t="5206"/>
-          <a:stretch/>
-        </p:blipFill>
-        <p:spPr>
-          <a:xfrm>
-            <a:off x="223236" y="4953649"/>
-            <a:ext cx="5268060" cy="1101702"/>
-          </a:xfrm>
-          <a:prstGeom prst="rect">
-            <a:avLst/>
-          </a:prstGeom>
-        </p:spPr>
-      </p:pic>
-      <p:pic>
-        <p:nvPicPr>
-          <p:cNvPr id="15" name="Picture 14">
-            <a:extLst>
-              <a:ext uri="{FF2B5EF4-FFF2-40B4-BE49-F238E27FC236}">
-                <a16:creationId xmlns:a16="http://schemas.microsoft.com/office/drawing/2014/main" id="{3C1DDB22-DB48-35E2-AA11-229F55E038D8}"/>
-              </a:ext>
-            </a:extLst>
-          </p:cNvPr>
-          <p:cNvPicPr>
-            <a:picLocks noChangeAspect="1"/>
-          </p:cNvPicPr>
-          <p:nvPr/>
-        </p:nvPicPr>
-        <p:blipFill rotWithShape="1">
-          <a:blip r:embed="rId5"/>
-          <a:srcRect t="3559"/>
-          <a:stretch/>
-        </p:blipFill>
-        <p:spPr>
-          <a:xfrm>
-            <a:off x="6328829" y="1741438"/>
-            <a:ext cx="5525271" cy="1304590"/>
-          </a:xfrm>
-          <a:prstGeom prst="rect">
-            <a:avLst/>
-          </a:prstGeom>
-        </p:spPr>
-      </p:pic>
-      <p:sp>
-        <p:nvSpPr>
-          <p:cNvPr id="16" name="TextBox 15">
-            <a:extLst>
-              <a:ext uri="{FF2B5EF4-FFF2-40B4-BE49-F238E27FC236}">
-                <a16:creationId xmlns:a16="http://schemas.microsoft.com/office/drawing/2014/main" id="{2C963E76-F61C-A1ED-E201-5541B2D5A580}"/>
-              </a:ext>
-            </a:extLst>
-          </p:cNvPr>
-          <p:cNvSpPr txBox="1"/>
-          <p:nvPr/>
-        </p:nvSpPr>
-        <p:spPr>
-          <a:xfrm>
-            <a:off x="76211" y="674439"/>
-            <a:ext cx="5676426" cy="307777"/>
-          </a:xfrm>
-          <a:prstGeom prst="rect">
-            <a:avLst/>
-          </a:prstGeom>
-          <a:noFill/>
-        </p:spPr>
-        <p:txBody>
-          <a:bodyPr wrap="none" rtlCol="0">
-            <a:spAutoFit/>
-          </a:bodyPr>
-          <a:lstStyle/>
-          <a:p>
-            <a:r>
-              <a:rPr lang="en-US" sz="1400" i="1" dirty="0"/>
-              <a:t>Example script found in /M2_CellRanger_Alignment/align_zebrahub_sra.sh</a:t>
-            </a:r>
-          </a:p>
-        </p:txBody>
-      </p:sp>
-      <p:sp>
-        <p:nvSpPr>
-          <p:cNvPr id="19" name="TextBox 18">
-            <a:extLst>
-              <a:ext uri="{FF2B5EF4-FFF2-40B4-BE49-F238E27FC236}">
-                <a16:creationId xmlns:a16="http://schemas.microsoft.com/office/drawing/2014/main" id="{D8FAAAD8-7F7F-8E25-083F-297BD2D283AD}"/>
-              </a:ext>
-            </a:extLst>
-          </p:cNvPr>
-          <p:cNvSpPr txBox="1"/>
-          <p:nvPr/>
-        </p:nvSpPr>
-        <p:spPr>
-          <a:xfrm>
-            <a:off x="889269" y="2544946"/>
-            <a:ext cx="1866138" cy="276999"/>
-          </a:xfrm>
-          <a:prstGeom prst="rect">
-            <a:avLst/>
-          </a:prstGeom>
-          <a:noFill/>
-        </p:spPr>
-        <p:txBody>
-          <a:bodyPr wrap="square">
-            <a:spAutoFit/>
-          </a:bodyPr>
-          <a:lstStyle/>
-          <a:p>
-            <a:r>
-              <a:rPr lang="en-US" sz="1200" dirty="0"/>
-              <a:t>./SRR23691690</a:t>
-            </a:r>
-          </a:p>
-        </p:txBody>
-      </p:sp>
-      <p:sp>
-        <p:nvSpPr>
-          <p:cNvPr id="20" name="TextBox 19">
-            <a:extLst>
-              <a:ext uri="{FF2B5EF4-FFF2-40B4-BE49-F238E27FC236}">
-                <a16:creationId xmlns:a16="http://schemas.microsoft.com/office/drawing/2014/main" id="{34607C47-BAA5-8263-1797-C0FA213D1D12}"/>
-              </a:ext>
-            </a:extLst>
-          </p:cNvPr>
-          <p:cNvSpPr txBox="1"/>
-          <p:nvPr/>
-        </p:nvSpPr>
-        <p:spPr>
-          <a:xfrm>
-            <a:off x="851169" y="3630507"/>
-            <a:ext cx="2454402" cy="1015663"/>
-          </a:xfrm>
-          <a:prstGeom prst="rect">
-            <a:avLst/>
-          </a:prstGeom>
-          <a:noFill/>
-        </p:spPr>
-        <p:txBody>
-          <a:bodyPr wrap="square">
-            <a:spAutoFit/>
-          </a:bodyPr>
-          <a:lstStyle/>
-          <a:p>
-            <a:r>
-              <a:rPr lang="en-US" sz="1200" dirty="0"/>
-              <a:t>./SRR23691690_1.fastq</a:t>
-            </a:r>
-          </a:p>
-          <a:p>
-            <a:r>
-              <a:rPr lang="en-US" sz="1200" dirty="0"/>
-              <a:t>./SRR23691690_2.fastq</a:t>
-            </a:r>
-          </a:p>
-          <a:p>
-            <a:r>
-              <a:rPr lang="en-US" sz="1200" dirty="0"/>
-              <a:t>./SRR23691690_3.fastq</a:t>
-            </a:r>
-          </a:p>
-          <a:p>
-            <a:r>
-              <a:rPr lang="en-US" sz="1200" dirty="0"/>
-              <a:t>./SRR23691690_4.fastq</a:t>
-            </a:r>
-          </a:p>
-          <a:p>
-            <a:endParaRPr lang="en-US" sz="1200" dirty="0"/>
-          </a:p>
-        </p:txBody>
-      </p:sp>
-      <p:sp>
-        <p:nvSpPr>
-          <p:cNvPr id="21" name="TextBox 20">
-            <a:extLst>
-              <a:ext uri="{FF2B5EF4-FFF2-40B4-BE49-F238E27FC236}">
-                <a16:creationId xmlns:a16="http://schemas.microsoft.com/office/drawing/2014/main" id="{DA2B85D9-30B5-A401-DA0E-5B677392C5E6}"/>
-              </a:ext>
-            </a:extLst>
-          </p:cNvPr>
-          <p:cNvSpPr txBox="1"/>
-          <p:nvPr/>
-        </p:nvSpPr>
-        <p:spPr>
-          <a:xfrm>
-            <a:off x="837204" y="6110427"/>
-            <a:ext cx="3186156" cy="461665"/>
-          </a:xfrm>
-          <a:prstGeom prst="rect">
-            <a:avLst/>
-          </a:prstGeom>
-          <a:noFill/>
-        </p:spPr>
-        <p:txBody>
-          <a:bodyPr wrap="square">
-            <a:spAutoFit/>
-          </a:bodyPr>
-          <a:lstStyle/>
-          <a:p>
-            <a:r>
-              <a:rPr lang="en-US" sz="1200" dirty="0"/>
-              <a:t>./SRR23691690_S1_L001_R1_001.fastq</a:t>
-            </a:r>
-          </a:p>
-          <a:p>
-            <a:r>
-              <a:rPr lang="en-US" sz="1200" dirty="0"/>
-              <a:t>./SRR23691690_S1_L001_R2_001.fastq</a:t>
-            </a:r>
-          </a:p>
-        </p:txBody>
-      </p:sp>
-      <p:pic>
-        <p:nvPicPr>
-          <p:cNvPr id="29" name="Picture 28">
-            <a:extLst>
-              <a:ext uri="{FF2B5EF4-FFF2-40B4-BE49-F238E27FC236}">
-                <a16:creationId xmlns:a16="http://schemas.microsoft.com/office/drawing/2014/main" id="{3267EBE4-412E-86F4-42E3-11F69D156DDB}"/>
-              </a:ext>
-            </a:extLst>
-          </p:cNvPr>
-          <p:cNvPicPr>
-            <a:picLocks noChangeAspect="1"/>
-          </p:cNvPicPr>
-          <p:nvPr/>
-        </p:nvPicPr>
-        <p:blipFill>
-          <a:blip r:embed="rId6"/>
-          <a:stretch>
-            <a:fillRect/>
-          </a:stretch>
-        </p:blipFill>
-        <p:spPr>
-          <a:xfrm>
-            <a:off x="6453455" y="3520470"/>
-            <a:ext cx="5010150" cy="2400300"/>
-          </a:xfrm>
-          <a:prstGeom prst="rect">
-            <a:avLst/>
-          </a:prstGeom>
-        </p:spPr>
-      </p:pic>
-      <p:pic>
-        <p:nvPicPr>
-          <p:cNvPr id="33" name="Picture 32">
-            <a:extLst>
-              <a:ext uri="{FF2B5EF4-FFF2-40B4-BE49-F238E27FC236}">
-                <a16:creationId xmlns:a16="http://schemas.microsoft.com/office/drawing/2014/main" id="{A410977A-F843-6C63-32C6-E4A330FA7A0F}"/>
-              </a:ext>
-            </a:extLst>
-          </p:cNvPr>
-          <p:cNvPicPr>
-            <a:picLocks noChangeAspect="1"/>
-          </p:cNvPicPr>
-          <p:nvPr/>
-        </p:nvPicPr>
-        <p:blipFill>
-          <a:blip r:embed="rId7"/>
-          <a:stretch>
-            <a:fillRect/>
-          </a:stretch>
-        </p:blipFill>
-        <p:spPr>
-          <a:xfrm>
-            <a:off x="223236" y="1144148"/>
-            <a:ext cx="6230219" cy="571580"/>
+            <a:off x="421184" y="841135"/>
+            <a:ext cx="8089249" cy="5460843"/>
           </a:xfrm>
           <a:prstGeom prst="rect">
             <a:avLst/>
@@ -7514,7 +10295,7 @@
     </p:spTree>
     <p:extLst>
       <p:ext uri="{BB962C8B-B14F-4D97-AF65-F5344CB8AC3E}">
-        <p14:creationId xmlns:p14="http://schemas.microsoft.com/office/powerpoint/2010/main" val="2103545050"/>
+        <p14:creationId xmlns:p14="http://schemas.microsoft.com/office/powerpoint/2010/main" val="972286247"/>
       </p:ext>
     </p:extLst>
   </p:cSld>
@@ -7546,7 +10327,7 @@
           <p:cNvPr id="2" name="Title 1">
             <a:extLst>
               <a:ext uri="{FF2B5EF4-FFF2-40B4-BE49-F238E27FC236}">
-                <a16:creationId xmlns:a16="http://schemas.microsoft.com/office/drawing/2014/main" id="{1942DDF0-515E-238F-2A7E-655B0D47A6B7}"/>
+                <a16:creationId xmlns:a16="http://schemas.microsoft.com/office/drawing/2014/main" id="{15FF008D-6109-C04B-2DD5-F18725394719}"/>
               </a:ext>
             </a:extLst>
           </p:cNvPr>
@@ -7564,1836 +10345,442 @@
           <a:p>
             <a:r>
               <a:rPr lang="en-US" dirty="0"/>
-              <a:t>Cell Ranger Outputs</a:t>
+              <a:t>Cell Ranger Alignment Script</a:t>
             </a:r>
           </a:p>
         </p:txBody>
       </p:sp>
-      <p:graphicFrame>
-        <p:nvGraphicFramePr>
-          <p:cNvPr id="10" name="Table 9">
-            <a:extLst>
-              <a:ext uri="{FF2B5EF4-FFF2-40B4-BE49-F238E27FC236}">
-                <a16:creationId xmlns:a16="http://schemas.microsoft.com/office/drawing/2014/main" id="{CC2A18AE-B674-5AB4-2D8D-9ACA47E5ED64}"/>
-              </a:ext>
-            </a:extLst>
-          </p:cNvPr>
-          <p:cNvGraphicFramePr>
-            <a:graphicFrameLocks noGrp="1"/>
-          </p:cNvGraphicFramePr>
-          <p:nvPr>
-            <p:extLst>
-              <p:ext uri="{D42A27DB-BD31-4B8C-83A1-F6EECF244321}">
-                <p14:modId xmlns:p14="http://schemas.microsoft.com/office/powerpoint/2010/main" val="2747797499"/>
-              </p:ext>
-            </p:extLst>
-          </p:nvPr>
-        </p:nvGraphicFramePr>
-        <p:xfrm>
-          <a:off x="1144079" y="1695674"/>
-          <a:ext cx="1841500" cy="1333500"/>
-        </p:xfrm>
-        <a:graphic>
-          <a:graphicData uri="http://schemas.openxmlformats.org/drawingml/2006/table">
-            <a:tbl>
-              <a:tblPr>
-                <a:tableStyleId>{5C22544A-7EE6-4342-B048-85BDC9FD1C3A}</a:tableStyleId>
-              </a:tblPr>
-              <a:tblGrid>
-                <a:gridCol w="368300">
-                  <a:extLst>
-                    <a:ext uri="{9D8B030D-6E8A-4147-A177-3AD203B41FA5}">
-                      <a16:colId xmlns:a16="http://schemas.microsoft.com/office/drawing/2014/main" val="842824199"/>
-                    </a:ext>
-                  </a:extLst>
-                </a:gridCol>
-                <a:gridCol w="368300">
-                  <a:extLst>
-                    <a:ext uri="{9D8B030D-6E8A-4147-A177-3AD203B41FA5}">
-                      <a16:colId xmlns:a16="http://schemas.microsoft.com/office/drawing/2014/main" val="37801176"/>
-                    </a:ext>
-                  </a:extLst>
-                </a:gridCol>
-                <a:gridCol w="368300">
-                  <a:extLst>
-                    <a:ext uri="{9D8B030D-6E8A-4147-A177-3AD203B41FA5}">
-                      <a16:colId xmlns:a16="http://schemas.microsoft.com/office/drawing/2014/main" val="2671862456"/>
-                    </a:ext>
-                  </a:extLst>
-                </a:gridCol>
-                <a:gridCol w="368300">
-                  <a:extLst>
-                    <a:ext uri="{9D8B030D-6E8A-4147-A177-3AD203B41FA5}">
-                      <a16:colId xmlns:a16="http://schemas.microsoft.com/office/drawing/2014/main" val="396799165"/>
-                    </a:ext>
-                  </a:extLst>
-                </a:gridCol>
-                <a:gridCol w="368300">
-                  <a:extLst>
-                    <a:ext uri="{9D8B030D-6E8A-4147-A177-3AD203B41FA5}">
-                      <a16:colId xmlns:a16="http://schemas.microsoft.com/office/drawing/2014/main" val="3596815352"/>
-                    </a:ext>
-                  </a:extLst>
-                </a:gridCol>
-              </a:tblGrid>
-              <a:tr h="190500">
-                <a:tc gridSpan="3">
-                  <a:txBody>
-                    <a:bodyPr/>
-                    <a:lstStyle/>
-                    <a:p>
-                      <a:pPr algn="l" fontAlgn="b"/>
-                      <a:r>
-                        <a:rPr lang="en-US" sz="1100" u="none" strike="noStrike">
-                          <a:effectLst/>
-                        </a:rPr>
-                        <a:t>Expression Matrix</a:t>
-                      </a:r>
-                      <a:endParaRPr lang="en-US" sz="1100" b="0" i="0" u="none" strike="noStrike">
-                        <a:solidFill>
-                          <a:srgbClr val="000000"/>
-                        </a:solidFill>
-                        <a:effectLst/>
-                        <a:latin typeface="Calibri" panose="020F0502020204030204" pitchFamily="34" charset="0"/>
-                      </a:endParaRPr>
-                    </a:p>
-                  </a:txBody>
-                  <a:tcPr marL="9525" marR="9525" marT="9525" marB="0" anchor="b"/>
-                </a:tc>
-                <a:tc hMerge="1">
-                  <a:txBody>
-                    <a:bodyPr/>
-                    <a:lstStyle/>
-                    <a:p>
-                      <a:endParaRPr lang="en-US"/>
-                    </a:p>
-                  </a:txBody>
-                  <a:tcPr/>
-                </a:tc>
-                <a:tc hMerge="1">
-                  <a:txBody>
-                    <a:bodyPr/>
-                    <a:lstStyle/>
-                    <a:p>
-                      <a:endParaRPr lang="en-US"/>
-                    </a:p>
-                  </a:txBody>
-                  <a:tcPr/>
-                </a:tc>
-                <a:tc>
-                  <a:txBody>
-                    <a:bodyPr/>
-                    <a:lstStyle/>
-                    <a:p>
-                      <a:pPr algn="l" fontAlgn="b"/>
-                      <a:endParaRPr lang="en-US" sz="1100" b="0" i="0" u="none" strike="noStrike">
-                        <a:solidFill>
-                          <a:srgbClr val="000000"/>
-                        </a:solidFill>
-                        <a:effectLst/>
-                        <a:latin typeface="Calibri" panose="020F0502020204030204" pitchFamily="34" charset="0"/>
-                      </a:endParaRPr>
-                    </a:p>
-                  </a:txBody>
-                  <a:tcPr marL="9525" marR="9525" marT="9525" marB="0" anchor="b"/>
-                </a:tc>
-                <a:tc>
-                  <a:txBody>
-                    <a:bodyPr/>
-                    <a:lstStyle/>
-                    <a:p>
-                      <a:pPr algn="l" fontAlgn="b"/>
-                      <a:endParaRPr lang="en-US" sz="1100" b="0" i="0" u="none" strike="noStrike">
-                        <a:solidFill>
-                          <a:srgbClr val="000000"/>
-                        </a:solidFill>
-                        <a:effectLst/>
-                        <a:latin typeface="Calibri" panose="020F0502020204030204" pitchFamily="34" charset="0"/>
-                      </a:endParaRPr>
-                    </a:p>
-                  </a:txBody>
-                  <a:tcPr marL="9525" marR="9525" marT="9525" marB="0" anchor="b"/>
-                </a:tc>
-                <a:extLst>
-                  <a:ext uri="{0D108BD9-81ED-4DB2-BD59-A6C34878D82A}">
-                    <a16:rowId xmlns:a16="http://schemas.microsoft.com/office/drawing/2014/main" val="1871951648"/>
-                  </a:ext>
-                </a:extLst>
-              </a:tr>
-              <a:tr h="190500">
-                <a:tc>
-                  <a:txBody>
-                    <a:bodyPr/>
-                    <a:lstStyle/>
-                    <a:p>
-                      <a:pPr algn="l" fontAlgn="b"/>
-                      <a:r>
-                        <a:rPr lang="en-US" sz="1100" u="none" strike="noStrike">
-                          <a:effectLst/>
-                        </a:rPr>
-                        <a:t> </a:t>
-                      </a:r>
-                      <a:endParaRPr lang="en-US" sz="1100" b="0" i="0" u="none" strike="noStrike">
-                        <a:solidFill>
-                          <a:srgbClr val="000000"/>
-                        </a:solidFill>
-                        <a:effectLst/>
-                        <a:latin typeface="Calibri" panose="020F0502020204030204" pitchFamily="34" charset="0"/>
-                      </a:endParaRPr>
-                    </a:p>
-                  </a:txBody>
-                  <a:tcPr marL="9525" marR="9525" marT="9525" marB="0" anchor="b"/>
-                </a:tc>
-                <a:tc>
-                  <a:txBody>
-                    <a:bodyPr/>
-                    <a:lstStyle/>
-                    <a:p>
-                      <a:pPr algn="l" fontAlgn="b"/>
-                      <a:r>
-                        <a:rPr lang="en-US" sz="1100" u="none" strike="noStrike">
-                          <a:effectLst/>
-                        </a:rPr>
-                        <a:t>c1</a:t>
-                      </a:r>
-                      <a:endParaRPr lang="en-US" sz="1100" b="0" i="0" u="none" strike="noStrike">
-                        <a:solidFill>
-                          <a:srgbClr val="000000"/>
-                        </a:solidFill>
-                        <a:effectLst/>
-                        <a:latin typeface="Calibri" panose="020F0502020204030204" pitchFamily="34" charset="0"/>
-                      </a:endParaRPr>
-                    </a:p>
-                  </a:txBody>
-                  <a:tcPr marL="9525" marR="9525" marT="9525" marB="0" anchor="b"/>
-                </a:tc>
-                <a:tc>
-                  <a:txBody>
-                    <a:bodyPr/>
-                    <a:lstStyle/>
-                    <a:p>
-                      <a:pPr algn="l" fontAlgn="b"/>
-                      <a:r>
-                        <a:rPr lang="en-US" sz="1100" u="none" strike="noStrike">
-                          <a:effectLst/>
-                        </a:rPr>
-                        <a:t>c2</a:t>
-                      </a:r>
-                      <a:endParaRPr lang="en-US" sz="1100" b="0" i="0" u="none" strike="noStrike">
-                        <a:solidFill>
-                          <a:srgbClr val="000000"/>
-                        </a:solidFill>
-                        <a:effectLst/>
-                        <a:latin typeface="Calibri" panose="020F0502020204030204" pitchFamily="34" charset="0"/>
-                      </a:endParaRPr>
-                    </a:p>
-                  </a:txBody>
-                  <a:tcPr marL="9525" marR="9525" marT="9525" marB="0" anchor="b"/>
-                </a:tc>
-                <a:tc>
-                  <a:txBody>
-                    <a:bodyPr/>
-                    <a:lstStyle/>
-                    <a:p>
-                      <a:pPr algn="l" fontAlgn="b"/>
-                      <a:r>
-                        <a:rPr lang="en-US" sz="1100" u="none" strike="noStrike">
-                          <a:effectLst/>
-                        </a:rPr>
-                        <a:t>c3</a:t>
-                      </a:r>
-                      <a:endParaRPr lang="en-US" sz="1100" b="0" i="0" u="none" strike="noStrike">
-                        <a:solidFill>
-                          <a:srgbClr val="000000"/>
-                        </a:solidFill>
-                        <a:effectLst/>
-                        <a:latin typeface="Calibri" panose="020F0502020204030204" pitchFamily="34" charset="0"/>
-                      </a:endParaRPr>
-                    </a:p>
-                  </a:txBody>
-                  <a:tcPr marL="9525" marR="9525" marT="9525" marB="0" anchor="b"/>
-                </a:tc>
-                <a:tc>
-                  <a:txBody>
-                    <a:bodyPr/>
-                    <a:lstStyle/>
-                    <a:p>
-                      <a:pPr algn="l" fontAlgn="b"/>
-                      <a:r>
-                        <a:rPr lang="en-US" sz="1100" u="none" strike="noStrike">
-                          <a:effectLst/>
-                        </a:rPr>
-                        <a:t>g4</a:t>
-                      </a:r>
-                      <a:endParaRPr lang="en-US" sz="1100" b="0" i="0" u="none" strike="noStrike">
-                        <a:solidFill>
-                          <a:srgbClr val="000000"/>
-                        </a:solidFill>
-                        <a:effectLst/>
-                        <a:latin typeface="Calibri" panose="020F0502020204030204" pitchFamily="34" charset="0"/>
-                      </a:endParaRPr>
-                    </a:p>
-                  </a:txBody>
-                  <a:tcPr marL="9525" marR="9525" marT="9525" marB="0" anchor="b"/>
-                </a:tc>
-                <a:extLst>
-                  <a:ext uri="{0D108BD9-81ED-4DB2-BD59-A6C34878D82A}">
-                    <a16:rowId xmlns:a16="http://schemas.microsoft.com/office/drawing/2014/main" val="1337582883"/>
-                  </a:ext>
-                </a:extLst>
-              </a:tr>
-              <a:tr h="190500">
-                <a:tc>
-                  <a:txBody>
-                    <a:bodyPr/>
-                    <a:lstStyle/>
-                    <a:p>
-                      <a:pPr algn="l" fontAlgn="b"/>
-                      <a:r>
-                        <a:rPr lang="en-US" sz="1100" u="none" strike="noStrike">
-                          <a:effectLst/>
-                        </a:rPr>
-                        <a:t>g1</a:t>
-                      </a:r>
-                      <a:endParaRPr lang="en-US" sz="1100" b="0" i="0" u="none" strike="noStrike">
-                        <a:solidFill>
-                          <a:srgbClr val="000000"/>
-                        </a:solidFill>
-                        <a:effectLst/>
-                        <a:latin typeface="Calibri" panose="020F0502020204030204" pitchFamily="34" charset="0"/>
-                      </a:endParaRPr>
-                    </a:p>
-                  </a:txBody>
-                  <a:tcPr marL="9525" marR="9525" marT="9525" marB="0" anchor="b"/>
-                </a:tc>
-                <a:tc>
-                  <a:txBody>
-                    <a:bodyPr/>
-                    <a:lstStyle/>
-                    <a:p>
-                      <a:pPr algn="l" fontAlgn="b"/>
-                      <a:endParaRPr lang="en-US" sz="1100" b="0" i="0" u="none" strike="noStrike">
-                        <a:solidFill>
-                          <a:srgbClr val="000000"/>
-                        </a:solidFill>
-                        <a:effectLst/>
-                        <a:latin typeface="Calibri" panose="020F0502020204030204" pitchFamily="34" charset="0"/>
-                      </a:endParaRPr>
-                    </a:p>
-                  </a:txBody>
-                  <a:tcPr marL="9525" marR="9525" marT="9525" marB="0" anchor="b"/>
-                </a:tc>
-                <a:tc>
-                  <a:txBody>
-                    <a:bodyPr/>
-                    <a:lstStyle/>
-                    <a:p>
-                      <a:pPr algn="l" fontAlgn="b"/>
-                      <a:endParaRPr lang="en-US" sz="1100" b="0" i="0" u="none" strike="noStrike">
-                        <a:solidFill>
-                          <a:srgbClr val="000000"/>
-                        </a:solidFill>
-                        <a:effectLst/>
-                        <a:latin typeface="Calibri" panose="020F0502020204030204" pitchFamily="34" charset="0"/>
-                      </a:endParaRPr>
-                    </a:p>
-                  </a:txBody>
-                  <a:tcPr marL="9525" marR="9525" marT="9525" marB="0" anchor="b"/>
-                </a:tc>
-                <a:tc>
-                  <a:txBody>
-                    <a:bodyPr/>
-                    <a:lstStyle/>
-                    <a:p>
-                      <a:pPr algn="l" fontAlgn="b"/>
-                      <a:endParaRPr lang="en-US" sz="1100" b="0" i="0" u="none" strike="noStrike">
-                        <a:solidFill>
-                          <a:srgbClr val="000000"/>
-                        </a:solidFill>
-                        <a:effectLst/>
-                        <a:latin typeface="Calibri" panose="020F0502020204030204" pitchFamily="34" charset="0"/>
-                      </a:endParaRPr>
-                    </a:p>
-                  </a:txBody>
-                  <a:tcPr marL="9525" marR="9525" marT="9525" marB="0" anchor="b"/>
-                </a:tc>
-                <a:tc>
-                  <a:txBody>
-                    <a:bodyPr/>
-                    <a:lstStyle/>
-                    <a:p>
-                      <a:pPr algn="l" fontAlgn="b"/>
-                      <a:endParaRPr lang="en-US" sz="1100" b="0" i="0" u="none" strike="noStrike">
-                        <a:solidFill>
-                          <a:srgbClr val="000000"/>
-                        </a:solidFill>
-                        <a:effectLst/>
-                        <a:latin typeface="Calibri" panose="020F0502020204030204" pitchFamily="34" charset="0"/>
-                      </a:endParaRPr>
-                    </a:p>
-                  </a:txBody>
-                  <a:tcPr marL="9525" marR="9525" marT="9525" marB="0" anchor="b"/>
-                </a:tc>
-                <a:extLst>
-                  <a:ext uri="{0D108BD9-81ED-4DB2-BD59-A6C34878D82A}">
-                    <a16:rowId xmlns:a16="http://schemas.microsoft.com/office/drawing/2014/main" val="1656866035"/>
-                  </a:ext>
-                </a:extLst>
-              </a:tr>
-              <a:tr h="190500">
-                <a:tc>
-                  <a:txBody>
-                    <a:bodyPr/>
-                    <a:lstStyle/>
-                    <a:p>
-                      <a:pPr algn="l" fontAlgn="b"/>
-                      <a:r>
-                        <a:rPr lang="en-US" sz="1100" u="none" strike="noStrike">
-                          <a:effectLst/>
-                        </a:rPr>
-                        <a:t>g2</a:t>
-                      </a:r>
-                      <a:endParaRPr lang="en-US" sz="1100" b="0" i="0" u="none" strike="noStrike">
-                        <a:solidFill>
-                          <a:srgbClr val="000000"/>
-                        </a:solidFill>
-                        <a:effectLst/>
-                        <a:latin typeface="Calibri" panose="020F0502020204030204" pitchFamily="34" charset="0"/>
-                      </a:endParaRPr>
-                    </a:p>
-                  </a:txBody>
-                  <a:tcPr marL="9525" marR="9525" marT="9525" marB="0" anchor="b"/>
-                </a:tc>
-                <a:tc>
-                  <a:txBody>
-                    <a:bodyPr/>
-                    <a:lstStyle/>
-                    <a:p>
-                      <a:pPr algn="l" fontAlgn="b"/>
-                      <a:endParaRPr lang="en-US" sz="1100" b="0" i="0" u="none" strike="noStrike">
-                        <a:solidFill>
-                          <a:srgbClr val="000000"/>
-                        </a:solidFill>
-                        <a:effectLst/>
-                        <a:latin typeface="Calibri" panose="020F0502020204030204" pitchFamily="34" charset="0"/>
-                      </a:endParaRPr>
-                    </a:p>
-                  </a:txBody>
-                  <a:tcPr marL="9525" marR="9525" marT="9525" marB="0" anchor="b"/>
-                </a:tc>
-                <a:tc>
-                  <a:txBody>
-                    <a:bodyPr/>
-                    <a:lstStyle/>
-                    <a:p>
-                      <a:pPr algn="l" fontAlgn="b"/>
-                      <a:endParaRPr lang="en-US" sz="1100" b="0" i="0" u="none" strike="noStrike">
-                        <a:solidFill>
-                          <a:srgbClr val="000000"/>
-                        </a:solidFill>
-                        <a:effectLst/>
-                        <a:latin typeface="Calibri" panose="020F0502020204030204" pitchFamily="34" charset="0"/>
-                      </a:endParaRPr>
-                    </a:p>
-                  </a:txBody>
-                  <a:tcPr marL="9525" marR="9525" marT="9525" marB="0" anchor="b"/>
-                </a:tc>
-                <a:tc>
-                  <a:txBody>
-                    <a:bodyPr/>
-                    <a:lstStyle/>
-                    <a:p>
-                      <a:pPr algn="l" fontAlgn="b"/>
-                      <a:endParaRPr lang="en-US" sz="1100" b="0" i="0" u="none" strike="noStrike">
-                        <a:solidFill>
-                          <a:srgbClr val="000000"/>
-                        </a:solidFill>
-                        <a:effectLst/>
-                        <a:latin typeface="Calibri" panose="020F0502020204030204" pitchFamily="34" charset="0"/>
-                      </a:endParaRPr>
-                    </a:p>
-                  </a:txBody>
-                  <a:tcPr marL="9525" marR="9525" marT="9525" marB="0" anchor="b"/>
-                </a:tc>
-                <a:tc>
-                  <a:txBody>
-                    <a:bodyPr/>
-                    <a:lstStyle/>
-                    <a:p>
-                      <a:pPr algn="l" fontAlgn="b"/>
-                      <a:endParaRPr lang="en-US" sz="1100" b="0" i="0" u="none" strike="noStrike">
-                        <a:solidFill>
-                          <a:srgbClr val="000000"/>
-                        </a:solidFill>
-                        <a:effectLst/>
-                        <a:latin typeface="Calibri" panose="020F0502020204030204" pitchFamily="34" charset="0"/>
-                      </a:endParaRPr>
-                    </a:p>
-                  </a:txBody>
-                  <a:tcPr marL="9525" marR="9525" marT="9525" marB="0" anchor="b"/>
-                </a:tc>
-                <a:extLst>
-                  <a:ext uri="{0D108BD9-81ED-4DB2-BD59-A6C34878D82A}">
-                    <a16:rowId xmlns:a16="http://schemas.microsoft.com/office/drawing/2014/main" val="2176949766"/>
-                  </a:ext>
-                </a:extLst>
-              </a:tr>
-              <a:tr h="190500">
-                <a:tc>
-                  <a:txBody>
-                    <a:bodyPr/>
-                    <a:lstStyle/>
-                    <a:p>
-                      <a:pPr algn="l" fontAlgn="b"/>
-                      <a:r>
-                        <a:rPr lang="en-US" sz="1100" u="none" strike="noStrike">
-                          <a:effectLst/>
-                        </a:rPr>
-                        <a:t>g3</a:t>
-                      </a:r>
-                      <a:endParaRPr lang="en-US" sz="1100" b="0" i="0" u="none" strike="noStrike">
-                        <a:solidFill>
-                          <a:srgbClr val="000000"/>
-                        </a:solidFill>
-                        <a:effectLst/>
-                        <a:latin typeface="Calibri" panose="020F0502020204030204" pitchFamily="34" charset="0"/>
-                      </a:endParaRPr>
-                    </a:p>
-                  </a:txBody>
-                  <a:tcPr marL="9525" marR="9525" marT="9525" marB="0" anchor="b"/>
-                </a:tc>
-                <a:tc>
-                  <a:txBody>
-                    <a:bodyPr/>
-                    <a:lstStyle/>
-                    <a:p>
-                      <a:pPr algn="l" fontAlgn="b"/>
-                      <a:endParaRPr lang="en-US" sz="1100" b="0" i="0" u="none" strike="noStrike">
-                        <a:solidFill>
-                          <a:srgbClr val="000000"/>
-                        </a:solidFill>
-                        <a:effectLst/>
-                        <a:latin typeface="Calibri" panose="020F0502020204030204" pitchFamily="34" charset="0"/>
-                      </a:endParaRPr>
-                    </a:p>
-                  </a:txBody>
-                  <a:tcPr marL="9525" marR="9525" marT="9525" marB="0" anchor="b"/>
-                </a:tc>
-                <a:tc>
-                  <a:txBody>
-                    <a:bodyPr/>
-                    <a:lstStyle/>
-                    <a:p>
-                      <a:pPr algn="l" fontAlgn="b"/>
-                      <a:endParaRPr lang="en-US" sz="1100" b="0" i="0" u="none" strike="noStrike">
-                        <a:solidFill>
-                          <a:srgbClr val="000000"/>
-                        </a:solidFill>
-                        <a:effectLst/>
-                        <a:latin typeface="Calibri" panose="020F0502020204030204" pitchFamily="34" charset="0"/>
-                      </a:endParaRPr>
-                    </a:p>
-                  </a:txBody>
-                  <a:tcPr marL="9525" marR="9525" marT="9525" marB="0" anchor="b"/>
-                </a:tc>
-                <a:tc>
-                  <a:txBody>
-                    <a:bodyPr/>
-                    <a:lstStyle/>
-                    <a:p>
-                      <a:pPr algn="l" fontAlgn="b"/>
-                      <a:endParaRPr lang="en-US" sz="1100" b="0" i="0" u="none" strike="noStrike">
-                        <a:solidFill>
-                          <a:srgbClr val="000000"/>
-                        </a:solidFill>
-                        <a:effectLst/>
-                        <a:latin typeface="Calibri" panose="020F0502020204030204" pitchFamily="34" charset="0"/>
-                      </a:endParaRPr>
-                    </a:p>
-                  </a:txBody>
-                  <a:tcPr marL="9525" marR="9525" marT="9525" marB="0" anchor="b"/>
-                </a:tc>
-                <a:tc>
-                  <a:txBody>
-                    <a:bodyPr/>
-                    <a:lstStyle/>
-                    <a:p>
-                      <a:pPr algn="l" fontAlgn="b"/>
-                      <a:endParaRPr lang="en-US" sz="1100" b="0" i="0" u="none" strike="noStrike">
-                        <a:solidFill>
-                          <a:srgbClr val="000000"/>
-                        </a:solidFill>
-                        <a:effectLst/>
-                        <a:latin typeface="Calibri" panose="020F0502020204030204" pitchFamily="34" charset="0"/>
-                      </a:endParaRPr>
-                    </a:p>
-                  </a:txBody>
-                  <a:tcPr marL="9525" marR="9525" marT="9525" marB="0" anchor="b"/>
-                </a:tc>
-                <a:extLst>
-                  <a:ext uri="{0D108BD9-81ED-4DB2-BD59-A6C34878D82A}">
-                    <a16:rowId xmlns:a16="http://schemas.microsoft.com/office/drawing/2014/main" val="3277820036"/>
-                  </a:ext>
-                </a:extLst>
-              </a:tr>
-              <a:tr h="190500">
-                <a:tc>
-                  <a:txBody>
-                    <a:bodyPr/>
-                    <a:lstStyle/>
-                    <a:p>
-                      <a:pPr algn="l" fontAlgn="b"/>
-                      <a:r>
-                        <a:rPr lang="en-US" sz="1100" u="none" strike="noStrike">
-                          <a:effectLst/>
-                        </a:rPr>
-                        <a:t>g4</a:t>
-                      </a:r>
-                      <a:endParaRPr lang="en-US" sz="1100" b="0" i="0" u="none" strike="noStrike">
-                        <a:solidFill>
-                          <a:srgbClr val="000000"/>
-                        </a:solidFill>
-                        <a:effectLst/>
-                        <a:latin typeface="Calibri" panose="020F0502020204030204" pitchFamily="34" charset="0"/>
-                      </a:endParaRPr>
-                    </a:p>
-                  </a:txBody>
-                  <a:tcPr marL="9525" marR="9525" marT="9525" marB="0" anchor="b"/>
-                </a:tc>
-                <a:tc>
-                  <a:txBody>
-                    <a:bodyPr/>
-                    <a:lstStyle/>
-                    <a:p>
-                      <a:pPr algn="l" fontAlgn="b"/>
-                      <a:endParaRPr lang="en-US" sz="1100" b="0" i="0" u="none" strike="noStrike">
-                        <a:solidFill>
-                          <a:srgbClr val="000000"/>
-                        </a:solidFill>
-                        <a:effectLst/>
-                        <a:latin typeface="Calibri" panose="020F0502020204030204" pitchFamily="34" charset="0"/>
-                      </a:endParaRPr>
-                    </a:p>
-                  </a:txBody>
-                  <a:tcPr marL="9525" marR="9525" marT="9525" marB="0" anchor="b"/>
-                </a:tc>
-                <a:tc>
-                  <a:txBody>
-                    <a:bodyPr/>
-                    <a:lstStyle/>
-                    <a:p>
-                      <a:pPr algn="l" fontAlgn="b"/>
-                      <a:endParaRPr lang="en-US" sz="1100" b="0" i="0" u="none" strike="noStrike">
-                        <a:solidFill>
-                          <a:srgbClr val="000000"/>
-                        </a:solidFill>
-                        <a:effectLst/>
-                        <a:latin typeface="Calibri" panose="020F0502020204030204" pitchFamily="34" charset="0"/>
-                      </a:endParaRPr>
-                    </a:p>
-                  </a:txBody>
-                  <a:tcPr marL="9525" marR="9525" marT="9525" marB="0" anchor="b"/>
-                </a:tc>
-                <a:tc>
-                  <a:txBody>
-                    <a:bodyPr/>
-                    <a:lstStyle/>
-                    <a:p>
-                      <a:pPr algn="l" fontAlgn="b"/>
-                      <a:endParaRPr lang="en-US" sz="1100" b="0" i="0" u="none" strike="noStrike">
-                        <a:solidFill>
-                          <a:srgbClr val="000000"/>
-                        </a:solidFill>
-                        <a:effectLst/>
-                        <a:latin typeface="Calibri" panose="020F0502020204030204" pitchFamily="34" charset="0"/>
-                      </a:endParaRPr>
-                    </a:p>
-                  </a:txBody>
-                  <a:tcPr marL="9525" marR="9525" marT="9525" marB="0" anchor="b"/>
-                </a:tc>
-                <a:tc>
-                  <a:txBody>
-                    <a:bodyPr/>
-                    <a:lstStyle/>
-                    <a:p>
-                      <a:pPr algn="l" fontAlgn="b"/>
-                      <a:endParaRPr lang="en-US" sz="1100" b="0" i="0" u="none" strike="noStrike">
-                        <a:solidFill>
-                          <a:srgbClr val="000000"/>
-                        </a:solidFill>
-                        <a:effectLst/>
-                        <a:latin typeface="Calibri" panose="020F0502020204030204" pitchFamily="34" charset="0"/>
-                      </a:endParaRPr>
-                    </a:p>
-                  </a:txBody>
-                  <a:tcPr marL="9525" marR="9525" marT="9525" marB="0" anchor="b"/>
-                </a:tc>
-                <a:extLst>
-                  <a:ext uri="{0D108BD9-81ED-4DB2-BD59-A6C34878D82A}">
-                    <a16:rowId xmlns:a16="http://schemas.microsoft.com/office/drawing/2014/main" val="2572918647"/>
-                  </a:ext>
-                </a:extLst>
-              </a:tr>
-              <a:tr h="190500">
-                <a:tc>
-                  <a:txBody>
-                    <a:bodyPr/>
-                    <a:lstStyle/>
-                    <a:p>
-                      <a:pPr algn="l" fontAlgn="b"/>
-                      <a:endParaRPr lang="en-US" sz="1100" b="0" i="0" u="none" strike="noStrike">
-                        <a:solidFill>
-                          <a:srgbClr val="000000"/>
-                        </a:solidFill>
-                        <a:effectLst/>
-                        <a:latin typeface="Calibri" panose="020F0502020204030204" pitchFamily="34" charset="0"/>
-                      </a:endParaRPr>
-                    </a:p>
-                  </a:txBody>
-                  <a:tcPr marL="9525" marR="9525" marT="9525" marB="0" anchor="b"/>
-                </a:tc>
-                <a:tc>
-                  <a:txBody>
-                    <a:bodyPr/>
-                    <a:lstStyle/>
-                    <a:p>
-                      <a:pPr algn="l" fontAlgn="b"/>
-                      <a:endParaRPr lang="en-US" sz="1100" b="0" i="0" u="none" strike="noStrike">
-                        <a:solidFill>
-                          <a:srgbClr val="000000"/>
-                        </a:solidFill>
-                        <a:effectLst/>
-                        <a:latin typeface="Calibri" panose="020F0502020204030204" pitchFamily="34" charset="0"/>
-                      </a:endParaRPr>
-                    </a:p>
-                  </a:txBody>
-                  <a:tcPr marL="9525" marR="9525" marT="9525" marB="0" anchor="b"/>
-                </a:tc>
-                <a:tc>
-                  <a:txBody>
-                    <a:bodyPr/>
-                    <a:lstStyle/>
-                    <a:p>
-                      <a:pPr algn="l" fontAlgn="b"/>
-                      <a:endParaRPr lang="en-US" sz="1100" b="0" i="0" u="none" strike="noStrike">
-                        <a:solidFill>
-                          <a:srgbClr val="000000"/>
-                        </a:solidFill>
-                        <a:effectLst/>
-                        <a:latin typeface="Calibri" panose="020F0502020204030204" pitchFamily="34" charset="0"/>
-                      </a:endParaRPr>
-                    </a:p>
-                  </a:txBody>
-                  <a:tcPr marL="9525" marR="9525" marT="9525" marB="0" anchor="b"/>
-                </a:tc>
-                <a:tc>
-                  <a:txBody>
-                    <a:bodyPr/>
-                    <a:lstStyle/>
-                    <a:p>
-                      <a:pPr algn="l" fontAlgn="b"/>
-                      <a:endParaRPr lang="en-US" sz="1100" b="0" i="0" u="none" strike="noStrike">
-                        <a:solidFill>
-                          <a:srgbClr val="000000"/>
-                        </a:solidFill>
-                        <a:effectLst/>
-                        <a:latin typeface="Calibri" panose="020F0502020204030204" pitchFamily="34" charset="0"/>
-                      </a:endParaRPr>
-                    </a:p>
-                  </a:txBody>
-                  <a:tcPr marL="9525" marR="9525" marT="9525" marB="0" anchor="b"/>
-                </a:tc>
-                <a:tc>
-                  <a:txBody>
-                    <a:bodyPr/>
-                    <a:lstStyle/>
-                    <a:p>
-                      <a:pPr algn="l" fontAlgn="b"/>
-                      <a:endParaRPr lang="en-US" sz="1100" b="0" i="0" u="none" strike="noStrike" dirty="0">
-                        <a:solidFill>
-                          <a:srgbClr val="000000"/>
-                        </a:solidFill>
-                        <a:effectLst/>
-                        <a:latin typeface="Calibri" panose="020F0502020204030204" pitchFamily="34" charset="0"/>
-                      </a:endParaRPr>
-                    </a:p>
-                  </a:txBody>
-                  <a:tcPr marL="9525" marR="9525" marT="9525" marB="0" anchor="b"/>
-                </a:tc>
-                <a:extLst>
-                  <a:ext uri="{0D108BD9-81ED-4DB2-BD59-A6C34878D82A}">
-                    <a16:rowId xmlns:a16="http://schemas.microsoft.com/office/drawing/2014/main" val="170061218"/>
-                  </a:ext>
-                </a:extLst>
-              </a:tr>
-            </a:tbl>
-          </a:graphicData>
-        </a:graphic>
-      </p:graphicFrame>
-      <p:graphicFrame>
-        <p:nvGraphicFramePr>
-          <p:cNvPr id="12" name="Table 11">
-            <a:extLst>
-              <a:ext uri="{FF2B5EF4-FFF2-40B4-BE49-F238E27FC236}">
-                <a16:creationId xmlns:a16="http://schemas.microsoft.com/office/drawing/2014/main" id="{F902CCBE-63DD-FE23-A0CE-123CD7E3F52E}"/>
-              </a:ext>
-            </a:extLst>
-          </p:cNvPr>
-          <p:cNvGraphicFramePr>
-            <a:graphicFrameLocks noGrp="1"/>
-          </p:cNvGraphicFramePr>
-          <p:nvPr>
-            <p:extLst>
-              <p:ext uri="{D42A27DB-BD31-4B8C-83A1-F6EECF244321}">
-                <p14:modId xmlns:p14="http://schemas.microsoft.com/office/powerpoint/2010/main" val="536689620"/>
-              </p:ext>
-            </p:extLst>
-          </p:nvPr>
-        </p:nvGraphicFramePr>
-        <p:xfrm>
-          <a:off x="4298696" y="2323562"/>
-          <a:ext cx="1473200" cy="1143000"/>
-        </p:xfrm>
-        <a:graphic>
-          <a:graphicData uri="http://schemas.openxmlformats.org/drawingml/2006/table">
-            <a:tbl>
-              <a:tblPr>
-                <a:tableStyleId>{5C22544A-7EE6-4342-B048-85BDC9FD1C3A}</a:tableStyleId>
-              </a:tblPr>
-              <a:tblGrid>
-                <a:gridCol w="368300">
-                  <a:extLst>
-                    <a:ext uri="{9D8B030D-6E8A-4147-A177-3AD203B41FA5}">
-                      <a16:colId xmlns:a16="http://schemas.microsoft.com/office/drawing/2014/main" val="2675425752"/>
-                    </a:ext>
-                  </a:extLst>
-                </a:gridCol>
-                <a:gridCol w="368300">
-                  <a:extLst>
-                    <a:ext uri="{9D8B030D-6E8A-4147-A177-3AD203B41FA5}">
-                      <a16:colId xmlns:a16="http://schemas.microsoft.com/office/drawing/2014/main" val="2936025252"/>
-                    </a:ext>
-                  </a:extLst>
-                </a:gridCol>
-                <a:gridCol w="368300">
-                  <a:extLst>
-                    <a:ext uri="{9D8B030D-6E8A-4147-A177-3AD203B41FA5}">
-                      <a16:colId xmlns:a16="http://schemas.microsoft.com/office/drawing/2014/main" val="2978197455"/>
-                    </a:ext>
-                  </a:extLst>
-                </a:gridCol>
-                <a:gridCol w="368300">
-                  <a:extLst>
-                    <a:ext uri="{9D8B030D-6E8A-4147-A177-3AD203B41FA5}">
-                      <a16:colId xmlns:a16="http://schemas.microsoft.com/office/drawing/2014/main" val="3877651198"/>
-                    </a:ext>
-                  </a:extLst>
-                </a:gridCol>
-              </a:tblGrid>
-              <a:tr h="190500">
-                <a:tc gridSpan="3">
-                  <a:txBody>
-                    <a:bodyPr/>
-                    <a:lstStyle/>
-                    <a:p>
-                      <a:pPr algn="l" fontAlgn="b"/>
-                      <a:r>
-                        <a:rPr lang="en-US" sz="1100" u="none" strike="noStrike">
-                          <a:effectLst/>
-                        </a:rPr>
-                        <a:t>Gene Metadata</a:t>
-                      </a:r>
-                      <a:endParaRPr lang="en-US" sz="1100" b="0" i="0" u="none" strike="noStrike">
-                        <a:solidFill>
-                          <a:srgbClr val="000000"/>
-                        </a:solidFill>
-                        <a:effectLst/>
-                        <a:latin typeface="Calibri" panose="020F0502020204030204" pitchFamily="34" charset="0"/>
-                      </a:endParaRPr>
-                    </a:p>
-                  </a:txBody>
-                  <a:tcPr marL="9525" marR="9525" marT="9525" marB="0" anchor="b"/>
-                </a:tc>
-                <a:tc hMerge="1">
-                  <a:txBody>
-                    <a:bodyPr/>
-                    <a:lstStyle/>
-                    <a:p>
-                      <a:endParaRPr lang="en-US"/>
-                    </a:p>
-                  </a:txBody>
-                  <a:tcPr/>
-                </a:tc>
-                <a:tc hMerge="1">
-                  <a:txBody>
-                    <a:bodyPr/>
-                    <a:lstStyle/>
-                    <a:p>
-                      <a:endParaRPr lang="en-US"/>
-                    </a:p>
-                  </a:txBody>
-                  <a:tcPr/>
-                </a:tc>
-                <a:tc>
-                  <a:txBody>
-                    <a:bodyPr/>
-                    <a:lstStyle/>
-                    <a:p>
-                      <a:pPr algn="l" fontAlgn="b"/>
-                      <a:endParaRPr lang="en-US" sz="1100" b="0" i="0" u="none" strike="noStrike">
-                        <a:solidFill>
-                          <a:srgbClr val="000000"/>
-                        </a:solidFill>
-                        <a:effectLst/>
-                        <a:latin typeface="Calibri" panose="020F0502020204030204" pitchFamily="34" charset="0"/>
-                      </a:endParaRPr>
-                    </a:p>
-                  </a:txBody>
-                  <a:tcPr marL="9525" marR="9525" marT="9525" marB="0" anchor="b"/>
-                </a:tc>
-                <a:extLst>
-                  <a:ext uri="{0D108BD9-81ED-4DB2-BD59-A6C34878D82A}">
-                    <a16:rowId xmlns:a16="http://schemas.microsoft.com/office/drawing/2014/main" val="3364867343"/>
-                  </a:ext>
-                </a:extLst>
-              </a:tr>
-              <a:tr h="190500">
-                <a:tc>
-                  <a:txBody>
-                    <a:bodyPr/>
-                    <a:lstStyle/>
-                    <a:p>
-                      <a:pPr algn="l" fontAlgn="b"/>
-                      <a:endParaRPr lang="en-US" sz="1100" b="0" i="0" u="none" strike="noStrike">
-                        <a:solidFill>
-                          <a:srgbClr val="000000"/>
-                        </a:solidFill>
-                        <a:effectLst/>
-                        <a:latin typeface="Calibri" panose="020F0502020204030204" pitchFamily="34" charset="0"/>
-                      </a:endParaRPr>
-                    </a:p>
-                  </a:txBody>
-                  <a:tcPr marL="9525" marR="9525" marT="9525" marB="0" anchor="b"/>
-                </a:tc>
-                <a:tc>
-                  <a:txBody>
-                    <a:bodyPr/>
-                    <a:lstStyle/>
-                    <a:p>
-                      <a:pPr algn="l" fontAlgn="b"/>
-                      <a:endParaRPr lang="en-US" sz="1100" b="0" i="0" u="none" strike="noStrike">
-                        <a:solidFill>
-                          <a:srgbClr val="000000"/>
-                        </a:solidFill>
-                        <a:effectLst/>
-                        <a:latin typeface="Calibri" panose="020F0502020204030204" pitchFamily="34" charset="0"/>
-                      </a:endParaRPr>
-                    </a:p>
-                  </a:txBody>
-                  <a:tcPr marL="9525" marR="9525" marT="9525" marB="0" anchor="b"/>
-                </a:tc>
-                <a:tc>
-                  <a:txBody>
-                    <a:bodyPr/>
-                    <a:lstStyle/>
-                    <a:p>
-                      <a:pPr algn="l" fontAlgn="b"/>
-                      <a:endParaRPr lang="en-US" sz="1100" b="0" i="0" u="none" strike="noStrike">
-                        <a:solidFill>
-                          <a:srgbClr val="000000"/>
-                        </a:solidFill>
-                        <a:effectLst/>
-                        <a:latin typeface="Calibri" panose="020F0502020204030204" pitchFamily="34" charset="0"/>
-                      </a:endParaRPr>
-                    </a:p>
-                  </a:txBody>
-                  <a:tcPr marL="9525" marR="9525" marT="9525" marB="0" anchor="b"/>
-                </a:tc>
-                <a:tc>
-                  <a:txBody>
-                    <a:bodyPr/>
-                    <a:lstStyle/>
-                    <a:p>
-                      <a:pPr algn="l" fontAlgn="b"/>
-                      <a:endParaRPr lang="en-US" sz="1100" b="0" i="0" u="none" strike="noStrike">
-                        <a:solidFill>
-                          <a:srgbClr val="000000"/>
-                        </a:solidFill>
-                        <a:effectLst/>
-                        <a:latin typeface="Calibri" panose="020F0502020204030204" pitchFamily="34" charset="0"/>
-                      </a:endParaRPr>
-                    </a:p>
-                  </a:txBody>
-                  <a:tcPr marL="9525" marR="9525" marT="9525" marB="0" anchor="b"/>
-                </a:tc>
-                <a:extLst>
-                  <a:ext uri="{0D108BD9-81ED-4DB2-BD59-A6C34878D82A}">
-                    <a16:rowId xmlns:a16="http://schemas.microsoft.com/office/drawing/2014/main" val="3756974353"/>
-                  </a:ext>
-                </a:extLst>
-              </a:tr>
-              <a:tr h="190500">
-                <a:tc>
-                  <a:txBody>
-                    <a:bodyPr/>
-                    <a:lstStyle/>
-                    <a:p>
-                      <a:pPr algn="l" fontAlgn="b"/>
-                      <a:r>
-                        <a:rPr lang="en-US" sz="1100" u="none" strike="noStrike">
-                          <a:effectLst/>
-                        </a:rPr>
-                        <a:t>g1</a:t>
-                      </a:r>
-                      <a:endParaRPr lang="en-US" sz="1100" b="0" i="0" u="none" strike="noStrike">
-                        <a:solidFill>
-                          <a:srgbClr val="000000"/>
-                        </a:solidFill>
-                        <a:effectLst/>
-                        <a:latin typeface="Calibri" panose="020F0502020204030204" pitchFamily="34" charset="0"/>
-                      </a:endParaRPr>
-                    </a:p>
-                  </a:txBody>
-                  <a:tcPr marL="9525" marR="9525" marT="9525" marB="0" anchor="b"/>
-                </a:tc>
-                <a:tc>
-                  <a:txBody>
-                    <a:bodyPr/>
-                    <a:lstStyle/>
-                    <a:p>
-                      <a:pPr algn="l" fontAlgn="b"/>
-                      <a:endParaRPr lang="en-US" sz="1100" b="0" i="0" u="none" strike="noStrike">
-                        <a:solidFill>
-                          <a:srgbClr val="000000"/>
-                        </a:solidFill>
-                        <a:effectLst/>
-                        <a:latin typeface="Calibri" panose="020F0502020204030204" pitchFamily="34" charset="0"/>
-                      </a:endParaRPr>
-                    </a:p>
-                  </a:txBody>
-                  <a:tcPr marL="9525" marR="9525" marT="9525" marB="0" anchor="b"/>
-                </a:tc>
-                <a:tc>
-                  <a:txBody>
-                    <a:bodyPr/>
-                    <a:lstStyle/>
-                    <a:p>
-                      <a:pPr algn="l" fontAlgn="b"/>
-                      <a:endParaRPr lang="en-US" sz="1100" b="0" i="0" u="none" strike="noStrike">
-                        <a:solidFill>
-                          <a:srgbClr val="000000"/>
-                        </a:solidFill>
-                        <a:effectLst/>
-                        <a:latin typeface="Calibri" panose="020F0502020204030204" pitchFamily="34" charset="0"/>
-                      </a:endParaRPr>
-                    </a:p>
-                  </a:txBody>
-                  <a:tcPr marL="9525" marR="9525" marT="9525" marB="0" anchor="b"/>
-                </a:tc>
-                <a:tc>
-                  <a:txBody>
-                    <a:bodyPr/>
-                    <a:lstStyle/>
-                    <a:p>
-                      <a:pPr algn="l" fontAlgn="b"/>
-                      <a:endParaRPr lang="en-US" sz="1100" b="0" i="0" u="none" strike="noStrike">
-                        <a:solidFill>
-                          <a:srgbClr val="000000"/>
-                        </a:solidFill>
-                        <a:effectLst/>
-                        <a:latin typeface="Calibri" panose="020F0502020204030204" pitchFamily="34" charset="0"/>
-                      </a:endParaRPr>
-                    </a:p>
-                  </a:txBody>
-                  <a:tcPr marL="9525" marR="9525" marT="9525" marB="0" anchor="b"/>
-                </a:tc>
-                <a:extLst>
-                  <a:ext uri="{0D108BD9-81ED-4DB2-BD59-A6C34878D82A}">
-                    <a16:rowId xmlns:a16="http://schemas.microsoft.com/office/drawing/2014/main" val="2428342246"/>
-                  </a:ext>
-                </a:extLst>
-              </a:tr>
-              <a:tr h="190500">
-                <a:tc>
-                  <a:txBody>
-                    <a:bodyPr/>
-                    <a:lstStyle/>
-                    <a:p>
-                      <a:pPr algn="l" fontAlgn="b"/>
-                      <a:r>
-                        <a:rPr lang="en-US" sz="1100" u="none" strike="noStrike">
-                          <a:effectLst/>
-                        </a:rPr>
-                        <a:t>g2</a:t>
-                      </a:r>
-                      <a:endParaRPr lang="en-US" sz="1100" b="0" i="0" u="none" strike="noStrike">
-                        <a:solidFill>
-                          <a:srgbClr val="000000"/>
-                        </a:solidFill>
-                        <a:effectLst/>
-                        <a:latin typeface="Calibri" panose="020F0502020204030204" pitchFamily="34" charset="0"/>
-                      </a:endParaRPr>
-                    </a:p>
-                  </a:txBody>
-                  <a:tcPr marL="9525" marR="9525" marT="9525" marB="0" anchor="b"/>
-                </a:tc>
-                <a:tc>
-                  <a:txBody>
-                    <a:bodyPr/>
-                    <a:lstStyle/>
-                    <a:p>
-                      <a:pPr algn="l" fontAlgn="b"/>
-                      <a:endParaRPr lang="en-US" sz="1100" b="0" i="0" u="none" strike="noStrike">
-                        <a:solidFill>
-                          <a:srgbClr val="000000"/>
-                        </a:solidFill>
-                        <a:effectLst/>
-                        <a:latin typeface="Calibri" panose="020F0502020204030204" pitchFamily="34" charset="0"/>
-                      </a:endParaRPr>
-                    </a:p>
-                  </a:txBody>
-                  <a:tcPr marL="9525" marR="9525" marT="9525" marB="0" anchor="b"/>
-                </a:tc>
-                <a:tc>
-                  <a:txBody>
-                    <a:bodyPr/>
-                    <a:lstStyle/>
-                    <a:p>
-                      <a:pPr algn="l" fontAlgn="b"/>
-                      <a:endParaRPr lang="en-US" sz="1100" b="0" i="0" u="none" strike="noStrike">
-                        <a:solidFill>
-                          <a:srgbClr val="000000"/>
-                        </a:solidFill>
-                        <a:effectLst/>
-                        <a:latin typeface="Calibri" panose="020F0502020204030204" pitchFamily="34" charset="0"/>
-                      </a:endParaRPr>
-                    </a:p>
-                  </a:txBody>
-                  <a:tcPr marL="9525" marR="9525" marT="9525" marB="0" anchor="b"/>
-                </a:tc>
-                <a:tc>
-                  <a:txBody>
-                    <a:bodyPr/>
-                    <a:lstStyle/>
-                    <a:p>
-                      <a:pPr algn="l" fontAlgn="b"/>
-                      <a:endParaRPr lang="en-US" sz="1100" b="0" i="0" u="none" strike="noStrike">
-                        <a:solidFill>
-                          <a:srgbClr val="000000"/>
-                        </a:solidFill>
-                        <a:effectLst/>
-                        <a:latin typeface="Calibri" panose="020F0502020204030204" pitchFamily="34" charset="0"/>
-                      </a:endParaRPr>
-                    </a:p>
-                  </a:txBody>
-                  <a:tcPr marL="9525" marR="9525" marT="9525" marB="0" anchor="b"/>
-                </a:tc>
-                <a:extLst>
-                  <a:ext uri="{0D108BD9-81ED-4DB2-BD59-A6C34878D82A}">
-                    <a16:rowId xmlns:a16="http://schemas.microsoft.com/office/drawing/2014/main" val="2456285395"/>
-                  </a:ext>
-                </a:extLst>
-              </a:tr>
-              <a:tr h="190500">
-                <a:tc>
-                  <a:txBody>
-                    <a:bodyPr/>
-                    <a:lstStyle/>
-                    <a:p>
-                      <a:pPr algn="l" fontAlgn="b"/>
-                      <a:r>
-                        <a:rPr lang="en-US" sz="1100" u="none" strike="noStrike">
-                          <a:effectLst/>
-                        </a:rPr>
-                        <a:t>g3</a:t>
-                      </a:r>
-                      <a:endParaRPr lang="en-US" sz="1100" b="0" i="0" u="none" strike="noStrike">
-                        <a:solidFill>
-                          <a:srgbClr val="000000"/>
-                        </a:solidFill>
-                        <a:effectLst/>
-                        <a:latin typeface="Calibri" panose="020F0502020204030204" pitchFamily="34" charset="0"/>
-                      </a:endParaRPr>
-                    </a:p>
-                  </a:txBody>
-                  <a:tcPr marL="9525" marR="9525" marT="9525" marB="0" anchor="b"/>
-                </a:tc>
-                <a:tc>
-                  <a:txBody>
-                    <a:bodyPr/>
-                    <a:lstStyle/>
-                    <a:p>
-                      <a:pPr algn="l" fontAlgn="b"/>
-                      <a:endParaRPr lang="en-US" sz="1100" b="0" i="0" u="none" strike="noStrike">
-                        <a:solidFill>
-                          <a:srgbClr val="000000"/>
-                        </a:solidFill>
-                        <a:effectLst/>
-                        <a:latin typeface="Calibri" panose="020F0502020204030204" pitchFamily="34" charset="0"/>
-                      </a:endParaRPr>
-                    </a:p>
-                  </a:txBody>
-                  <a:tcPr marL="9525" marR="9525" marT="9525" marB="0" anchor="b"/>
-                </a:tc>
-                <a:tc>
-                  <a:txBody>
-                    <a:bodyPr/>
-                    <a:lstStyle/>
-                    <a:p>
-                      <a:pPr algn="l" fontAlgn="b"/>
-                      <a:endParaRPr lang="en-US" sz="1100" b="0" i="0" u="none" strike="noStrike">
-                        <a:solidFill>
-                          <a:srgbClr val="000000"/>
-                        </a:solidFill>
-                        <a:effectLst/>
-                        <a:latin typeface="Calibri" panose="020F0502020204030204" pitchFamily="34" charset="0"/>
-                      </a:endParaRPr>
-                    </a:p>
-                  </a:txBody>
-                  <a:tcPr marL="9525" marR="9525" marT="9525" marB="0" anchor="b"/>
-                </a:tc>
-                <a:tc>
-                  <a:txBody>
-                    <a:bodyPr/>
-                    <a:lstStyle/>
-                    <a:p>
-                      <a:pPr algn="l" fontAlgn="b"/>
-                      <a:endParaRPr lang="en-US" sz="1100" b="0" i="0" u="none" strike="noStrike">
-                        <a:solidFill>
-                          <a:srgbClr val="000000"/>
-                        </a:solidFill>
-                        <a:effectLst/>
-                        <a:latin typeface="Calibri" panose="020F0502020204030204" pitchFamily="34" charset="0"/>
-                      </a:endParaRPr>
-                    </a:p>
-                  </a:txBody>
-                  <a:tcPr marL="9525" marR="9525" marT="9525" marB="0" anchor="b"/>
-                </a:tc>
-                <a:extLst>
-                  <a:ext uri="{0D108BD9-81ED-4DB2-BD59-A6C34878D82A}">
-                    <a16:rowId xmlns:a16="http://schemas.microsoft.com/office/drawing/2014/main" val="594169500"/>
-                  </a:ext>
-                </a:extLst>
-              </a:tr>
-              <a:tr h="190500">
-                <a:tc>
-                  <a:txBody>
-                    <a:bodyPr/>
-                    <a:lstStyle/>
-                    <a:p>
-                      <a:pPr algn="l" fontAlgn="b"/>
-                      <a:r>
-                        <a:rPr lang="en-US" sz="1100" u="none" strike="noStrike">
-                          <a:effectLst/>
-                        </a:rPr>
-                        <a:t>g4</a:t>
-                      </a:r>
-                      <a:endParaRPr lang="en-US" sz="1100" b="0" i="0" u="none" strike="noStrike">
-                        <a:solidFill>
-                          <a:srgbClr val="000000"/>
-                        </a:solidFill>
-                        <a:effectLst/>
-                        <a:latin typeface="Calibri" panose="020F0502020204030204" pitchFamily="34" charset="0"/>
-                      </a:endParaRPr>
-                    </a:p>
-                  </a:txBody>
-                  <a:tcPr marL="9525" marR="9525" marT="9525" marB="0" anchor="b"/>
-                </a:tc>
-                <a:tc>
-                  <a:txBody>
-                    <a:bodyPr/>
-                    <a:lstStyle/>
-                    <a:p>
-                      <a:pPr algn="l" fontAlgn="b"/>
-                      <a:endParaRPr lang="en-US" sz="1100" b="0" i="0" u="none" strike="noStrike">
-                        <a:solidFill>
-                          <a:srgbClr val="000000"/>
-                        </a:solidFill>
-                        <a:effectLst/>
-                        <a:latin typeface="Calibri" panose="020F0502020204030204" pitchFamily="34" charset="0"/>
-                      </a:endParaRPr>
-                    </a:p>
-                  </a:txBody>
-                  <a:tcPr marL="9525" marR="9525" marT="9525" marB="0" anchor="b"/>
-                </a:tc>
-                <a:tc>
-                  <a:txBody>
-                    <a:bodyPr/>
-                    <a:lstStyle/>
-                    <a:p>
-                      <a:pPr algn="l" fontAlgn="b"/>
-                      <a:endParaRPr lang="en-US" sz="1100" b="0" i="0" u="none" strike="noStrike">
-                        <a:solidFill>
-                          <a:srgbClr val="000000"/>
-                        </a:solidFill>
-                        <a:effectLst/>
-                        <a:latin typeface="Calibri" panose="020F0502020204030204" pitchFamily="34" charset="0"/>
-                      </a:endParaRPr>
-                    </a:p>
-                  </a:txBody>
-                  <a:tcPr marL="9525" marR="9525" marT="9525" marB="0" anchor="b"/>
-                </a:tc>
-                <a:tc>
-                  <a:txBody>
-                    <a:bodyPr/>
-                    <a:lstStyle/>
-                    <a:p>
-                      <a:pPr algn="l" fontAlgn="b"/>
-                      <a:endParaRPr lang="en-US" sz="1100" b="0" i="0" u="none" strike="noStrike" dirty="0">
-                        <a:solidFill>
-                          <a:srgbClr val="000000"/>
-                        </a:solidFill>
-                        <a:effectLst/>
-                        <a:latin typeface="Calibri" panose="020F0502020204030204" pitchFamily="34" charset="0"/>
-                      </a:endParaRPr>
-                    </a:p>
-                  </a:txBody>
-                  <a:tcPr marL="9525" marR="9525" marT="9525" marB="0" anchor="b"/>
-                </a:tc>
-                <a:extLst>
-                  <a:ext uri="{0D108BD9-81ED-4DB2-BD59-A6C34878D82A}">
-                    <a16:rowId xmlns:a16="http://schemas.microsoft.com/office/drawing/2014/main" val="4120824309"/>
-                  </a:ext>
-                </a:extLst>
-              </a:tr>
-            </a:tbl>
-          </a:graphicData>
-        </a:graphic>
-      </p:graphicFrame>
-      <p:graphicFrame>
-        <p:nvGraphicFramePr>
-          <p:cNvPr id="13" name="Table 12">
-            <a:extLst>
-              <a:ext uri="{FF2B5EF4-FFF2-40B4-BE49-F238E27FC236}">
-                <a16:creationId xmlns:a16="http://schemas.microsoft.com/office/drawing/2014/main" id="{71A2AF3B-654E-C6CF-0C2B-9AECEEAFA107}"/>
-              </a:ext>
-            </a:extLst>
-          </p:cNvPr>
-          <p:cNvGraphicFramePr>
-            <a:graphicFrameLocks noGrp="1"/>
-          </p:cNvGraphicFramePr>
-          <p:nvPr>
-            <p:extLst>
-              <p:ext uri="{D42A27DB-BD31-4B8C-83A1-F6EECF244321}">
-                <p14:modId xmlns:p14="http://schemas.microsoft.com/office/powerpoint/2010/main" val="2612099784"/>
-              </p:ext>
-            </p:extLst>
-          </p:nvPr>
-        </p:nvGraphicFramePr>
-        <p:xfrm>
-          <a:off x="1144079" y="5160951"/>
-          <a:ext cx="1473200" cy="1143000"/>
-        </p:xfrm>
-        <a:graphic>
-          <a:graphicData uri="http://schemas.openxmlformats.org/drawingml/2006/table">
-            <a:tbl>
-              <a:tblPr>
-                <a:tableStyleId>{5C22544A-7EE6-4342-B048-85BDC9FD1C3A}</a:tableStyleId>
-              </a:tblPr>
-              <a:tblGrid>
-                <a:gridCol w="368300">
-                  <a:extLst>
-                    <a:ext uri="{9D8B030D-6E8A-4147-A177-3AD203B41FA5}">
-                      <a16:colId xmlns:a16="http://schemas.microsoft.com/office/drawing/2014/main" val="3435864983"/>
-                    </a:ext>
-                  </a:extLst>
-                </a:gridCol>
-                <a:gridCol w="368300">
-                  <a:extLst>
-                    <a:ext uri="{9D8B030D-6E8A-4147-A177-3AD203B41FA5}">
-                      <a16:colId xmlns:a16="http://schemas.microsoft.com/office/drawing/2014/main" val="2005440267"/>
-                    </a:ext>
-                  </a:extLst>
-                </a:gridCol>
-                <a:gridCol w="368300">
-                  <a:extLst>
-                    <a:ext uri="{9D8B030D-6E8A-4147-A177-3AD203B41FA5}">
-                      <a16:colId xmlns:a16="http://schemas.microsoft.com/office/drawing/2014/main" val="4286969004"/>
-                    </a:ext>
-                  </a:extLst>
-                </a:gridCol>
-                <a:gridCol w="368300">
-                  <a:extLst>
-                    <a:ext uri="{9D8B030D-6E8A-4147-A177-3AD203B41FA5}">
-                      <a16:colId xmlns:a16="http://schemas.microsoft.com/office/drawing/2014/main" val="787679232"/>
-                    </a:ext>
-                  </a:extLst>
-                </a:gridCol>
-              </a:tblGrid>
-              <a:tr h="190500">
-                <a:tc gridSpan="3">
-                  <a:txBody>
-                    <a:bodyPr/>
-                    <a:lstStyle/>
-                    <a:p>
-                      <a:pPr algn="l" fontAlgn="b"/>
-                      <a:r>
-                        <a:rPr lang="en-US" sz="1100" u="none" strike="noStrike">
-                          <a:effectLst/>
-                        </a:rPr>
-                        <a:t>Cell Metadata</a:t>
-                      </a:r>
-                      <a:endParaRPr lang="en-US" sz="1100" b="0" i="0" u="none" strike="noStrike">
-                        <a:solidFill>
-                          <a:srgbClr val="000000"/>
-                        </a:solidFill>
-                        <a:effectLst/>
-                        <a:latin typeface="Calibri" panose="020F0502020204030204" pitchFamily="34" charset="0"/>
-                      </a:endParaRPr>
-                    </a:p>
-                  </a:txBody>
-                  <a:tcPr marL="9525" marR="9525" marT="9525" marB="0" anchor="b"/>
-                </a:tc>
-                <a:tc hMerge="1">
-                  <a:txBody>
-                    <a:bodyPr/>
-                    <a:lstStyle/>
-                    <a:p>
-                      <a:endParaRPr lang="en-US"/>
-                    </a:p>
-                  </a:txBody>
-                  <a:tcPr/>
-                </a:tc>
-                <a:tc hMerge="1">
-                  <a:txBody>
-                    <a:bodyPr/>
-                    <a:lstStyle/>
-                    <a:p>
-                      <a:endParaRPr lang="en-US"/>
-                    </a:p>
-                  </a:txBody>
-                  <a:tcPr/>
-                </a:tc>
-                <a:tc>
-                  <a:txBody>
-                    <a:bodyPr/>
-                    <a:lstStyle/>
-                    <a:p>
-                      <a:pPr algn="l" fontAlgn="b"/>
-                      <a:endParaRPr lang="en-US" sz="1100" b="0" i="0" u="none" strike="noStrike">
-                        <a:solidFill>
-                          <a:srgbClr val="000000"/>
-                        </a:solidFill>
-                        <a:effectLst/>
-                        <a:latin typeface="Calibri" panose="020F0502020204030204" pitchFamily="34" charset="0"/>
-                      </a:endParaRPr>
-                    </a:p>
-                  </a:txBody>
-                  <a:tcPr marL="9525" marR="9525" marT="9525" marB="0" anchor="b"/>
-                </a:tc>
-                <a:extLst>
-                  <a:ext uri="{0D108BD9-81ED-4DB2-BD59-A6C34878D82A}">
-                    <a16:rowId xmlns:a16="http://schemas.microsoft.com/office/drawing/2014/main" val="3936170686"/>
-                  </a:ext>
-                </a:extLst>
-              </a:tr>
-              <a:tr h="190500">
-                <a:tc>
-                  <a:txBody>
-                    <a:bodyPr/>
-                    <a:lstStyle/>
-                    <a:p>
-                      <a:pPr algn="l" fontAlgn="b"/>
-                      <a:endParaRPr lang="en-US" sz="1100" b="0" i="0" u="none" strike="noStrike">
-                        <a:solidFill>
-                          <a:srgbClr val="000000"/>
-                        </a:solidFill>
-                        <a:effectLst/>
-                        <a:latin typeface="Calibri" panose="020F0502020204030204" pitchFamily="34" charset="0"/>
-                      </a:endParaRPr>
-                    </a:p>
-                  </a:txBody>
-                  <a:tcPr marL="9525" marR="9525" marT="9525" marB="0" anchor="b"/>
-                </a:tc>
-                <a:tc>
-                  <a:txBody>
-                    <a:bodyPr/>
-                    <a:lstStyle/>
-                    <a:p>
-                      <a:pPr algn="l" fontAlgn="b"/>
-                      <a:endParaRPr lang="en-US" sz="1100" b="0" i="0" u="none" strike="noStrike">
-                        <a:solidFill>
-                          <a:srgbClr val="000000"/>
-                        </a:solidFill>
-                        <a:effectLst/>
-                        <a:latin typeface="Calibri" panose="020F0502020204030204" pitchFamily="34" charset="0"/>
-                      </a:endParaRPr>
-                    </a:p>
-                  </a:txBody>
-                  <a:tcPr marL="9525" marR="9525" marT="9525" marB="0" anchor="b"/>
-                </a:tc>
-                <a:tc>
-                  <a:txBody>
-                    <a:bodyPr/>
-                    <a:lstStyle/>
-                    <a:p>
-                      <a:pPr algn="l" fontAlgn="b"/>
-                      <a:endParaRPr lang="en-US" sz="1100" b="0" i="0" u="none" strike="noStrike">
-                        <a:solidFill>
-                          <a:srgbClr val="000000"/>
-                        </a:solidFill>
-                        <a:effectLst/>
-                        <a:latin typeface="Calibri" panose="020F0502020204030204" pitchFamily="34" charset="0"/>
-                      </a:endParaRPr>
-                    </a:p>
-                  </a:txBody>
-                  <a:tcPr marL="9525" marR="9525" marT="9525" marB="0" anchor="b"/>
-                </a:tc>
-                <a:tc>
-                  <a:txBody>
-                    <a:bodyPr/>
-                    <a:lstStyle/>
-                    <a:p>
-                      <a:pPr algn="l" fontAlgn="b"/>
-                      <a:endParaRPr lang="en-US" sz="1100" b="0" i="0" u="none" strike="noStrike">
-                        <a:solidFill>
-                          <a:srgbClr val="000000"/>
-                        </a:solidFill>
-                        <a:effectLst/>
-                        <a:latin typeface="Calibri" panose="020F0502020204030204" pitchFamily="34" charset="0"/>
-                      </a:endParaRPr>
-                    </a:p>
-                  </a:txBody>
-                  <a:tcPr marL="9525" marR="9525" marT="9525" marB="0" anchor="b"/>
-                </a:tc>
-                <a:extLst>
-                  <a:ext uri="{0D108BD9-81ED-4DB2-BD59-A6C34878D82A}">
-                    <a16:rowId xmlns:a16="http://schemas.microsoft.com/office/drawing/2014/main" val="1070732241"/>
-                  </a:ext>
-                </a:extLst>
-              </a:tr>
-              <a:tr h="190500">
-                <a:tc>
-                  <a:txBody>
-                    <a:bodyPr/>
-                    <a:lstStyle/>
-                    <a:p>
-                      <a:pPr algn="l" fontAlgn="b"/>
-                      <a:r>
-                        <a:rPr lang="en-US" sz="1100" u="none" strike="noStrike">
-                          <a:effectLst/>
-                        </a:rPr>
-                        <a:t>c1</a:t>
-                      </a:r>
-                      <a:endParaRPr lang="en-US" sz="1100" b="0" i="0" u="none" strike="noStrike">
-                        <a:solidFill>
-                          <a:srgbClr val="000000"/>
-                        </a:solidFill>
-                        <a:effectLst/>
-                        <a:latin typeface="Calibri" panose="020F0502020204030204" pitchFamily="34" charset="0"/>
-                      </a:endParaRPr>
-                    </a:p>
-                  </a:txBody>
-                  <a:tcPr marL="9525" marR="9525" marT="9525" marB="0" anchor="b"/>
-                </a:tc>
-                <a:tc>
-                  <a:txBody>
-                    <a:bodyPr/>
-                    <a:lstStyle/>
-                    <a:p>
-                      <a:pPr algn="l" fontAlgn="b"/>
-                      <a:endParaRPr lang="en-US" sz="1100" b="0" i="0" u="none" strike="noStrike">
-                        <a:solidFill>
-                          <a:srgbClr val="000000"/>
-                        </a:solidFill>
-                        <a:effectLst/>
-                        <a:latin typeface="Calibri" panose="020F0502020204030204" pitchFamily="34" charset="0"/>
-                      </a:endParaRPr>
-                    </a:p>
-                  </a:txBody>
-                  <a:tcPr marL="9525" marR="9525" marT="9525" marB="0" anchor="b"/>
-                </a:tc>
-                <a:tc>
-                  <a:txBody>
-                    <a:bodyPr/>
-                    <a:lstStyle/>
-                    <a:p>
-                      <a:pPr algn="l" fontAlgn="b"/>
-                      <a:endParaRPr lang="en-US" sz="1100" b="0" i="0" u="none" strike="noStrike">
-                        <a:solidFill>
-                          <a:srgbClr val="000000"/>
-                        </a:solidFill>
-                        <a:effectLst/>
-                        <a:latin typeface="Calibri" panose="020F0502020204030204" pitchFamily="34" charset="0"/>
-                      </a:endParaRPr>
-                    </a:p>
-                  </a:txBody>
-                  <a:tcPr marL="9525" marR="9525" marT="9525" marB="0" anchor="b"/>
-                </a:tc>
-                <a:tc>
-                  <a:txBody>
-                    <a:bodyPr/>
-                    <a:lstStyle/>
-                    <a:p>
-                      <a:pPr algn="l" fontAlgn="b"/>
-                      <a:endParaRPr lang="en-US" sz="1100" b="0" i="0" u="none" strike="noStrike">
-                        <a:solidFill>
-                          <a:srgbClr val="000000"/>
-                        </a:solidFill>
-                        <a:effectLst/>
-                        <a:latin typeface="Calibri" panose="020F0502020204030204" pitchFamily="34" charset="0"/>
-                      </a:endParaRPr>
-                    </a:p>
-                  </a:txBody>
-                  <a:tcPr marL="9525" marR="9525" marT="9525" marB="0" anchor="b"/>
-                </a:tc>
-                <a:extLst>
-                  <a:ext uri="{0D108BD9-81ED-4DB2-BD59-A6C34878D82A}">
-                    <a16:rowId xmlns:a16="http://schemas.microsoft.com/office/drawing/2014/main" val="2167498796"/>
-                  </a:ext>
-                </a:extLst>
-              </a:tr>
-              <a:tr h="190500">
-                <a:tc>
-                  <a:txBody>
-                    <a:bodyPr/>
-                    <a:lstStyle/>
-                    <a:p>
-                      <a:pPr algn="l" fontAlgn="b"/>
-                      <a:r>
-                        <a:rPr lang="en-US" sz="1100" u="none" strike="noStrike">
-                          <a:effectLst/>
-                        </a:rPr>
-                        <a:t>c2</a:t>
-                      </a:r>
-                      <a:endParaRPr lang="en-US" sz="1100" b="0" i="0" u="none" strike="noStrike">
-                        <a:solidFill>
-                          <a:srgbClr val="000000"/>
-                        </a:solidFill>
-                        <a:effectLst/>
-                        <a:latin typeface="Calibri" panose="020F0502020204030204" pitchFamily="34" charset="0"/>
-                      </a:endParaRPr>
-                    </a:p>
-                  </a:txBody>
-                  <a:tcPr marL="9525" marR="9525" marT="9525" marB="0" anchor="b"/>
-                </a:tc>
-                <a:tc>
-                  <a:txBody>
-                    <a:bodyPr/>
-                    <a:lstStyle/>
-                    <a:p>
-                      <a:pPr algn="l" fontAlgn="b"/>
-                      <a:endParaRPr lang="en-US" sz="1100" b="0" i="0" u="none" strike="noStrike">
-                        <a:solidFill>
-                          <a:srgbClr val="000000"/>
-                        </a:solidFill>
-                        <a:effectLst/>
-                        <a:latin typeface="Calibri" panose="020F0502020204030204" pitchFamily="34" charset="0"/>
-                      </a:endParaRPr>
-                    </a:p>
-                  </a:txBody>
-                  <a:tcPr marL="9525" marR="9525" marT="9525" marB="0" anchor="b"/>
-                </a:tc>
-                <a:tc>
-                  <a:txBody>
-                    <a:bodyPr/>
-                    <a:lstStyle/>
-                    <a:p>
-                      <a:pPr algn="l" fontAlgn="b"/>
-                      <a:endParaRPr lang="en-US" sz="1100" b="0" i="0" u="none" strike="noStrike">
-                        <a:solidFill>
-                          <a:srgbClr val="000000"/>
-                        </a:solidFill>
-                        <a:effectLst/>
-                        <a:latin typeface="Calibri" panose="020F0502020204030204" pitchFamily="34" charset="0"/>
-                      </a:endParaRPr>
-                    </a:p>
-                  </a:txBody>
-                  <a:tcPr marL="9525" marR="9525" marT="9525" marB="0" anchor="b"/>
-                </a:tc>
-                <a:tc>
-                  <a:txBody>
-                    <a:bodyPr/>
-                    <a:lstStyle/>
-                    <a:p>
-                      <a:pPr algn="l" fontAlgn="b"/>
-                      <a:endParaRPr lang="en-US" sz="1100" b="0" i="0" u="none" strike="noStrike">
-                        <a:solidFill>
-                          <a:srgbClr val="000000"/>
-                        </a:solidFill>
-                        <a:effectLst/>
-                        <a:latin typeface="Calibri" panose="020F0502020204030204" pitchFamily="34" charset="0"/>
-                      </a:endParaRPr>
-                    </a:p>
-                  </a:txBody>
-                  <a:tcPr marL="9525" marR="9525" marT="9525" marB="0" anchor="b"/>
-                </a:tc>
-                <a:extLst>
-                  <a:ext uri="{0D108BD9-81ED-4DB2-BD59-A6C34878D82A}">
-                    <a16:rowId xmlns:a16="http://schemas.microsoft.com/office/drawing/2014/main" val="3149518229"/>
-                  </a:ext>
-                </a:extLst>
-              </a:tr>
-              <a:tr h="190500">
-                <a:tc>
-                  <a:txBody>
-                    <a:bodyPr/>
-                    <a:lstStyle/>
-                    <a:p>
-                      <a:pPr algn="l" fontAlgn="b"/>
-                      <a:r>
-                        <a:rPr lang="en-US" sz="1100" u="none" strike="noStrike">
-                          <a:effectLst/>
-                        </a:rPr>
-                        <a:t>c3</a:t>
-                      </a:r>
-                      <a:endParaRPr lang="en-US" sz="1100" b="0" i="0" u="none" strike="noStrike">
-                        <a:solidFill>
-                          <a:srgbClr val="000000"/>
-                        </a:solidFill>
-                        <a:effectLst/>
-                        <a:latin typeface="Calibri" panose="020F0502020204030204" pitchFamily="34" charset="0"/>
-                      </a:endParaRPr>
-                    </a:p>
-                  </a:txBody>
-                  <a:tcPr marL="9525" marR="9525" marT="9525" marB="0" anchor="b"/>
-                </a:tc>
-                <a:tc>
-                  <a:txBody>
-                    <a:bodyPr/>
-                    <a:lstStyle/>
-                    <a:p>
-                      <a:pPr algn="l" fontAlgn="b"/>
-                      <a:endParaRPr lang="en-US" sz="1100" b="0" i="0" u="none" strike="noStrike">
-                        <a:solidFill>
-                          <a:srgbClr val="000000"/>
-                        </a:solidFill>
-                        <a:effectLst/>
-                        <a:latin typeface="Calibri" panose="020F0502020204030204" pitchFamily="34" charset="0"/>
-                      </a:endParaRPr>
-                    </a:p>
-                  </a:txBody>
-                  <a:tcPr marL="9525" marR="9525" marT="9525" marB="0" anchor="b"/>
-                </a:tc>
-                <a:tc>
-                  <a:txBody>
-                    <a:bodyPr/>
-                    <a:lstStyle/>
-                    <a:p>
-                      <a:pPr algn="l" fontAlgn="b"/>
-                      <a:endParaRPr lang="en-US" sz="1100" b="0" i="0" u="none" strike="noStrike">
-                        <a:solidFill>
-                          <a:srgbClr val="000000"/>
-                        </a:solidFill>
-                        <a:effectLst/>
-                        <a:latin typeface="Calibri" panose="020F0502020204030204" pitchFamily="34" charset="0"/>
-                      </a:endParaRPr>
-                    </a:p>
-                  </a:txBody>
-                  <a:tcPr marL="9525" marR="9525" marT="9525" marB="0" anchor="b"/>
-                </a:tc>
-                <a:tc>
-                  <a:txBody>
-                    <a:bodyPr/>
-                    <a:lstStyle/>
-                    <a:p>
-                      <a:pPr algn="l" fontAlgn="b"/>
-                      <a:endParaRPr lang="en-US" sz="1100" b="0" i="0" u="none" strike="noStrike">
-                        <a:solidFill>
-                          <a:srgbClr val="000000"/>
-                        </a:solidFill>
-                        <a:effectLst/>
-                        <a:latin typeface="Calibri" panose="020F0502020204030204" pitchFamily="34" charset="0"/>
-                      </a:endParaRPr>
-                    </a:p>
-                  </a:txBody>
-                  <a:tcPr marL="9525" marR="9525" marT="9525" marB="0" anchor="b"/>
-                </a:tc>
-                <a:extLst>
-                  <a:ext uri="{0D108BD9-81ED-4DB2-BD59-A6C34878D82A}">
-                    <a16:rowId xmlns:a16="http://schemas.microsoft.com/office/drawing/2014/main" val="1206598773"/>
-                  </a:ext>
-                </a:extLst>
-              </a:tr>
-              <a:tr h="190500">
-                <a:tc>
-                  <a:txBody>
-                    <a:bodyPr/>
-                    <a:lstStyle/>
-                    <a:p>
-                      <a:pPr algn="l" fontAlgn="b"/>
-                      <a:r>
-                        <a:rPr lang="en-US" sz="1100" u="none" strike="noStrike">
-                          <a:effectLst/>
-                        </a:rPr>
-                        <a:t>c4</a:t>
-                      </a:r>
-                      <a:endParaRPr lang="en-US" sz="1100" b="0" i="0" u="none" strike="noStrike">
-                        <a:solidFill>
-                          <a:srgbClr val="000000"/>
-                        </a:solidFill>
-                        <a:effectLst/>
-                        <a:latin typeface="Calibri" panose="020F0502020204030204" pitchFamily="34" charset="0"/>
-                      </a:endParaRPr>
-                    </a:p>
-                  </a:txBody>
-                  <a:tcPr marL="9525" marR="9525" marT="9525" marB="0" anchor="b"/>
-                </a:tc>
-                <a:tc>
-                  <a:txBody>
-                    <a:bodyPr/>
-                    <a:lstStyle/>
-                    <a:p>
-                      <a:pPr algn="l" fontAlgn="b"/>
-                      <a:endParaRPr lang="en-US" sz="1100" b="0" i="0" u="none" strike="noStrike">
-                        <a:solidFill>
-                          <a:srgbClr val="000000"/>
-                        </a:solidFill>
-                        <a:effectLst/>
-                        <a:latin typeface="Calibri" panose="020F0502020204030204" pitchFamily="34" charset="0"/>
-                      </a:endParaRPr>
-                    </a:p>
-                  </a:txBody>
-                  <a:tcPr marL="9525" marR="9525" marT="9525" marB="0" anchor="b"/>
-                </a:tc>
-                <a:tc>
-                  <a:txBody>
-                    <a:bodyPr/>
-                    <a:lstStyle/>
-                    <a:p>
-                      <a:pPr algn="l" fontAlgn="b"/>
-                      <a:endParaRPr lang="en-US" sz="1100" b="0" i="0" u="none" strike="noStrike">
-                        <a:solidFill>
-                          <a:srgbClr val="000000"/>
-                        </a:solidFill>
-                        <a:effectLst/>
-                        <a:latin typeface="Calibri" panose="020F0502020204030204" pitchFamily="34" charset="0"/>
-                      </a:endParaRPr>
-                    </a:p>
-                  </a:txBody>
-                  <a:tcPr marL="9525" marR="9525" marT="9525" marB="0" anchor="b"/>
-                </a:tc>
-                <a:tc>
-                  <a:txBody>
-                    <a:bodyPr/>
-                    <a:lstStyle/>
-                    <a:p>
-                      <a:pPr algn="l" fontAlgn="b"/>
-                      <a:endParaRPr lang="en-US" sz="1100" b="0" i="0" u="none" strike="noStrike" dirty="0">
-                        <a:solidFill>
-                          <a:srgbClr val="000000"/>
-                        </a:solidFill>
-                        <a:effectLst/>
-                        <a:latin typeface="Calibri" panose="020F0502020204030204" pitchFamily="34" charset="0"/>
-                      </a:endParaRPr>
-                    </a:p>
-                  </a:txBody>
-                  <a:tcPr marL="9525" marR="9525" marT="9525" marB="0" anchor="b"/>
-                </a:tc>
-                <a:extLst>
-                  <a:ext uri="{0D108BD9-81ED-4DB2-BD59-A6C34878D82A}">
-                    <a16:rowId xmlns:a16="http://schemas.microsoft.com/office/drawing/2014/main" val="243314162"/>
-                  </a:ext>
-                </a:extLst>
-              </a:tr>
-            </a:tbl>
-          </a:graphicData>
-        </a:graphic>
-      </p:graphicFrame>
+      <p:sp>
+        <p:nvSpPr>
+          <p:cNvPr id="4" name="TextBox 3">
+            <a:extLst>
+              <a:ext uri="{FF2B5EF4-FFF2-40B4-BE49-F238E27FC236}">
+                <a16:creationId xmlns:a16="http://schemas.microsoft.com/office/drawing/2014/main" id="{CC1F8028-DD48-21C8-784C-0351ADD5D02F}"/>
+              </a:ext>
+            </a:extLst>
+          </p:cNvPr>
+          <p:cNvSpPr txBox="1"/>
+          <p:nvPr/>
+        </p:nvSpPr>
+        <p:spPr>
+          <a:xfrm>
+            <a:off x="4729655" y="6627168"/>
+            <a:ext cx="5155323" cy="230832"/>
+          </a:xfrm>
+          <a:prstGeom prst="rect">
+            <a:avLst/>
+          </a:prstGeom>
+          <a:noFill/>
+        </p:spPr>
+        <p:txBody>
+          <a:bodyPr wrap="square">
+            <a:spAutoFit/>
+          </a:bodyPr>
+          <a:lstStyle/>
+          <a:p>
+            <a:pPr algn="r"/>
+            <a:r>
+              <a:rPr lang="en-US" sz="900" i="1" dirty="0">
+                <a:solidFill>
+                  <a:schemeClr val="bg1">
+                    <a:lumMod val="50000"/>
+                  </a:schemeClr>
+                </a:solidFill>
+              </a:rPr>
+              <a:t>https://www.10xgenomics.com/support/software/cell-ranger/algorithms-overview/</a:t>
+            </a:r>
+            <a:r>
+              <a:rPr lang="en-US" sz="900" i="1" dirty="0" err="1">
+                <a:solidFill>
+                  <a:schemeClr val="bg1">
+                    <a:lumMod val="50000"/>
+                  </a:schemeClr>
+                </a:solidFill>
+              </a:rPr>
+              <a:t>cr</a:t>
+            </a:r>
+            <a:r>
+              <a:rPr lang="en-US" sz="900" i="1" dirty="0">
+                <a:solidFill>
+                  <a:schemeClr val="bg1">
+                    <a:lumMod val="50000"/>
+                  </a:schemeClr>
+                </a:solidFill>
+              </a:rPr>
+              <a:t>-</a:t>
+            </a:r>
+            <a:r>
+              <a:rPr lang="en-US" sz="900" i="1" dirty="0" err="1">
+                <a:solidFill>
+                  <a:schemeClr val="bg1">
+                    <a:lumMod val="50000"/>
+                  </a:schemeClr>
+                </a:solidFill>
+              </a:rPr>
+              <a:t>gex</a:t>
+            </a:r>
+            <a:r>
+              <a:rPr lang="en-US" sz="900" i="1" dirty="0">
+                <a:solidFill>
+                  <a:schemeClr val="bg1">
+                    <a:lumMod val="50000"/>
+                  </a:schemeClr>
+                </a:solidFill>
+              </a:rPr>
+              <a:t>-algorithm</a:t>
+            </a:r>
+          </a:p>
+        </p:txBody>
+      </p:sp>
+      <p:pic>
+        <p:nvPicPr>
+          <p:cNvPr id="9" name="Picture 8">
+            <a:extLst>
+              <a:ext uri="{FF2B5EF4-FFF2-40B4-BE49-F238E27FC236}">
+                <a16:creationId xmlns:a16="http://schemas.microsoft.com/office/drawing/2014/main" id="{AD1207BB-9632-1571-EEF5-3E724D672037}"/>
+              </a:ext>
+            </a:extLst>
+          </p:cNvPr>
+          <p:cNvPicPr>
+            <a:picLocks noChangeAspect="1"/>
+          </p:cNvPicPr>
+          <p:nvPr/>
+        </p:nvPicPr>
+        <p:blipFill>
+          <a:blip r:embed="rId2"/>
+          <a:stretch>
+            <a:fillRect/>
+          </a:stretch>
+        </p:blipFill>
+        <p:spPr>
+          <a:xfrm>
+            <a:off x="223236" y="3155486"/>
+            <a:ext cx="5382376" cy="466790"/>
+          </a:xfrm>
+          <a:prstGeom prst="rect">
+            <a:avLst/>
+          </a:prstGeom>
+        </p:spPr>
+      </p:pic>
+      <p:pic>
+        <p:nvPicPr>
+          <p:cNvPr id="11" name="Picture 10">
+            <a:extLst>
+              <a:ext uri="{FF2B5EF4-FFF2-40B4-BE49-F238E27FC236}">
+                <a16:creationId xmlns:a16="http://schemas.microsoft.com/office/drawing/2014/main" id="{7BAF6576-6704-37D3-63D6-CA58A5534A18}"/>
+              </a:ext>
+            </a:extLst>
+          </p:cNvPr>
+          <p:cNvPicPr>
+            <a:picLocks noChangeAspect="1"/>
+          </p:cNvPicPr>
+          <p:nvPr/>
+        </p:nvPicPr>
+        <p:blipFill>
+          <a:blip r:embed="rId3"/>
+          <a:stretch>
+            <a:fillRect/>
+          </a:stretch>
+        </p:blipFill>
+        <p:spPr>
+          <a:xfrm>
+            <a:off x="223236" y="2072615"/>
+            <a:ext cx="4001058" cy="438211"/>
+          </a:xfrm>
+          <a:prstGeom prst="rect">
+            <a:avLst/>
+          </a:prstGeom>
+        </p:spPr>
+      </p:pic>
+      <p:pic>
+        <p:nvPicPr>
+          <p:cNvPr id="13" name="Picture 12">
+            <a:extLst>
+              <a:ext uri="{FF2B5EF4-FFF2-40B4-BE49-F238E27FC236}">
+                <a16:creationId xmlns:a16="http://schemas.microsoft.com/office/drawing/2014/main" id="{8E7AE1C7-515B-E59C-E200-48350423EB9E}"/>
+              </a:ext>
+            </a:extLst>
+          </p:cNvPr>
+          <p:cNvPicPr>
+            <a:picLocks noChangeAspect="1"/>
+          </p:cNvPicPr>
+          <p:nvPr/>
+        </p:nvPicPr>
+        <p:blipFill rotWithShape="1">
+          <a:blip r:embed="rId4"/>
+          <a:srcRect t="5206"/>
+          <a:stretch/>
+        </p:blipFill>
+        <p:spPr>
+          <a:xfrm>
+            <a:off x="223236" y="4953649"/>
+            <a:ext cx="5268060" cy="1101702"/>
+          </a:xfrm>
+          <a:prstGeom prst="rect">
+            <a:avLst/>
+          </a:prstGeom>
+        </p:spPr>
+      </p:pic>
+      <p:pic>
+        <p:nvPicPr>
+          <p:cNvPr id="15" name="Picture 14">
+            <a:extLst>
+              <a:ext uri="{FF2B5EF4-FFF2-40B4-BE49-F238E27FC236}">
+                <a16:creationId xmlns:a16="http://schemas.microsoft.com/office/drawing/2014/main" id="{3C1DDB22-DB48-35E2-AA11-229F55E038D8}"/>
+              </a:ext>
+            </a:extLst>
+          </p:cNvPr>
+          <p:cNvPicPr>
+            <a:picLocks noChangeAspect="1"/>
+          </p:cNvPicPr>
+          <p:nvPr/>
+        </p:nvPicPr>
+        <p:blipFill rotWithShape="1">
+          <a:blip r:embed="rId5"/>
+          <a:srcRect t="3559"/>
+          <a:stretch/>
+        </p:blipFill>
+        <p:spPr>
+          <a:xfrm>
+            <a:off x="6328829" y="1741438"/>
+            <a:ext cx="5525271" cy="1304590"/>
+          </a:xfrm>
+          <a:prstGeom prst="rect">
+            <a:avLst/>
+          </a:prstGeom>
+        </p:spPr>
+      </p:pic>
+      <p:sp>
+        <p:nvSpPr>
+          <p:cNvPr id="16" name="TextBox 15">
+            <a:extLst>
+              <a:ext uri="{FF2B5EF4-FFF2-40B4-BE49-F238E27FC236}">
+                <a16:creationId xmlns:a16="http://schemas.microsoft.com/office/drawing/2014/main" id="{2C963E76-F61C-A1ED-E201-5541B2D5A580}"/>
+              </a:ext>
+            </a:extLst>
+          </p:cNvPr>
+          <p:cNvSpPr txBox="1"/>
+          <p:nvPr/>
+        </p:nvSpPr>
+        <p:spPr>
+          <a:xfrm>
+            <a:off x="76211" y="674439"/>
+            <a:ext cx="5676426" cy="307777"/>
+          </a:xfrm>
+          <a:prstGeom prst="rect">
+            <a:avLst/>
+          </a:prstGeom>
+          <a:noFill/>
+        </p:spPr>
+        <p:txBody>
+          <a:bodyPr wrap="none" rtlCol="0">
+            <a:spAutoFit/>
+          </a:bodyPr>
+          <a:lstStyle/>
+          <a:p>
+            <a:r>
+              <a:rPr lang="en-US" sz="1400" i="1" dirty="0"/>
+              <a:t>Example script found in /M2_CellRanger_Alignment/align_zebrahub_sra.sh</a:t>
+            </a:r>
+          </a:p>
+        </p:txBody>
+      </p:sp>
+      <p:sp>
+        <p:nvSpPr>
+          <p:cNvPr id="19" name="TextBox 18">
+            <a:extLst>
+              <a:ext uri="{FF2B5EF4-FFF2-40B4-BE49-F238E27FC236}">
+                <a16:creationId xmlns:a16="http://schemas.microsoft.com/office/drawing/2014/main" id="{D8FAAAD8-7F7F-8E25-083F-297BD2D283AD}"/>
+              </a:ext>
+            </a:extLst>
+          </p:cNvPr>
+          <p:cNvSpPr txBox="1"/>
+          <p:nvPr/>
+        </p:nvSpPr>
+        <p:spPr>
+          <a:xfrm>
+            <a:off x="889269" y="2544946"/>
+            <a:ext cx="1866138" cy="276999"/>
+          </a:xfrm>
+          <a:prstGeom prst="rect">
+            <a:avLst/>
+          </a:prstGeom>
+          <a:noFill/>
+        </p:spPr>
+        <p:txBody>
+          <a:bodyPr wrap="square">
+            <a:spAutoFit/>
+          </a:bodyPr>
+          <a:lstStyle/>
+          <a:p>
+            <a:r>
+              <a:rPr lang="en-US" sz="1200" dirty="0"/>
+              <a:t>./SRR23691690</a:t>
+            </a:r>
+          </a:p>
+        </p:txBody>
+      </p:sp>
+      <p:sp>
+        <p:nvSpPr>
+          <p:cNvPr id="20" name="TextBox 19">
+            <a:extLst>
+              <a:ext uri="{FF2B5EF4-FFF2-40B4-BE49-F238E27FC236}">
+                <a16:creationId xmlns:a16="http://schemas.microsoft.com/office/drawing/2014/main" id="{34607C47-BAA5-8263-1797-C0FA213D1D12}"/>
+              </a:ext>
+            </a:extLst>
+          </p:cNvPr>
+          <p:cNvSpPr txBox="1"/>
+          <p:nvPr/>
+        </p:nvSpPr>
+        <p:spPr>
+          <a:xfrm>
+            <a:off x="851169" y="3630507"/>
+            <a:ext cx="2454402" cy="1015663"/>
+          </a:xfrm>
+          <a:prstGeom prst="rect">
+            <a:avLst/>
+          </a:prstGeom>
+          <a:noFill/>
+        </p:spPr>
+        <p:txBody>
+          <a:bodyPr wrap="square">
+            <a:spAutoFit/>
+          </a:bodyPr>
+          <a:lstStyle/>
+          <a:p>
+            <a:r>
+              <a:rPr lang="en-US" sz="1200" dirty="0"/>
+              <a:t>./SRR23691690_1.fastq</a:t>
+            </a:r>
+          </a:p>
+          <a:p>
+            <a:r>
+              <a:rPr lang="en-US" sz="1200" dirty="0"/>
+              <a:t>./SRR23691690_2.fastq</a:t>
+            </a:r>
+          </a:p>
+          <a:p>
+            <a:r>
+              <a:rPr lang="en-US" sz="1200" dirty="0"/>
+              <a:t>./SRR23691690_3.fastq</a:t>
+            </a:r>
+          </a:p>
+          <a:p>
+            <a:r>
+              <a:rPr lang="en-US" sz="1200" dirty="0"/>
+              <a:t>./SRR23691690_4.fastq</a:t>
+            </a:r>
+          </a:p>
+          <a:p>
+            <a:endParaRPr lang="en-US" sz="1200" dirty="0"/>
+          </a:p>
+        </p:txBody>
+      </p:sp>
+      <p:sp>
+        <p:nvSpPr>
+          <p:cNvPr id="21" name="TextBox 20">
+            <a:extLst>
+              <a:ext uri="{FF2B5EF4-FFF2-40B4-BE49-F238E27FC236}">
+                <a16:creationId xmlns:a16="http://schemas.microsoft.com/office/drawing/2014/main" id="{DA2B85D9-30B5-A401-DA0E-5B677392C5E6}"/>
+              </a:ext>
+            </a:extLst>
+          </p:cNvPr>
+          <p:cNvSpPr txBox="1"/>
+          <p:nvPr/>
+        </p:nvSpPr>
+        <p:spPr>
+          <a:xfrm>
+            <a:off x="837204" y="6110427"/>
+            <a:ext cx="3186156" cy="461665"/>
+          </a:xfrm>
+          <a:prstGeom prst="rect">
+            <a:avLst/>
+          </a:prstGeom>
+          <a:noFill/>
+        </p:spPr>
+        <p:txBody>
+          <a:bodyPr wrap="square">
+            <a:spAutoFit/>
+          </a:bodyPr>
+          <a:lstStyle/>
+          <a:p>
+            <a:r>
+              <a:rPr lang="en-US" sz="1200" dirty="0"/>
+              <a:t>./SRR23691690_S1_L001_R1_001.fastq</a:t>
+            </a:r>
+          </a:p>
+          <a:p>
+            <a:r>
+              <a:rPr lang="en-US" sz="1200" dirty="0"/>
+              <a:t>./SRR23691690_S1_L001_R2_001.fastq</a:t>
+            </a:r>
+          </a:p>
+        </p:txBody>
+      </p:sp>
+      <p:pic>
+        <p:nvPicPr>
+          <p:cNvPr id="29" name="Picture 28">
+            <a:extLst>
+              <a:ext uri="{FF2B5EF4-FFF2-40B4-BE49-F238E27FC236}">
+                <a16:creationId xmlns:a16="http://schemas.microsoft.com/office/drawing/2014/main" id="{3267EBE4-412E-86F4-42E3-11F69D156DDB}"/>
+              </a:ext>
+            </a:extLst>
+          </p:cNvPr>
+          <p:cNvPicPr>
+            <a:picLocks noChangeAspect="1"/>
+          </p:cNvPicPr>
+          <p:nvPr/>
+        </p:nvPicPr>
+        <p:blipFill>
+          <a:blip r:embed="rId6"/>
+          <a:stretch>
+            <a:fillRect/>
+          </a:stretch>
+        </p:blipFill>
+        <p:spPr>
+          <a:xfrm>
+            <a:off x="6228843" y="3330435"/>
+            <a:ext cx="5492672" cy="2631470"/>
+          </a:xfrm>
+          <a:prstGeom prst="rect">
+            <a:avLst/>
+          </a:prstGeom>
+        </p:spPr>
+      </p:pic>
+      <p:pic>
+        <p:nvPicPr>
+          <p:cNvPr id="33" name="Picture 32">
+            <a:extLst>
+              <a:ext uri="{FF2B5EF4-FFF2-40B4-BE49-F238E27FC236}">
+                <a16:creationId xmlns:a16="http://schemas.microsoft.com/office/drawing/2014/main" id="{A410977A-F843-6C63-32C6-E4A330FA7A0F}"/>
+              </a:ext>
+            </a:extLst>
+          </p:cNvPr>
+          <p:cNvPicPr>
+            <a:picLocks noChangeAspect="1"/>
+          </p:cNvPicPr>
+          <p:nvPr/>
+        </p:nvPicPr>
+        <p:blipFill>
+          <a:blip r:embed="rId7"/>
+          <a:stretch>
+            <a:fillRect/>
+          </a:stretch>
+        </p:blipFill>
+        <p:spPr>
+          <a:xfrm>
+            <a:off x="223236" y="1144148"/>
+            <a:ext cx="6230219" cy="571580"/>
+          </a:xfrm>
+          <a:prstGeom prst="rect">
+            <a:avLst/>
+          </a:prstGeom>
+        </p:spPr>
+      </p:pic>
     </p:spTree>
     <p:extLst>
       <p:ext uri="{BB962C8B-B14F-4D97-AF65-F5344CB8AC3E}">
-        <p14:creationId xmlns:p14="http://schemas.microsoft.com/office/powerpoint/2010/main" val="4107902956"/>
+        <p14:creationId xmlns:p14="http://schemas.microsoft.com/office/powerpoint/2010/main" val="2103545050"/>
       </p:ext>
     </p:extLst>
   </p:cSld>

--- a/M2_CellRanger_Alignment/M2_CellRanger.pptx
+++ b/M2_CellRanger_Alignment/M2_CellRanger.pptx
@@ -208,7 +208,7 @@
           <a:p>
             <a:fld id="{FF40CFF0-3E11-4AF6-9747-7919C58FBC48}" type="datetimeFigureOut">
               <a:rPr lang="en-US" smtClean="0"/>
-              <a:t>1/9/2024</a:t>
+              <a:t>1/10/2024</a:t>
             </a:fld>
             <a:endParaRPr lang="en-US"/>
           </a:p>
@@ -632,7 +632,7 @@
           <a:p>
             <a:fld id="{9F69634C-F75C-45F7-A87A-C5E2AF3ECA41}" type="datetimeFigureOut">
               <a:rPr lang="en-US" smtClean="0"/>
-              <a:t>1/9/2024</a:t>
+              <a:t>1/10/2024</a:t>
             </a:fld>
             <a:endParaRPr lang="en-US"/>
           </a:p>
@@ -797,7 +797,7 @@
           <a:p>
             <a:fld id="{9F69634C-F75C-45F7-A87A-C5E2AF3ECA41}" type="datetimeFigureOut">
               <a:rPr lang="en-US" smtClean="0"/>
-              <a:t>1/9/2024</a:t>
+              <a:t>1/10/2024</a:t>
             </a:fld>
             <a:endParaRPr lang="en-US"/>
           </a:p>
@@ -1000,7 +1000,7 @@
           <a:p>
             <a:fld id="{9F69634C-F75C-45F7-A87A-C5E2AF3ECA41}" type="datetimeFigureOut">
               <a:rPr lang="en-US" smtClean="0"/>
-              <a:t>1/9/2024</a:t>
+              <a:t>1/10/2024</a:t>
             </a:fld>
             <a:endParaRPr lang="en-US"/>
           </a:p>
@@ -1265,7 +1265,7 @@
           <a:p>
             <a:fld id="{9F69634C-F75C-45F7-A87A-C5E2AF3ECA41}" type="datetimeFigureOut">
               <a:rPr lang="en-US" smtClean="0"/>
-              <a:t>1/9/2024</a:t>
+              <a:t>1/10/2024</a:t>
             </a:fld>
             <a:endParaRPr lang="en-US"/>
           </a:p>
@@ -1378,7 +1378,7 @@
           <a:p>
             <a:fld id="{9F69634C-F75C-45F7-A87A-C5E2AF3ECA41}" type="datetimeFigureOut">
               <a:rPr lang="en-US" smtClean="0"/>
-              <a:t>1/9/2024</a:t>
+              <a:t>1/10/2024</a:t>
             </a:fld>
             <a:endParaRPr lang="en-US"/>
           </a:p>
@@ -1620,7 +1620,7 @@
           <a:p>
             <a:fld id="{9F69634C-F75C-45F7-A87A-C5E2AF3ECA41}" type="datetimeFigureOut">
               <a:rPr lang="en-US" smtClean="0"/>
-              <a:t>1/9/2024</a:t>
+              <a:t>1/10/2024</a:t>
             </a:fld>
             <a:endParaRPr lang="en-US"/>
           </a:p>
@@ -10276,16 +10276,15 @@
           </p:cNvPicPr>
           <p:nvPr/>
         </p:nvPicPr>
-        <p:blipFill>
+        <p:blipFill rotWithShape="1">
           <a:blip r:embed="rId2"/>
-          <a:stretch>
-            <a:fillRect/>
-          </a:stretch>
+          <a:srcRect l="558" r="-1"/>
+          <a:stretch/>
         </p:blipFill>
         <p:spPr>
           <a:xfrm>
-            <a:off x="421184" y="841135"/>
-            <a:ext cx="8089249" cy="5460843"/>
+            <a:off x="329184" y="850279"/>
+            <a:ext cx="8044089" cy="5460843"/>
           </a:xfrm>
           <a:prstGeom prst="rect">
             <a:avLst/>

--- a/M2_CellRanger_Alignment/M2_CellRanger.pptx
+++ b/M2_CellRanger_Alignment/M2_CellRanger.pptx
@@ -208,7 +208,7 @@
           <a:p>
             <a:fld id="{FF40CFF0-3E11-4AF6-9747-7919C58FBC48}" type="datetimeFigureOut">
               <a:rPr lang="en-US" smtClean="0"/>
-              <a:t>1/10/2024</a:t>
+              <a:t>2/2/2024</a:t>
             </a:fld>
             <a:endParaRPr lang="en-US"/>
           </a:p>
@@ -632,7 +632,7 @@
           <a:p>
             <a:fld id="{9F69634C-F75C-45F7-A87A-C5E2AF3ECA41}" type="datetimeFigureOut">
               <a:rPr lang="en-US" smtClean="0"/>
-              <a:t>1/10/2024</a:t>
+              <a:t>2/2/2024</a:t>
             </a:fld>
             <a:endParaRPr lang="en-US"/>
           </a:p>
@@ -797,7 +797,7 @@
           <a:p>
             <a:fld id="{9F69634C-F75C-45F7-A87A-C5E2AF3ECA41}" type="datetimeFigureOut">
               <a:rPr lang="en-US" smtClean="0"/>
-              <a:t>1/10/2024</a:t>
+              <a:t>2/2/2024</a:t>
             </a:fld>
             <a:endParaRPr lang="en-US"/>
           </a:p>
@@ -1000,7 +1000,7 @@
           <a:p>
             <a:fld id="{9F69634C-F75C-45F7-A87A-C5E2AF3ECA41}" type="datetimeFigureOut">
               <a:rPr lang="en-US" smtClean="0"/>
-              <a:t>1/10/2024</a:t>
+              <a:t>2/2/2024</a:t>
             </a:fld>
             <a:endParaRPr lang="en-US"/>
           </a:p>
@@ -1265,7 +1265,7 @@
           <a:p>
             <a:fld id="{9F69634C-F75C-45F7-A87A-C5E2AF3ECA41}" type="datetimeFigureOut">
               <a:rPr lang="en-US" smtClean="0"/>
-              <a:t>1/10/2024</a:t>
+              <a:t>2/2/2024</a:t>
             </a:fld>
             <a:endParaRPr lang="en-US"/>
           </a:p>
@@ -1378,7 +1378,7 @@
           <a:p>
             <a:fld id="{9F69634C-F75C-45F7-A87A-C5E2AF3ECA41}" type="datetimeFigureOut">
               <a:rPr lang="en-US" smtClean="0"/>
-              <a:t>1/10/2024</a:t>
+              <a:t>2/2/2024</a:t>
             </a:fld>
             <a:endParaRPr lang="en-US"/>
           </a:p>
@@ -1620,7 +1620,7 @@
           <a:p>
             <a:fld id="{9F69634C-F75C-45F7-A87A-C5E2AF3ECA41}" type="datetimeFigureOut">
               <a:rPr lang="en-US" smtClean="0"/>
-              <a:t>1/10/2024</a:t>
+              <a:t>2/2/2024</a:t>
             </a:fld>
             <a:endParaRPr lang="en-US"/>
           </a:p>
@@ -2617,7 +2617,7 @@
         </p:nvSpPr>
         <p:spPr>
           <a:xfrm>
-            <a:off x="313112" y="2472938"/>
+            <a:off x="313112" y="2646674"/>
             <a:ext cx="11702103" cy="1200329"/>
           </a:xfrm>
           <a:prstGeom prst="rect">
@@ -2670,195 +2670,6 @@
           </a:p>
         </p:txBody>
       </p:sp>
-      <p:graphicFrame>
-        <p:nvGraphicFramePr>
-          <p:cNvPr id="17" name="Object 16">
-            <a:extLst>
-              <a:ext uri="{FF2B5EF4-FFF2-40B4-BE49-F238E27FC236}">
-                <a16:creationId xmlns:a16="http://schemas.microsoft.com/office/drawing/2014/main" id="{D29FF9F2-614C-6047-F4C6-675E955AE997}"/>
-              </a:ext>
-            </a:extLst>
-          </p:cNvPr>
-          <p:cNvGraphicFramePr>
-            <a:graphicFrameLocks noChangeAspect="1"/>
-          </p:cNvGraphicFramePr>
-          <p:nvPr>
-            <p:extLst>
-              <p:ext uri="{D42A27DB-BD31-4B8C-83A1-F6EECF244321}">
-                <p14:modId xmlns:p14="http://schemas.microsoft.com/office/powerpoint/2010/main" val="1060248165"/>
-              </p:ext>
-            </p:extLst>
-          </p:nvPr>
-        </p:nvGraphicFramePr>
-        <p:xfrm>
-          <a:off x="2163508" y="815126"/>
-          <a:ext cx="1628775" cy="1152525"/>
-        </p:xfrm>
-        <a:graphic>
-          <a:graphicData uri="http://schemas.openxmlformats.org/presentationml/2006/ole">
-            <mc:AlternateContent xmlns:mc="http://schemas.openxmlformats.org/markup-compatibility/2006">
-              <mc:Choice xmlns:v="urn:schemas-microsoft-com:vml" Requires="v">
-                <p:oleObj name="Worksheet" r:id="rId2" imgW="1628916" imgH="1152422" progId="Excel.Sheet.12">
-                  <p:embed/>
-                </p:oleObj>
-              </mc:Choice>
-              <mc:Fallback>
-                <p:oleObj name="Worksheet" r:id="rId2" imgW="1628916" imgH="1152422" progId="Excel.Sheet.12">
-                  <p:embed/>
-                  <p:pic>
-                    <p:nvPicPr>
-                      <p:cNvPr id="0" name=""/>
-                      <p:cNvPicPr/>
-                      <p:nvPr/>
-                    </p:nvPicPr>
-                    <p:blipFill>
-                      <a:blip r:embed="rId3"/>
-                      <a:stretch>
-                        <a:fillRect/>
-                      </a:stretch>
-                    </p:blipFill>
-                    <p:spPr>
-                      <a:xfrm>
-                        <a:off x="2163508" y="815126"/>
-                        <a:ext cx="1628775" cy="1152525"/>
-                      </a:xfrm>
-                      <a:prstGeom prst="rect">
-                        <a:avLst/>
-                      </a:prstGeom>
-                    </p:spPr>
-                  </p:pic>
-                </p:oleObj>
-              </mc:Fallback>
-            </mc:AlternateContent>
-          </a:graphicData>
-        </a:graphic>
-      </p:graphicFrame>
-      <p:graphicFrame>
-        <p:nvGraphicFramePr>
-          <p:cNvPr id="18" name="Object 17">
-            <a:extLst>
-              <a:ext uri="{FF2B5EF4-FFF2-40B4-BE49-F238E27FC236}">
-                <a16:creationId xmlns:a16="http://schemas.microsoft.com/office/drawing/2014/main" id="{DDF21040-03C8-1C19-FA17-ACADAE1DBDF9}"/>
-              </a:ext>
-            </a:extLst>
-          </p:cNvPr>
-          <p:cNvGraphicFramePr>
-            <a:graphicFrameLocks noChangeAspect="1"/>
-          </p:cNvGraphicFramePr>
-          <p:nvPr>
-            <p:extLst>
-              <p:ext uri="{D42A27DB-BD31-4B8C-83A1-F6EECF244321}">
-                <p14:modId xmlns:p14="http://schemas.microsoft.com/office/powerpoint/2010/main" val="4156918528"/>
-              </p:ext>
-            </p:extLst>
-          </p:nvPr>
-        </p:nvGraphicFramePr>
-        <p:xfrm>
-          <a:off x="5511700" y="815126"/>
-          <a:ext cx="1304925" cy="1152525"/>
-        </p:xfrm>
-        <a:graphic>
-          <a:graphicData uri="http://schemas.openxmlformats.org/presentationml/2006/ole">
-            <mc:AlternateContent xmlns:mc="http://schemas.openxmlformats.org/markup-compatibility/2006">
-              <mc:Choice xmlns:v="urn:schemas-microsoft-com:vml" Requires="v">
-                <p:oleObj name="Worksheet" r:id="rId4" imgW="1304798" imgH="1152422" progId="Excel.Sheet.12">
-                  <p:embed/>
-                </p:oleObj>
-              </mc:Choice>
-              <mc:Fallback>
-                <p:oleObj name="Worksheet" r:id="rId4" imgW="1304798" imgH="1152422" progId="Excel.Sheet.12">
-                  <p:embed/>
-                  <p:pic>
-                    <p:nvPicPr>
-                      <p:cNvPr id="0" name=""/>
-                      <p:cNvPicPr/>
-                      <p:nvPr/>
-                    </p:nvPicPr>
-                    <p:blipFill>
-                      <a:blip r:embed="rId5"/>
-                      <a:stretch>
-                        <a:fillRect/>
-                      </a:stretch>
-                    </p:blipFill>
-                    <p:spPr>
-                      <a:xfrm>
-                        <a:off x="5511700" y="815126"/>
-                        <a:ext cx="1304925" cy="1152525"/>
-                      </a:xfrm>
-                      <a:prstGeom prst="rect">
-                        <a:avLst/>
-                      </a:prstGeom>
-                    </p:spPr>
-                  </p:pic>
-                </p:oleObj>
-              </mc:Fallback>
-            </mc:AlternateContent>
-          </a:graphicData>
-        </a:graphic>
-      </p:graphicFrame>
-      <p:graphicFrame>
-        <p:nvGraphicFramePr>
-          <p:cNvPr id="19" name="Object 18">
-            <a:extLst>
-              <a:ext uri="{FF2B5EF4-FFF2-40B4-BE49-F238E27FC236}">
-                <a16:creationId xmlns:a16="http://schemas.microsoft.com/office/drawing/2014/main" id="{15D0CC02-A8AB-73AC-DFC7-B60199F9E40E}"/>
-              </a:ext>
-            </a:extLst>
-          </p:cNvPr>
-          <p:cNvGraphicFramePr>
-            <a:graphicFrameLocks noChangeAspect="1"/>
-          </p:cNvGraphicFramePr>
-          <p:nvPr>
-            <p:extLst>
-              <p:ext uri="{D42A27DB-BD31-4B8C-83A1-F6EECF244321}">
-                <p14:modId xmlns:p14="http://schemas.microsoft.com/office/powerpoint/2010/main" val="45542800"/>
-              </p:ext>
-            </p:extLst>
-          </p:nvPr>
-        </p:nvGraphicFramePr>
-        <p:xfrm>
-          <a:off x="8536042" y="815126"/>
-          <a:ext cx="1304925" cy="1152525"/>
-        </p:xfrm>
-        <a:graphic>
-          <a:graphicData uri="http://schemas.openxmlformats.org/presentationml/2006/ole">
-            <mc:AlternateContent xmlns:mc="http://schemas.openxmlformats.org/markup-compatibility/2006">
-              <mc:Choice xmlns:v="urn:schemas-microsoft-com:vml" Requires="v">
-                <p:oleObj name="Worksheet" r:id="rId6" imgW="1304798" imgH="1152422" progId="Excel.Sheet.12">
-                  <p:embed/>
-                </p:oleObj>
-              </mc:Choice>
-              <mc:Fallback>
-                <p:oleObj name="Worksheet" r:id="rId6" imgW="1304798" imgH="1152422" progId="Excel.Sheet.12">
-                  <p:embed/>
-                  <p:pic>
-                    <p:nvPicPr>
-                      <p:cNvPr id="0" name=""/>
-                      <p:cNvPicPr/>
-                      <p:nvPr/>
-                    </p:nvPicPr>
-                    <p:blipFill>
-                      <a:blip r:embed="rId7"/>
-                      <a:stretch>
-                        <a:fillRect/>
-                      </a:stretch>
-                    </p:blipFill>
-                    <p:spPr>
-                      <a:xfrm>
-                        <a:off x="8536042" y="815126"/>
-                        <a:ext cx="1304925" cy="1152525"/>
-                      </a:xfrm>
-                      <a:prstGeom prst="rect">
-                        <a:avLst/>
-                      </a:prstGeom>
-                    </p:spPr>
-                  </p:pic>
-                </p:oleObj>
-              </mc:Fallback>
-            </mc:AlternateContent>
-          </a:graphicData>
-        </a:graphic>
-      </p:graphicFrame>
       <p:pic>
         <p:nvPicPr>
           <p:cNvPr id="1026" name="Picture 2">
@@ -2874,7 +2685,7 @@
           <p:nvPr/>
         </p:nvPicPr>
         <p:blipFill>
-          <a:blip r:embed="rId8">
+          <a:blip r:embed="rId2">
             <a:extLst>
               <a:ext uri="{28A0092B-C50C-407E-A947-70E740481C1C}">
                 <a14:useLocalDpi xmlns:a14="http://schemas.microsoft.com/office/drawing/2010/main" val="0"/>
@@ -2920,8 +2731,8 @@
         </p:nvSpPr>
         <p:spPr>
           <a:xfrm>
-            <a:off x="2369909" y="1975203"/>
-            <a:ext cx="1215974" cy="369332"/>
+            <a:off x="1636658" y="2179775"/>
+            <a:ext cx="1200842" cy="307777"/>
           </a:xfrm>
           <a:prstGeom prst="rect">
             <a:avLst/>
@@ -2935,10 +2746,14 @@
           <a:lstStyle/>
           <a:p>
             <a:r>
-              <a:rPr lang="en-US" dirty="0" err="1"/>
+              <a:rPr lang="en-US" sz="1400" dirty="0"/>
+              <a:t>&gt;&gt; </a:t>
+            </a:r>
+            <a:r>
+              <a:rPr lang="en-US" sz="1400" dirty="0" err="1"/>
               <a:t>matrix.mtx</a:t>
             </a:r>
-            <a:endParaRPr lang="en-US" dirty="0"/>
+            <a:endParaRPr lang="en-US" sz="1400" dirty="0"/>
           </a:p>
         </p:txBody>
       </p:sp>
@@ -2956,8 +2771,8 @@
         </p:nvSpPr>
         <p:spPr>
           <a:xfrm>
-            <a:off x="8635622" y="1975203"/>
-            <a:ext cx="1358770" cy="369332"/>
+            <a:off x="8653288" y="2179775"/>
+            <a:ext cx="1320170" cy="307777"/>
           </a:xfrm>
           <a:prstGeom prst="rect">
             <a:avLst/>
@@ -2971,10 +2786,14 @@
           <a:lstStyle/>
           <a:p>
             <a:r>
-              <a:rPr lang="en-US" dirty="0" err="1"/>
+              <a:rPr lang="en-US" sz="1400" dirty="0"/>
+              <a:t>&gt;&gt; </a:t>
+            </a:r>
+            <a:r>
+              <a:rPr lang="en-US" sz="1400" dirty="0" err="1"/>
               <a:t>barcodes.tsv</a:t>
             </a:r>
-            <a:endParaRPr lang="en-US" dirty="0"/>
+            <a:endParaRPr lang="en-US" sz="1400" dirty="0"/>
           </a:p>
         </p:txBody>
       </p:sp>
@@ -2992,8 +2811,8 @@
         </p:nvSpPr>
         <p:spPr>
           <a:xfrm>
-            <a:off x="5628554" y="1975203"/>
-            <a:ext cx="1312282" cy="369332"/>
+            <a:off x="5340026" y="2179775"/>
+            <a:ext cx="1256434" cy="307777"/>
           </a:xfrm>
           <a:prstGeom prst="rect">
             <a:avLst/>
@@ -3007,13 +2826,206 @@
           <a:lstStyle/>
           <a:p>
             <a:r>
-              <a:rPr lang="en-US" dirty="0" err="1"/>
+              <a:rPr lang="en-US" sz="1400" dirty="0"/>
+              <a:t>&gt;&gt; </a:t>
+            </a:r>
+            <a:r>
+              <a:rPr lang="en-US" sz="1400" dirty="0" err="1"/>
               <a:t>features.tsv</a:t>
             </a:r>
-            <a:endParaRPr lang="en-US" dirty="0"/>
+            <a:endParaRPr lang="en-US" sz="1400" dirty="0"/>
           </a:p>
         </p:txBody>
       </p:sp>
+      <p:graphicFrame>
+        <p:nvGraphicFramePr>
+          <p:cNvPr id="6" name="Object 5">
+            <a:extLst>
+              <a:ext uri="{FF2B5EF4-FFF2-40B4-BE49-F238E27FC236}">
+                <a16:creationId xmlns:a16="http://schemas.microsoft.com/office/drawing/2014/main" id="{FFC927AB-B526-DDB5-9A2F-40F77904AD45}"/>
+              </a:ext>
+            </a:extLst>
+          </p:cNvPr>
+          <p:cNvGraphicFramePr>
+            <a:graphicFrameLocks noChangeAspect="1"/>
+          </p:cNvGraphicFramePr>
+          <p:nvPr>
+            <p:extLst>
+              <p:ext uri="{D42A27DB-BD31-4B8C-83A1-F6EECF244321}">
+                <p14:modId xmlns:p14="http://schemas.microsoft.com/office/powerpoint/2010/main" val="1882670639"/>
+              </p:ext>
+            </p:extLst>
+          </p:nvPr>
+        </p:nvGraphicFramePr>
+        <p:xfrm>
+          <a:off x="1782962" y="760452"/>
+          <a:ext cx="1428750" cy="1371600"/>
+        </p:xfrm>
+        <a:graphic>
+          <a:graphicData uri="http://schemas.openxmlformats.org/presentationml/2006/ole">
+            <mc:AlternateContent xmlns:mc="http://schemas.openxmlformats.org/markup-compatibility/2006">
+              <mc:Choice xmlns:v="urn:schemas-microsoft-com:vml" Requires="v">
+                <p:oleObj name="Worksheet" r:id="rId3" imgW="1428685" imgH="1371716" progId="Excel.Sheet.12">
+                  <p:embed/>
+                </p:oleObj>
+              </mc:Choice>
+              <mc:Fallback>
+                <p:oleObj name="Worksheet" r:id="rId3" imgW="1428685" imgH="1371716" progId="Excel.Sheet.12">
+                  <p:embed/>
+                  <p:pic>
+                    <p:nvPicPr>
+                      <p:cNvPr id="0" name=""/>
+                      <p:cNvPicPr/>
+                      <p:nvPr/>
+                    </p:nvPicPr>
+                    <p:blipFill>
+                      <a:blip r:embed="rId4"/>
+                      <a:stretch>
+                        <a:fillRect/>
+                      </a:stretch>
+                    </p:blipFill>
+                    <p:spPr>
+                      <a:xfrm>
+                        <a:off x="1782962" y="760452"/>
+                        <a:ext cx="1428750" cy="1371600"/>
+                      </a:xfrm>
+                      <a:prstGeom prst="rect">
+                        <a:avLst/>
+                      </a:prstGeom>
+                    </p:spPr>
+                  </p:pic>
+                </p:oleObj>
+              </mc:Fallback>
+            </mc:AlternateContent>
+          </a:graphicData>
+        </a:graphic>
+      </p:graphicFrame>
+      <p:graphicFrame>
+        <p:nvGraphicFramePr>
+          <p:cNvPr id="8" name="Object 7">
+            <a:extLst>
+              <a:ext uri="{FF2B5EF4-FFF2-40B4-BE49-F238E27FC236}">
+                <a16:creationId xmlns:a16="http://schemas.microsoft.com/office/drawing/2014/main" id="{13FE65DA-4B6D-F88C-84C3-9260472D31C0}"/>
+              </a:ext>
+            </a:extLst>
+          </p:cNvPr>
+          <p:cNvGraphicFramePr>
+            <a:graphicFrameLocks noChangeAspect="1"/>
+          </p:cNvGraphicFramePr>
+          <p:nvPr>
+            <p:extLst>
+              <p:ext uri="{D42A27DB-BD31-4B8C-83A1-F6EECF244321}">
+                <p14:modId xmlns:p14="http://schemas.microsoft.com/office/powerpoint/2010/main" val="3194030151"/>
+              </p:ext>
+            </p:extLst>
+          </p:nvPr>
+        </p:nvGraphicFramePr>
+        <p:xfrm>
+          <a:off x="5381480" y="760452"/>
+          <a:ext cx="1257300" cy="1409700"/>
+        </p:xfrm>
+        <a:graphic>
+          <a:graphicData uri="http://schemas.openxmlformats.org/presentationml/2006/ole">
+            <mc:AlternateContent xmlns:mc="http://schemas.openxmlformats.org/markup-compatibility/2006">
+              <mc:Choice xmlns:v="urn:schemas-microsoft-com:vml" Requires="v">
+                <p:oleObj name="Worksheet" r:id="rId5" imgW="1257257" imgH="1409597" progId="Excel.Sheet.12">
+                  <p:embed/>
+                </p:oleObj>
+              </mc:Choice>
+              <mc:Fallback>
+                <p:oleObj name="Worksheet" r:id="rId5" imgW="1257257" imgH="1409597" progId="Excel.Sheet.12">
+                  <p:embed/>
+                  <p:pic>
+                    <p:nvPicPr>
+                      <p:cNvPr id="0" name=""/>
+                      <p:cNvPicPr/>
+                      <p:nvPr/>
+                    </p:nvPicPr>
+                    <p:blipFill>
+                      <a:blip r:embed="rId6"/>
+                      <a:stretch>
+                        <a:fillRect/>
+                      </a:stretch>
+                    </p:blipFill>
+                    <p:spPr>
+                      <a:xfrm>
+                        <a:off x="5381480" y="760452"/>
+                        <a:ext cx="1257300" cy="1409700"/>
+                      </a:xfrm>
+                      <a:prstGeom prst="rect">
+                        <a:avLst/>
+                      </a:prstGeom>
+                    </p:spPr>
+                  </p:pic>
+                </p:oleObj>
+              </mc:Fallback>
+            </mc:AlternateContent>
+          </a:graphicData>
+        </a:graphic>
+      </p:graphicFrame>
+      <p:graphicFrame>
+        <p:nvGraphicFramePr>
+          <p:cNvPr id="10" name="Object 9">
+            <a:extLst>
+              <a:ext uri="{FF2B5EF4-FFF2-40B4-BE49-F238E27FC236}">
+                <a16:creationId xmlns:a16="http://schemas.microsoft.com/office/drawing/2014/main" id="{B6FA931E-6D52-E158-B38F-6844B84DBFF9}"/>
+              </a:ext>
+            </a:extLst>
+          </p:cNvPr>
+          <p:cNvGraphicFramePr>
+            <a:graphicFrameLocks noChangeAspect="1"/>
+          </p:cNvGraphicFramePr>
+          <p:nvPr>
+            <p:extLst>
+              <p:ext uri="{D42A27DB-BD31-4B8C-83A1-F6EECF244321}">
+                <p14:modId xmlns:p14="http://schemas.microsoft.com/office/powerpoint/2010/main" val="1431068715"/>
+              </p:ext>
+            </p:extLst>
+          </p:nvPr>
+        </p:nvGraphicFramePr>
+        <p:xfrm>
+          <a:off x="8808548" y="760452"/>
+          <a:ext cx="1009650" cy="1409700"/>
+        </p:xfrm>
+        <a:graphic>
+          <a:graphicData uri="http://schemas.openxmlformats.org/presentationml/2006/ole">
+            <mc:AlternateContent xmlns:mc="http://schemas.openxmlformats.org/markup-compatibility/2006">
+              <mc:Choice xmlns:v="urn:schemas-microsoft-com:vml" Requires="v">
+                <p:oleObj name="Worksheet" r:id="rId7" imgW="1009484" imgH="1409597" progId="Excel.Sheet.12">
+                  <p:embed/>
+                </p:oleObj>
+              </mc:Choice>
+              <mc:Fallback>
+                <p:oleObj name="Worksheet" r:id="rId7" imgW="1009484" imgH="1409597" progId="Excel.Sheet.12">
+                  <p:embed/>
+                  <p:pic>
+                    <p:nvPicPr>
+                      <p:cNvPr id="0" name=""/>
+                      <p:cNvPicPr/>
+                      <p:nvPr/>
+                    </p:nvPicPr>
+                    <p:blipFill>
+                      <a:blip r:embed="rId8"/>
+                      <a:stretch>
+                        <a:fillRect/>
+                      </a:stretch>
+                    </p:blipFill>
+                    <p:spPr>
+                      <a:xfrm>
+                        <a:off x="8808548" y="760452"/>
+                        <a:ext cx="1009650" cy="1409700"/>
+                      </a:xfrm>
+                      <a:prstGeom prst="rect">
+                        <a:avLst/>
+                      </a:prstGeom>
+                    </p:spPr>
+                  </p:pic>
+                </p:oleObj>
+              </mc:Fallback>
+            </mc:AlternateContent>
+          </a:graphicData>
+        </a:graphic>
+      </p:graphicFrame>
     </p:spTree>
     <p:extLst>
       <p:ext uri="{BB962C8B-B14F-4D97-AF65-F5344CB8AC3E}">

--- a/M2_CellRanger_Alignment/M2_CellRanger.pptx
+++ b/M2_CellRanger_Alignment/M2_CellRanger.pptx
@@ -516,6 +516,119 @@
 </file>
 
 <file path=ppt/notesSlides/notesSlide1.xml><?xml version="1.0" encoding="utf-8"?>
+<p:notes xmlns:a="http://schemas.openxmlformats.org/drawingml/2006/main" xmlns:r="http://schemas.openxmlformats.org/officeDocument/2006/relationships" xmlns:p="http://schemas.openxmlformats.org/presentationml/2006/main">
+  <p:cSld>
+    <p:spTree>
+      <p:nvGrpSpPr>
+        <p:cNvPr id="1" name=""/>
+        <p:cNvGrpSpPr/>
+        <p:nvPr/>
+      </p:nvGrpSpPr>
+      <p:grpSpPr>
+        <a:xfrm>
+          <a:off x="0" y="0"/>
+          <a:ext cx="0" cy="0"/>
+          <a:chOff x="0" y="0"/>
+          <a:chExt cx="0" cy="0"/>
+        </a:xfrm>
+      </p:grpSpPr>
+      <p:sp>
+        <p:nvSpPr>
+          <p:cNvPr id="2" name="Slide Image Placeholder 1"/>
+          <p:cNvSpPr>
+            <a:spLocks noGrp="1" noRot="1" noChangeAspect="1"/>
+          </p:cNvSpPr>
+          <p:nvPr>
+            <p:ph type="sldImg"/>
+          </p:nvPr>
+        </p:nvSpPr>
+        <p:spPr/>
+      </p:sp>
+      <p:sp>
+        <p:nvSpPr>
+          <p:cNvPr id="3" name="Notes Placeholder 2"/>
+          <p:cNvSpPr>
+            <a:spLocks noGrp="1"/>
+          </p:cNvSpPr>
+          <p:nvPr>
+            <p:ph type="body" idx="1"/>
+          </p:nvPr>
+        </p:nvSpPr>
+        <p:spPr/>
+        <p:txBody>
+          <a:bodyPr/>
+          <a:lstStyle/>
+          <a:p>
+            <a:pPr marL="0" marR="0" lvl="0" indent="0" algn="l" defTabSz="914400" rtl="0" eaLnBrk="1" fontAlgn="auto" latinLnBrk="0" hangingPunct="1">
+              <a:lnSpc>
+                <a:spcPct val="100000"/>
+              </a:lnSpc>
+              <a:spcBef>
+                <a:spcPts val="0"/>
+              </a:spcBef>
+              <a:spcAft>
+                <a:spcPts val="0"/>
+              </a:spcAft>
+              <a:buClrTx/>
+              <a:buSzTx/>
+              <a:buFontTx/>
+              <a:buNone/>
+              <a:tabLst/>
+              <a:defRPr/>
+            </a:pPr>
+            <a:r>
+              <a:rPr lang="en-US" b="0" i="0" dirty="0">
+                <a:solidFill>
+                  <a:srgbClr val="333333"/>
+                </a:solidFill>
+                <a:effectLst/>
+                <a:latin typeface="Open Sans" panose="020B0606030504020204" pitchFamily="34" charset="0"/>
+              </a:rPr>
+              <a:t>In the example plot below, UMI counts are on the y-axis ranging from 0 to 10,000 in log scale. Barcodes are on the x-axis, ranked from 0 to 1,000,000 also in log scale. Cell-associated barcodes as determined by the cell-calling heuristic are in blue while background barcodes are in gray.</a:t>
+            </a:r>
+          </a:p>
+          <a:p>
+            <a:endParaRPr lang="en-US" dirty="0"/>
+          </a:p>
+        </p:txBody>
+      </p:sp>
+      <p:sp>
+        <p:nvSpPr>
+          <p:cNvPr id="4" name="Slide Number Placeholder 3"/>
+          <p:cNvSpPr>
+            <a:spLocks noGrp="1"/>
+          </p:cNvSpPr>
+          <p:nvPr>
+            <p:ph type="sldNum" sz="quarter" idx="5"/>
+          </p:nvPr>
+        </p:nvSpPr>
+        <p:spPr/>
+        <p:txBody>
+          <a:bodyPr/>
+          <a:lstStyle/>
+          <a:p>
+            <a:fld id="{121E9C32-9AD5-4F50-8DB4-01491388DC2B}" type="slidenum">
+              <a:rPr lang="en-US" smtClean="0"/>
+              <a:t>10</a:t>
+            </a:fld>
+            <a:endParaRPr lang="en-US"/>
+          </a:p>
+        </p:txBody>
+      </p:sp>
+    </p:spTree>
+    <p:extLst>
+      <p:ext uri="{BB962C8B-B14F-4D97-AF65-F5344CB8AC3E}">
+        <p14:creationId xmlns:p14="http://schemas.microsoft.com/office/powerpoint/2010/main" val="2663141265"/>
+      </p:ext>
+    </p:extLst>
+  </p:cSld>
+  <p:clrMapOvr>
+    <a:masterClrMapping/>
+  </p:clrMapOvr>
+</p:notes>
+</file>
+
+<file path=ppt/notesSlides/notesSlide2.xml><?xml version="1.0" encoding="utf-8"?>
 <p:notes xmlns:a="http://schemas.openxmlformats.org/drawingml/2006/main" xmlns:r="http://schemas.openxmlformats.org/officeDocument/2006/relationships" xmlns:p="http://schemas.openxmlformats.org/presentationml/2006/main">
   <p:cSld>
     <p:spTree>
@@ -2682,8 +2795,8 @@
         </p:nvSpPr>
         <p:spPr>
           <a:xfrm>
-            <a:off x="313113" y="3951772"/>
-            <a:ext cx="7569015" cy="2585323"/>
+            <a:off x="284392" y="4664175"/>
+            <a:ext cx="7569015" cy="1200329"/>
           </a:xfrm>
           <a:prstGeom prst="rect">
             <a:avLst/>
@@ -2713,17 +2826,8 @@
                 <a:effectLst/>
                 <a:latin typeface="Open Sans" panose="020B0606030504020204" pitchFamily="34" charset="0"/>
               </a:rPr>
-              <a:t>The filtered gene-barcode matrix excludes barcodes that correspond to this background noise.  This can be visualized in the barcode vs UMI count rank plot in the web summary file. In the example plot below, UMI counts are on the y-axis ranging from 0 to 10,000 in log scale. Barcodes are on the x-axis, ranked from 0 to 1,000,000 also in log scale. Cell-associated barcodes as determined by the cell-calling heuristic are in blue while background barcodes are in gray.</a:t>
-            </a:r>
-          </a:p>
-          <a:p>
-            <a:endParaRPr lang="en-US" b="0" i="0" dirty="0">
-              <a:solidFill>
-                <a:srgbClr val="333333"/>
-              </a:solidFill>
-              <a:effectLst/>
-              <a:latin typeface="Open Sans" panose="020B0606030504020204" pitchFamily="34" charset="0"/>
-            </a:endParaRPr>
+              <a:t>The filtered gene-barcode matrix excludes barcodes that correspond to this background noise.  This can be visualized in the barcode vs UMI count rank plot in the web summary file. </a:t>
+            </a:r>
           </a:p>
         </p:txBody>
       </p:sp>
@@ -2771,7 +2875,43 @@
                 </a:solidFill>
                 <a:latin typeface="Open Sans" panose="020B0606030504020204" pitchFamily="34" charset="0"/>
               </a:rPr>
-              <a:t> raw gene-barcode matrix includes all valid barcodes from GEMs (Gel Bead-In </a:t>
+              <a:t> raw gene-barcode matrix includes </a:t>
+            </a:r>
+            <a:r>
+              <a:rPr lang="en-US" i="1" dirty="0">
+                <a:solidFill>
+                  <a:srgbClr val="333333"/>
+                </a:solidFill>
+                <a:latin typeface="Open Sans" panose="020B0606030504020204" pitchFamily="34" charset="0"/>
+              </a:rPr>
+              <a:t>all valid barcodes </a:t>
+            </a:r>
+            <a:r>
+              <a:rPr lang="en-US" dirty="0">
+                <a:solidFill>
+                  <a:srgbClr val="333333"/>
+                </a:solidFill>
+                <a:latin typeface="Open Sans" panose="020B0606030504020204" pitchFamily="34" charset="0"/>
+              </a:rPr>
+              <a:t>from </a:t>
+            </a:r>
+            <a:r>
+              <a:rPr lang="en-US" b="1" dirty="0">
+                <a:solidFill>
+                  <a:srgbClr val="333333"/>
+                </a:solidFill>
+                <a:latin typeface="Open Sans" panose="020B0606030504020204" pitchFamily="34" charset="0"/>
+              </a:rPr>
+              <a:t>GEMs</a:t>
+            </a:r>
+            <a:r>
+              <a:rPr lang="en-US" dirty="0">
+                <a:solidFill>
+                  <a:srgbClr val="333333"/>
+                </a:solidFill>
+                <a:latin typeface="Open Sans" panose="020B0606030504020204" pitchFamily="34" charset="0"/>
+              </a:rPr>
+              <a:t> (Gel Bead-In </a:t>
             </a:r>
             <a:r>
               <a:rPr lang="en-US" dirty="0" err="1">
@@ -2789,7 +2929,61 @@
                 </a:solidFill>
                 <a:latin typeface="Open Sans" panose="020B0606030504020204" pitchFamily="34" charset="0"/>
               </a:rPr>
-              <a:t>) captured in the data. However, because most GEMs do not actually contain cells, it follows that most barcodes in the data do not correspond to cells, but rather background noise (e.g. GEMs with free-floating mRNA from lysed or dead cells).</a:t>
+              <a:t>) captured in the data. However, because most </a:t>
+            </a:r>
+            <a:r>
+              <a:rPr lang="en-US" i="1" dirty="0">
+                <a:solidFill>
+                  <a:srgbClr val="333333"/>
+                </a:solidFill>
+                <a:latin typeface="Open Sans" panose="020B0606030504020204" pitchFamily="34" charset="0"/>
+              </a:rPr>
+              <a:t>GEMs do not actually contain cells</a:t>
+            </a:r>
+            <a:r>
+              <a:rPr lang="en-US" dirty="0">
+                <a:solidFill>
+                  <a:srgbClr val="333333"/>
+                </a:solidFill>
+                <a:latin typeface="Open Sans" panose="020B0606030504020204" pitchFamily="34" charset="0"/>
+              </a:rPr>
+              <a:t>, it follows that </a:t>
+            </a:r>
+            <a:r>
+              <a:rPr lang="en-US" b="1" dirty="0">
+                <a:solidFill>
+                  <a:srgbClr val="333333"/>
+                </a:solidFill>
+                <a:latin typeface="Open Sans" panose="020B0606030504020204" pitchFamily="34" charset="0"/>
+              </a:rPr>
+              <a:t>most barcodes in the data do not correspond to cells</a:t>
+            </a:r>
+            <a:r>
+              <a:rPr lang="en-US" dirty="0">
+                <a:solidFill>
+                  <a:srgbClr val="333333"/>
+                </a:solidFill>
+                <a:latin typeface="Open Sans" panose="020B0606030504020204" pitchFamily="34" charset="0"/>
+              </a:rPr>
+              <a:t>, but </a:t>
+            </a:r>
+            <a:r>
+              <a:rPr lang="en-US" u="sng" dirty="0">
+                <a:solidFill>
+                  <a:srgbClr val="333333"/>
+                </a:solidFill>
+                <a:latin typeface="Open Sans" panose="020B0606030504020204" pitchFamily="34" charset="0"/>
+              </a:rPr>
+              <a:t>rather background noise </a:t>
+            </a:r>
+            <a:r>
+              <a:rPr lang="en-US" dirty="0">
+                <a:solidFill>
+                  <a:srgbClr val="333333"/>
+                </a:solidFill>
+                <a:latin typeface="Open Sans" panose="020B0606030504020204" pitchFamily="34" charset="0"/>
+              </a:rPr>
+              <a:t>(e.g. GEMs with free-floating mRNA from lysed or dead cells).</a:t>
             </a:r>
           </a:p>
         </p:txBody>
@@ -2809,7 +3003,7 @@
           <p:nvPr/>
         </p:nvPicPr>
         <p:blipFill>
-          <a:blip r:embed="rId2">
+          <a:blip r:embed="rId3">
             <a:extLst>
               <a:ext uri="{28A0092B-C50C-407E-A947-70E740481C1C}">
                 <a14:useLocalDpi xmlns:a14="http://schemas.microsoft.com/office/drawing/2010/main" val="0"/>
@@ -2989,12 +3183,12 @@
           <a:graphicData uri="http://schemas.openxmlformats.org/presentationml/2006/ole">
             <mc:AlternateContent xmlns:mc="http://schemas.openxmlformats.org/markup-compatibility/2006">
               <mc:Choice xmlns:v="urn:schemas-microsoft-com:vml" Requires="v">
-                <p:oleObj name="Worksheet" r:id="rId3" imgW="1428685" imgH="1371716" progId="Excel.Sheet.12">
+                <p:oleObj name="Worksheet" r:id="rId4" imgW="1428685" imgH="1371716" progId="Excel.Sheet.12">
                   <p:embed/>
                 </p:oleObj>
               </mc:Choice>
               <mc:Fallback>
-                <p:oleObj name="Worksheet" r:id="rId3" imgW="1428685" imgH="1371716" progId="Excel.Sheet.12">
+                <p:oleObj name="Worksheet" r:id="rId4" imgW="1428685" imgH="1371716" progId="Excel.Sheet.12">
                   <p:embed/>
                   <p:pic>
                     <p:nvPicPr>
@@ -3003,7 +3197,7 @@
                       <p:nvPr/>
                     </p:nvPicPr>
                     <p:blipFill>
-                      <a:blip r:embed="rId4"/>
+                      <a:blip r:embed="rId5"/>
                       <a:stretch>
                         <a:fillRect/>
                       </a:stretch>
@@ -3052,12 +3246,12 @@
           <a:graphicData uri="http://schemas.openxmlformats.org/presentationml/2006/ole">
             <mc:AlternateContent xmlns:mc="http://schemas.openxmlformats.org/markup-compatibility/2006">
               <mc:Choice xmlns:v="urn:schemas-microsoft-com:vml" Requires="v">
-                <p:oleObj name="Worksheet" r:id="rId5" imgW="1257257" imgH="1409597" progId="Excel.Sheet.12">
+                <p:oleObj name="Worksheet" r:id="rId6" imgW="1257257" imgH="1409597" progId="Excel.Sheet.12">
                   <p:embed/>
                 </p:oleObj>
               </mc:Choice>
               <mc:Fallback>
-                <p:oleObj name="Worksheet" r:id="rId5" imgW="1257257" imgH="1409597" progId="Excel.Sheet.12">
+                <p:oleObj name="Worksheet" r:id="rId6" imgW="1257257" imgH="1409597" progId="Excel.Sheet.12">
                   <p:embed/>
                   <p:pic>
                     <p:nvPicPr>
@@ -3066,7 +3260,7 @@
                       <p:nvPr/>
                     </p:nvPicPr>
                     <p:blipFill>
-                      <a:blip r:embed="rId6"/>
+                      <a:blip r:embed="rId7"/>
                       <a:stretch>
                         <a:fillRect/>
                       </a:stretch>
@@ -3115,12 +3309,12 @@
           <a:graphicData uri="http://schemas.openxmlformats.org/presentationml/2006/ole">
             <mc:AlternateContent xmlns:mc="http://schemas.openxmlformats.org/markup-compatibility/2006">
               <mc:Choice xmlns:v="urn:schemas-microsoft-com:vml" Requires="v">
-                <p:oleObj name="Worksheet" r:id="rId7" imgW="1009484" imgH="1409597" progId="Excel.Sheet.12">
+                <p:oleObj name="Worksheet" r:id="rId8" imgW="1009484" imgH="1409597" progId="Excel.Sheet.12">
                   <p:embed/>
                 </p:oleObj>
               </mc:Choice>
               <mc:Fallback>
-                <p:oleObj name="Worksheet" r:id="rId7" imgW="1009484" imgH="1409597" progId="Excel.Sheet.12">
+                <p:oleObj name="Worksheet" r:id="rId8" imgW="1009484" imgH="1409597" progId="Excel.Sheet.12">
                   <p:embed/>
                   <p:pic>
                     <p:nvPicPr>
@@ -3129,7 +3323,7 @@
                       <p:nvPr/>
                     </p:nvPicPr>
                     <p:blipFill>
-                      <a:blip r:embed="rId8"/>
+                      <a:blip r:embed="rId9"/>
                       <a:stretch>
                         <a:fillRect/>
                       </a:stretch>
@@ -3390,7 +3584,7 @@
         </p:blipFill>
         <p:spPr bwMode="auto">
           <a:xfrm>
-            <a:off x="7730361" y="751457"/>
+            <a:off x="7686818" y="1056256"/>
             <a:ext cx="4461639" cy="2500957"/>
           </a:xfrm>
           <a:prstGeom prst="rect">
@@ -3452,6 +3646,16 @@
         </p:nvPicPr>
         <p:blipFill>
           <a:blip r:embed="rId4">
+            <a:clrChange>
+              <a:clrFrom>
+                <a:srgbClr val="FFFFFF"/>
+              </a:clrFrom>
+              <a:clrTo>
+                <a:srgbClr val="FFFFFF">
+                  <a:alpha val="0"/>
+                </a:srgbClr>
+              </a:clrTo>
+            </a:clrChange>
             <a:extLst>
               <a:ext uri="{28A0092B-C50C-407E-A947-70E740481C1C}">
                 <a14:useLocalDpi xmlns:a14="http://schemas.microsoft.com/office/drawing/2010/main" val="0"/>
@@ -3465,7 +3669,7 @@
         </p:blipFill>
         <p:spPr bwMode="auto">
           <a:xfrm>
-            <a:off x="3522195" y="2001935"/>
+            <a:off x="3522195" y="1795108"/>
             <a:ext cx="4576127" cy="4777397"/>
           </a:xfrm>
           <a:prstGeom prst="rect">

--- a/M2_CellRanger_Alignment/M2_CellRanger.pptx
+++ b/M2_CellRanger_Alignment/M2_CellRanger.pptx
@@ -248,7 +248,7 @@
           <a:p>
             <a:fld id="{FF40CFF0-3E11-4AF6-9747-7919C58FBC48}" type="datetimeFigureOut">
               <a:rPr lang="en-US" smtClean="0"/>
-              <a:t>2/5/24</a:t>
+              <a:t>4/3/2024</a:t>
             </a:fld>
             <a:endParaRPr lang="en-US"/>
           </a:p>
@@ -869,7 +869,7 @@
           <a:p>
             <a:fld id="{9F69634C-F75C-45F7-A87A-C5E2AF3ECA41}" type="datetimeFigureOut">
               <a:rPr lang="en-US" smtClean="0"/>
-              <a:t>2/5/24</a:t>
+              <a:t>4/3/2024</a:t>
             </a:fld>
             <a:endParaRPr lang="en-US"/>
           </a:p>
@@ -1034,7 +1034,7 @@
           <a:p>
             <a:fld id="{9F69634C-F75C-45F7-A87A-C5E2AF3ECA41}" type="datetimeFigureOut">
               <a:rPr lang="en-US" smtClean="0"/>
-              <a:t>2/5/24</a:t>
+              <a:t>4/3/2024</a:t>
             </a:fld>
             <a:endParaRPr lang="en-US"/>
           </a:p>
@@ -1237,7 +1237,7 @@
           <a:p>
             <a:fld id="{9F69634C-F75C-45F7-A87A-C5E2AF3ECA41}" type="datetimeFigureOut">
               <a:rPr lang="en-US" smtClean="0"/>
-              <a:t>2/5/24</a:t>
+              <a:t>4/3/2024</a:t>
             </a:fld>
             <a:endParaRPr lang="en-US"/>
           </a:p>
@@ -1502,7 +1502,7 @@
           <a:p>
             <a:fld id="{9F69634C-F75C-45F7-A87A-C5E2AF3ECA41}" type="datetimeFigureOut">
               <a:rPr lang="en-US" smtClean="0"/>
-              <a:t>2/5/24</a:t>
+              <a:t>4/3/2024</a:t>
             </a:fld>
             <a:endParaRPr lang="en-US"/>
           </a:p>
@@ -1615,7 +1615,7 @@
           <a:p>
             <a:fld id="{9F69634C-F75C-45F7-A87A-C5E2AF3ECA41}" type="datetimeFigureOut">
               <a:rPr lang="en-US" smtClean="0"/>
-              <a:t>2/5/24</a:t>
+              <a:t>4/3/2024</a:t>
             </a:fld>
             <a:endParaRPr lang="en-US"/>
           </a:p>
@@ -1857,7 +1857,7 @@
           <a:p>
             <a:fld id="{9F69634C-F75C-45F7-A87A-C5E2AF3ECA41}" type="datetimeFigureOut">
               <a:rPr lang="en-US" smtClean="0"/>
-              <a:t>2/5/24</a:t>
+              <a:t>4/3/2024</a:t>
             </a:fld>
             <a:endParaRPr lang="en-US"/>
           </a:p>
@@ -2711,15 +2711,10 @@
               <a:t>scRNA</a:t>
             </a:r>
             <a:r>
-              <a:rPr lang="en-US" dirty="0"/>
-              <a:t> Workshop, 2024</a:t>
-            </a:r>
-          </a:p>
-          <a:p>
-            <a:r>
-              <a:rPr lang="en-US" dirty="0"/>
-              <a:t>Bruce Corliss, PhD and Allison Dickey, PhD</a:t>
-            </a:r>
+              <a:rPr lang="en-US"/>
+              <a:t>-Seq Workshop, 2024</a:t>
+            </a:r>
+            <a:endParaRPr lang="en-US" dirty="0"/>
           </a:p>
         </p:txBody>
       </p:sp>

--- a/M2_CellRanger_Alignment/M2_CellRanger.pptx
+++ b/M2_CellRanger_Alignment/M2_CellRanger.pptx
@@ -5,7 +5,7 @@
     <p:sldMasterId id="2147483656" r:id="rId1"/>
   </p:sldMasterIdLst>
   <p:notesMasterIdLst>
-    <p:notesMasterId r:id="rId14"/>
+    <p:notesMasterId r:id="rId13"/>
   </p:notesMasterIdLst>
   <p:sldIdLst>
     <p:sldId id="256" r:id="rId2"/>
@@ -18,8 +18,7 @@
     <p:sldId id="270" r:id="rId9"/>
     <p:sldId id="265" r:id="rId10"/>
     <p:sldId id="268" r:id="rId11"/>
-    <p:sldId id="266" r:id="rId12"/>
-    <p:sldId id="269" r:id="rId13"/>
+    <p:sldId id="269" r:id="rId12"/>
   </p:sldIdLst>
   <p:sldSz cx="12192000" cy="6858000"/>
   <p:notesSz cx="6858000" cy="9144000"/>
@@ -248,7 +247,7 @@
           <a:p>
             <a:fld id="{FF40CFF0-3E11-4AF6-9747-7919C58FBC48}" type="datetimeFigureOut">
               <a:rPr lang="en-US" smtClean="0"/>
-              <a:t>4/3/2024</a:t>
+              <a:t>4/4/24</a:t>
             </a:fld>
             <a:endParaRPr lang="en-US"/>
           </a:p>
@@ -693,7 +692,7 @@
           <a:p>
             <a:fld id="{121E9C32-9AD5-4F50-8DB4-01491388DC2B}" type="slidenum">
               <a:rPr lang="en-US" smtClean="0"/>
-              <a:t>12</a:t>
+              <a:t>11</a:t>
             </a:fld>
             <a:endParaRPr lang="en-US"/>
           </a:p>
@@ -869,7 +868,7 @@
           <a:p>
             <a:fld id="{9F69634C-F75C-45F7-A87A-C5E2AF3ECA41}" type="datetimeFigureOut">
               <a:rPr lang="en-US" smtClean="0"/>
-              <a:t>4/3/2024</a:t>
+              <a:t>4/4/24</a:t>
             </a:fld>
             <a:endParaRPr lang="en-US"/>
           </a:p>
@@ -1034,7 +1033,7 @@
           <a:p>
             <a:fld id="{9F69634C-F75C-45F7-A87A-C5E2AF3ECA41}" type="datetimeFigureOut">
               <a:rPr lang="en-US" smtClean="0"/>
-              <a:t>4/3/2024</a:t>
+              <a:t>4/4/24</a:t>
             </a:fld>
             <a:endParaRPr lang="en-US"/>
           </a:p>
@@ -1237,7 +1236,7 @@
           <a:p>
             <a:fld id="{9F69634C-F75C-45F7-A87A-C5E2AF3ECA41}" type="datetimeFigureOut">
               <a:rPr lang="en-US" smtClean="0"/>
-              <a:t>4/3/2024</a:t>
+              <a:t>4/4/24</a:t>
             </a:fld>
             <a:endParaRPr lang="en-US"/>
           </a:p>
@@ -1502,7 +1501,7 @@
           <a:p>
             <a:fld id="{9F69634C-F75C-45F7-A87A-C5E2AF3ECA41}" type="datetimeFigureOut">
               <a:rPr lang="en-US" smtClean="0"/>
-              <a:t>4/3/2024</a:t>
+              <a:t>4/4/24</a:t>
             </a:fld>
             <a:endParaRPr lang="en-US"/>
           </a:p>
@@ -1615,7 +1614,7 @@
           <a:p>
             <a:fld id="{9F69634C-F75C-45F7-A87A-C5E2AF3ECA41}" type="datetimeFigureOut">
               <a:rPr lang="en-US" smtClean="0"/>
-              <a:t>4/3/2024</a:t>
+              <a:t>4/4/24</a:t>
             </a:fld>
             <a:endParaRPr lang="en-US"/>
           </a:p>
@@ -1857,7 +1856,7 @@
           <a:p>
             <a:fld id="{9F69634C-F75C-45F7-A87A-C5E2AF3ECA41}" type="datetimeFigureOut">
               <a:rPr lang="en-US" smtClean="0"/>
-              <a:t>4/3/2024</a:t>
+              <a:t>4/4/24</a:t>
             </a:fld>
             <a:endParaRPr lang="en-US"/>
           </a:p>
@@ -2683,10 +2682,10 @@
       </p:sp>
       <p:sp>
         <p:nvSpPr>
-          <p:cNvPr id="3" name="Subtitle 2">
+          <p:cNvPr id="6" name="Subtitle 2">
             <a:extLst>
               <a:ext uri="{FF2B5EF4-FFF2-40B4-BE49-F238E27FC236}">
-                <a16:creationId xmlns:a16="http://schemas.microsoft.com/office/drawing/2014/main" id="{C3BC9B71-6B7C-0107-E8D4-2108C90AA159}"/>
+                <a16:creationId xmlns:a16="http://schemas.microsoft.com/office/drawing/2014/main" id="{847A6D8B-F60F-454A-2FD9-B293EFF4B60D}"/>
               </a:ext>
             </a:extLst>
           </p:cNvPr>
@@ -2697,24 +2696,30 @@
             <p:ph type="subTitle" idx="1"/>
           </p:nvPr>
         </p:nvSpPr>
-        <p:spPr/>
+        <p:spPr>
+          <a:xfrm>
+            <a:off x="1524000" y="4280132"/>
+            <a:ext cx="9144000" cy="1655762"/>
+          </a:xfrm>
+        </p:spPr>
         <p:txBody>
-          <a:bodyPr/>
+          <a:bodyPr>
+            <a:noAutofit/>
+          </a:bodyPr>
           <a:lstStyle/>
           <a:p>
             <a:r>
-              <a:rPr lang="en-US" dirty="0"/>
-              <a:t>NCSU </a:t>
+              <a:rPr lang="en-US" sz="4000" dirty="0"/>
+              <a:t>NC State </a:t>
             </a:r>
             <a:r>
-              <a:rPr lang="en-US" dirty="0" err="1"/>
+              <a:rPr lang="en-US" sz="4000" dirty="0" err="1"/>
               <a:t>scRNA</a:t>
             </a:r>
             <a:r>
-              <a:rPr lang="en-US"/>
-              <a:t>-Seq Workshop, 2024</a:t>
+              <a:rPr lang="en-US" sz="4000" dirty="0"/>
+              <a:t> Workshop, 2024</a:t>
             </a:r>
-            <a:endParaRPr lang="en-US" dirty="0"/>
           </a:p>
         </p:txBody>
       </p:sp>
@@ -3353,187 +3358,6 @@
 </file>
 
 <file path=ppt/slides/slide11.xml><?xml version="1.0" encoding="utf-8"?>
-<p:sld xmlns:a="http://schemas.openxmlformats.org/drawingml/2006/main" xmlns:r="http://schemas.openxmlformats.org/officeDocument/2006/relationships" xmlns:p="http://schemas.openxmlformats.org/presentationml/2006/main">
-  <p:cSld>
-    <p:spTree>
-      <p:nvGrpSpPr>
-        <p:cNvPr id="1" name=""/>
-        <p:cNvGrpSpPr/>
-        <p:nvPr/>
-      </p:nvGrpSpPr>
-      <p:grpSpPr>
-        <a:xfrm>
-          <a:off x="0" y="0"/>
-          <a:ext cx="0" cy="0"/>
-          <a:chOff x="0" y="0"/>
-          <a:chExt cx="0" cy="0"/>
-        </a:xfrm>
-      </p:grpSpPr>
-      <p:sp>
-        <p:nvSpPr>
-          <p:cNvPr id="2" name="Title 1">
-            <a:extLst>
-              <a:ext uri="{FF2B5EF4-FFF2-40B4-BE49-F238E27FC236}">
-                <a16:creationId xmlns:a16="http://schemas.microsoft.com/office/drawing/2014/main" id="{15FF008D-6109-C04B-2DD5-F18725394719}"/>
-              </a:ext>
-            </a:extLst>
-          </p:cNvPr>
-          <p:cNvSpPr>
-            <a:spLocks noGrp="1"/>
-          </p:cNvSpPr>
-          <p:nvPr>
-            <p:ph type="title"/>
-          </p:nvPr>
-        </p:nvSpPr>
-        <p:spPr/>
-        <p:txBody>
-          <a:bodyPr/>
-          <a:lstStyle/>
-          <a:p>
-            <a:r>
-              <a:rPr lang="en-US" dirty="0"/>
-              <a:t>Key Cell Ranger Parameters for Alignment</a:t>
-            </a:r>
-          </a:p>
-        </p:txBody>
-      </p:sp>
-      <p:sp>
-        <p:nvSpPr>
-          <p:cNvPr id="4" name="TextBox 3">
-            <a:extLst>
-              <a:ext uri="{FF2B5EF4-FFF2-40B4-BE49-F238E27FC236}">
-                <a16:creationId xmlns:a16="http://schemas.microsoft.com/office/drawing/2014/main" id="{CC1F8028-DD48-21C8-784C-0351ADD5D02F}"/>
-              </a:ext>
-            </a:extLst>
-          </p:cNvPr>
-          <p:cNvSpPr txBox="1"/>
-          <p:nvPr/>
-        </p:nvSpPr>
-        <p:spPr>
-          <a:xfrm>
-            <a:off x="4729655" y="6627168"/>
-            <a:ext cx="5155323" cy="230832"/>
-          </a:xfrm>
-          <a:prstGeom prst="rect">
-            <a:avLst/>
-          </a:prstGeom>
-          <a:noFill/>
-        </p:spPr>
-        <p:txBody>
-          <a:bodyPr wrap="square">
-            <a:spAutoFit/>
-          </a:bodyPr>
-          <a:lstStyle/>
-          <a:p>
-            <a:pPr algn="r"/>
-            <a:r>
-              <a:rPr lang="en-US" sz="900" i="1" dirty="0">
-                <a:solidFill>
-                  <a:schemeClr val="bg1">
-                    <a:lumMod val="50000"/>
-                  </a:schemeClr>
-                </a:solidFill>
-              </a:rPr>
-              <a:t>https://www.10xgenomics.com/support/software/cell-ranger/algorithms-overview/</a:t>
-            </a:r>
-            <a:r>
-              <a:rPr lang="en-US" sz="900" i="1" dirty="0" err="1">
-                <a:solidFill>
-                  <a:schemeClr val="bg1">
-                    <a:lumMod val="50000"/>
-                  </a:schemeClr>
-                </a:solidFill>
-              </a:rPr>
-              <a:t>cr</a:t>
-            </a:r>
-            <a:r>
-              <a:rPr lang="en-US" sz="900" i="1" dirty="0">
-                <a:solidFill>
-                  <a:schemeClr val="bg1">
-                    <a:lumMod val="50000"/>
-                  </a:schemeClr>
-                </a:solidFill>
-              </a:rPr>
-              <a:t>-</a:t>
-            </a:r>
-            <a:r>
-              <a:rPr lang="en-US" sz="900" i="1" dirty="0" err="1">
-                <a:solidFill>
-                  <a:schemeClr val="bg1">
-                    <a:lumMod val="50000"/>
-                  </a:schemeClr>
-                </a:solidFill>
-              </a:rPr>
-              <a:t>gex</a:t>
-            </a:r>
-            <a:r>
-              <a:rPr lang="en-US" sz="900" i="1" dirty="0">
-                <a:solidFill>
-                  <a:schemeClr val="bg1">
-                    <a:lumMod val="50000"/>
-                  </a:schemeClr>
-                </a:solidFill>
-              </a:rPr>
-              <a:t>-algorithm</a:t>
-            </a:r>
-          </a:p>
-        </p:txBody>
-      </p:sp>
-      <p:sp>
-        <p:nvSpPr>
-          <p:cNvPr id="3" name="TextBox 2">
-            <a:extLst>
-              <a:ext uri="{FF2B5EF4-FFF2-40B4-BE49-F238E27FC236}">
-                <a16:creationId xmlns:a16="http://schemas.microsoft.com/office/drawing/2014/main" id="{7915BA8D-942C-CA8B-B7AA-AAEFCEABA0B7}"/>
-              </a:ext>
-            </a:extLst>
-          </p:cNvPr>
-          <p:cNvSpPr txBox="1"/>
-          <p:nvPr/>
-        </p:nvSpPr>
-        <p:spPr>
-          <a:xfrm>
-            <a:off x="582111" y="1584672"/>
-            <a:ext cx="4910511" cy="646331"/>
-          </a:xfrm>
-          <a:prstGeom prst="rect">
-            <a:avLst/>
-          </a:prstGeom>
-          <a:noFill/>
-        </p:spPr>
-        <p:txBody>
-          <a:bodyPr wrap="none" rtlCol="0">
-            <a:spAutoFit/>
-          </a:bodyPr>
-          <a:lstStyle/>
-          <a:p>
-            <a:r>
-              <a:rPr lang="en-US" dirty="0"/>
-              <a:t>Reference Genome</a:t>
-            </a:r>
-          </a:p>
-          <a:p>
-            <a:r>
-              <a:rPr lang="en-US" dirty="0"/>
-              <a:t>  Can significantly influence number of Reads/Cells</a:t>
-            </a:r>
-          </a:p>
-        </p:txBody>
-      </p:sp>
-    </p:spTree>
-    <p:extLst>
-      <p:ext uri="{BB962C8B-B14F-4D97-AF65-F5344CB8AC3E}">
-        <p14:creationId xmlns:p14="http://schemas.microsoft.com/office/powerpoint/2010/main" val="3966724803"/>
-      </p:ext>
-    </p:extLst>
-  </p:cSld>
-  <p:clrMapOvr>
-    <a:masterClrMapping/>
-  </p:clrMapOvr>
-</p:sld>
-</file>
-
-<file path=ppt/slides/slide12.xml><?xml version="1.0" encoding="utf-8"?>
 <p:sld xmlns:a="http://schemas.openxmlformats.org/drawingml/2006/main" xmlns:r="http://schemas.openxmlformats.org/officeDocument/2006/relationships" xmlns:p="http://schemas.openxmlformats.org/presentationml/2006/main">
   <p:cSld>
     <p:spTree>

--- a/M2_CellRanger_Alignment/M2_CellRanger.pptx
+++ b/M2_CellRanger_Alignment/M2_CellRanger.pptx
@@ -247,7 +247,7 @@
           <a:p>
             <a:fld id="{FF40CFF0-3E11-4AF6-9747-7919C58FBC48}" type="datetimeFigureOut">
               <a:rPr lang="en-US" smtClean="0"/>
-              <a:t>4/4/24</a:t>
+              <a:t>4/5/24</a:t>
             </a:fld>
             <a:endParaRPr lang="en-US"/>
           </a:p>
@@ -868,7 +868,7 @@
           <a:p>
             <a:fld id="{9F69634C-F75C-45F7-A87A-C5E2AF3ECA41}" type="datetimeFigureOut">
               <a:rPr lang="en-US" smtClean="0"/>
-              <a:t>4/4/24</a:t>
+              <a:t>4/5/24</a:t>
             </a:fld>
             <a:endParaRPr lang="en-US"/>
           </a:p>
@@ -1033,7 +1033,7 @@
           <a:p>
             <a:fld id="{9F69634C-F75C-45F7-A87A-C5E2AF3ECA41}" type="datetimeFigureOut">
               <a:rPr lang="en-US" smtClean="0"/>
-              <a:t>4/4/24</a:t>
+              <a:t>4/5/24</a:t>
             </a:fld>
             <a:endParaRPr lang="en-US"/>
           </a:p>
@@ -1236,7 +1236,7 @@
           <a:p>
             <a:fld id="{9F69634C-F75C-45F7-A87A-C5E2AF3ECA41}" type="datetimeFigureOut">
               <a:rPr lang="en-US" smtClean="0"/>
-              <a:t>4/4/24</a:t>
+              <a:t>4/5/24</a:t>
             </a:fld>
             <a:endParaRPr lang="en-US"/>
           </a:p>
@@ -1501,7 +1501,7 @@
           <a:p>
             <a:fld id="{9F69634C-F75C-45F7-A87A-C5E2AF3ECA41}" type="datetimeFigureOut">
               <a:rPr lang="en-US" smtClean="0"/>
-              <a:t>4/4/24</a:t>
+              <a:t>4/5/24</a:t>
             </a:fld>
             <a:endParaRPr lang="en-US"/>
           </a:p>
@@ -1614,7 +1614,7 @@
           <a:p>
             <a:fld id="{9F69634C-F75C-45F7-A87A-C5E2AF3ECA41}" type="datetimeFigureOut">
               <a:rPr lang="en-US" smtClean="0"/>
-              <a:t>4/4/24</a:t>
+              <a:t>4/5/24</a:t>
             </a:fld>
             <a:endParaRPr lang="en-US"/>
           </a:p>
@@ -1856,7 +1856,7 @@
           <a:p>
             <a:fld id="{9F69634C-F75C-45F7-A87A-C5E2AF3ECA41}" type="datetimeFigureOut">
               <a:rPr lang="en-US" smtClean="0"/>
-              <a:t>4/4/24</a:t>
+              <a:t>4/5/24</a:t>
             </a:fld>
             <a:endParaRPr lang="en-US"/>
           </a:p>
@@ -16530,7 +16530,7 @@
                 </a:solidFill>
                 <a:latin typeface="Open Sans" panose="020B0606030504020204" pitchFamily="34" charset="0"/>
               </a:rPr>
-              <a:t>discards the annotation with lease supported reads (low support molecules).</a:t>
+              <a:t>discards the annotation with least supported reads (low support molecules).</a:t>
             </a:r>
             <a:endParaRPr lang="en-US" b="0" i="0" dirty="0">
               <a:solidFill>
@@ -17676,7 +17676,7 @@
         <p:spPr>
           <a:xfrm>
             <a:off x="3862507" y="1099968"/>
-            <a:ext cx="6190342" cy="369332"/>
+            <a:ext cx="6190342" cy="1200329"/>
           </a:xfrm>
           <a:prstGeom prst="rect">
             <a:avLst/>
@@ -17691,50 +17691,7 @@
           <a:p>
             <a:r>
               <a:rPr lang="en-US" dirty="0"/>
-              <a:t>7</a:t>
-            </a:r>
-            <a:r>
-              <a:rPr lang="en-US"/>
-              <a:t>. </a:t>
-            </a:r>
-            <a:r>
-              <a:rPr lang="en-US" dirty="0"/>
-              <a:t>Discard duplicate molecules</a:t>
-            </a:r>
-          </a:p>
-        </p:txBody>
-      </p:sp>
-      <p:sp>
-        <p:nvSpPr>
-          <p:cNvPr id="23" name="TextBox 22">
-            <a:extLst>
-              <a:ext uri="{FF2B5EF4-FFF2-40B4-BE49-F238E27FC236}">
-                <a16:creationId xmlns:a16="http://schemas.microsoft.com/office/drawing/2014/main" id="{E173B7D2-3703-91E0-6190-6D41AA8E24E3}"/>
-              </a:ext>
-            </a:extLst>
-          </p:cNvPr>
-          <p:cNvSpPr txBox="1"/>
-          <p:nvPr/>
-        </p:nvSpPr>
-        <p:spPr>
-          <a:xfrm>
-            <a:off x="5795780" y="2054412"/>
-            <a:ext cx="1274255" cy="369332"/>
-          </a:xfrm>
-          <a:prstGeom prst="rect">
-            <a:avLst/>
-          </a:prstGeom>
-          <a:noFill/>
-        </p:spPr>
-        <p:txBody>
-          <a:bodyPr wrap="square">
-            <a:spAutoFit/>
-          </a:bodyPr>
-          <a:lstStyle/>
-          <a:p>
-            <a:r>
-              <a:rPr lang="en-US" dirty="0"/>
-              <a:t>????</a:t>
+              <a:t>7. In addition to 6 for the groups of reads with the same barcode and UMI, if there is the same level of read support for more than one gene annotation, a gene cannot be confidently assigned and the read groups will be discarded. </a:t>
             </a:r>
           </a:p>
         </p:txBody>
